--- a/Capstone Project 2/Capstone Project 2.pptx
+++ b/Capstone Project 2/Capstone Project 2.pptx
@@ -5,25 +5,25 @@
     <p:sldMasterId id="2147483648" r:id="rId1"/>
   </p:sldMasterIdLst>
   <p:notesMasterIdLst>
-    <p:notesMasterId r:id="rId14"/>
+    <p:notesMasterId r:id="rId15"/>
   </p:notesMasterIdLst>
   <p:handoutMasterIdLst>
-    <p:handoutMasterId r:id="rId17"/>
+    <p:handoutMasterId r:id="rId16"/>
   </p:handoutMasterIdLst>
   <p:sldIdLst>
-    <p:sldId id="256" r:id="rId3"/>
-    <p:sldId id="257" r:id="rId4"/>
-    <p:sldId id="259" r:id="rId5"/>
-    <p:sldId id="416" r:id="rId6"/>
-    <p:sldId id="417" r:id="rId7"/>
-    <p:sldId id="418" r:id="rId8"/>
-    <p:sldId id="419" r:id="rId9"/>
-    <p:sldId id="380" r:id="rId10"/>
-    <p:sldId id="420" r:id="rId11"/>
-    <p:sldId id="421" r:id="rId12"/>
-    <p:sldId id="422" r:id="rId13"/>
-    <p:sldId id="423" r:id="rId15"/>
-    <p:sldId id="393" r:id="rId16"/>
+    <p:sldId id="256" r:id="rId2"/>
+    <p:sldId id="257" r:id="rId3"/>
+    <p:sldId id="259" r:id="rId4"/>
+    <p:sldId id="416" r:id="rId5"/>
+    <p:sldId id="417" r:id="rId6"/>
+    <p:sldId id="418" r:id="rId7"/>
+    <p:sldId id="419" r:id="rId8"/>
+    <p:sldId id="380" r:id="rId9"/>
+    <p:sldId id="420" r:id="rId10"/>
+    <p:sldId id="421" r:id="rId11"/>
+    <p:sldId id="422" r:id="rId12"/>
+    <p:sldId id="423" r:id="rId13"/>
+    <p:sldId id="393" r:id="rId14"/>
   </p:sldIdLst>
   <p:sldSz cx="12192000" cy="6858000"/>
   <p:notesSz cx="6858000" cy="9144000"/>
@@ -207,6 +207,8 @@
           <a:p>
             <a:fld id="{0F9B84EA-7D68-4D60-9CB1-D50884785D1C}" type="datetimeFigureOut">
               <a:rPr lang="zh-CN" altLang="en-US" smtClean="0"/>
+              <a:pPr/>
+              <a:t>2019-10-21</a:t>
             </a:fld>
             <a:endParaRPr lang="zh-CN" altLang="en-US"/>
           </a:p>
@@ -272,6 +274,8 @@
           <a:p>
             <a:fld id="{8D4E0FC9-F1F8-4FAE-9988-3BA365CFD46F}" type="slidenum">
               <a:rPr lang="zh-CN" altLang="en-US" smtClean="0"/>
+              <a:pPr/>
+              <a:t>‹#›</a:t>
             </a:fld>
             <a:endParaRPr lang="zh-CN" altLang="en-US"/>
           </a:p>
@@ -365,6 +369,8 @@
           <a:p>
             <a:fld id="{D2A48B96-639E-45A3-A0BA-2464DFDB1FAA}" type="datetimeFigureOut">
               <a:rPr lang="zh-CN" altLang="en-US" smtClean="0"/>
+              <a:pPr/>
+              <a:t>2019-10-21</a:t>
             </a:fld>
             <a:endParaRPr lang="zh-CN" altLang="en-US"/>
           </a:p>
@@ -537,6 +543,8 @@
           <a:p>
             <a:fld id="{A6837353-30EB-4A48-80EB-173D804AEFBD}" type="slidenum">
               <a:rPr lang="zh-CN" altLang="en-US" smtClean="0"/>
+              <a:pPr/>
+              <a:t>‹#›</a:t>
             </a:fld>
             <a:endParaRPr lang="zh-CN" altLang="en-US"/>
           </a:p>
@@ -649,11 +657,20 @@
         <p:cNvGrpSpPr/>
         <p:nvPr/>
       </p:nvGrpSpPr>
-      <p:grpSpPr/>
+      <p:grpSpPr>
+        <a:xfrm>
+          <a:off x="0" y="0"/>
+          <a:ext cx="0" cy="0"/>
+          <a:chOff x="0" y="0"/>
+          <a:chExt cx="0" cy="0"/>
+        </a:xfrm>
+      </p:grpSpPr>
       <p:sp>
         <p:nvSpPr>
           <p:cNvPr id="2" name="Slide Image Placeholder 1"/>
-          <p:cNvSpPr/>
+          <p:cNvSpPr>
+            <a:spLocks noGrp="1" noRot="1" noChangeAspect="1"/>
+          </p:cNvSpPr>
           <p:nvPr>
             <p:ph type="sldImg" idx="2"/>
           </p:nvPr>
@@ -663,7 +680,9 @@
       <p:sp>
         <p:nvSpPr>
           <p:cNvPr id="3" name="Text Placeholder 2"/>
-          <p:cNvSpPr/>
+          <p:cNvSpPr>
+            <a:spLocks noGrp="1"/>
+          </p:cNvSpPr>
           <p:nvPr>
             <p:ph type="body" idx="3"/>
           </p:nvPr>
@@ -671,6 +690,7 @@
         <p:spPr/>
         <p:txBody>
           <a:bodyPr/>
+          <a:lstStyle/>
           <a:p>
             <a:endParaRPr lang="en-US"/>
           </a:p>
@@ -693,11 +713,20 @@
         <p:cNvGrpSpPr/>
         <p:nvPr/>
       </p:nvGrpSpPr>
-      <p:grpSpPr/>
+      <p:grpSpPr>
+        <a:xfrm>
+          <a:off x="0" y="0"/>
+          <a:ext cx="0" cy="0"/>
+          <a:chOff x="0" y="0"/>
+          <a:chExt cx="0" cy="0"/>
+        </a:xfrm>
+      </p:grpSpPr>
       <p:sp>
         <p:nvSpPr>
           <p:cNvPr id="2" name="Slide Image Placeholder 1"/>
-          <p:cNvSpPr/>
+          <p:cNvSpPr>
+            <a:spLocks noGrp="1" noRot="1" noChangeAspect="1"/>
+          </p:cNvSpPr>
           <p:nvPr>
             <p:ph type="sldImg" idx="2"/>
           </p:nvPr>
@@ -707,7 +736,9 @@
       <p:sp>
         <p:nvSpPr>
           <p:cNvPr id="3" name="Text Placeholder 2"/>
-          <p:cNvSpPr/>
+          <p:cNvSpPr>
+            <a:spLocks noGrp="1"/>
+          </p:cNvSpPr>
           <p:nvPr>
             <p:ph type="body" idx="3"/>
           </p:nvPr>
@@ -715,6 +746,7 @@
         <p:spPr/>
         <p:txBody>
           <a:bodyPr/>
+          <a:lstStyle/>
           <a:p>
             <a:endParaRPr lang="en-US"/>
           </a:p>
@@ -773,7 +805,6 @@
               <a:rPr lang="en-US"/>
               <a:t>Click to edit Master title style</a:t>
             </a:r>
-            <a:endParaRPr lang="en-US"/>
           </a:p>
         </p:txBody>
       </p:sp>
@@ -838,7 +869,6 @@
               <a:rPr lang="en-US"/>
               <a:t>Click to edit Master subtitle style</a:t>
             </a:r>
-            <a:endParaRPr lang="en-US"/>
           </a:p>
         </p:txBody>
       </p:sp>
@@ -859,6 +889,8 @@
           <a:p>
             <a:fld id="{3D7C03AA-D59E-4F38-9F50-6993286DD190}" type="datetimeFigureOut">
               <a:rPr lang="en-US" smtClean="0"/>
+              <a:pPr/>
+              <a:t>10/21/2019</a:t>
             </a:fld>
             <a:endParaRPr lang="en-US"/>
           </a:p>
@@ -900,6 +932,8 @@
           <a:p>
             <a:fld id="{184F297E-5C29-4C6A-82A8-01BD14A7F4A8}" type="slidenum">
               <a:rPr lang="en-US" smtClean="0"/>
+              <a:pPr/>
+              <a:t>‹#›</a:t>
             </a:fld>
             <a:endParaRPr lang="en-US"/>
           </a:p>
@@ -949,7 +983,6 @@
               <a:rPr lang="en-US"/>
               <a:t>Click to edit Master title style</a:t>
             </a:r>
-            <a:endParaRPr lang="en-US"/>
           </a:p>
         </p:txBody>
       </p:sp>
@@ -973,7 +1006,6 @@
               <a:rPr lang="en-US"/>
               <a:t>Click to edit Master text styles</a:t>
             </a:r>
-            <a:endParaRPr lang="en-US"/>
           </a:p>
           <a:p>
             <a:pPr lvl="1"/>
@@ -981,7 +1013,6 @@
               <a:rPr lang="en-US"/>
               <a:t>Second level</a:t>
             </a:r>
-            <a:endParaRPr lang="en-US"/>
           </a:p>
           <a:p>
             <a:pPr lvl="2"/>
@@ -989,7 +1020,6 @@
               <a:rPr lang="en-US"/>
               <a:t>Third level</a:t>
             </a:r>
-            <a:endParaRPr lang="en-US"/>
           </a:p>
           <a:p>
             <a:pPr lvl="3"/>
@@ -997,7 +1027,6 @@
               <a:rPr lang="en-US"/>
               <a:t>Fourth level</a:t>
             </a:r>
-            <a:endParaRPr lang="en-US"/>
           </a:p>
           <a:p>
             <a:pPr lvl="4"/>
@@ -1005,7 +1034,6 @@
               <a:rPr lang="en-US"/>
               <a:t>Fifth level</a:t>
             </a:r>
-            <a:endParaRPr lang="en-US"/>
           </a:p>
         </p:txBody>
       </p:sp>
@@ -1026,6 +1054,8 @@
           <a:p>
             <a:fld id="{3D7C03AA-D59E-4F38-9F50-6993286DD190}" type="datetimeFigureOut">
               <a:rPr lang="en-US" smtClean="0"/>
+              <a:pPr/>
+              <a:t>10/21/2019</a:t>
             </a:fld>
             <a:endParaRPr lang="en-US"/>
           </a:p>
@@ -1067,6 +1097,8 @@
           <a:p>
             <a:fld id="{184F297E-5C29-4C6A-82A8-01BD14A7F4A8}" type="slidenum">
               <a:rPr lang="en-US" smtClean="0"/>
+              <a:pPr/>
+              <a:t>‹#›</a:t>
             </a:fld>
             <a:endParaRPr lang="en-US"/>
           </a:p>
@@ -1121,7 +1153,6 @@
               <a:rPr lang="en-US"/>
               <a:t>Click to edit Master title style</a:t>
             </a:r>
-            <a:endParaRPr lang="en-US"/>
           </a:p>
         </p:txBody>
       </p:sp>
@@ -1150,7 +1181,6 @@
               <a:rPr lang="en-US"/>
               <a:t>Click to edit Master text styles</a:t>
             </a:r>
-            <a:endParaRPr lang="en-US"/>
           </a:p>
           <a:p>
             <a:pPr lvl="1"/>
@@ -1158,7 +1188,6 @@
               <a:rPr lang="en-US"/>
               <a:t>Second level</a:t>
             </a:r>
-            <a:endParaRPr lang="en-US"/>
           </a:p>
           <a:p>
             <a:pPr lvl="2"/>
@@ -1166,7 +1195,6 @@
               <a:rPr lang="en-US"/>
               <a:t>Third level</a:t>
             </a:r>
-            <a:endParaRPr lang="en-US"/>
           </a:p>
           <a:p>
             <a:pPr lvl="3"/>
@@ -1174,7 +1202,6 @@
               <a:rPr lang="en-US"/>
               <a:t>Fourth level</a:t>
             </a:r>
-            <a:endParaRPr lang="en-US"/>
           </a:p>
           <a:p>
             <a:pPr lvl="4"/>
@@ -1182,7 +1209,6 @@
               <a:rPr lang="en-US"/>
               <a:t>Fifth level</a:t>
             </a:r>
-            <a:endParaRPr lang="en-US"/>
           </a:p>
         </p:txBody>
       </p:sp>
@@ -1203,6 +1229,8 @@
           <a:p>
             <a:fld id="{3D7C03AA-D59E-4F38-9F50-6993286DD190}" type="datetimeFigureOut">
               <a:rPr lang="en-US" smtClean="0"/>
+              <a:pPr/>
+              <a:t>10/21/2019</a:t>
             </a:fld>
             <a:endParaRPr lang="en-US"/>
           </a:p>
@@ -1244,6 +1272,8 @@
           <a:p>
             <a:fld id="{184F297E-5C29-4C6A-82A8-01BD14A7F4A8}" type="slidenum">
               <a:rPr lang="en-US" smtClean="0"/>
+              <a:pPr/>
+              <a:t>‹#›</a:t>
             </a:fld>
             <a:endParaRPr lang="en-US"/>
           </a:p>
@@ -1293,7 +1323,6 @@
               <a:rPr lang="en-US"/>
               <a:t>Click to edit Master title style</a:t>
             </a:r>
-            <a:endParaRPr lang="en-US"/>
           </a:p>
         </p:txBody>
       </p:sp>
@@ -1317,7 +1346,6 @@
               <a:rPr lang="en-US"/>
               <a:t>Click to edit Master text styles</a:t>
             </a:r>
-            <a:endParaRPr lang="en-US"/>
           </a:p>
           <a:p>
             <a:pPr lvl="1"/>
@@ -1325,7 +1353,6 @@
               <a:rPr lang="en-US"/>
               <a:t>Second level</a:t>
             </a:r>
-            <a:endParaRPr lang="en-US"/>
           </a:p>
           <a:p>
             <a:pPr lvl="2"/>
@@ -1333,7 +1360,6 @@
               <a:rPr lang="en-US"/>
               <a:t>Third level</a:t>
             </a:r>
-            <a:endParaRPr lang="en-US"/>
           </a:p>
           <a:p>
             <a:pPr lvl="3"/>
@@ -1341,7 +1367,6 @@
               <a:rPr lang="en-US"/>
               <a:t>Fourth level</a:t>
             </a:r>
-            <a:endParaRPr lang="en-US"/>
           </a:p>
           <a:p>
             <a:pPr lvl="4"/>
@@ -1349,7 +1374,6 @@
               <a:rPr lang="en-US"/>
               <a:t>Fifth level</a:t>
             </a:r>
-            <a:endParaRPr lang="en-US"/>
           </a:p>
         </p:txBody>
       </p:sp>
@@ -1370,6 +1394,8 @@
           <a:p>
             <a:fld id="{3D7C03AA-D59E-4F38-9F50-6993286DD190}" type="datetimeFigureOut">
               <a:rPr lang="en-US" smtClean="0"/>
+              <a:pPr/>
+              <a:t>10/21/2019</a:t>
             </a:fld>
             <a:endParaRPr lang="en-US"/>
           </a:p>
@@ -1411,6 +1437,8 @@
           <a:p>
             <a:fld id="{184F297E-5C29-4C6A-82A8-01BD14A7F4A8}" type="slidenum">
               <a:rPr lang="en-US" smtClean="0"/>
+              <a:pPr/>
+              <a:t>‹#›</a:t>
             </a:fld>
             <a:endParaRPr lang="en-US"/>
           </a:p>
@@ -1469,7 +1497,6 @@
               <a:rPr lang="en-US"/>
               <a:t>Click to edit Master title style</a:t>
             </a:r>
-            <a:endParaRPr lang="en-US"/>
           </a:p>
         </p:txBody>
       </p:sp>
@@ -1589,7 +1616,6 @@
               <a:rPr lang="en-US"/>
               <a:t>Click to edit Master text styles</a:t>
             </a:r>
-            <a:endParaRPr lang="en-US"/>
           </a:p>
         </p:txBody>
       </p:sp>
@@ -1610,6 +1636,8 @@
           <a:p>
             <a:fld id="{3D7C03AA-D59E-4F38-9F50-6993286DD190}" type="datetimeFigureOut">
               <a:rPr lang="en-US" smtClean="0"/>
+              <a:pPr/>
+              <a:t>10/21/2019</a:t>
             </a:fld>
             <a:endParaRPr lang="en-US"/>
           </a:p>
@@ -1651,6 +1679,8 @@
           <a:p>
             <a:fld id="{184F297E-5C29-4C6A-82A8-01BD14A7F4A8}" type="slidenum">
               <a:rPr lang="en-US" smtClean="0"/>
+              <a:pPr/>
+              <a:t>‹#›</a:t>
             </a:fld>
             <a:endParaRPr lang="en-US"/>
           </a:p>
@@ -1700,7 +1730,6 @@
               <a:rPr lang="en-US"/>
               <a:t>Click to edit Master title style</a:t>
             </a:r>
-            <a:endParaRPr lang="en-US"/>
           </a:p>
         </p:txBody>
       </p:sp>
@@ -1729,7 +1758,6 @@
               <a:rPr lang="en-US"/>
               <a:t>Click to edit Master text styles</a:t>
             </a:r>
-            <a:endParaRPr lang="en-US"/>
           </a:p>
           <a:p>
             <a:pPr lvl="1"/>
@@ -1737,7 +1765,6 @@
               <a:rPr lang="en-US"/>
               <a:t>Second level</a:t>
             </a:r>
-            <a:endParaRPr lang="en-US"/>
           </a:p>
           <a:p>
             <a:pPr lvl="2"/>
@@ -1745,7 +1772,6 @@
               <a:rPr lang="en-US"/>
               <a:t>Third level</a:t>
             </a:r>
-            <a:endParaRPr lang="en-US"/>
           </a:p>
           <a:p>
             <a:pPr lvl="3"/>
@@ -1753,7 +1779,6 @@
               <a:rPr lang="en-US"/>
               <a:t>Fourth level</a:t>
             </a:r>
-            <a:endParaRPr lang="en-US"/>
           </a:p>
           <a:p>
             <a:pPr lvl="4"/>
@@ -1761,7 +1786,6 @@
               <a:rPr lang="en-US"/>
               <a:t>Fifth level</a:t>
             </a:r>
-            <a:endParaRPr lang="en-US"/>
           </a:p>
         </p:txBody>
       </p:sp>
@@ -1790,7 +1814,6 @@
               <a:rPr lang="en-US"/>
               <a:t>Click to edit Master text styles</a:t>
             </a:r>
-            <a:endParaRPr lang="en-US"/>
           </a:p>
           <a:p>
             <a:pPr lvl="1"/>
@@ -1798,7 +1821,6 @@
               <a:rPr lang="en-US"/>
               <a:t>Second level</a:t>
             </a:r>
-            <a:endParaRPr lang="en-US"/>
           </a:p>
           <a:p>
             <a:pPr lvl="2"/>
@@ -1806,7 +1828,6 @@
               <a:rPr lang="en-US"/>
               <a:t>Third level</a:t>
             </a:r>
-            <a:endParaRPr lang="en-US"/>
           </a:p>
           <a:p>
             <a:pPr lvl="3"/>
@@ -1814,7 +1835,6 @@
               <a:rPr lang="en-US"/>
               <a:t>Fourth level</a:t>
             </a:r>
-            <a:endParaRPr lang="en-US"/>
           </a:p>
           <a:p>
             <a:pPr lvl="4"/>
@@ -1822,7 +1842,6 @@
               <a:rPr lang="en-US"/>
               <a:t>Fifth level</a:t>
             </a:r>
-            <a:endParaRPr lang="en-US"/>
           </a:p>
         </p:txBody>
       </p:sp>
@@ -1843,6 +1862,8 @@
           <a:p>
             <a:fld id="{3D7C03AA-D59E-4F38-9F50-6993286DD190}" type="datetimeFigureOut">
               <a:rPr lang="en-US" smtClean="0"/>
+              <a:pPr/>
+              <a:t>10/21/2019</a:t>
             </a:fld>
             <a:endParaRPr lang="en-US"/>
           </a:p>
@@ -1884,6 +1905,8 @@
           <a:p>
             <a:fld id="{184F297E-5C29-4C6A-82A8-01BD14A7F4A8}" type="slidenum">
               <a:rPr lang="en-US" smtClean="0"/>
+              <a:pPr/>
+              <a:t>‹#›</a:t>
             </a:fld>
             <a:endParaRPr lang="en-US"/>
           </a:p>
@@ -1938,7 +1961,6 @@
               <a:rPr lang="en-US"/>
               <a:t>Click to edit Master title style</a:t>
             </a:r>
-            <a:endParaRPr lang="en-US"/>
           </a:p>
         </p:txBody>
       </p:sp>
@@ -2004,7 +2026,6 @@
               <a:rPr lang="en-US"/>
               <a:t>Click to edit Master text styles</a:t>
             </a:r>
-            <a:endParaRPr lang="en-US"/>
           </a:p>
         </p:txBody>
       </p:sp>
@@ -2033,7 +2054,6 @@
               <a:rPr lang="en-US"/>
               <a:t>Click to edit Master text styles</a:t>
             </a:r>
-            <a:endParaRPr lang="en-US"/>
           </a:p>
           <a:p>
             <a:pPr lvl="1"/>
@@ -2041,7 +2061,6 @@
               <a:rPr lang="en-US"/>
               <a:t>Second level</a:t>
             </a:r>
-            <a:endParaRPr lang="en-US"/>
           </a:p>
           <a:p>
             <a:pPr lvl="2"/>
@@ -2049,7 +2068,6 @@
               <a:rPr lang="en-US"/>
               <a:t>Third level</a:t>
             </a:r>
-            <a:endParaRPr lang="en-US"/>
           </a:p>
           <a:p>
             <a:pPr lvl="3"/>
@@ -2057,7 +2075,6 @@
               <a:rPr lang="en-US"/>
               <a:t>Fourth level</a:t>
             </a:r>
-            <a:endParaRPr lang="en-US"/>
           </a:p>
           <a:p>
             <a:pPr lvl="4"/>
@@ -2065,7 +2082,6 @@
               <a:rPr lang="en-US"/>
               <a:t>Fifth level</a:t>
             </a:r>
-            <a:endParaRPr lang="en-US"/>
           </a:p>
         </p:txBody>
       </p:sp>
@@ -2131,7 +2147,6 @@
               <a:rPr lang="en-US"/>
               <a:t>Click to edit Master text styles</a:t>
             </a:r>
-            <a:endParaRPr lang="en-US"/>
           </a:p>
         </p:txBody>
       </p:sp>
@@ -2160,7 +2175,6 @@
               <a:rPr lang="en-US"/>
               <a:t>Click to edit Master text styles</a:t>
             </a:r>
-            <a:endParaRPr lang="en-US"/>
           </a:p>
           <a:p>
             <a:pPr lvl="1"/>
@@ -2168,7 +2182,6 @@
               <a:rPr lang="en-US"/>
               <a:t>Second level</a:t>
             </a:r>
-            <a:endParaRPr lang="en-US"/>
           </a:p>
           <a:p>
             <a:pPr lvl="2"/>
@@ -2176,7 +2189,6 @@
               <a:rPr lang="en-US"/>
               <a:t>Third level</a:t>
             </a:r>
-            <a:endParaRPr lang="en-US"/>
           </a:p>
           <a:p>
             <a:pPr lvl="3"/>
@@ -2184,7 +2196,6 @@
               <a:rPr lang="en-US"/>
               <a:t>Fourth level</a:t>
             </a:r>
-            <a:endParaRPr lang="en-US"/>
           </a:p>
           <a:p>
             <a:pPr lvl="4"/>
@@ -2192,7 +2203,6 @@
               <a:rPr lang="en-US"/>
               <a:t>Fifth level</a:t>
             </a:r>
-            <a:endParaRPr lang="en-US"/>
           </a:p>
         </p:txBody>
       </p:sp>
@@ -2213,6 +2223,8 @@
           <a:p>
             <a:fld id="{3D7C03AA-D59E-4F38-9F50-6993286DD190}" type="datetimeFigureOut">
               <a:rPr lang="en-US" smtClean="0"/>
+              <a:pPr/>
+              <a:t>10/21/2019</a:t>
             </a:fld>
             <a:endParaRPr lang="en-US"/>
           </a:p>
@@ -2254,6 +2266,8 @@
           <a:p>
             <a:fld id="{184F297E-5C29-4C6A-82A8-01BD14A7F4A8}" type="slidenum">
               <a:rPr lang="en-US" smtClean="0"/>
+              <a:pPr/>
+              <a:t>‹#›</a:t>
             </a:fld>
             <a:endParaRPr lang="en-US"/>
           </a:p>
@@ -2303,7 +2317,6 @@
               <a:rPr lang="en-US"/>
               <a:t>Click to edit Master title style</a:t>
             </a:r>
-            <a:endParaRPr lang="en-US"/>
           </a:p>
         </p:txBody>
       </p:sp>
@@ -2324,6 +2337,8 @@
           <a:p>
             <a:fld id="{3D7C03AA-D59E-4F38-9F50-6993286DD190}" type="datetimeFigureOut">
               <a:rPr lang="en-US" smtClean="0"/>
+              <a:pPr/>
+              <a:t>10/21/2019</a:t>
             </a:fld>
             <a:endParaRPr lang="en-US"/>
           </a:p>
@@ -2365,6 +2380,8 @@
           <a:p>
             <a:fld id="{184F297E-5C29-4C6A-82A8-01BD14A7F4A8}" type="slidenum">
               <a:rPr lang="en-US" smtClean="0"/>
+              <a:pPr/>
+              <a:t>‹#›</a:t>
             </a:fld>
             <a:endParaRPr lang="en-US"/>
           </a:p>
@@ -2412,6 +2429,8 @@
           <a:p>
             <a:fld id="{3D7C03AA-D59E-4F38-9F50-6993286DD190}" type="datetimeFigureOut">
               <a:rPr lang="en-US" smtClean="0"/>
+              <a:pPr/>
+              <a:t>10/21/2019</a:t>
             </a:fld>
             <a:endParaRPr lang="en-US"/>
           </a:p>
@@ -2453,6 +2472,8 @@
           <a:p>
             <a:fld id="{184F297E-5C29-4C6A-82A8-01BD14A7F4A8}" type="slidenum">
               <a:rPr lang="en-US" smtClean="0"/>
+              <a:pPr/>
+              <a:t>‹#›</a:t>
             </a:fld>
             <a:endParaRPr lang="en-US"/>
           </a:p>
@@ -2511,7 +2532,6 @@
               <a:rPr lang="en-US"/>
               <a:t>Click to edit Master title style</a:t>
             </a:r>
-            <a:endParaRPr lang="en-US"/>
           </a:p>
         </p:txBody>
       </p:sp>
@@ -2568,7 +2588,6 @@
               <a:rPr lang="en-US"/>
               <a:t>Click to edit Master text styles</a:t>
             </a:r>
-            <a:endParaRPr lang="en-US"/>
           </a:p>
           <a:p>
             <a:pPr lvl="1"/>
@@ -2576,7 +2595,6 @@
               <a:rPr lang="en-US"/>
               <a:t>Second level</a:t>
             </a:r>
-            <a:endParaRPr lang="en-US"/>
           </a:p>
           <a:p>
             <a:pPr lvl="2"/>
@@ -2584,7 +2602,6 @@
               <a:rPr lang="en-US"/>
               <a:t>Third level</a:t>
             </a:r>
-            <a:endParaRPr lang="en-US"/>
           </a:p>
           <a:p>
             <a:pPr lvl="3"/>
@@ -2592,7 +2609,6 @@
               <a:rPr lang="en-US"/>
               <a:t>Fourth level</a:t>
             </a:r>
-            <a:endParaRPr lang="en-US"/>
           </a:p>
           <a:p>
             <a:pPr lvl="4"/>
@@ -2600,7 +2616,6 @@
               <a:rPr lang="en-US"/>
               <a:t>Fifth level</a:t>
             </a:r>
-            <a:endParaRPr lang="en-US"/>
           </a:p>
         </p:txBody>
       </p:sp>
@@ -2666,7 +2681,6 @@
               <a:rPr lang="en-US"/>
               <a:t>Click to edit Master text styles</a:t>
             </a:r>
-            <a:endParaRPr lang="en-US"/>
           </a:p>
         </p:txBody>
       </p:sp>
@@ -2687,6 +2701,8 @@
           <a:p>
             <a:fld id="{3D7C03AA-D59E-4F38-9F50-6993286DD190}" type="datetimeFigureOut">
               <a:rPr lang="en-US" smtClean="0"/>
+              <a:pPr/>
+              <a:t>10/21/2019</a:t>
             </a:fld>
             <a:endParaRPr lang="en-US"/>
           </a:p>
@@ -2728,6 +2744,8 @@
           <a:p>
             <a:fld id="{184F297E-5C29-4C6A-82A8-01BD14A7F4A8}" type="slidenum">
               <a:rPr lang="en-US" smtClean="0"/>
+              <a:pPr/>
+              <a:t>‹#›</a:t>
             </a:fld>
             <a:endParaRPr lang="en-US"/>
           </a:p>
@@ -2786,7 +2804,6 @@
               <a:rPr lang="en-US"/>
               <a:t>Click to edit Master title style</a:t>
             </a:r>
-            <a:endParaRPr lang="en-US"/>
           </a:p>
         </p:txBody>
       </p:sp>
@@ -2913,7 +2930,6 @@
               <a:rPr lang="en-US"/>
               <a:t>Click to edit Master text styles</a:t>
             </a:r>
-            <a:endParaRPr lang="en-US"/>
           </a:p>
         </p:txBody>
       </p:sp>
@@ -2934,6 +2950,8 @@
           <a:p>
             <a:fld id="{3D7C03AA-D59E-4F38-9F50-6993286DD190}" type="datetimeFigureOut">
               <a:rPr lang="en-US" smtClean="0"/>
+              <a:pPr/>
+              <a:t>10/21/2019</a:t>
             </a:fld>
             <a:endParaRPr lang="en-US"/>
           </a:p>
@@ -2975,6 +2993,8 @@
           <a:p>
             <a:fld id="{184F297E-5C29-4C6A-82A8-01BD14A7F4A8}" type="slidenum">
               <a:rPr lang="en-US" smtClean="0"/>
+              <a:pPr/>
+              <a:t>‹#›</a:t>
             </a:fld>
             <a:endParaRPr lang="en-US"/>
           </a:p>
@@ -3039,7 +3059,6 @@
               <a:rPr lang="en-US"/>
               <a:t>Click to edit Master title style</a:t>
             </a:r>
-            <a:endParaRPr lang="en-US"/>
           </a:p>
         </p:txBody>
       </p:sp>
@@ -3073,7 +3092,6 @@
               <a:rPr lang="en-US"/>
               <a:t>Click to edit Master text styles</a:t>
             </a:r>
-            <a:endParaRPr lang="en-US"/>
           </a:p>
           <a:p>
             <a:pPr lvl="1"/>
@@ -3081,7 +3099,6 @@
               <a:rPr lang="en-US"/>
               <a:t>Second level</a:t>
             </a:r>
-            <a:endParaRPr lang="en-US"/>
           </a:p>
           <a:p>
             <a:pPr lvl="2"/>
@@ -3089,7 +3106,6 @@
               <a:rPr lang="en-US"/>
               <a:t>Third level</a:t>
             </a:r>
-            <a:endParaRPr lang="en-US"/>
           </a:p>
           <a:p>
             <a:pPr lvl="3"/>
@@ -3097,7 +3113,6 @@
               <a:rPr lang="en-US"/>
               <a:t>Fourth level</a:t>
             </a:r>
-            <a:endParaRPr lang="en-US"/>
           </a:p>
           <a:p>
             <a:pPr lvl="4"/>
@@ -3105,7 +3120,6 @@
               <a:rPr lang="en-US"/>
               <a:t>Fifth level</a:t>
             </a:r>
-            <a:endParaRPr lang="en-US"/>
           </a:p>
         </p:txBody>
       </p:sp>
@@ -3144,6 +3158,8 @@
           <a:p>
             <a:fld id="{3D7C03AA-D59E-4F38-9F50-6993286DD190}" type="datetimeFigureOut">
               <a:rPr lang="en-US" smtClean="0"/>
+              <a:pPr/>
+              <a:t>10/21/2019</a:t>
             </a:fld>
             <a:endParaRPr lang="en-US"/>
           </a:p>
@@ -3221,6 +3237,8 @@
           <a:p>
             <a:fld id="{184F297E-5C29-4C6A-82A8-01BD14A7F4A8}" type="slidenum">
               <a:rPr lang="en-US" smtClean="0"/>
+              <a:pPr/>
+              <a:t>‹#›</a:t>
             </a:fld>
             <a:endParaRPr lang="en-US"/>
           </a:p>
@@ -3557,7 +3575,7 @@
             <a:avLst/>
           </a:prstGeom>
           <a:blipFill dpi="0" rotWithShape="1">
-            <a:blip r:embed="rId1"/>
+            <a:blip r:embed="rId3" cstate="print"/>
             <a:srcRect/>
             <a:tile tx="0" ty="0" sx="100000" sy="100000" flip="none" algn="tl"/>
           </a:blipFill>
@@ -3644,11 +3662,6 @@
               </a:rPr>
               <a:t>Home Depot Product Search Relevance</a:t>
             </a:r>
-            <a:endParaRPr lang="en-US" sz="4000" b="1" dirty="0">
-              <a:latin typeface="Arial" panose="020B0604020202020204" pitchFamily="34" charset="0"/>
-              <a:ea typeface="微软雅黑" panose="020B0503020204020204" pitchFamily="34" charset="-122"/>
-              <a:sym typeface="Arial" panose="020B0604020202020204" pitchFamily="34" charset="0"/>
-            </a:endParaRPr>
           </a:p>
         </p:txBody>
       </p:sp>
@@ -3686,27 +3699,19 @@
               </a:rPr>
               <a:t>Jinwei Kang</a:t>
             </a:r>
-            <a:endParaRPr lang="en-US" sz="2000" dirty="0">
-              <a:solidFill>
-                <a:schemeClr val="bg1"/>
-              </a:solidFill>
-              <a:latin typeface="Arial" panose="020B0604020202020204" pitchFamily="34" charset="0"/>
-              <a:ea typeface="微软雅黑" panose="020B0503020204020204" pitchFamily="34" charset="-122"/>
-              <a:sym typeface="Arial" panose="020B0604020202020204" pitchFamily="34" charset="0"/>
-            </a:endParaRPr>
           </a:p>
         </p:txBody>
       </p:sp>
     </p:spTree>
     <p:custDataLst>
-      <p:tags r:id="rId2"/>
+      <p:tags r:id="rId1"/>
     </p:custDataLst>
   </p:cSld>
   <p:clrMapOvr>
     <a:masterClrMapping/>
   </p:clrMapOvr>
   <mc:AlternateContent xmlns:mc="http://schemas.openxmlformats.org/markup-compatibility/2006">
-    <mc:Choice xmlns:p14="http://schemas.microsoft.com/office/powerpoint/2010/main" Requires="p14">
+    <mc:Choice xmlns:p14="http://schemas.microsoft.com/office/powerpoint/2010/main" xmlns="" Requires="p14">
       <p:transition spd="slow" p14:dur="1500" advTm="0">
         <p:split orient="vert"/>
       </p:transition>
@@ -3909,14 +3914,6 @@
               </a:rPr>
               <a:t>Predictive Model</a:t>
             </a:r>
-            <a:endParaRPr lang="en-US" sz="4400" b="1" dirty="0">
-              <a:solidFill>
-                <a:schemeClr val="bg1"/>
-              </a:solidFill>
-              <a:latin typeface="Arial" panose="020B0604020202020204" pitchFamily="34" charset="0"/>
-              <a:ea typeface="微软雅黑" panose="020B0503020204020204" pitchFamily="34" charset="-122"/>
-              <a:sym typeface="Arial" panose="020B0604020202020204" pitchFamily="34" charset="0"/>
-            </a:endParaRPr>
           </a:p>
         </p:txBody>
       </p:sp>
@@ -3996,6 +3993,7 @@
                 <a:tc>
                   <a:txBody>
                     <a:bodyPr/>
+                    <a:lstStyle/>
                     <a:p>
                       <a:pPr indent="0" algn="ctr">
                         <a:buNone/>
@@ -4014,7 +4012,7 @@
                       </a:endParaRPr>
                     </a:p>
                   </a:txBody>
-                  <a:tcPr marL="68580" marR="68580" marT="0" marB="0" vert="horz" anchor="t">
+                  <a:tcPr marL="68580" marR="68580" marT="0" marB="0">
                     <a:lnL w="12700" cap="flat" cmpd="sng">
                       <a:solidFill>
                         <a:srgbClr val="000000"/>
@@ -4059,6 +4057,7 @@
                 <a:tc>
                   <a:txBody>
                     <a:bodyPr/>
+                    <a:lstStyle/>
                     <a:p>
                       <a:pPr indent="0" algn="ctr">
                         <a:buNone/>
@@ -4077,7 +4076,7 @@
                       </a:endParaRPr>
                     </a:p>
                   </a:txBody>
-                  <a:tcPr marL="68580" marR="68580" marT="0" marB="0" vert="horz" anchor="t">
+                  <a:tcPr marL="68580" marR="68580" marT="0" marB="0">
                     <a:lnL w="12700" cap="flat" cmpd="sng">
                       <a:solidFill>
                         <a:srgbClr val="000000"/>
@@ -4124,6 +4123,7 @@
                 <a:tc>
                   <a:txBody>
                     <a:bodyPr/>
+                    <a:lstStyle/>
                     <a:p>
                       <a:pPr indent="0" algn="ctr">
                         <a:buNone/>
@@ -4148,7 +4148,7 @@
                       </a:endParaRPr>
                     </a:p>
                   </a:txBody>
-                  <a:tcPr marL="68580" marR="68580" marT="0" marB="0" vert="horz" anchor="t">
+                  <a:tcPr marL="68580" marR="68580" marT="0" marB="0">
                     <a:lnL w="12700" cap="flat" cmpd="sng">
                       <a:solidFill>
                         <a:srgbClr val="000000"/>
@@ -4195,6 +4195,7 @@
                 <a:tc>
                   <a:txBody>
                     <a:bodyPr/>
+                    <a:lstStyle/>
                     <a:p>
                       <a:pPr indent="0" algn="ctr">
                         <a:buNone/>
@@ -4230,7 +4231,7 @@
                       </a:endParaRPr>
                     </a:p>
                   </a:txBody>
-                  <a:tcPr marL="68580" marR="68580" marT="0" marB="0" vert="horz" anchor="t">
+                  <a:tcPr marL="68580" marR="68580" marT="0" marB="0">
                     <a:lnL w="12700" cap="flat" cmpd="sng">
                       <a:solidFill>
                         <a:srgbClr val="000000"/>
@@ -4279,6 +4280,7 @@
                 <a:tc>
                   <a:txBody>
                     <a:bodyPr/>
+                    <a:lstStyle/>
                     <a:p>
                       <a:pPr indent="0" algn="ctr">
                         <a:buNone/>
@@ -4303,7 +4305,7 @@
                       </a:endParaRPr>
                     </a:p>
                   </a:txBody>
-                  <a:tcPr marL="68580" marR="68580" marT="0" marB="0" vert="horz" anchor="t">
+                  <a:tcPr marL="68580" marR="68580" marT="0" marB="0">
                     <a:lnL w="12700" cap="flat" cmpd="sng">
                       <a:solidFill>
                         <a:srgbClr val="000000"/>
@@ -4348,6 +4350,7 @@
                 <a:tc>
                   <a:txBody>
                     <a:bodyPr/>
+                    <a:lstStyle/>
                     <a:p>
                       <a:pPr indent="0" algn="ctr">
                         <a:buNone/>
@@ -4383,7 +4386,7 @@
                       </a:endParaRPr>
                     </a:p>
                   </a:txBody>
-                  <a:tcPr marL="68580" marR="68580" marT="0" marB="0" vert="horz" anchor="t">
+                  <a:tcPr marL="68580" marR="68580" marT="0" marB="0">
                     <a:lnL w="12700" cap="flat" cmpd="sng">
                       <a:solidFill>
                         <a:srgbClr val="000000"/>
@@ -4430,6 +4433,7 @@
                 <a:tc>
                   <a:txBody>
                     <a:bodyPr/>
+                    <a:lstStyle/>
                     <a:p>
                       <a:pPr indent="0" algn="ctr">
                         <a:buNone/>
@@ -4454,7 +4458,7 @@
                       </a:endParaRPr>
                     </a:p>
                   </a:txBody>
-                  <a:tcPr marL="68580" marR="68580" marT="0" marB="0" vert="horz" anchor="t">
+                  <a:tcPr marL="68580" marR="68580" marT="0" marB="0">
                     <a:lnL w="12700" cap="flat" cmpd="sng">
                       <a:solidFill>
                         <a:srgbClr val="000000"/>
@@ -4501,6 +4505,7 @@
                 <a:tc>
                   <a:txBody>
                     <a:bodyPr/>
+                    <a:lstStyle/>
                     <a:p>
                       <a:pPr indent="0" algn="ctr">
                         <a:buNone/>
@@ -4536,7 +4541,7 @@
                       </a:endParaRPr>
                     </a:p>
                   </a:txBody>
-                  <a:tcPr marL="68580" marR="68580" marT="0" marB="0" vert="horz" anchor="t">
+                  <a:tcPr marL="68580" marR="68580" marT="0" marB="0">
                     <a:lnL w="12700" cap="flat" cmpd="sng">
                       <a:solidFill>
                         <a:srgbClr val="000000"/>
@@ -4585,6 +4590,7 @@
                 <a:tc>
                   <a:txBody>
                     <a:bodyPr/>
+                    <a:lstStyle/>
                     <a:p>
                       <a:pPr indent="0" algn="ctr">
                         <a:buNone/>
@@ -4609,7 +4615,7 @@
                       </a:endParaRPr>
                     </a:p>
                   </a:txBody>
-                  <a:tcPr marL="68580" marR="68580" marT="0" marB="0" vert="horz" anchor="t">
+                  <a:tcPr marL="68580" marR="68580" marT="0" marB="0">
                     <a:lnL w="12700" cap="flat" cmpd="sng">
                       <a:solidFill>
                         <a:srgbClr val="000000"/>
@@ -4654,6 +4660,7 @@
                 <a:tc>
                   <a:txBody>
                     <a:bodyPr/>
+                    <a:lstStyle/>
                     <a:p>
                       <a:pPr indent="0" algn="ctr">
                         <a:buNone/>
@@ -4669,17 +4676,9 @@
                         </a:rPr>
                         <a:t>0.5529</a:t>
                       </a:r>
-                      <a:endParaRPr lang="en-US" sz="1200" b="0">
-                        <a:solidFill>
-                          <a:srgbClr val="000000"/>
-                        </a:solidFill>
-                        <a:latin typeface="宋体" panose="02010600030101010101" pitchFamily="2" charset="-122"/>
-                        <a:ea typeface="宋体" panose="02010600030101010101" pitchFamily="2" charset="-122"/>
-                        <a:cs typeface="宋体" panose="02010600030101010101" pitchFamily="2" charset="-122"/>
-                      </a:endParaRPr>
                     </a:p>
                   </a:txBody>
-                  <a:tcPr marL="68580" marR="68580" marT="0" marB="0" vert="horz" anchor="t">
+                  <a:tcPr marL="68580" marR="68580" marT="0" marB="0">
                     <a:lnL w="12700" cap="flat" cmpd="sng">
                       <a:solidFill>
                         <a:srgbClr val="000000"/>
@@ -4726,6 +4725,7 @@
                 <a:tc>
                   <a:txBody>
                     <a:bodyPr/>
+                    <a:lstStyle/>
                     <a:p>
                       <a:pPr indent="0" algn="ctr">
                         <a:buNone/>
@@ -4750,7 +4750,7 @@
                       </a:endParaRPr>
                     </a:p>
                   </a:txBody>
-                  <a:tcPr marL="68580" marR="68580" marT="0" marB="0" vert="horz" anchor="t">
+                  <a:tcPr marL="68580" marR="68580" marT="0" marB="0">
                     <a:lnL w="12700" cap="flat" cmpd="sng">
                       <a:solidFill>
                         <a:srgbClr val="000000"/>
@@ -4797,6 +4797,7 @@
                 <a:tc>
                   <a:txBody>
                     <a:bodyPr/>
+                    <a:lstStyle/>
                     <a:p>
                       <a:pPr indent="0" algn="ctr">
                         <a:buNone/>
@@ -4832,7 +4833,7 @@
                       </a:endParaRPr>
                     </a:p>
                   </a:txBody>
-                  <a:tcPr marL="68580" marR="68580" marT="0" marB="0" vert="horz" anchor="t">
+                  <a:tcPr marL="68580" marR="68580" marT="0" marB="0">
                     <a:lnL w="12700" cap="flat" cmpd="sng">
                       <a:solidFill>
                         <a:srgbClr val="000000"/>
@@ -4881,6 +4882,7 @@
                 <a:tc>
                   <a:txBody>
                     <a:bodyPr/>
+                    <a:lstStyle/>
                     <a:p>
                       <a:pPr indent="0" algn="ctr">
                         <a:buNone/>
@@ -4905,7 +4907,7 @@
                       </a:endParaRPr>
                     </a:p>
                   </a:txBody>
-                  <a:tcPr marL="68580" marR="68580" marT="0" marB="0" vert="horz" anchor="t">
+                  <a:tcPr marL="68580" marR="68580" marT="0" marB="0">
                     <a:lnL w="12700" cap="flat" cmpd="sng">
                       <a:solidFill>
                         <a:srgbClr val="000000"/>
@@ -4950,6 +4952,7 @@
                 <a:tc>
                   <a:txBody>
                     <a:bodyPr/>
+                    <a:lstStyle/>
                     <a:p>
                       <a:pPr indent="0" algn="ctr">
                         <a:buNone/>
@@ -4985,7 +4988,7 @@
                       </a:endParaRPr>
                     </a:p>
                   </a:txBody>
-                  <a:tcPr marL="68580" marR="68580" marT="0" marB="0" vert="horz" anchor="t">
+                  <a:tcPr marL="68580" marR="68580" marT="0" marB="0">
                     <a:lnL w="12700" cap="flat" cmpd="sng">
                       <a:solidFill>
                         <a:srgbClr val="000000"/>
@@ -5032,6 +5035,7 @@
                 <a:tc>
                   <a:txBody>
                     <a:bodyPr/>
+                    <a:lstStyle/>
                     <a:p>
                       <a:pPr indent="0" algn="ctr">
                         <a:buNone/>
@@ -5056,7 +5060,7 @@
                       </a:endParaRPr>
                     </a:p>
                   </a:txBody>
-                  <a:tcPr marL="68580" marR="68580" marT="0" marB="0" vert="horz" anchor="t">
+                  <a:tcPr marL="68580" marR="68580" marT="0" marB="0">
                     <a:lnL w="12700" cap="flat" cmpd="sng">
                       <a:solidFill>
                         <a:srgbClr val="000000"/>
@@ -5103,6 +5107,7 @@
                 <a:tc>
                   <a:txBody>
                     <a:bodyPr/>
+                    <a:lstStyle/>
                     <a:p>
                       <a:pPr indent="0" algn="ctr">
                         <a:buNone/>
@@ -5138,7 +5143,7 @@
                       </a:endParaRPr>
                     </a:p>
                   </a:txBody>
-                  <a:tcPr marL="68580" marR="68580" marT="0" marB="0" vert="horz" anchor="t">
+                  <a:tcPr marL="68580" marR="68580" marT="0" marB="0">
                     <a:lnL w="12700" cap="flat" cmpd="sng">
                       <a:solidFill>
                         <a:srgbClr val="000000"/>
@@ -5187,6 +5192,7 @@
                 <a:tc>
                   <a:txBody>
                     <a:bodyPr/>
+                    <a:lstStyle/>
                     <a:p>
                       <a:pPr indent="0" algn="ctr">
                         <a:buNone/>
@@ -5211,7 +5217,7 @@
                       </a:endParaRPr>
                     </a:p>
                   </a:txBody>
-                  <a:tcPr marL="68580" marR="68580" marT="0" marB="0" vert="horz" anchor="t">
+                  <a:tcPr marL="68580" marR="68580" marT="0" marB="0">
                     <a:lnL w="12700" cap="flat" cmpd="sng">
                       <a:solidFill>
                         <a:srgbClr val="000000"/>
@@ -5256,6 +5262,7 @@
                 <a:tc>
                   <a:txBody>
                     <a:bodyPr/>
+                    <a:lstStyle/>
                     <a:p>
                       <a:pPr indent="0" algn="ctr">
                         <a:buNone/>
@@ -5291,7 +5298,7 @@
                       </a:endParaRPr>
                     </a:p>
                   </a:txBody>
-                  <a:tcPr marL="68580" marR="68580" marT="0" marB="0" vert="horz" anchor="t">
+                  <a:tcPr marL="68580" marR="68580" marT="0" marB="0">
                     <a:lnL w="12700" cap="flat" cmpd="sng">
                       <a:solidFill>
                         <a:srgbClr val="000000"/>
@@ -5338,6 +5345,7 @@
                 <a:tc>
                   <a:txBody>
                     <a:bodyPr/>
+                    <a:lstStyle/>
                     <a:p>
                       <a:pPr indent="0" algn="ctr">
                         <a:buNone/>
@@ -5362,7 +5370,7 @@
                       </a:endParaRPr>
                     </a:p>
                   </a:txBody>
-                  <a:tcPr marL="68580" marR="68580" marT="0" marB="0" vert="horz" anchor="t">
+                  <a:tcPr marL="68580" marR="68580" marT="0" marB="0">
                     <a:lnL w="12700" cap="flat" cmpd="sng">
                       <a:solidFill>
                         <a:srgbClr val="000000"/>
@@ -5409,6 +5417,7 @@
                 <a:tc>
                   <a:txBody>
                     <a:bodyPr/>
+                    <a:lstStyle/>
                     <a:p>
                       <a:pPr indent="0" algn="ctr">
                         <a:buNone/>
@@ -5444,7 +5453,7 @@
                       </a:endParaRPr>
                     </a:p>
                   </a:txBody>
-                  <a:tcPr marL="68580" marR="68580" marT="0" marB="0" vert="horz" anchor="t">
+                  <a:tcPr marL="68580" marR="68580" marT="0" marB="0">
                     <a:lnL w="12700" cap="flat" cmpd="sng">
                       <a:solidFill>
                         <a:srgbClr val="000000"/>
@@ -5493,6 +5502,7 @@
                 <a:tc>
                   <a:txBody>
                     <a:bodyPr/>
+                    <a:lstStyle/>
                     <a:p>
                       <a:pPr indent="0" algn="ctr">
                         <a:buNone/>
@@ -5517,7 +5527,7 @@
                       </a:endParaRPr>
                     </a:p>
                   </a:txBody>
-                  <a:tcPr marL="68580" marR="68580" marT="0" marB="0" vert="horz" anchor="t">
+                  <a:tcPr marL="68580" marR="68580" marT="0" marB="0">
                     <a:lnL w="12700" cap="flat" cmpd="sng">
                       <a:solidFill>
                         <a:srgbClr val="000000"/>
@@ -5562,6 +5572,7 @@
                 <a:tc>
                   <a:txBody>
                     <a:bodyPr/>
+                    <a:lstStyle/>
                     <a:p>
                       <a:pPr indent="0" algn="ctr">
                         <a:buNone/>
@@ -5597,7 +5608,7 @@
                       </a:endParaRPr>
                     </a:p>
                   </a:txBody>
-                  <a:tcPr marL="68580" marR="68580" marT="0" marB="0" vert="horz" anchor="t">
+                  <a:tcPr marL="68580" marR="68580" marT="0" marB="0">
                     <a:lnL w="12700" cap="flat" cmpd="sng">
                       <a:solidFill>
                         <a:srgbClr val="000000"/>
@@ -5644,6 +5655,7 @@
                 <a:tc>
                   <a:txBody>
                     <a:bodyPr/>
+                    <a:lstStyle/>
                     <a:p>
                       <a:pPr indent="0" algn="ctr">
                         <a:buNone/>
@@ -5668,7 +5680,7 @@
                       </a:endParaRPr>
                     </a:p>
                   </a:txBody>
-                  <a:tcPr marL="68580" marR="68580" marT="0" marB="0" vert="horz" anchor="t">
+                  <a:tcPr marL="68580" marR="68580" marT="0" marB="0">
                     <a:lnL w="12700" cap="flat" cmpd="sng">
                       <a:solidFill>
                         <a:srgbClr val="000000"/>
@@ -5715,6 +5727,7 @@
                 <a:tc>
                   <a:txBody>
                     <a:bodyPr/>
+                    <a:lstStyle/>
                     <a:p>
                       <a:pPr indent="0" algn="ctr">
                         <a:buNone/>
@@ -5750,7 +5763,7 @@
                       </a:endParaRPr>
                     </a:p>
                   </a:txBody>
-                  <a:tcPr marL="68580" marR="68580" marT="0" marB="0" vert="horz" anchor="t">
+                  <a:tcPr marL="68580" marR="68580" marT="0" marB="0">
                     <a:lnL w="12700" cap="flat" cmpd="sng">
                       <a:solidFill>
                         <a:srgbClr val="000000"/>
@@ -5818,6 +5831,7 @@
           <a:bodyPr wrap="square">
             <a:spAutoFit/>
           </a:bodyPr>
+          <a:lstStyle/>
           <a:p>
             <a:pPr marL="171450" indent="-171450">
               <a:buFont typeface="Arial" panose="020B0604020202020204" pitchFamily="34" charset="0"/>
@@ -5901,18 +5915,6 @@
               </a:rPr>
               <a:t> 0.4744</a:t>
             </a:r>
-            <a:endParaRPr lang="en-US" sz="2000" b="1">
-              <a:solidFill>
-                <a:schemeClr val="tx1">
-                  <a:lumMod val="50000"/>
-                  <a:lumOff val="50000"/>
-                </a:schemeClr>
-              </a:solidFill>
-              <a:latin typeface="Arial" panose="020B0604020202020204" pitchFamily="34" charset="0"/>
-              <a:ea typeface="微软雅黑" panose="020B0503020204020204" pitchFamily="34" charset="-122"/>
-              <a:cs typeface="Clear Sans Light" panose="020B0303030202020304" pitchFamily="34" charset="0"/>
-              <a:sym typeface="Arial" panose="020B0604020202020204" pitchFamily="34" charset="0"/>
-            </a:endParaRPr>
           </a:p>
         </p:txBody>
       </p:sp>
@@ -5922,7 +5924,7 @@
     <a:masterClrMapping/>
   </p:clrMapOvr>
   <mc:AlternateContent xmlns:mc="http://schemas.openxmlformats.org/markup-compatibility/2006">
-    <mc:Choice xmlns:p14="http://schemas.microsoft.com/office/powerpoint/2010/main" Requires="p14">
+    <mc:Choice xmlns:p14="http://schemas.microsoft.com/office/powerpoint/2010/main" xmlns="" Requires="p14">
       <p:transition spd="slow" p14:dur="3400" advTm="0">
         <p14:reveal/>
       </p:transition>
@@ -6216,14 +6218,6 @@
               </a:rPr>
               <a:t>Hyperparameter Tuning</a:t>
             </a:r>
-            <a:endParaRPr lang="en-US" sz="4400" b="1" dirty="0">
-              <a:solidFill>
-                <a:schemeClr val="bg1"/>
-              </a:solidFill>
-              <a:latin typeface="Arial" panose="020B0604020202020204" pitchFamily="34" charset="0"/>
-              <a:ea typeface="微软雅黑" panose="020B0503020204020204" pitchFamily="34" charset="-122"/>
-              <a:sym typeface="Arial" panose="020B0604020202020204" pitchFamily="34" charset="0"/>
-            </a:endParaRPr>
           </a:p>
         </p:txBody>
       </p:sp>
@@ -6298,6 +6292,7 @@
           <a:bodyPr wrap="square">
             <a:spAutoFit/>
           </a:bodyPr>
+          <a:lstStyle/>
           <a:p>
             <a:pPr marL="171450" indent="-171450">
               <a:buFont typeface="Arial" panose="020B0604020202020204" pitchFamily="34" charset="0"/>
@@ -6333,18 +6328,6 @@
               </a:rPr>
               <a:t>0.4530</a:t>
             </a:r>
-            <a:endParaRPr lang="en-US" sz="2000" b="1">
-              <a:solidFill>
-                <a:schemeClr val="tx1">
-                  <a:lumMod val="50000"/>
-                  <a:lumOff val="50000"/>
-                </a:schemeClr>
-              </a:solidFill>
-              <a:latin typeface="Arial" panose="020B0604020202020204" pitchFamily="34" charset="0"/>
-              <a:ea typeface="微软雅黑" panose="020B0503020204020204" pitchFamily="34" charset="-122"/>
-              <a:cs typeface="Clear Sans Light" panose="020B0303030202020304" pitchFamily="34" charset="0"/>
-              <a:sym typeface="Arial" panose="020B0604020202020204" pitchFamily="34" charset="0"/>
-            </a:endParaRPr>
           </a:p>
           <a:p>
             <a:pPr marL="171450" indent="-171450">
@@ -6381,18 +6364,6 @@
               </a:rPr>
               <a:t>0.4552</a:t>
             </a:r>
-            <a:endParaRPr lang="en-US" sz="2000" b="1">
-              <a:solidFill>
-                <a:schemeClr val="tx1">
-                  <a:lumMod val="50000"/>
-                  <a:lumOff val="50000"/>
-                </a:schemeClr>
-              </a:solidFill>
-              <a:latin typeface="Arial" panose="020B0604020202020204" pitchFamily="34" charset="0"/>
-              <a:ea typeface="微软雅黑" panose="020B0503020204020204" pitchFamily="34" charset="-122"/>
-              <a:cs typeface="Clear Sans Light" panose="020B0303030202020304" pitchFamily="34" charset="0"/>
-              <a:sym typeface="Arial" panose="020B0604020202020204" pitchFamily="34" charset="0"/>
-            </a:endParaRPr>
           </a:p>
         </p:txBody>
       </p:sp>
@@ -6404,7 +6375,7 @@
         </p:nvGraphicFramePr>
         <p:xfrm>
           <a:off x="5077778" y="3093720"/>
-          <a:ext cx="6079490" cy="0"/>
+          <a:ext cx="6080125" cy="1280160"/>
         </p:xfrm>
         <a:graphic>
           <a:graphicData uri="http://schemas.openxmlformats.org/drawingml/2006/table">
@@ -6420,6 +6391,7 @@
                 <a:tc>
                   <a:txBody>
                     <a:bodyPr/>
+                    <a:lstStyle/>
                     <a:p>
                       <a:pPr indent="0" algn="ctr">
                         <a:buNone/>
@@ -6444,7 +6416,7 @@
                       </a:endParaRPr>
                     </a:p>
                   </a:txBody>
-                  <a:tcPr marL="68580" marR="68580" marT="0" marB="0" vert="horz" anchor="t">
+                  <a:tcPr marL="68580" marR="68580" marT="0" marB="0">
                     <a:lnL w="12700" cap="flat" cmpd="sng">
                       <a:solidFill>
                         <a:srgbClr val="000000"/>
@@ -6489,6 +6461,7 @@
                 <a:tc>
                   <a:txBody>
                     <a:bodyPr/>
+                    <a:lstStyle/>
                     <a:p>
                       <a:pPr indent="0" algn="ctr">
                         <a:buNone/>
@@ -6513,7 +6486,7 @@
                       </a:endParaRPr>
                     </a:p>
                   </a:txBody>
-                  <a:tcPr marL="68580" marR="68580" marT="0" marB="0" vert="horz" anchor="t">
+                  <a:tcPr marL="68580" marR="68580" marT="0" marB="0">
                     <a:lnL w="12700" cap="flat" cmpd="sng">
                       <a:solidFill>
                         <a:srgbClr val="000000"/>
@@ -6560,6 +6533,7 @@
                 <a:tc>
                   <a:txBody>
                     <a:bodyPr/>
+                    <a:lstStyle/>
                     <a:p>
                       <a:pPr indent="0" algn="ctr">
                         <a:buNone/>
@@ -6584,7 +6558,7 @@
                       </a:endParaRPr>
                     </a:p>
                   </a:txBody>
-                  <a:tcPr marL="68580" marR="68580" marT="0" marB="0" vert="horz" anchor="t">
+                  <a:tcPr marL="68580" marR="68580" marT="0" marB="0">
                     <a:lnL w="12700" cap="flat" cmpd="sng">
                       <a:solidFill>
                         <a:srgbClr val="000000"/>
@@ -6631,6 +6605,7 @@
                 <a:tc>
                   <a:txBody>
                     <a:bodyPr/>
+                    <a:lstStyle/>
                     <a:p>
                       <a:pPr indent="0" algn="ctr">
                         <a:buNone/>
@@ -6646,17 +6621,9 @@
                         </a:rPr>
                         <a:t>False</a:t>
                       </a:r>
-                      <a:endParaRPr lang="en-US" sz="1200" b="0">
-                        <a:solidFill>
-                          <a:srgbClr val="000000"/>
-                        </a:solidFill>
-                        <a:latin typeface="宋体" panose="02010600030101010101" pitchFamily="2" charset="-122"/>
-                        <a:ea typeface="宋体" panose="02010600030101010101" pitchFamily="2" charset="-122"/>
-                        <a:cs typeface="宋体" panose="02010600030101010101" pitchFamily="2" charset="-122"/>
-                      </a:endParaRPr>
                     </a:p>
                   </a:txBody>
-                  <a:tcPr marL="68580" marR="68580" marT="0" marB="0" vert="horz" anchor="t">
+                  <a:tcPr marL="68580" marR="68580" marT="0" marB="0">
                     <a:lnL w="12700" cap="flat" cmpd="sng">
                       <a:solidFill>
                         <a:srgbClr val="000000"/>
@@ -6705,6 +6672,7 @@
                 <a:tc>
                   <a:txBody>
                     <a:bodyPr/>
+                    <a:lstStyle/>
                     <a:p>
                       <a:pPr indent="0" algn="ctr">
                         <a:buNone/>
@@ -6729,7 +6697,7 @@
                       </a:endParaRPr>
                     </a:p>
                   </a:txBody>
-                  <a:tcPr marL="68580" marR="68580" marT="0" marB="0" vert="horz" anchor="t">
+                  <a:tcPr marL="68580" marR="68580" marT="0" marB="0">
                     <a:lnL w="12700" cap="flat" cmpd="sng">
                       <a:solidFill>
                         <a:srgbClr val="000000"/>
@@ -6774,6 +6742,7 @@
                 <a:tc>
                   <a:txBody>
                     <a:bodyPr/>
+                    <a:lstStyle/>
                     <a:p>
                       <a:pPr indent="0" algn="ctr">
                         <a:buNone/>
@@ -6789,17 +6758,9 @@
                         </a:rPr>
                         <a:t>11</a:t>
                       </a:r>
-                      <a:endParaRPr lang="en-US" sz="1200" b="0">
-                        <a:solidFill>
-                          <a:srgbClr val="000000"/>
-                        </a:solidFill>
-                        <a:latin typeface="宋体" panose="02010600030101010101" pitchFamily="2" charset="-122"/>
-                        <a:ea typeface="宋体" panose="02010600030101010101" pitchFamily="2" charset="-122"/>
-                        <a:cs typeface="宋体" panose="02010600030101010101" pitchFamily="2" charset="-122"/>
-                      </a:endParaRPr>
                     </a:p>
                   </a:txBody>
-                  <a:tcPr marL="68580" marR="68580" marT="0" marB="0" vert="horz" anchor="t">
+                  <a:tcPr marL="68580" marR="68580" marT="0" marB="0">
                     <a:lnL w="12700" cap="flat" cmpd="sng">
                       <a:solidFill>
                         <a:srgbClr val="000000"/>
@@ -6846,6 +6807,7 @@
                 <a:tc>
                   <a:txBody>
                     <a:bodyPr/>
+                    <a:lstStyle/>
                     <a:p>
                       <a:pPr indent="0" algn="ctr">
                         <a:buNone/>
@@ -6870,7 +6832,7 @@
                       </a:endParaRPr>
                     </a:p>
                   </a:txBody>
-                  <a:tcPr marL="68580" marR="68580" marT="0" marB="0" vert="horz" anchor="t">
+                  <a:tcPr marL="68580" marR="68580" marT="0" marB="0">
                     <a:lnL w="12700" cap="flat" cmpd="sng">
                       <a:solidFill>
                         <a:srgbClr val="000000"/>
@@ -6917,6 +6879,7 @@
                 <a:tc>
                   <a:txBody>
                     <a:bodyPr/>
+                    <a:lstStyle/>
                     <a:p>
                       <a:pPr indent="0" algn="ctr">
                         <a:buNone/>
@@ -6932,17 +6895,9 @@
                         </a:rPr>
                         <a:t>sqrt</a:t>
                       </a:r>
-                      <a:endParaRPr lang="en-US" sz="1200" b="0">
-                        <a:solidFill>
-                          <a:srgbClr val="000000"/>
-                        </a:solidFill>
-                        <a:latin typeface="宋体" panose="02010600030101010101" pitchFamily="2" charset="-122"/>
-                        <a:ea typeface="宋体" panose="02010600030101010101" pitchFamily="2" charset="-122"/>
-                        <a:cs typeface="宋体" panose="02010600030101010101" pitchFamily="2" charset="-122"/>
-                      </a:endParaRPr>
                     </a:p>
                   </a:txBody>
-                  <a:tcPr marL="68580" marR="68580" marT="0" marB="0" vert="horz" anchor="t">
+                  <a:tcPr marL="68580" marR="68580" marT="0" marB="0">
                     <a:lnL w="12700" cap="flat" cmpd="sng">
                       <a:solidFill>
                         <a:srgbClr val="000000"/>
@@ -6991,6 +6946,7 @@
                 <a:tc>
                   <a:txBody>
                     <a:bodyPr/>
+                    <a:lstStyle/>
                     <a:p>
                       <a:pPr indent="0" algn="ctr">
                         <a:buNone/>
@@ -7015,7 +6971,7 @@
                       </a:endParaRPr>
                     </a:p>
                   </a:txBody>
-                  <a:tcPr marL="68580" marR="68580" marT="0" marB="0" vert="horz" anchor="t">
+                  <a:tcPr marL="68580" marR="68580" marT="0" marB="0">
                     <a:lnL w="12700" cap="flat" cmpd="sng">
                       <a:solidFill>
                         <a:srgbClr val="000000"/>
@@ -7060,6 +7016,7 @@
                 <a:tc>
                   <a:txBody>
                     <a:bodyPr/>
+                    <a:lstStyle/>
                     <a:p>
                       <a:pPr indent="0" algn="ctr">
                         <a:buNone/>
@@ -7075,17 +7032,9 @@
                         </a:rPr>
                         <a:t>1</a:t>
                       </a:r>
-                      <a:endParaRPr lang="en-US" sz="1200" b="0">
-                        <a:solidFill>
-                          <a:srgbClr val="000000"/>
-                        </a:solidFill>
-                        <a:latin typeface="宋体" panose="02010600030101010101" pitchFamily="2" charset="-122"/>
-                        <a:ea typeface="宋体" panose="02010600030101010101" pitchFamily="2" charset="-122"/>
-                        <a:cs typeface="宋体" panose="02010600030101010101" pitchFamily="2" charset="-122"/>
-                      </a:endParaRPr>
                     </a:p>
                   </a:txBody>
-                  <a:tcPr marL="68580" marR="68580" marT="0" marB="0" vert="horz" anchor="t">
+                  <a:tcPr marL="68580" marR="68580" marT="0" marB="0">
                     <a:lnL w="12700" cap="flat" cmpd="sng">
                       <a:solidFill>
                         <a:srgbClr val="000000"/>
@@ -7132,6 +7081,7 @@
                 <a:tc>
                   <a:txBody>
                     <a:bodyPr/>
+                    <a:lstStyle/>
                     <a:p>
                       <a:pPr indent="0" algn="ctr">
                         <a:buNone/>
@@ -7156,7 +7106,7 @@
                       </a:endParaRPr>
                     </a:p>
                   </a:txBody>
-                  <a:tcPr marL="68580" marR="68580" marT="0" marB="0" vert="horz" anchor="t">
+                  <a:tcPr marL="68580" marR="68580" marT="0" marB="0">
                     <a:lnL w="12700" cap="flat" cmpd="sng">
                       <a:solidFill>
                         <a:srgbClr val="000000"/>
@@ -7203,6 +7153,7 @@
                 <a:tc>
                   <a:txBody>
                     <a:bodyPr/>
+                    <a:lstStyle/>
                     <a:p>
                       <a:pPr indent="0" algn="ctr">
                         <a:buNone/>
@@ -7218,17 +7169,9 @@
                         </a:rPr>
                         <a:t>2</a:t>
                       </a:r>
-                      <a:endParaRPr lang="en-US" sz="1200" b="0">
-                        <a:solidFill>
-                          <a:srgbClr val="000000"/>
-                        </a:solidFill>
-                        <a:latin typeface="宋体" panose="02010600030101010101" pitchFamily="2" charset="-122"/>
-                        <a:ea typeface="宋体" panose="02010600030101010101" pitchFamily="2" charset="-122"/>
-                        <a:cs typeface="宋体" panose="02010600030101010101" pitchFamily="2" charset="-122"/>
-                      </a:endParaRPr>
                     </a:p>
                   </a:txBody>
-                  <a:tcPr marL="68580" marR="68580" marT="0" marB="0" vert="horz" anchor="t">
+                  <a:tcPr marL="68580" marR="68580" marT="0" marB="0">
                     <a:lnL w="12700" cap="flat" cmpd="sng">
                       <a:solidFill>
                         <a:srgbClr val="000000"/>
@@ -7277,6 +7220,7 @@
                 <a:tc>
                   <a:txBody>
                     <a:bodyPr/>
+                    <a:lstStyle/>
                     <a:p>
                       <a:pPr indent="0" algn="ctr">
                         <a:buNone/>
@@ -7301,7 +7245,7 @@
                       </a:endParaRPr>
                     </a:p>
                   </a:txBody>
-                  <a:tcPr marL="68580" marR="68580" marT="0" marB="0" vert="horz" anchor="t">
+                  <a:tcPr marL="68580" marR="68580" marT="0" marB="0">
                     <a:lnL w="12700" cap="flat" cmpd="sng">
                       <a:solidFill>
                         <a:srgbClr val="000000"/>
@@ -7346,6 +7290,7 @@
                 <a:tc>
                   <a:txBody>
                     <a:bodyPr/>
+                    <a:lstStyle/>
                     <a:p>
                       <a:pPr indent="0" algn="ctr">
                         <a:buNone/>
@@ -7361,17 +7306,9 @@
                         </a:rPr>
                         <a:t>1600</a:t>
                       </a:r>
-                      <a:endParaRPr lang="en-US" sz="1200" b="0">
-                        <a:solidFill>
-                          <a:srgbClr val="000000"/>
-                        </a:solidFill>
-                        <a:latin typeface="宋体" panose="02010600030101010101" pitchFamily="2" charset="-122"/>
-                        <a:ea typeface="宋体" panose="02010600030101010101" pitchFamily="2" charset="-122"/>
-                        <a:cs typeface="宋体" panose="02010600030101010101" pitchFamily="2" charset="-122"/>
-                      </a:endParaRPr>
                     </a:p>
                   </a:txBody>
-                  <a:tcPr marL="68580" marR="68580" marT="0" marB="0" vert="horz" anchor="t">
+                  <a:tcPr marL="68580" marR="68580" marT="0" marB="0">
                     <a:lnL w="12700" cap="flat" cmpd="sng">
                       <a:solidFill>
                         <a:srgbClr val="000000"/>
@@ -7438,6 +7375,7 @@
           <a:bodyPr wrap="square" rtlCol="0">
             <a:spAutoFit/>
           </a:bodyPr>
+          <a:lstStyle/>
           <a:p>
             <a:pPr fontAlgn="base">
               <a:spcBef>
@@ -7462,18 +7400,6 @@
               </a:rPr>
               <a:t>Random Forest:</a:t>
             </a:r>
-            <a:endParaRPr lang="en-US" sz="1400" b="1" dirty="0">
-              <a:solidFill>
-                <a:schemeClr val="tx1">
-                  <a:lumMod val="65000"/>
-                  <a:lumOff val="35000"/>
-                </a:schemeClr>
-              </a:solidFill>
-              <a:latin typeface="Arial" panose="020B0604020202020204" pitchFamily="34" charset="0"/>
-              <a:ea typeface="微软雅黑" panose="020B0503020204020204" pitchFamily="34" charset="-122"/>
-              <a:cs typeface="Clear Sans" panose="020B0503030202020304" pitchFamily="34" charset="0"/>
-              <a:sym typeface="Arial" panose="020B0604020202020204" pitchFamily="34" charset="0"/>
-            </a:endParaRPr>
           </a:p>
         </p:txBody>
       </p:sp>
@@ -7485,7 +7411,7 @@
         </p:nvGraphicFramePr>
         <p:xfrm>
           <a:off x="5077778" y="4839970"/>
-          <a:ext cx="6079490" cy="0"/>
+          <a:ext cx="6080125" cy="1097280"/>
         </p:xfrm>
         <a:graphic>
           <a:graphicData uri="http://schemas.openxmlformats.org/drawingml/2006/table">
@@ -7501,6 +7427,7 @@
                 <a:tc>
                   <a:txBody>
                     <a:bodyPr/>
+                    <a:lstStyle/>
                     <a:p>
                       <a:pPr indent="0" algn="ctr">
                         <a:buNone/>
@@ -7525,7 +7452,7 @@
                       </a:endParaRPr>
                     </a:p>
                   </a:txBody>
-                  <a:tcPr marL="68580" marR="68580" marT="0" marB="0" vert="horz" anchor="t">
+                  <a:tcPr marL="68580" marR="68580" marT="0" marB="0">
                     <a:lnL w="12700" cap="flat" cmpd="sng">
                       <a:solidFill>
                         <a:srgbClr val="000000"/>
@@ -7570,6 +7497,7 @@
                 <a:tc>
                   <a:txBody>
                     <a:bodyPr/>
+                    <a:lstStyle/>
                     <a:p>
                       <a:pPr indent="0" algn="ctr">
                         <a:buNone/>
@@ -7594,7 +7522,7 @@
                       </a:endParaRPr>
                     </a:p>
                   </a:txBody>
-                  <a:tcPr marL="68580" marR="68580" marT="0" marB="0" vert="horz" anchor="t">
+                  <a:tcPr marL="68580" marR="68580" marT="0" marB="0">
                     <a:lnL w="12700" cap="flat" cmpd="sng">
                       <a:solidFill>
                         <a:srgbClr val="000000"/>
@@ -7641,6 +7569,7 @@
                 <a:tc>
                   <a:txBody>
                     <a:bodyPr/>
+                    <a:lstStyle/>
                     <a:p>
                       <a:pPr indent="0" algn="ctr">
                         <a:buNone/>
@@ -7665,7 +7594,7 @@
                       </a:endParaRPr>
                     </a:p>
                   </a:txBody>
-                  <a:tcPr marL="68580" marR="68580" marT="0" marB="0" vert="horz" anchor="t">
+                  <a:tcPr marL="68580" marR="68580" marT="0" marB="0">
                     <a:lnL w="12700" cap="flat" cmpd="sng">
                       <a:solidFill>
                         <a:srgbClr val="000000"/>
@@ -7712,6 +7641,7 @@
                 <a:tc>
                   <a:txBody>
                     <a:bodyPr/>
+                    <a:lstStyle/>
                     <a:p>
                       <a:pPr indent="0" algn="ctr">
                         <a:buNone/>
@@ -7736,7 +7666,7 @@
                       </a:endParaRPr>
                     </a:p>
                   </a:txBody>
-                  <a:tcPr marL="68580" marR="68580" marT="0" marB="0" vert="horz" anchor="t">
+                  <a:tcPr marL="68580" marR="68580" marT="0" marB="0">
                     <a:lnL w="12700" cap="flat" cmpd="sng">
                       <a:solidFill>
                         <a:srgbClr val="000000"/>
@@ -7785,6 +7715,7 @@
                 <a:tc>
                   <a:txBody>
                     <a:bodyPr/>
+                    <a:lstStyle/>
                     <a:p>
                       <a:pPr indent="0" algn="ctr">
                         <a:buNone/>
@@ -7809,7 +7740,7 @@
                       </a:endParaRPr>
                     </a:p>
                   </a:txBody>
-                  <a:tcPr marL="68580" marR="68580" marT="0" marB="0" vert="horz" anchor="t">
+                  <a:tcPr marL="68580" marR="68580" marT="0" marB="0">
                     <a:lnL w="12700" cap="flat" cmpd="sng">
                       <a:solidFill>
                         <a:srgbClr val="000000"/>
@@ -7854,6 +7785,7 @@
                 <a:tc>
                   <a:txBody>
                     <a:bodyPr/>
+                    <a:lstStyle/>
                     <a:p>
                       <a:pPr indent="0" algn="ctr">
                         <a:buNone/>
@@ -7878,7 +7810,7 @@
                       </a:endParaRPr>
                     </a:p>
                   </a:txBody>
-                  <a:tcPr marL="68580" marR="68580" marT="0" marB="0" vert="horz" anchor="t">
+                  <a:tcPr marL="68580" marR="68580" marT="0" marB="0">
                     <a:lnL w="12700" cap="flat" cmpd="sng">
                       <a:solidFill>
                         <a:srgbClr val="000000"/>
@@ -7925,6 +7857,7 @@
                 <a:tc>
                   <a:txBody>
                     <a:bodyPr/>
+                    <a:lstStyle/>
                     <a:p>
                       <a:pPr indent="0" algn="ctr">
                         <a:buNone/>
@@ -7949,7 +7882,7 @@
                       </a:endParaRPr>
                     </a:p>
                   </a:txBody>
-                  <a:tcPr marL="68580" marR="68580" marT="0" marB="0" vert="horz" anchor="t">
+                  <a:tcPr marL="68580" marR="68580" marT="0" marB="0">
                     <a:lnL w="12700" cap="flat" cmpd="sng">
                       <a:solidFill>
                         <a:srgbClr val="000000"/>
@@ -7996,6 +7929,7 @@
                 <a:tc>
                   <a:txBody>
                     <a:bodyPr/>
+                    <a:lstStyle/>
                     <a:p>
                       <a:pPr indent="0" algn="ctr">
                         <a:buNone/>
@@ -8031,7 +7965,7 @@
                       </a:endParaRPr>
                     </a:p>
                   </a:txBody>
-                  <a:tcPr marL="68580" marR="68580" marT="0" marB="0" vert="horz" anchor="t">
+                  <a:tcPr marL="68580" marR="68580" marT="0" marB="0">
                     <a:lnL w="12700" cap="flat" cmpd="sng">
                       <a:solidFill>
                         <a:srgbClr val="000000"/>
@@ -8080,6 +8014,7 @@
                 <a:tc>
                   <a:txBody>
                     <a:bodyPr/>
+                    <a:lstStyle/>
                     <a:p>
                       <a:pPr indent="0" algn="ctr">
                         <a:buNone/>
@@ -8104,7 +8039,7 @@
                       </a:endParaRPr>
                     </a:p>
                   </a:txBody>
-                  <a:tcPr marL="68580" marR="68580" marT="0" marB="0" vert="horz" anchor="t">
+                  <a:tcPr marL="68580" marR="68580" marT="0" marB="0">
                     <a:lnL w="12700" cap="flat" cmpd="sng">
                       <a:solidFill>
                         <a:srgbClr val="000000"/>
@@ -8149,6 +8084,7 @@
                 <a:tc>
                   <a:txBody>
                     <a:bodyPr/>
+                    <a:lstStyle/>
                     <a:p>
                       <a:pPr indent="0" algn="ctr">
                         <a:buNone/>
@@ -8164,17 +8100,9 @@
                         </a:rPr>
                         <a:t>40</a:t>
                       </a:r>
-                      <a:endParaRPr lang="en-US" sz="1200" b="0">
-                        <a:solidFill>
-                          <a:srgbClr val="000000"/>
-                        </a:solidFill>
-                        <a:latin typeface="宋体" panose="02010600030101010101" pitchFamily="2" charset="-122"/>
-                        <a:ea typeface="宋体" panose="02010600030101010101" pitchFamily="2" charset="-122"/>
-                        <a:cs typeface="宋体" panose="02010600030101010101" pitchFamily="2" charset="-122"/>
-                      </a:endParaRPr>
                     </a:p>
                   </a:txBody>
-                  <a:tcPr marL="68580" marR="68580" marT="0" marB="0" vert="horz" anchor="t">
+                  <a:tcPr marL="68580" marR="68580" marT="0" marB="0">
                     <a:lnL w="12700" cap="flat" cmpd="sng">
                       <a:solidFill>
                         <a:srgbClr val="000000"/>
@@ -8221,6 +8149,7 @@
                 <a:tc>
                   <a:txBody>
                     <a:bodyPr/>
+                    <a:lstStyle/>
                     <a:p>
                       <a:pPr indent="0" algn="ctr">
                         <a:buNone/>
@@ -8245,7 +8174,7 @@
                       </a:endParaRPr>
                     </a:p>
                   </a:txBody>
-                  <a:tcPr marL="68580" marR="68580" marT="0" marB="0" vert="horz" anchor="t">
+                  <a:tcPr marL="68580" marR="68580" marT="0" marB="0">
                     <a:lnL w="12700" cap="flat" cmpd="sng">
                       <a:solidFill>
                         <a:srgbClr val="000000"/>
@@ -8292,6 +8221,7 @@
                 <a:tc>
                   <a:txBody>
                     <a:bodyPr/>
+                    <a:lstStyle/>
                     <a:p>
                       <a:pPr indent="0" algn="ctr">
                         <a:buNone/>
@@ -8316,7 +8246,7 @@
                       </a:endParaRPr>
                     </a:p>
                   </a:txBody>
-                  <a:tcPr marL="68580" marR="68580" marT="0" marB="0" vert="horz" anchor="t">
+                  <a:tcPr marL="68580" marR="68580" marT="0" marB="0">
                     <a:lnL w="12700" cap="flat" cmpd="sng">
                       <a:solidFill>
                         <a:srgbClr val="000000"/>
@@ -8385,6 +8315,7 @@
           <a:bodyPr wrap="square" rtlCol="0">
             <a:spAutoFit/>
           </a:bodyPr>
+          <a:lstStyle/>
           <a:p>
             <a:pPr fontAlgn="base">
               <a:spcBef>
@@ -8409,18 +8340,6 @@
               </a:rPr>
               <a:t>LightGBM:</a:t>
             </a:r>
-            <a:endParaRPr lang="en-US" sz="1400" b="1" dirty="0">
-              <a:solidFill>
-                <a:schemeClr val="tx1">
-                  <a:lumMod val="65000"/>
-                  <a:lumOff val="35000"/>
-                </a:schemeClr>
-              </a:solidFill>
-              <a:latin typeface="Arial" panose="020B0604020202020204" pitchFamily="34" charset="0"/>
-              <a:ea typeface="微软雅黑" panose="020B0503020204020204" pitchFamily="34" charset="-122"/>
-              <a:cs typeface="Clear Sans" panose="020B0503030202020304" pitchFamily="34" charset="0"/>
-              <a:sym typeface="Arial" panose="020B0604020202020204" pitchFamily="34" charset="0"/>
-            </a:endParaRPr>
           </a:p>
         </p:txBody>
       </p:sp>
@@ -8430,7 +8349,7 @@
     <a:masterClrMapping/>
   </p:clrMapOvr>
   <mc:AlternateContent xmlns:mc="http://schemas.openxmlformats.org/markup-compatibility/2006">
-    <mc:Choice xmlns:p14="http://schemas.microsoft.com/office/powerpoint/2010/main" Requires="p14">
+    <mc:Choice xmlns:p14="http://schemas.microsoft.com/office/powerpoint/2010/main" xmlns="" Requires="p14">
       <p:transition spd="slow" p14:dur="3400" advTm="0">
         <p14:reveal/>
       </p:transition>
@@ -8724,14 +8643,6 @@
               </a:rPr>
               <a:t>Final Model </a:t>
             </a:r>
-            <a:endParaRPr lang="en-US" sz="4400" b="1" dirty="0">
-              <a:solidFill>
-                <a:schemeClr val="bg1"/>
-              </a:solidFill>
-              <a:latin typeface="Arial" panose="020B0604020202020204" pitchFamily="34" charset="0"/>
-              <a:ea typeface="微软雅黑" panose="020B0503020204020204" pitchFamily="34" charset="-122"/>
-              <a:sym typeface="Arial" panose="020B0604020202020204" pitchFamily="34" charset="0"/>
-            </a:endParaRPr>
           </a:p>
         </p:txBody>
       </p:sp>
@@ -8795,8 +8706,8 @@
         </p:nvSpPr>
         <p:spPr>
           <a:xfrm>
-            <a:off x="991870" y="2280920"/>
-            <a:ext cx="4153535" cy="1322070"/>
+            <a:off x="607707" y="2280919"/>
+            <a:ext cx="5656785" cy="1631216"/>
           </a:xfrm>
           <a:prstGeom prst="rect">
             <a:avLst/>
@@ -8806,13 +8717,14 @@
           <a:bodyPr wrap="square">
             <a:spAutoFit/>
           </a:bodyPr>
+          <a:lstStyle/>
           <a:p>
             <a:pPr marL="171450" indent="-171450">
               <a:buFont typeface="Arial" panose="020B0604020202020204" pitchFamily="34" charset="0"/>
               <a:buChar char="•"/>
             </a:pPr>
             <a:r>
-              <a:rPr lang="en-US" sz="2000">
+              <a:rPr lang="en-US" sz="2000" dirty="0">
                 <a:solidFill>
                   <a:schemeClr val="tx1">
                     <a:lumMod val="50000"/>
@@ -8824,10 +8736,100 @@
                 <a:cs typeface="Clear Sans Light" panose="020B0303030202020304" pitchFamily="34" charset="0"/>
                 <a:sym typeface="Arial" panose="020B0604020202020204" pitchFamily="34" charset="0"/>
               </a:rPr>
-              <a:t>After stacking random forest and lightGBM models,the final model with lightGBM performed the best with RMSE </a:t>
+              <a:t>After stacking random forest and </a:t>
             </a:r>
             <a:r>
-              <a:rPr lang="en-US" sz="2000" b="1">
+              <a:rPr lang="en-US" sz="2000" dirty="0" err="1">
+                <a:solidFill>
+                  <a:schemeClr val="tx1">
+                    <a:lumMod val="50000"/>
+                    <a:lumOff val="50000"/>
+                  </a:schemeClr>
+                </a:solidFill>
+                <a:latin typeface="Arial" panose="020B0604020202020204" pitchFamily="34" charset="0"/>
+                <a:ea typeface="微软雅黑" panose="020B0503020204020204" pitchFamily="34" charset="-122"/>
+                <a:cs typeface="Clear Sans Light" panose="020B0303030202020304" pitchFamily="34" charset="0"/>
+                <a:sym typeface="Arial" panose="020B0604020202020204" pitchFamily="34" charset="0"/>
+              </a:rPr>
+              <a:t>lightGBM</a:t>
+            </a:r>
+            <a:r>
+              <a:rPr lang="en-US" sz="2000" dirty="0">
+                <a:solidFill>
+                  <a:schemeClr val="tx1">
+                    <a:lumMod val="50000"/>
+                    <a:lumOff val="50000"/>
+                  </a:schemeClr>
+                </a:solidFill>
+                <a:latin typeface="Arial" panose="020B0604020202020204" pitchFamily="34" charset="0"/>
+                <a:ea typeface="微软雅黑" panose="020B0503020204020204" pitchFamily="34" charset="-122"/>
+                <a:cs typeface="Clear Sans Light" panose="020B0303030202020304" pitchFamily="34" charset="0"/>
+                <a:sym typeface="Arial" panose="020B0604020202020204" pitchFamily="34" charset="0"/>
+              </a:rPr>
+              <a:t> </a:t>
+            </a:r>
+            <a:r>
+              <a:rPr lang="en-US" sz="2000" dirty="0" smtClean="0">
+                <a:solidFill>
+                  <a:schemeClr val="tx1">
+                    <a:lumMod val="50000"/>
+                    <a:lumOff val="50000"/>
+                  </a:schemeClr>
+                </a:solidFill>
+                <a:latin typeface="Arial" panose="020B0604020202020204" pitchFamily="34" charset="0"/>
+                <a:ea typeface="微软雅黑" panose="020B0503020204020204" pitchFamily="34" charset="-122"/>
+                <a:cs typeface="Clear Sans Light" panose="020B0303030202020304" pitchFamily="34" charset="0"/>
+                <a:sym typeface="Arial" panose="020B0604020202020204" pitchFamily="34" charset="0"/>
+              </a:rPr>
+              <a:t>models, the </a:t>
+            </a:r>
+            <a:r>
+              <a:rPr lang="en-US" sz="2000" dirty="0">
+                <a:solidFill>
+                  <a:schemeClr val="tx1">
+                    <a:lumMod val="50000"/>
+                    <a:lumOff val="50000"/>
+                  </a:schemeClr>
+                </a:solidFill>
+                <a:latin typeface="Arial" panose="020B0604020202020204" pitchFamily="34" charset="0"/>
+                <a:ea typeface="微软雅黑" panose="020B0503020204020204" pitchFamily="34" charset="-122"/>
+                <a:cs typeface="Clear Sans Light" panose="020B0303030202020304" pitchFamily="34" charset="0"/>
+                <a:sym typeface="Arial" panose="020B0604020202020204" pitchFamily="34" charset="0"/>
+              </a:rPr>
+              <a:t>final model with </a:t>
+            </a:r>
+            <a:r>
+              <a:rPr lang="en-US" sz="2000" dirty="0" err="1">
+                <a:solidFill>
+                  <a:schemeClr val="tx1">
+                    <a:lumMod val="50000"/>
+                    <a:lumOff val="50000"/>
+                  </a:schemeClr>
+                </a:solidFill>
+                <a:latin typeface="Arial" panose="020B0604020202020204" pitchFamily="34" charset="0"/>
+                <a:ea typeface="微软雅黑" panose="020B0503020204020204" pitchFamily="34" charset="-122"/>
+                <a:cs typeface="Clear Sans Light" panose="020B0303030202020304" pitchFamily="34" charset="0"/>
+                <a:sym typeface="Arial" panose="020B0604020202020204" pitchFamily="34" charset="0"/>
+              </a:rPr>
+              <a:t>lightGBM</a:t>
+            </a:r>
+            <a:r>
+              <a:rPr lang="en-US" sz="2000" dirty="0">
+                <a:solidFill>
+                  <a:schemeClr val="tx1">
+                    <a:lumMod val="50000"/>
+                    <a:lumOff val="50000"/>
+                  </a:schemeClr>
+                </a:solidFill>
+                <a:latin typeface="Arial" panose="020B0604020202020204" pitchFamily="34" charset="0"/>
+                <a:ea typeface="微软雅黑" panose="020B0503020204020204" pitchFamily="34" charset="-122"/>
+                <a:cs typeface="Clear Sans Light" panose="020B0303030202020304" pitchFamily="34" charset="0"/>
+                <a:sym typeface="Arial" panose="020B0604020202020204" pitchFamily="34" charset="0"/>
+              </a:rPr>
+              <a:t> performed the best with RMSE </a:t>
+            </a:r>
+            <a:r>
+              <a:rPr lang="en-US" sz="2000" b="1" dirty="0" smtClean="0">
                 <a:solidFill>
                   <a:schemeClr val="tx1">
                     <a:lumMod val="50000"/>
@@ -8841,7 +8843,103 @@
               </a:rPr>
               <a:t>0.4521</a:t>
             </a:r>
-            <a:endParaRPr lang="en-US" sz="2000" b="1">
+          </a:p>
+          <a:p>
+            <a:pPr marL="171450" indent="-171450">
+              <a:buFont typeface="Arial" panose="020B0604020202020204" pitchFamily="34" charset="0"/>
+              <a:buChar char="•"/>
+            </a:pPr>
+            <a:r>
+              <a:rPr lang="en-US" sz="2000" dirty="0" smtClean="0">
+                <a:solidFill>
+                  <a:schemeClr val="tx1">
+                    <a:lumMod val="50000"/>
+                    <a:lumOff val="50000"/>
+                  </a:schemeClr>
+                </a:solidFill>
+                <a:latin typeface="Arial" panose="020B0604020202020204" pitchFamily="34" charset="0"/>
+                <a:ea typeface="微软雅黑" panose="020B0503020204020204" pitchFamily="34" charset="-122"/>
+                <a:cs typeface="Clear Sans Light" panose="020B0303030202020304" pitchFamily="34" charset="0"/>
+                <a:sym typeface="Arial" panose="020B0604020202020204" pitchFamily="34" charset="0"/>
+              </a:rPr>
+              <a:t>P</a:t>
+            </a:r>
+            <a:r>
+              <a:rPr lang="en-US" altLang="zh-CN" sz="2000" dirty="0" smtClean="0">
+                <a:solidFill>
+                  <a:schemeClr val="tx1">
+                    <a:lumMod val="50000"/>
+                    <a:lumOff val="50000"/>
+                  </a:schemeClr>
+                </a:solidFill>
+                <a:latin typeface="Arial" panose="020B0604020202020204" pitchFamily="34" charset="0"/>
+                <a:ea typeface="微软雅黑" panose="020B0503020204020204" pitchFamily="34" charset="-122"/>
+                <a:cs typeface="Clear Sans Light" panose="020B0303030202020304" pitchFamily="34" charset="0"/>
+                <a:sym typeface="Arial" panose="020B0604020202020204" pitchFamily="34" charset="0"/>
+              </a:rPr>
+              <a:t>rivate score</a:t>
+            </a:r>
+            <a:r>
+              <a:rPr lang="zh-CN" altLang="en-US" sz="2000" dirty="0" smtClean="0">
+                <a:solidFill>
+                  <a:schemeClr val="tx1">
+                    <a:lumMod val="50000"/>
+                    <a:lumOff val="50000"/>
+                  </a:schemeClr>
+                </a:solidFill>
+                <a:latin typeface="Arial" panose="020B0604020202020204" pitchFamily="34" charset="0"/>
+                <a:ea typeface="微软雅黑" panose="020B0503020204020204" pitchFamily="34" charset="-122"/>
+                <a:cs typeface="Clear Sans Light" panose="020B0303030202020304" pitchFamily="34" charset="0"/>
+                <a:sym typeface="Arial" panose="020B0604020202020204" pitchFamily="34" charset="0"/>
+              </a:rPr>
+              <a:t>：</a:t>
+            </a:r>
+            <a:r>
+              <a:rPr lang="en-US" altLang="zh-CN" sz="2000" b="1" dirty="0" smtClean="0">
+                <a:solidFill>
+                  <a:schemeClr val="tx1">
+                    <a:lumMod val="50000"/>
+                    <a:lumOff val="50000"/>
+                  </a:schemeClr>
+                </a:solidFill>
+                <a:latin typeface="Arial" panose="020B0604020202020204" pitchFamily="34" charset="0"/>
+                <a:ea typeface="微软雅黑" panose="020B0503020204020204" pitchFamily="34" charset="-122"/>
+                <a:cs typeface="Clear Sans Light" panose="020B0303030202020304" pitchFamily="34" charset="0"/>
+                <a:sym typeface="Arial" panose="020B0604020202020204" pitchFamily="34" charset="0"/>
+              </a:rPr>
+              <a:t>0.46185</a:t>
+            </a:r>
+            <a:r>
+              <a:rPr lang="en-US" altLang="zh-CN" sz="2000" dirty="0" smtClean="0">
+                <a:solidFill>
+                  <a:schemeClr val="tx1">
+                    <a:lumMod val="50000"/>
+                    <a:lumOff val="50000"/>
+                  </a:schemeClr>
+                </a:solidFill>
+                <a:latin typeface="Arial" panose="020B0604020202020204" pitchFamily="34" charset="0"/>
+                <a:ea typeface="微软雅黑" panose="020B0503020204020204" pitchFamily="34" charset="-122"/>
+                <a:cs typeface="Clear Sans Light" panose="020B0303030202020304" pitchFamily="34" charset="0"/>
+                <a:sym typeface="Arial" panose="020B0604020202020204" pitchFamily="34" charset="0"/>
+              </a:rPr>
+              <a:t> on </a:t>
+            </a:r>
+            <a:r>
+              <a:rPr lang="en-US" altLang="zh-CN" sz="2000" dirty="0" err="1" smtClean="0">
+                <a:solidFill>
+                  <a:schemeClr val="tx1">
+                    <a:lumMod val="50000"/>
+                    <a:lumOff val="50000"/>
+                  </a:schemeClr>
+                </a:solidFill>
+                <a:latin typeface="Arial" panose="020B0604020202020204" pitchFamily="34" charset="0"/>
+                <a:ea typeface="微软雅黑" panose="020B0503020204020204" pitchFamily="34" charset="-122"/>
+                <a:cs typeface="Clear Sans Light" panose="020B0303030202020304" pitchFamily="34" charset="0"/>
+                <a:sym typeface="Arial" panose="020B0604020202020204" pitchFamily="34" charset="0"/>
+              </a:rPr>
+              <a:t>Kaggle</a:t>
+            </a:r>
+            <a:endParaRPr lang="en-US" altLang="zh-CN" sz="2000" dirty="0" smtClean="0">
               <a:solidFill>
                 <a:schemeClr val="tx1">
                   <a:lumMod val="50000"/>
@@ -8854,6 +8952,84 @@
               <a:sym typeface="Arial" panose="020B0604020202020204" pitchFamily="34" charset="0"/>
             </a:endParaRPr>
           </a:p>
+          <a:p>
+            <a:pPr marL="171450" indent="-171450">
+              <a:buFont typeface="Arial" panose="020B0604020202020204" pitchFamily="34" charset="0"/>
+              <a:buChar char="•"/>
+            </a:pPr>
+            <a:r>
+              <a:rPr lang="en-US" sz="2000" dirty="0" smtClean="0">
+                <a:solidFill>
+                  <a:schemeClr val="tx1">
+                    <a:lumMod val="50000"/>
+                    <a:lumOff val="50000"/>
+                  </a:schemeClr>
+                </a:solidFill>
+                <a:latin typeface="Arial" panose="020B0604020202020204" pitchFamily="34" charset="0"/>
+                <a:ea typeface="微软雅黑" panose="020B0503020204020204" pitchFamily="34" charset="-122"/>
+                <a:cs typeface="Clear Sans Light" panose="020B0303030202020304" pitchFamily="34" charset="0"/>
+                <a:sym typeface="Arial" panose="020B0604020202020204" pitchFamily="34" charset="0"/>
+              </a:rPr>
+              <a:t>R</a:t>
+            </a:r>
+            <a:r>
+              <a:rPr lang="en-US" altLang="zh-CN" sz="2000" dirty="0" smtClean="0">
+                <a:solidFill>
+                  <a:schemeClr val="tx1">
+                    <a:lumMod val="50000"/>
+                    <a:lumOff val="50000"/>
+                  </a:schemeClr>
+                </a:solidFill>
+                <a:latin typeface="Arial" panose="020B0604020202020204" pitchFamily="34" charset="0"/>
+                <a:ea typeface="微软雅黑" panose="020B0503020204020204" pitchFamily="34" charset="-122"/>
+                <a:cs typeface="Clear Sans Light" panose="020B0303030202020304" pitchFamily="34" charset="0"/>
+                <a:sym typeface="Arial" panose="020B0604020202020204" pitchFamily="34" charset="0"/>
+              </a:rPr>
+              <a:t>anked </a:t>
+            </a:r>
+            <a:r>
+              <a:rPr lang="en-US" altLang="zh-CN" sz="2000" b="1" dirty="0" smtClean="0">
+                <a:solidFill>
+                  <a:schemeClr val="tx1">
+                    <a:lumMod val="50000"/>
+                    <a:lumOff val="50000"/>
+                  </a:schemeClr>
+                </a:solidFill>
+                <a:latin typeface="Arial" panose="020B0604020202020204" pitchFamily="34" charset="0"/>
+                <a:ea typeface="微软雅黑" panose="020B0503020204020204" pitchFamily="34" charset="-122"/>
+                <a:cs typeface="Clear Sans Light" panose="020B0303030202020304" pitchFamily="34" charset="0"/>
+                <a:sym typeface="Arial" panose="020B0604020202020204" pitchFamily="34" charset="0"/>
+              </a:rPr>
+              <a:t>#134 </a:t>
+            </a:r>
+            <a:r>
+              <a:rPr lang="en-US" altLang="zh-CN" sz="2000" dirty="0" smtClean="0">
+                <a:solidFill>
+                  <a:schemeClr val="tx1">
+                    <a:lumMod val="50000"/>
+                    <a:lumOff val="50000"/>
+                  </a:schemeClr>
+                </a:solidFill>
+                <a:latin typeface="Arial" panose="020B0604020202020204" pitchFamily="34" charset="0"/>
+                <a:ea typeface="微软雅黑" panose="020B0503020204020204" pitchFamily="34" charset="-122"/>
+                <a:cs typeface="Clear Sans Light" panose="020B0303030202020304" pitchFamily="34" charset="0"/>
+                <a:sym typeface="Arial" panose="020B0604020202020204" pitchFamily="34" charset="0"/>
+              </a:rPr>
+              <a:t>among 2124 participants</a:t>
+            </a:r>
+            <a:endParaRPr lang="en-US" sz="2000" dirty="0">
+              <a:solidFill>
+                <a:schemeClr val="tx1">
+                  <a:lumMod val="50000"/>
+                  <a:lumOff val="50000"/>
+                </a:schemeClr>
+              </a:solidFill>
+              <a:latin typeface="Arial" panose="020B0604020202020204" pitchFamily="34" charset="0"/>
+              <a:ea typeface="微软雅黑" panose="020B0503020204020204" pitchFamily="34" charset="-122"/>
+              <a:cs typeface="Clear Sans Light" panose="020B0303030202020304" pitchFamily="34" charset="0"/>
+              <a:sym typeface="Arial" panose="020B0604020202020204" pitchFamily="34" charset="0"/>
+            </a:endParaRPr>
+          </a:p>
         </p:txBody>
       </p:sp>
       <p:pic>
@@ -8865,19 +9041,51 @@
           <p:nvPr/>
         </p:nvPicPr>
         <p:blipFill>
-          <a:blip r:embed="rId1"/>
+          <a:blip r:embed="rId3" cstate="print"/>
           <a:stretch>
             <a:fillRect/>
           </a:stretch>
         </p:blipFill>
         <p:spPr>
           <a:xfrm>
-            <a:off x="6188075" y="2119630"/>
+            <a:off x="7369412" y="2108271"/>
             <a:ext cx="3276600" cy="4048125"/>
           </a:xfrm>
           <a:prstGeom prst="rect">
             <a:avLst/>
           </a:prstGeom>
+        </p:spPr>
+      </p:pic>
+      <p:pic>
+        <p:nvPicPr>
+          <p:cNvPr id="1027" name="Picture 3"/>
+          <p:cNvPicPr>
+            <a:picLocks noChangeAspect="1" noChangeArrowheads="1"/>
+          </p:cNvPicPr>
+          <p:nvPr/>
+        </p:nvPicPr>
+        <p:blipFill>
+          <a:blip r:embed="rId4" cstate="print"/>
+          <a:srcRect/>
+          <a:stretch>
+            <a:fillRect/>
+          </a:stretch>
+        </p:blipFill>
+        <p:spPr bwMode="auto">
+          <a:xfrm>
+            <a:off x="470925" y="4390938"/>
+            <a:ext cx="6605735" cy="766052"/>
+          </a:xfrm>
+          <a:prstGeom prst="rect">
+            <a:avLst/>
+          </a:prstGeom>
+          <a:noFill/>
+          <a:ln w="9525">
+            <a:noFill/>
+            <a:miter lim="800000"/>
+            <a:headEnd/>
+            <a:tailEnd/>
+          </a:ln>
         </p:spPr>
       </p:pic>
     </p:spTree>
@@ -8886,7 +9094,7 @@
     <a:masterClrMapping/>
   </p:clrMapOvr>
   <mc:AlternateContent xmlns:mc="http://schemas.openxmlformats.org/markup-compatibility/2006">
-    <mc:Choice xmlns:p14="http://schemas.microsoft.com/office/powerpoint/2010/main" Requires="p14">
+    <mc:Choice xmlns:p14="http://schemas.microsoft.com/office/powerpoint/2010/main" xmlns="" Requires="p14">
       <p:transition spd="slow" p14:dur="3400" advTm="0">
         <p14:reveal/>
       </p:transition>
@@ -9112,7 +9320,7 @@
             <a:avLst/>
           </a:prstGeom>
           <a:blipFill dpi="0" rotWithShape="1">
-            <a:blip r:embed="rId1"/>
+            <a:blip r:embed="rId2" cstate="print"/>
             <a:srcRect/>
             <a:tile tx="0" ty="0" sx="100000" sy="100000" flip="none" algn="tl"/>
           </a:blipFill>
@@ -9199,11 +9407,6 @@
               </a:rPr>
               <a:t>THANK YOU</a:t>
             </a:r>
-            <a:endParaRPr lang="en-US" sz="4000" b="1" dirty="0">
-              <a:latin typeface="Arial" panose="020B0604020202020204" pitchFamily="34" charset="0"/>
-              <a:ea typeface="微软雅黑" panose="020B0503020204020204" pitchFamily="34" charset="-122"/>
-              <a:sym typeface="Arial" panose="020B0604020202020204" pitchFamily="34" charset="0"/>
-            </a:endParaRPr>
           </a:p>
         </p:txBody>
       </p:sp>
@@ -9213,7 +9416,7 @@
     <a:masterClrMapping/>
   </p:clrMapOvr>
   <mc:AlternateContent xmlns:mc="http://schemas.openxmlformats.org/markup-compatibility/2006">
-    <mc:Choice xmlns:p14="http://schemas.microsoft.com/office/powerpoint/2010/main" Requires="p14">
+    <mc:Choice xmlns:p14="http://schemas.microsoft.com/office/powerpoint/2010/main" xmlns="" Requires="p14">
       <p:transition spd="slow" p14:dur="1500" advTm="0">
         <p:split orient="vert"/>
       </p:transition>
@@ -9999,14 +10202,6 @@
                 </a:rPr>
                 <a:t>Introduction</a:t>
               </a:r>
-              <a:endParaRPr lang="en-GB" b="1" dirty="0">
-                <a:solidFill>
-                  <a:schemeClr val="bg1"/>
-                </a:solidFill>
-                <a:latin typeface="Arial" panose="020B0604020202020204" pitchFamily="34" charset="0"/>
-                <a:ea typeface="微软雅黑" panose="020B0503020204020204" pitchFamily="34" charset="-122"/>
-                <a:sym typeface="Arial" panose="020B0604020202020204" pitchFamily="34" charset="0"/>
-              </a:endParaRPr>
             </a:p>
           </p:txBody>
         </p:sp>
@@ -10092,14 +10287,6 @@
                 </a:rPr>
                 <a:t>Data</a:t>
               </a:r>
-              <a:endParaRPr lang="en-US" altLang="en-GB" b="1" dirty="0">
-                <a:solidFill>
-                  <a:schemeClr val="bg1"/>
-                </a:solidFill>
-                <a:latin typeface="Arial" panose="020B0604020202020204" pitchFamily="34" charset="0"/>
-                <a:ea typeface="微软雅黑" panose="020B0503020204020204" pitchFamily="34" charset="-122"/>
-                <a:sym typeface="Arial" panose="020B0604020202020204" pitchFamily="34" charset="0"/>
-              </a:endParaRPr>
             </a:p>
           </p:txBody>
         </p:sp>
@@ -10185,14 +10372,6 @@
                 </a:rPr>
                 <a:t>Text Pre-Processing</a:t>
               </a:r>
-              <a:endParaRPr lang="en-US" altLang="en-GB" b="1" dirty="0">
-                <a:solidFill>
-                  <a:schemeClr val="bg1"/>
-                </a:solidFill>
-                <a:latin typeface="Arial" panose="020B0604020202020204" pitchFamily="34" charset="0"/>
-                <a:ea typeface="微软雅黑" panose="020B0503020204020204" pitchFamily="34" charset="-122"/>
-                <a:sym typeface="Arial" panose="020B0604020202020204" pitchFamily="34" charset="0"/>
-              </a:endParaRPr>
             </a:p>
           </p:txBody>
         </p:sp>
@@ -10278,14 +10457,6 @@
                 </a:rPr>
                 <a:t>Feautres</a:t>
               </a:r>
-              <a:endParaRPr lang="en-US" altLang="en-GB" b="1" dirty="0">
-                <a:solidFill>
-                  <a:schemeClr val="bg1"/>
-                </a:solidFill>
-                <a:latin typeface="Arial" panose="020B0604020202020204" pitchFamily="34" charset="0"/>
-                <a:ea typeface="微软雅黑" panose="020B0503020204020204" pitchFamily="34" charset="-122"/>
-                <a:sym typeface="Arial" panose="020B0604020202020204" pitchFamily="34" charset="0"/>
-              </a:endParaRPr>
             </a:p>
           </p:txBody>
         </p:sp>
@@ -10338,15 +10509,6 @@
                 </a:rPr>
                 <a:t>.</a:t>
               </a:r>
-              <a:endParaRPr lang="en-US" sz="1200" dirty="0">
-                <a:solidFill>
-                  <a:schemeClr val="bg1"/>
-                </a:solidFill>
-                <a:latin typeface="Arial" panose="020B0604020202020204" pitchFamily="34" charset="0"/>
-                <a:ea typeface="微软雅黑" panose="020B0503020204020204" pitchFamily="34" charset="-122"/>
-                <a:cs typeface="Clear Sans Light" panose="020B0303030202020304" pitchFamily="34" charset="0"/>
-                <a:sym typeface="Arial" panose="020B0604020202020204" pitchFamily="34" charset="0"/>
-              </a:endParaRPr>
             </a:p>
           </p:txBody>
         </p:sp>
@@ -10383,14 +10545,6 @@
                 </a:rPr>
                 <a:t>Predictive Model</a:t>
               </a:r>
-              <a:endParaRPr lang="en-US" altLang="en-GB" b="1" dirty="0">
-                <a:solidFill>
-                  <a:schemeClr val="bg1"/>
-                </a:solidFill>
-                <a:latin typeface="Arial" panose="020B0604020202020204" pitchFamily="34" charset="0"/>
-                <a:ea typeface="微软雅黑" panose="020B0503020204020204" pitchFamily="34" charset="-122"/>
-                <a:sym typeface="Arial" panose="020B0604020202020204" pitchFamily="34" charset="0"/>
-              </a:endParaRPr>
             </a:p>
           </p:txBody>
         </p:sp>
@@ -10428,14 +10582,6 @@
               </a:rPr>
               <a:t>1</a:t>
             </a:r>
-            <a:endParaRPr lang="en-US" sz="9600" b="1" dirty="0">
-              <a:solidFill>
-                <a:schemeClr val="bg1"/>
-              </a:solidFill>
-              <a:latin typeface="Arial" panose="020B0604020202020204" pitchFamily="34" charset="0"/>
-              <a:ea typeface="微软雅黑" panose="020B0503020204020204" pitchFamily="34" charset="-122"/>
-              <a:sym typeface="Arial" panose="020B0604020202020204" pitchFamily="34" charset="0"/>
-            </a:endParaRPr>
           </a:p>
         </p:txBody>
       </p:sp>
@@ -10472,14 +10618,6 @@
               </a:rPr>
               <a:t>2</a:t>
             </a:r>
-            <a:endParaRPr lang="en-US" sz="9600" b="1" dirty="0">
-              <a:solidFill>
-                <a:schemeClr val="bg1"/>
-              </a:solidFill>
-              <a:latin typeface="Arial" panose="020B0604020202020204" pitchFamily="34" charset="0"/>
-              <a:ea typeface="微软雅黑" panose="020B0503020204020204" pitchFamily="34" charset="-122"/>
-              <a:sym typeface="Arial" panose="020B0604020202020204" pitchFamily="34" charset="0"/>
-            </a:endParaRPr>
           </a:p>
         </p:txBody>
       </p:sp>
@@ -10516,14 +10654,6 @@
               </a:rPr>
               <a:t>3</a:t>
             </a:r>
-            <a:endParaRPr lang="en-US" sz="9600" b="1" dirty="0">
-              <a:solidFill>
-                <a:schemeClr val="bg1"/>
-              </a:solidFill>
-              <a:latin typeface="Arial" panose="020B0604020202020204" pitchFamily="34" charset="0"/>
-              <a:ea typeface="微软雅黑" panose="020B0503020204020204" pitchFamily="34" charset="-122"/>
-              <a:sym typeface="Arial" panose="020B0604020202020204" pitchFamily="34" charset="0"/>
-            </a:endParaRPr>
           </a:p>
         </p:txBody>
       </p:sp>
@@ -10560,14 +10690,6 @@
               </a:rPr>
               <a:t>4</a:t>
             </a:r>
-            <a:endParaRPr lang="en-US" sz="9600" b="1" dirty="0">
-              <a:solidFill>
-                <a:schemeClr val="bg1"/>
-              </a:solidFill>
-              <a:latin typeface="Arial" panose="020B0604020202020204" pitchFamily="34" charset="0"/>
-              <a:ea typeface="微软雅黑" panose="020B0503020204020204" pitchFamily="34" charset="-122"/>
-              <a:sym typeface="Arial" panose="020B0604020202020204" pitchFamily="34" charset="0"/>
-            </a:endParaRPr>
           </a:p>
         </p:txBody>
       </p:sp>
@@ -10604,14 +10726,6 @@
               </a:rPr>
               <a:t>5</a:t>
             </a:r>
-            <a:endParaRPr lang="en-US" sz="9600" b="1" dirty="0">
-              <a:solidFill>
-                <a:schemeClr val="bg1"/>
-              </a:solidFill>
-              <a:latin typeface="Arial" panose="020B0604020202020204" pitchFamily="34" charset="0"/>
-              <a:ea typeface="微软雅黑" panose="020B0503020204020204" pitchFamily="34" charset="-122"/>
-              <a:sym typeface="Arial" panose="020B0604020202020204" pitchFamily="34" charset="0"/>
-            </a:endParaRPr>
           </a:p>
         </p:txBody>
       </p:sp>
@@ -10667,15 +10781,6 @@
               </a:rPr>
               <a:t>Project Overview</a:t>
             </a:r>
-            <a:endParaRPr lang="en-US" altLang="en-GB" b="1" dirty="0">
-              <a:solidFill>
-                <a:schemeClr val="bg1"/>
-              </a:solidFill>
-              <a:latin typeface="Arial" panose="020B0604020202020204" pitchFamily="34" charset="0"/>
-              <a:ea typeface="微软雅黑" panose="020B0503020204020204" pitchFamily="34" charset="-122"/>
-              <a:cs typeface="Clear Sans Light" panose="020B0303030202020304" pitchFamily="34" charset="0"/>
-              <a:sym typeface="Arial" panose="020B0604020202020204" pitchFamily="34" charset="0"/>
-            </a:endParaRPr>
           </a:p>
         </p:txBody>
       </p:sp>
@@ -10840,7 +10945,7 @@
     <a:masterClrMapping/>
   </p:clrMapOvr>
   <mc:AlternateContent xmlns:mc="http://schemas.openxmlformats.org/markup-compatibility/2006">
-    <mc:Choice xmlns:p14="http://schemas.microsoft.com/office/powerpoint/2010/main" Requires="p14">
+    <mc:Choice xmlns:p14="http://schemas.microsoft.com/office/powerpoint/2010/main" xmlns="" Requires="p14">
       <p:transition spd="med" p14:dur="700" advTm="0">
         <p:fade/>
       </p:transition>
@@ -12315,18 +12420,6 @@
               </a:rPr>
               <a:t>Home Depot want to improve their customers' shopping experience by developing a model that can accurately predict the relevance of search results.</a:t>
             </a:r>
-            <a:endParaRPr lang="en-US" sz="2000">
-              <a:solidFill>
-                <a:schemeClr val="tx1">
-                  <a:lumMod val="50000"/>
-                  <a:lumOff val="50000"/>
-                </a:schemeClr>
-              </a:solidFill>
-              <a:latin typeface="Arial" panose="020B0604020202020204" pitchFamily="34" charset="0"/>
-              <a:ea typeface="微软雅黑" panose="020B0503020204020204" pitchFamily="34" charset="-122"/>
-              <a:cs typeface="Clear Sans Light" panose="020B0303030202020304" pitchFamily="34" charset="0"/>
-              <a:sym typeface="Arial" panose="020B0604020202020204" pitchFamily="34" charset="0"/>
-            </a:endParaRPr>
           </a:p>
           <a:p>
             <a:pPr marL="285750" indent="-285750" algn="l">
@@ -12351,18 +12444,6 @@
               </a:rPr>
               <a:t>Search relevancy is an implicit measure Home Depot uses to gauge how quickly they can get customers to the right products. </a:t>
             </a:r>
-            <a:endParaRPr lang="en-US" sz="2000">
-              <a:solidFill>
-                <a:schemeClr val="tx1">
-                  <a:lumMod val="50000"/>
-                  <a:lumOff val="50000"/>
-                </a:schemeClr>
-              </a:solidFill>
-              <a:latin typeface="Arial" panose="020B0604020202020204" pitchFamily="34" charset="0"/>
-              <a:ea typeface="微软雅黑" panose="020B0503020204020204" pitchFamily="34" charset="-122"/>
-              <a:cs typeface="Clear Sans Light" panose="020B0303030202020304" pitchFamily="34" charset="0"/>
-              <a:sym typeface="Arial" panose="020B0604020202020204" pitchFamily="34" charset="0"/>
-            </a:endParaRPr>
           </a:p>
         </p:txBody>
       </p:sp>
@@ -12372,7 +12453,7 @@
     <a:masterClrMapping/>
   </p:clrMapOvr>
   <mc:AlternateContent xmlns:mc="http://schemas.openxmlformats.org/markup-compatibility/2006">
-    <mc:Choice xmlns:p14="http://schemas.microsoft.com/office/powerpoint/2010/main" Requires="p14">
+    <mc:Choice xmlns:p14="http://schemas.microsoft.com/office/powerpoint/2010/main" xmlns="" Requires="p14">
       <p:transition spd="slow" p14:dur="3400" advTm="0">
         <p14:reveal/>
       </p:transition>
@@ -12818,18 +12899,6 @@
               </a:rPr>
               <a:t>train.csv - the training set, contains products, searches, and relevance scores</a:t>
             </a:r>
-            <a:endParaRPr lang="en-US" sz="2000">
-              <a:solidFill>
-                <a:schemeClr val="tx1">
-                  <a:lumMod val="50000"/>
-                  <a:lumOff val="50000"/>
-                </a:schemeClr>
-              </a:solidFill>
-              <a:latin typeface="Arial" panose="020B0604020202020204" pitchFamily="34" charset="0"/>
-              <a:ea typeface="微软雅黑" panose="020B0503020204020204" pitchFamily="34" charset="-122"/>
-              <a:cs typeface="Clear Sans Light" panose="020B0303030202020304" pitchFamily="34" charset="0"/>
-              <a:sym typeface="Arial" panose="020B0604020202020204" pitchFamily="34" charset="0"/>
-            </a:endParaRPr>
           </a:p>
           <a:p>
             <a:pPr marL="285750" indent="-285750" algn="l">
@@ -12854,18 +12923,6 @@
               </a:rPr>
               <a:t>product_descriptions.csv - contains a text description of each product</a:t>
             </a:r>
-            <a:endParaRPr lang="en-US" sz="2000">
-              <a:solidFill>
-                <a:schemeClr val="tx1">
-                  <a:lumMod val="50000"/>
-                  <a:lumOff val="50000"/>
-                </a:schemeClr>
-              </a:solidFill>
-              <a:latin typeface="Arial" panose="020B0604020202020204" pitchFamily="34" charset="0"/>
-              <a:ea typeface="微软雅黑" panose="020B0503020204020204" pitchFamily="34" charset="-122"/>
-              <a:cs typeface="Clear Sans Light" panose="020B0303030202020304" pitchFamily="34" charset="0"/>
-              <a:sym typeface="Arial" panose="020B0604020202020204" pitchFamily="34" charset="0"/>
-            </a:endParaRPr>
           </a:p>
           <a:p>
             <a:pPr marL="285750" indent="-285750" algn="l">
@@ -12890,18 +12947,6 @@
               </a:rPr>
               <a:t>attributes.csv -  provides extended information about a subset of the products </a:t>
             </a:r>
-            <a:endParaRPr lang="en-US" sz="2000">
-              <a:solidFill>
-                <a:schemeClr val="tx1">
-                  <a:lumMod val="50000"/>
-                  <a:lumOff val="50000"/>
-                </a:schemeClr>
-              </a:solidFill>
-              <a:latin typeface="Arial" panose="020B0604020202020204" pitchFamily="34" charset="0"/>
-              <a:ea typeface="微软雅黑" panose="020B0503020204020204" pitchFamily="34" charset="-122"/>
-              <a:cs typeface="Clear Sans Light" panose="020B0303030202020304" pitchFamily="34" charset="0"/>
-              <a:sym typeface="Arial" panose="020B0604020202020204" pitchFamily="34" charset="0"/>
-            </a:endParaRPr>
           </a:p>
         </p:txBody>
       </p:sp>
@@ -12911,7 +12956,7 @@
     <a:masterClrMapping/>
   </p:clrMapOvr>
   <mc:AlternateContent xmlns:mc="http://schemas.openxmlformats.org/markup-compatibility/2006">
-    <mc:Choice xmlns:p14="http://schemas.microsoft.com/office/powerpoint/2010/main" Requires="p14">
+    <mc:Choice xmlns:p14="http://schemas.microsoft.com/office/powerpoint/2010/main" xmlns="" Requires="p14">
       <p:transition spd="slow" p14:dur="3400" advTm="0">
         <p14:reveal/>
       </p:transition>
@@ -13357,18 +13402,6 @@
               </a:rPr>
               <a:t>Spell Checking: correct the spelling of the search terms</a:t>
             </a:r>
-            <a:endParaRPr lang="en-US" sz="2000">
-              <a:solidFill>
-                <a:schemeClr val="tx1">
-                  <a:lumMod val="50000"/>
-                  <a:lumOff val="50000"/>
-                </a:schemeClr>
-              </a:solidFill>
-              <a:latin typeface="Arial" panose="020B0604020202020204" pitchFamily="34" charset="0"/>
-              <a:ea typeface="微软雅黑" panose="020B0503020204020204" pitchFamily="34" charset="-122"/>
-              <a:cs typeface="Clear Sans Light" panose="020B0303030202020304" pitchFamily="34" charset="0"/>
-              <a:sym typeface="Arial" panose="020B0604020202020204" pitchFamily="34" charset="0"/>
-            </a:endParaRPr>
           </a:p>
           <a:p>
             <a:pPr marL="285750" indent="-285750" algn="l">
@@ -13393,18 +13426,6 @@
               </a:rPr>
               <a:t>Column of Brands: created the name of the brands column</a:t>
             </a:r>
-            <a:endParaRPr lang="en-US" sz="2000">
-              <a:solidFill>
-                <a:schemeClr val="tx1">
-                  <a:lumMod val="50000"/>
-                  <a:lumOff val="50000"/>
-                </a:schemeClr>
-              </a:solidFill>
-              <a:latin typeface="Arial" panose="020B0604020202020204" pitchFamily="34" charset="0"/>
-              <a:ea typeface="微软雅黑" panose="020B0503020204020204" pitchFamily="34" charset="-122"/>
-              <a:cs typeface="Clear Sans Light" panose="020B0303030202020304" pitchFamily="34" charset="0"/>
-              <a:sym typeface="Arial" panose="020B0604020202020204" pitchFamily="34" charset="0"/>
-            </a:endParaRPr>
           </a:p>
           <a:p>
             <a:pPr marL="285750" indent="-285750" algn="l">
@@ -13429,18 +13450,6 @@
               </a:rPr>
               <a:t>General Processing: Splitting words, lowercase, removing special characters, removing text between parentheses/brackets, replacing word numbers to numerical expression, and standardize the unit's representations</a:t>
             </a:r>
-            <a:endParaRPr lang="en-US" sz="2000">
-              <a:solidFill>
-                <a:schemeClr val="tx1">
-                  <a:lumMod val="50000"/>
-                  <a:lumOff val="50000"/>
-                </a:schemeClr>
-              </a:solidFill>
-              <a:latin typeface="Arial" panose="020B0604020202020204" pitchFamily="34" charset="0"/>
-              <a:ea typeface="微软雅黑" panose="020B0503020204020204" pitchFamily="34" charset="-122"/>
-              <a:cs typeface="Clear Sans Light" panose="020B0303030202020304" pitchFamily="34" charset="0"/>
-              <a:sym typeface="Arial" panose="020B0604020202020204" pitchFamily="34" charset="0"/>
-            </a:endParaRPr>
           </a:p>
           <a:p>
             <a:pPr marL="285750" indent="-285750" algn="l">
@@ -13465,18 +13474,6 @@
               </a:rPr>
               <a:t>Removing Tags:  Removing HTML tags</a:t>
             </a:r>
-            <a:endParaRPr lang="en-US" sz="2000">
-              <a:solidFill>
-                <a:schemeClr val="tx1">
-                  <a:lumMod val="50000"/>
-                  <a:lumOff val="50000"/>
-                </a:schemeClr>
-              </a:solidFill>
-              <a:latin typeface="Arial" panose="020B0604020202020204" pitchFamily="34" charset="0"/>
-              <a:ea typeface="微软雅黑" panose="020B0503020204020204" pitchFamily="34" charset="-122"/>
-              <a:cs typeface="Clear Sans Light" panose="020B0303030202020304" pitchFamily="34" charset="0"/>
-              <a:sym typeface="Arial" panose="020B0604020202020204" pitchFamily="34" charset="0"/>
-            </a:endParaRPr>
           </a:p>
         </p:txBody>
       </p:sp>
@@ -13486,7 +13483,7 @@
     <a:masterClrMapping/>
   </p:clrMapOvr>
   <mc:AlternateContent xmlns:mc="http://schemas.openxmlformats.org/markup-compatibility/2006">
-    <mc:Choice xmlns:p14="http://schemas.microsoft.com/office/powerpoint/2010/main" Requires="p14">
+    <mc:Choice xmlns:p14="http://schemas.microsoft.com/office/powerpoint/2010/main" xmlns="" Requires="p14">
       <p:transition spd="slow" p14:dur="3400" advTm="0">
         <p14:reveal/>
       </p:transition>
@@ -13932,18 +13929,6 @@
               </a:rPr>
               <a:t>Removing Accented Characters: Converted and standardized into ASCII characters.</a:t>
             </a:r>
-            <a:endParaRPr lang="en-US" sz="2000">
-              <a:solidFill>
-                <a:schemeClr val="tx1">
-                  <a:lumMod val="50000"/>
-                  <a:lumOff val="50000"/>
-                </a:schemeClr>
-              </a:solidFill>
-              <a:latin typeface="Arial" panose="020B0604020202020204" pitchFamily="34" charset="0"/>
-              <a:ea typeface="微软雅黑" panose="020B0503020204020204" pitchFamily="34" charset="-122"/>
-              <a:cs typeface="Clear Sans Light" panose="020B0303030202020304" pitchFamily="34" charset="0"/>
-              <a:sym typeface="Arial" panose="020B0604020202020204" pitchFamily="34" charset="0"/>
-            </a:endParaRPr>
           </a:p>
           <a:p>
             <a:pPr marL="285750" indent="-285750" algn="l">
@@ -13968,18 +13953,6 @@
               </a:rPr>
               <a:t>Tokenization:  Tokenizing or splitting a string, text into a list of tokens.</a:t>
             </a:r>
-            <a:endParaRPr lang="en-US" sz="2000">
-              <a:solidFill>
-                <a:schemeClr val="tx1">
-                  <a:lumMod val="50000"/>
-                  <a:lumOff val="50000"/>
-                </a:schemeClr>
-              </a:solidFill>
-              <a:latin typeface="Arial" panose="020B0604020202020204" pitchFamily="34" charset="0"/>
-              <a:ea typeface="微软雅黑" panose="020B0503020204020204" pitchFamily="34" charset="-122"/>
-              <a:cs typeface="Clear Sans Light" panose="020B0303030202020304" pitchFamily="34" charset="0"/>
-              <a:sym typeface="Arial" panose="020B0604020202020204" pitchFamily="34" charset="0"/>
-            </a:endParaRPr>
           </a:p>
           <a:p>
             <a:pPr marL="285750" indent="-285750" algn="l">
@@ -14002,35 +13975,8 @@
                 <a:cs typeface="Clear Sans Light" panose="020B0303030202020304" pitchFamily="34" charset="0"/>
                 <a:sym typeface="Arial" panose="020B0604020202020204" pitchFamily="34" charset="0"/>
               </a:rPr>
-              <a:t>Stemming: Converted to base form of words as </a:t>
+              <a:t>Stemming: Converted to base form of words as root stem</a:t>
             </a:r>
-            <a:r>
-              <a:rPr lang="en-US" sz="2000">
-                <a:solidFill>
-                  <a:schemeClr val="tx1">
-                    <a:lumMod val="50000"/>
-                    <a:lumOff val="50000"/>
-                  </a:schemeClr>
-                </a:solidFill>
-                <a:latin typeface="Arial" panose="020B0604020202020204" pitchFamily="34" charset="0"/>
-                <a:ea typeface="微软雅黑" panose="020B0503020204020204" pitchFamily="34" charset="-122"/>
-                <a:cs typeface="Clear Sans Light" panose="020B0303030202020304" pitchFamily="34" charset="0"/>
-                <a:sym typeface="Arial" panose="020B0604020202020204" pitchFamily="34" charset="0"/>
-              </a:rPr>
-              <a:t>root stem</a:t>
-            </a:r>
-            <a:endParaRPr lang="en-US" sz="2000">
-              <a:solidFill>
-                <a:schemeClr val="tx1">
-                  <a:lumMod val="50000"/>
-                  <a:lumOff val="50000"/>
-                </a:schemeClr>
-              </a:solidFill>
-              <a:latin typeface="Arial" panose="020B0604020202020204" pitchFamily="34" charset="0"/>
-              <a:ea typeface="微软雅黑" panose="020B0503020204020204" pitchFamily="34" charset="-122"/>
-              <a:cs typeface="Clear Sans Light" panose="020B0303030202020304" pitchFamily="34" charset="0"/>
-              <a:sym typeface="Arial" panose="020B0604020202020204" pitchFamily="34" charset="0"/>
-            </a:endParaRPr>
           </a:p>
           <a:p>
             <a:pPr marL="285750" indent="-285750" algn="l">
@@ -14053,35 +13999,8 @@
                 <a:cs typeface="Clear Sans Light" panose="020B0303030202020304" pitchFamily="34" charset="0"/>
                 <a:sym typeface="Arial" panose="020B0604020202020204" pitchFamily="34" charset="0"/>
               </a:rPr>
-              <a:t>Lemmatization: </a:t>
+              <a:t>Lemmatization: Converted to base form of words as root word</a:t>
             </a:r>
-            <a:r>
-              <a:rPr lang="en-US" sz="2000">
-                <a:solidFill>
-                  <a:schemeClr val="tx1">
-                    <a:lumMod val="50000"/>
-                    <a:lumOff val="50000"/>
-                  </a:schemeClr>
-                </a:solidFill>
-                <a:latin typeface="Arial" panose="020B0604020202020204" pitchFamily="34" charset="0"/>
-                <a:ea typeface="微软雅黑" panose="020B0503020204020204" pitchFamily="34" charset="-122"/>
-                <a:cs typeface="Clear Sans Light" panose="020B0303030202020304" pitchFamily="34" charset="0"/>
-                <a:sym typeface="Arial" panose="020B0604020202020204" pitchFamily="34" charset="0"/>
-              </a:rPr>
-              <a:t>Converted to base form of words as root word</a:t>
-            </a:r>
-            <a:endParaRPr lang="en-US" sz="2000">
-              <a:solidFill>
-                <a:schemeClr val="tx1">
-                  <a:lumMod val="50000"/>
-                  <a:lumOff val="50000"/>
-                </a:schemeClr>
-              </a:solidFill>
-              <a:latin typeface="Arial" panose="020B0604020202020204" pitchFamily="34" charset="0"/>
-              <a:ea typeface="微软雅黑" panose="020B0503020204020204" pitchFamily="34" charset="-122"/>
-              <a:cs typeface="Clear Sans Light" panose="020B0303030202020304" pitchFamily="34" charset="0"/>
-              <a:sym typeface="Arial" panose="020B0604020202020204" pitchFamily="34" charset="0"/>
-            </a:endParaRPr>
           </a:p>
           <a:p>
             <a:pPr marL="285750" indent="-285750" algn="l">
@@ -14106,18 +14025,6 @@
               </a:rPr>
               <a:t>Removing Stop Word: Words like a, an, the, and so on are considered to be stop words</a:t>
             </a:r>
-            <a:endParaRPr lang="en-US" sz="2000">
-              <a:solidFill>
-                <a:schemeClr val="tx1">
-                  <a:lumMod val="50000"/>
-                  <a:lumOff val="50000"/>
-                </a:schemeClr>
-              </a:solidFill>
-              <a:latin typeface="Arial" panose="020B0604020202020204" pitchFamily="34" charset="0"/>
-              <a:ea typeface="微软雅黑" panose="020B0503020204020204" pitchFamily="34" charset="-122"/>
-              <a:cs typeface="Clear Sans Light" panose="020B0303030202020304" pitchFamily="34" charset="0"/>
-              <a:sym typeface="Arial" panose="020B0604020202020204" pitchFamily="34" charset="0"/>
-            </a:endParaRPr>
           </a:p>
         </p:txBody>
       </p:sp>
@@ -14127,7 +14034,7 @@
     <a:masterClrMapping/>
   </p:clrMapOvr>
   <mc:AlternateContent xmlns:mc="http://schemas.openxmlformats.org/markup-compatibility/2006">
-    <mc:Choice xmlns:p14="http://schemas.microsoft.com/office/powerpoint/2010/main" Requires="p14">
+    <mc:Choice xmlns:p14="http://schemas.microsoft.com/office/powerpoint/2010/main" xmlns="" Requires="p14">
       <p:transition spd="slow" p14:dur="3400" advTm="0">
         <p14:reveal/>
       </p:transition>
@@ -14573,18 +14480,6 @@
               </a:rPr>
               <a:t>Removing Accented Characters: Converted and standardized into ASCII characters.</a:t>
             </a:r>
-            <a:endParaRPr lang="en-US" sz="2000">
-              <a:solidFill>
-                <a:schemeClr val="tx1">
-                  <a:lumMod val="50000"/>
-                  <a:lumOff val="50000"/>
-                </a:schemeClr>
-              </a:solidFill>
-              <a:latin typeface="Arial" panose="020B0604020202020204" pitchFamily="34" charset="0"/>
-              <a:ea typeface="微软雅黑" panose="020B0503020204020204" pitchFamily="34" charset="-122"/>
-              <a:cs typeface="Clear Sans Light" panose="020B0303030202020304" pitchFamily="34" charset="0"/>
-              <a:sym typeface="Arial" panose="020B0604020202020204" pitchFamily="34" charset="0"/>
-            </a:endParaRPr>
           </a:p>
           <a:p>
             <a:pPr marL="285750" indent="-285750" algn="l">
@@ -14609,18 +14504,6 @@
               </a:rPr>
               <a:t>Tokenization:  Tokenizing or splitting a string, text into a list of tokens.</a:t>
             </a:r>
-            <a:endParaRPr lang="en-US" sz="2000">
-              <a:solidFill>
-                <a:schemeClr val="tx1">
-                  <a:lumMod val="50000"/>
-                  <a:lumOff val="50000"/>
-                </a:schemeClr>
-              </a:solidFill>
-              <a:latin typeface="Arial" panose="020B0604020202020204" pitchFamily="34" charset="0"/>
-              <a:ea typeface="微软雅黑" panose="020B0503020204020204" pitchFamily="34" charset="-122"/>
-              <a:cs typeface="Clear Sans Light" panose="020B0303030202020304" pitchFamily="34" charset="0"/>
-              <a:sym typeface="Arial" panose="020B0604020202020204" pitchFamily="34" charset="0"/>
-            </a:endParaRPr>
           </a:p>
           <a:p>
             <a:pPr marL="285750" indent="-285750" algn="l">
@@ -14643,35 +14526,8 @@
                 <a:cs typeface="Clear Sans Light" panose="020B0303030202020304" pitchFamily="34" charset="0"/>
                 <a:sym typeface="Arial" panose="020B0604020202020204" pitchFamily="34" charset="0"/>
               </a:rPr>
-              <a:t>Stemming: Converted to base form of words as </a:t>
+              <a:t>Stemming: Converted to base form of words as root stem</a:t>
             </a:r>
-            <a:r>
-              <a:rPr lang="en-US" sz="2000">
-                <a:solidFill>
-                  <a:schemeClr val="tx1">
-                    <a:lumMod val="50000"/>
-                    <a:lumOff val="50000"/>
-                  </a:schemeClr>
-                </a:solidFill>
-                <a:latin typeface="Arial" panose="020B0604020202020204" pitchFamily="34" charset="0"/>
-                <a:ea typeface="微软雅黑" panose="020B0503020204020204" pitchFamily="34" charset="-122"/>
-                <a:cs typeface="Clear Sans Light" panose="020B0303030202020304" pitchFamily="34" charset="0"/>
-                <a:sym typeface="Arial" panose="020B0604020202020204" pitchFamily="34" charset="0"/>
-              </a:rPr>
-              <a:t>root stem</a:t>
-            </a:r>
-            <a:endParaRPr lang="en-US" sz="2000">
-              <a:solidFill>
-                <a:schemeClr val="tx1">
-                  <a:lumMod val="50000"/>
-                  <a:lumOff val="50000"/>
-                </a:schemeClr>
-              </a:solidFill>
-              <a:latin typeface="Arial" panose="020B0604020202020204" pitchFamily="34" charset="0"/>
-              <a:ea typeface="微软雅黑" panose="020B0503020204020204" pitchFamily="34" charset="-122"/>
-              <a:cs typeface="Clear Sans Light" panose="020B0303030202020304" pitchFamily="34" charset="0"/>
-              <a:sym typeface="Arial" panose="020B0604020202020204" pitchFamily="34" charset="0"/>
-            </a:endParaRPr>
           </a:p>
           <a:p>
             <a:pPr marL="285750" indent="-285750" algn="l">
@@ -14694,35 +14550,8 @@
                 <a:cs typeface="Clear Sans Light" panose="020B0303030202020304" pitchFamily="34" charset="0"/>
                 <a:sym typeface="Arial" panose="020B0604020202020204" pitchFamily="34" charset="0"/>
               </a:rPr>
-              <a:t>Lemmatization: </a:t>
+              <a:t>Lemmatization: Converted to base form of words as root word</a:t>
             </a:r>
-            <a:r>
-              <a:rPr lang="en-US" sz="2000">
-                <a:solidFill>
-                  <a:schemeClr val="tx1">
-                    <a:lumMod val="50000"/>
-                    <a:lumOff val="50000"/>
-                  </a:schemeClr>
-                </a:solidFill>
-                <a:latin typeface="Arial" panose="020B0604020202020204" pitchFamily="34" charset="0"/>
-                <a:ea typeface="微软雅黑" panose="020B0503020204020204" pitchFamily="34" charset="-122"/>
-                <a:cs typeface="Clear Sans Light" panose="020B0303030202020304" pitchFamily="34" charset="0"/>
-                <a:sym typeface="Arial" panose="020B0604020202020204" pitchFamily="34" charset="0"/>
-              </a:rPr>
-              <a:t>Converted to base form of words as root word</a:t>
-            </a:r>
-            <a:endParaRPr lang="en-US" sz="2000">
-              <a:solidFill>
-                <a:schemeClr val="tx1">
-                  <a:lumMod val="50000"/>
-                  <a:lumOff val="50000"/>
-                </a:schemeClr>
-              </a:solidFill>
-              <a:latin typeface="Arial" panose="020B0604020202020204" pitchFamily="34" charset="0"/>
-              <a:ea typeface="微软雅黑" panose="020B0503020204020204" pitchFamily="34" charset="-122"/>
-              <a:cs typeface="Clear Sans Light" panose="020B0303030202020304" pitchFamily="34" charset="0"/>
-              <a:sym typeface="Arial" panose="020B0604020202020204" pitchFamily="34" charset="0"/>
-            </a:endParaRPr>
           </a:p>
           <a:p>
             <a:pPr marL="285750" indent="-285750" algn="l">
@@ -14747,18 +14576,6 @@
               </a:rPr>
               <a:t>Removing Stop Word: Words like a, an, the, and so on are considered to be stop words</a:t>
             </a:r>
-            <a:endParaRPr lang="en-US" sz="2000">
-              <a:solidFill>
-                <a:schemeClr val="tx1">
-                  <a:lumMod val="50000"/>
-                  <a:lumOff val="50000"/>
-                </a:schemeClr>
-              </a:solidFill>
-              <a:latin typeface="Arial" panose="020B0604020202020204" pitchFamily="34" charset="0"/>
-              <a:ea typeface="微软雅黑" panose="020B0503020204020204" pitchFamily="34" charset="-122"/>
-              <a:cs typeface="Clear Sans Light" panose="020B0303030202020304" pitchFamily="34" charset="0"/>
-              <a:sym typeface="Arial" panose="020B0604020202020204" pitchFamily="34" charset="0"/>
-            </a:endParaRPr>
           </a:p>
         </p:txBody>
       </p:sp>
@@ -14768,7 +14585,7 @@
     <a:masterClrMapping/>
   </p:clrMapOvr>
   <mc:AlternateContent xmlns:mc="http://schemas.openxmlformats.org/markup-compatibility/2006">
-    <mc:Choice xmlns:p14="http://schemas.microsoft.com/office/powerpoint/2010/main" Requires="p14">
+    <mc:Choice xmlns:p14="http://schemas.microsoft.com/office/powerpoint/2010/main" xmlns="" Requires="p14">
       <p:transition spd="slow" p14:dur="3400" advTm="0">
         <p14:reveal/>
       </p:transition>
@@ -15133,18 +14950,6 @@
                 </a:rPr>
                 <a:t>Word Ratio</a:t>
               </a:r>
-              <a:endParaRPr lang="en-US" sz="1600" b="1" dirty="0">
-                <a:solidFill>
-                  <a:schemeClr val="tx1">
-                    <a:lumMod val="65000"/>
-                    <a:lumOff val="35000"/>
-                  </a:schemeClr>
-                </a:solidFill>
-                <a:latin typeface="Arial" panose="020B0604020202020204" pitchFamily="34" charset="0"/>
-                <a:ea typeface="微软雅黑" panose="020B0503020204020204" pitchFamily="34" charset="-122"/>
-                <a:cs typeface="Clear Sans" panose="020B0503030202020304" pitchFamily="34" charset="0"/>
-                <a:sym typeface="Arial" panose="020B0604020202020204" pitchFamily="34" charset="0"/>
-              </a:endParaRPr>
             </a:p>
           </p:txBody>
         </p:sp>
@@ -15188,18 +14993,6 @@
                 </a:rPr>
                 <a:t>the ratio of the number of matching words in the brands and search terms</a:t>
               </a:r>
-              <a:endParaRPr lang="en-US" sz="1600">
-                <a:solidFill>
-                  <a:schemeClr val="tx1">
-                    <a:lumMod val="50000"/>
-                    <a:lumOff val="50000"/>
-                  </a:schemeClr>
-                </a:solidFill>
-                <a:latin typeface="Arial" panose="020B0604020202020204" pitchFamily="34" charset="0"/>
-                <a:ea typeface="微软雅黑" panose="020B0503020204020204" pitchFamily="34" charset="-122"/>
-                <a:cs typeface="Clear Sans Light" panose="020B0303030202020304" pitchFamily="34" charset="0"/>
-                <a:sym typeface="Arial" panose="020B0604020202020204" pitchFamily="34" charset="0"/>
-              </a:endParaRPr>
             </a:p>
             <a:p>
               <a:pPr marL="171450" indent="-171450">
@@ -15221,18 +15014,6 @@
                 </a:rPr>
                 <a:t>the ratio of the number of matching words in the product titles and search terms</a:t>
               </a:r>
-              <a:endParaRPr lang="en-US" sz="1600">
-                <a:solidFill>
-                  <a:schemeClr val="tx1">
-                    <a:lumMod val="50000"/>
-                    <a:lumOff val="50000"/>
-                  </a:schemeClr>
-                </a:solidFill>
-                <a:latin typeface="Arial" panose="020B0604020202020204" pitchFamily="34" charset="0"/>
-                <a:ea typeface="微软雅黑" panose="020B0503020204020204" pitchFamily="34" charset="-122"/>
-                <a:cs typeface="Clear Sans Light" panose="020B0303030202020304" pitchFamily="34" charset="0"/>
-                <a:sym typeface="Arial" panose="020B0604020202020204" pitchFamily="34" charset="0"/>
-              </a:endParaRPr>
             </a:p>
             <a:p>
               <a:pPr marL="171450" indent="-171450">
@@ -15254,18 +15035,6 @@
                 </a:rPr>
                 <a:t>the ratio of the number of matching words in the product descriptions and search terms</a:t>
               </a:r>
-              <a:endParaRPr lang="en-US" sz="1600">
-                <a:solidFill>
-                  <a:schemeClr val="tx1">
-                    <a:lumMod val="50000"/>
-                    <a:lumOff val="50000"/>
-                  </a:schemeClr>
-                </a:solidFill>
-                <a:latin typeface="Arial" panose="020B0604020202020204" pitchFamily="34" charset="0"/>
-                <a:ea typeface="微软雅黑" panose="020B0503020204020204" pitchFamily="34" charset="-122"/>
-                <a:cs typeface="Clear Sans Light" panose="020B0303030202020304" pitchFamily="34" charset="0"/>
-                <a:sym typeface="Arial" panose="020B0604020202020204" pitchFamily="34" charset="0"/>
-              </a:endParaRPr>
             </a:p>
             <a:p>
               <a:pPr marL="171450" indent="-171450">
@@ -15287,18 +15056,6 @@
                 </a:rPr>
                 <a:t>the ratio of the number of matching words in the product attributes and search terms</a:t>
               </a:r>
-              <a:endParaRPr lang="en-US" sz="1600">
-                <a:solidFill>
-                  <a:schemeClr val="tx1">
-                    <a:lumMod val="50000"/>
-                    <a:lumOff val="50000"/>
-                  </a:schemeClr>
-                </a:solidFill>
-                <a:latin typeface="Arial" panose="020B0604020202020204" pitchFamily="34" charset="0"/>
-                <a:ea typeface="微软雅黑" panose="020B0503020204020204" pitchFamily="34" charset="-122"/>
-                <a:cs typeface="Clear Sans Light" panose="020B0303030202020304" pitchFamily="34" charset="0"/>
-                <a:sym typeface="Arial" panose="020B0604020202020204" pitchFamily="34" charset="0"/>
-              </a:endParaRPr>
             </a:p>
           </p:txBody>
         </p:sp>
@@ -15362,18 +15119,6 @@
                 </a:rPr>
                 <a:t>Tf-idf Common Feature </a:t>
               </a:r>
-              <a:endParaRPr lang="en-US" sz="1600" b="1" dirty="0">
-                <a:solidFill>
-                  <a:schemeClr val="tx1">
-                    <a:lumMod val="65000"/>
-                    <a:lumOff val="35000"/>
-                  </a:schemeClr>
-                </a:solidFill>
-                <a:latin typeface="Arial" panose="020B0604020202020204" pitchFamily="34" charset="0"/>
-                <a:ea typeface="微软雅黑" panose="020B0503020204020204" pitchFamily="34" charset="-122"/>
-                <a:cs typeface="Clear Sans" panose="020B0503030202020304" pitchFamily="34" charset="0"/>
-                <a:sym typeface="Arial" panose="020B0604020202020204" pitchFamily="34" charset="0"/>
-              </a:endParaRPr>
             </a:p>
           </p:txBody>
         </p:sp>
@@ -15417,18 +15162,6 @@
                 </a:rPr>
                 <a:t>customers search terms</a:t>
               </a:r>
-              <a:endParaRPr lang="en-US" sz="1600">
-                <a:solidFill>
-                  <a:schemeClr val="tx1">
-                    <a:lumMod val="50000"/>
-                    <a:lumOff val="50000"/>
-                  </a:schemeClr>
-                </a:solidFill>
-                <a:latin typeface="Arial" panose="020B0604020202020204" pitchFamily="34" charset="0"/>
-                <a:ea typeface="微软雅黑" panose="020B0503020204020204" pitchFamily="34" charset="-122"/>
-                <a:cs typeface="Clear Sans Light" panose="020B0303030202020304" pitchFamily="34" charset="0"/>
-                <a:sym typeface="Arial" panose="020B0604020202020204" pitchFamily="34" charset="0"/>
-              </a:endParaRPr>
             </a:p>
             <a:p>
               <a:pPr marL="171450" indent="-171450" algn="l">
@@ -15450,18 +15183,6 @@
                 </a:rPr>
                 <a:t> title of the products</a:t>
               </a:r>
-              <a:endParaRPr lang="en-US" sz="1600">
-                <a:solidFill>
-                  <a:schemeClr val="tx1">
-                    <a:lumMod val="50000"/>
-                    <a:lumOff val="50000"/>
-                  </a:schemeClr>
-                </a:solidFill>
-                <a:latin typeface="Arial" panose="020B0604020202020204" pitchFamily="34" charset="0"/>
-                <a:ea typeface="微软雅黑" panose="020B0503020204020204" pitchFamily="34" charset="-122"/>
-                <a:cs typeface="Clear Sans Light" panose="020B0303030202020304" pitchFamily="34" charset="0"/>
-                <a:sym typeface="Arial" panose="020B0604020202020204" pitchFamily="34" charset="0"/>
-              </a:endParaRPr>
             </a:p>
             <a:p>
               <a:pPr marL="171450" indent="-171450" algn="l">
@@ -15483,18 +15204,6 @@
                 </a:rPr>
                 <a:t>a combination of  brands, descriptions, and attributes of products</a:t>
               </a:r>
-              <a:endParaRPr lang="en-US" sz="1600">
-                <a:solidFill>
-                  <a:schemeClr val="tx1">
-                    <a:lumMod val="50000"/>
-                    <a:lumOff val="50000"/>
-                  </a:schemeClr>
-                </a:solidFill>
-                <a:latin typeface="Arial" panose="020B0604020202020204" pitchFamily="34" charset="0"/>
-                <a:ea typeface="微软雅黑" panose="020B0503020204020204" pitchFamily="34" charset="-122"/>
-                <a:cs typeface="Clear Sans Light" panose="020B0303030202020304" pitchFamily="34" charset="0"/>
-                <a:sym typeface="Arial" panose="020B0604020202020204" pitchFamily="34" charset="0"/>
-              </a:endParaRPr>
             </a:p>
             <a:p>
               <a:pPr marL="171450" indent="-171450" algn="l">
@@ -15531,18 +15240,6 @@
                 </a:rPr>
                 <a:t>.</a:t>
               </a:r>
-              <a:endParaRPr lang="en-US" sz="1600" dirty="0">
-                <a:solidFill>
-                  <a:schemeClr val="tx1">
-                    <a:lumMod val="50000"/>
-                    <a:lumOff val="50000"/>
-                  </a:schemeClr>
-                </a:solidFill>
-                <a:latin typeface="Arial" panose="020B0604020202020204" pitchFamily="34" charset="0"/>
-                <a:ea typeface="微软雅黑" panose="020B0503020204020204" pitchFamily="34" charset="-122"/>
-                <a:cs typeface="Clear Sans Light" panose="020B0303030202020304" pitchFamily="34" charset="0"/>
-                <a:sym typeface="Arial" panose="020B0604020202020204" pitchFamily="34" charset="0"/>
-              </a:endParaRPr>
             </a:p>
           </p:txBody>
         </p:sp>
@@ -15606,18 +15303,6 @@
                 </a:rPr>
                 <a:t>Length of Words</a:t>
               </a:r>
-              <a:endParaRPr lang="en-US" sz="1600" b="1" dirty="0">
-                <a:solidFill>
-                  <a:schemeClr val="tx1">
-                    <a:lumMod val="65000"/>
-                    <a:lumOff val="35000"/>
-                  </a:schemeClr>
-                </a:solidFill>
-                <a:latin typeface="Arial" panose="020B0604020202020204" pitchFamily="34" charset="0"/>
-                <a:ea typeface="微软雅黑" panose="020B0503020204020204" pitchFamily="34" charset="-122"/>
-                <a:cs typeface="Clear Sans" panose="020B0503030202020304" pitchFamily="34" charset="0"/>
-                <a:sym typeface="Arial" panose="020B0604020202020204" pitchFamily="34" charset="0"/>
-              </a:endParaRPr>
             </a:p>
           </p:txBody>
         </p:sp>
@@ -15661,18 +15346,6 @@
                 </a:rPr>
                 <a:t>length of the search terms</a:t>
               </a:r>
-              <a:endParaRPr lang="en-US" sz="1600">
-                <a:solidFill>
-                  <a:schemeClr val="tx1">
-                    <a:lumMod val="50000"/>
-                    <a:lumOff val="50000"/>
-                  </a:schemeClr>
-                </a:solidFill>
-                <a:latin typeface="Arial" panose="020B0604020202020204" pitchFamily="34" charset="0"/>
-                <a:ea typeface="微软雅黑" panose="020B0503020204020204" pitchFamily="34" charset="-122"/>
-                <a:cs typeface="Clear Sans Light" panose="020B0303030202020304" pitchFamily="34" charset="0"/>
-                <a:sym typeface="Arial" panose="020B0604020202020204" pitchFamily="34" charset="0"/>
-              </a:endParaRPr>
             </a:p>
             <a:p>
               <a:pPr marL="171450" indent="-171450" algn="l">
@@ -15694,18 +15367,6 @@
                 </a:rPr>
                 <a:t>length of the brands</a:t>
               </a:r>
-              <a:endParaRPr lang="en-US" sz="1600">
-                <a:solidFill>
-                  <a:schemeClr val="tx1">
-                    <a:lumMod val="50000"/>
-                    <a:lumOff val="50000"/>
-                  </a:schemeClr>
-                </a:solidFill>
-                <a:latin typeface="Arial" panose="020B0604020202020204" pitchFamily="34" charset="0"/>
-                <a:ea typeface="微软雅黑" panose="020B0503020204020204" pitchFamily="34" charset="-122"/>
-                <a:cs typeface="Clear Sans Light" panose="020B0303030202020304" pitchFamily="34" charset="0"/>
-                <a:sym typeface="Arial" panose="020B0604020202020204" pitchFamily="34" charset="0"/>
-              </a:endParaRPr>
             </a:p>
             <a:p>
               <a:pPr marL="171450" indent="-171450" algn="l">
@@ -15727,18 +15388,6 @@
                 </a:rPr>
                 <a:t>length of the attributes</a:t>
               </a:r>
-              <a:endParaRPr lang="en-US" sz="1600">
-                <a:solidFill>
-                  <a:schemeClr val="tx1">
-                    <a:lumMod val="50000"/>
-                    <a:lumOff val="50000"/>
-                  </a:schemeClr>
-                </a:solidFill>
-                <a:latin typeface="Arial" panose="020B0604020202020204" pitchFamily="34" charset="0"/>
-                <a:ea typeface="微软雅黑" panose="020B0503020204020204" pitchFamily="34" charset="-122"/>
-                <a:cs typeface="Clear Sans Light" panose="020B0303030202020304" pitchFamily="34" charset="0"/>
-                <a:sym typeface="Arial" panose="020B0604020202020204" pitchFamily="34" charset="0"/>
-              </a:endParaRPr>
             </a:p>
           </p:txBody>
         </p:sp>
@@ -15802,18 +15451,6 @@
                 </a:rPr>
                 <a:t>Search Terms Matching </a:t>
               </a:r>
-              <a:endParaRPr lang="en-US" sz="1600" b="1" dirty="0">
-                <a:solidFill>
-                  <a:schemeClr val="tx1">
-                    <a:lumMod val="65000"/>
-                    <a:lumOff val="35000"/>
-                  </a:schemeClr>
-                </a:solidFill>
-                <a:latin typeface="Arial" panose="020B0604020202020204" pitchFamily="34" charset="0"/>
-                <a:ea typeface="微软雅黑" panose="020B0503020204020204" pitchFamily="34" charset="-122"/>
-                <a:cs typeface="Clear Sans" panose="020B0503030202020304" pitchFamily="34" charset="0"/>
-                <a:sym typeface="Arial" panose="020B0604020202020204" pitchFamily="34" charset="0"/>
-              </a:endParaRPr>
             </a:p>
           </p:txBody>
         </p:sp>
@@ -15857,18 +15494,6 @@
                 </a:rPr>
                 <a:t>number of words that search terms match the product titles</a:t>
               </a:r>
-              <a:endParaRPr lang="en-US" sz="1600">
-                <a:solidFill>
-                  <a:schemeClr val="tx1">
-                    <a:lumMod val="50000"/>
-                    <a:lumOff val="50000"/>
-                  </a:schemeClr>
-                </a:solidFill>
-                <a:latin typeface="Arial" panose="020B0604020202020204" pitchFamily="34" charset="0"/>
-                <a:ea typeface="微软雅黑" panose="020B0503020204020204" pitchFamily="34" charset="-122"/>
-                <a:cs typeface="Clear Sans Light" panose="020B0303030202020304" pitchFamily="34" charset="0"/>
-                <a:sym typeface="Arial" panose="020B0604020202020204" pitchFamily="34" charset="0"/>
-              </a:endParaRPr>
             </a:p>
             <a:p>
               <a:pPr marL="171450" indent="-171450" algn="l">
@@ -15890,18 +15515,6 @@
                 </a:rPr>
                 <a:t>number of words that search terms match the product descriptions </a:t>
               </a:r>
-              <a:endParaRPr lang="en-US" sz="1600">
-                <a:solidFill>
-                  <a:schemeClr val="tx1">
-                    <a:lumMod val="50000"/>
-                    <a:lumOff val="50000"/>
-                  </a:schemeClr>
-                </a:solidFill>
-                <a:latin typeface="Arial" panose="020B0604020202020204" pitchFamily="34" charset="0"/>
-                <a:ea typeface="微软雅黑" panose="020B0503020204020204" pitchFamily="34" charset="-122"/>
-                <a:cs typeface="Clear Sans Light" panose="020B0303030202020304" pitchFamily="34" charset="0"/>
-                <a:sym typeface="Arial" panose="020B0604020202020204" pitchFamily="34" charset="0"/>
-              </a:endParaRPr>
             </a:p>
             <a:p>
               <a:pPr marL="171450" indent="-171450" algn="l">
@@ -15923,18 +15536,6 @@
                 </a:rPr>
                 <a:t>number of words that search terms that match the product attributes</a:t>
               </a:r>
-              <a:endParaRPr lang="en-US" sz="1600">
-                <a:solidFill>
-                  <a:schemeClr val="tx1">
-                    <a:lumMod val="50000"/>
-                    <a:lumOff val="50000"/>
-                  </a:schemeClr>
-                </a:solidFill>
-                <a:latin typeface="Arial" panose="020B0604020202020204" pitchFamily="34" charset="0"/>
-                <a:ea typeface="微软雅黑" panose="020B0503020204020204" pitchFamily="34" charset="-122"/>
-                <a:cs typeface="Clear Sans Light" panose="020B0303030202020304" pitchFamily="34" charset="0"/>
-                <a:sym typeface="Arial" panose="020B0604020202020204" pitchFamily="34" charset="0"/>
-              </a:endParaRPr>
             </a:p>
             <a:p>
               <a:pPr marL="171450" indent="-171450" algn="l">
@@ -15956,18 +15557,6 @@
                 </a:rPr>
                 <a:t>number of words that search terms that match the brands</a:t>
               </a:r>
-              <a:endParaRPr lang="en-US" sz="1600">
-                <a:solidFill>
-                  <a:schemeClr val="tx1">
-                    <a:lumMod val="50000"/>
-                    <a:lumOff val="50000"/>
-                  </a:schemeClr>
-                </a:solidFill>
-                <a:latin typeface="Arial" panose="020B0604020202020204" pitchFamily="34" charset="0"/>
-                <a:ea typeface="微软雅黑" panose="020B0503020204020204" pitchFamily="34" charset="-122"/>
-                <a:cs typeface="Clear Sans Light" panose="020B0303030202020304" pitchFamily="34" charset="0"/>
-                <a:sym typeface="Arial" panose="020B0604020202020204" pitchFamily="34" charset="0"/>
-              </a:endParaRPr>
             </a:p>
             <a:p>
               <a:pPr marL="171450" indent="-171450" algn="l">
@@ -15989,18 +15578,6 @@
                 </a:rPr>
                 <a:t>the first word of the search terms match product titles</a:t>
               </a:r>
-              <a:endParaRPr lang="en-US" sz="1600">
-                <a:solidFill>
-                  <a:schemeClr val="tx1">
-                    <a:lumMod val="50000"/>
-                    <a:lumOff val="50000"/>
-                  </a:schemeClr>
-                </a:solidFill>
-                <a:latin typeface="Arial" panose="020B0604020202020204" pitchFamily="34" charset="0"/>
-                <a:ea typeface="微软雅黑" panose="020B0503020204020204" pitchFamily="34" charset="-122"/>
-                <a:cs typeface="Clear Sans Light" panose="020B0303030202020304" pitchFamily="34" charset="0"/>
-                <a:sym typeface="Arial" panose="020B0604020202020204" pitchFamily="34" charset="0"/>
-              </a:endParaRPr>
             </a:p>
             <a:p>
               <a:pPr marL="171450" indent="-171450" algn="l">
@@ -16022,18 +15599,6 @@
                 </a:rPr>
                 <a:t>the first word of the search terms match the product descriptions</a:t>
               </a:r>
-              <a:endParaRPr lang="en-US" sz="1600">
-                <a:solidFill>
-                  <a:schemeClr val="tx1">
-                    <a:lumMod val="50000"/>
-                    <a:lumOff val="50000"/>
-                  </a:schemeClr>
-                </a:solidFill>
-                <a:latin typeface="Arial" panose="020B0604020202020204" pitchFamily="34" charset="0"/>
-                <a:ea typeface="微软雅黑" panose="020B0503020204020204" pitchFamily="34" charset="-122"/>
-                <a:cs typeface="Clear Sans Light" panose="020B0303030202020304" pitchFamily="34" charset="0"/>
-                <a:sym typeface="Arial" panose="020B0604020202020204" pitchFamily="34" charset="0"/>
-              </a:endParaRPr>
             </a:p>
             <a:p>
               <a:pPr marL="171450" indent="-171450" algn="l">
@@ -16055,18 +15620,6 @@
                 </a:rPr>
                 <a:t>the last word of the search terms match the product titles</a:t>
               </a:r>
-              <a:endParaRPr lang="en-US" sz="1600">
-                <a:solidFill>
-                  <a:schemeClr val="tx1">
-                    <a:lumMod val="50000"/>
-                    <a:lumOff val="50000"/>
-                  </a:schemeClr>
-                </a:solidFill>
-                <a:latin typeface="Arial" panose="020B0604020202020204" pitchFamily="34" charset="0"/>
-                <a:ea typeface="微软雅黑" panose="020B0503020204020204" pitchFamily="34" charset="-122"/>
-                <a:cs typeface="Clear Sans Light" panose="020B0303030202020304" pitchFamily="34" charset="0"/>
-                <a:sym typeface="Arial" panose="020B0604020202020204" pitchFamily="34" charset="0"/>
-              </a:endParaRPr>
             </a:p>
             <a:p>
               <a:pPr marL="171450" indent="-171450" algn="l">
@@ -16103,18 +15656,6 @@
                 </a:rPr>
                 <a:t>.</a:t>
               </a:r>
-              <a:endParaRPr lang="en-US" sz="1600" dirty="0">
-                <a:solidFill>
-                  <a:schemeClr val="tx1">
-                    <a:lumMod val="50000"/>
-                    <a:lumOff val="50000"/>
-                  </a:schemeClr>
-                </a:solidFill>
-                <a:latin typeface="Arial" panose="020B0604020202020204" pitchFamily="34" charset="0"/>
-                <a:ea typeface="微软雅黑" panose="020B0503020204020204" pitchFamily="34" charset="-122"/>
-                <a:cs typeface="Clear Sans Light" panose="020B0303030202020304" pitchFamily="34" charset="0"/>
-                <a:sym typeface="Arial" panose="020B0604020202020204" pitchFamily="34" charset="0"/>
-              </a:endParaRPr>
             </a:p>
           </p:txBody>
         </p:sp>
@@ -16152,14 +15693,6 @@
               </a:rPr>
               <a:t>Features</a:t>
             </a:r>
-            <a:endParaRPr lang="en-US" sz="4400" b="1" dirty="0">
-              <a:solidFill>
-                <a:schemeClr val="bg1"/>
-              </a:solidFill>
-              <a:latin typeface="Arial" panose="020B0604020202020204" pitchFamily="34" charset="0"/>
-              <a:ea typeface="微软雅黑" panose="020B0503020204020204" pitchFamily="34" charset="-122"/>
-              <a:sym typeface="Arial" panose="020B0604020202020204" pitchFamily="34" charset="0"/>
-            </a:endParaRPr>
           </a:p>
         </p:txBody>
       </p:sp>
@@ -16196,14 +15729,6 @@
               </a:rPr>
               <a:t>A total of 34 features</a:t>
             </a:r>
-            <a:endParaRPr lang="en-US" sz="1600" dirty="0">
-              <a:solidFill>
-                <a:schemeClr val="bg1"/>
-              </a:solidFill>
-              <a:latin typeface="Arial" panose="020B0604020202020204" pitchFamily="34" charset="0"/>
-              <a:ea typeface="微软雅黑" panose="020B0503020204020204" pitchFamily="34" charset="-122"/>
-              <a:sym typeface="Arial" panose="020B0604020202020204" pitchFamily="34" charset="0"/>
-            </a:endParaRPr>
           </a:p>
         </p:txBody>
       </p:sp>
@@ -16246,15 +15771,6 @@
               </a:rPr>
               <a:t>LOGO</a:t>
             </a:r>
-            <a:endParaRPr lang="en-US" sz="1600" b="1" dirty="0">
-              <a:solidFill>
-                <a:schemeClr val="tx2"/>
-              </a:solidFill>
-              <a:latin typeface="Arial" panose="020B0604020202020204" pitchFamily="34" charset="0"/>
-              <a:ea typeface="微软雅黑" panose="020B0503020204020204" pitchFamily="34" charset="-122"/>
-              <a:cs typeface="+mj-cs"/>
-              <a:sym typeface="Arial" panose="020B0604020202020204" pitchFamily="34" charset="0"/>
-            </a:endParaRPr>
           </a:p>
         </p:txBody>
       </p:sp>
@@ -16796,18 +16312,6 @@
                 </a:rPr>
                 <a:t>Jaccard Distance</a:t>
               </a:r>
-              <a:endParaRPr lang="en-US" sz="1600" b="1" dirty="0">
-                <a:solidFill>
-                  <a:schemeClr val="tx1">
-                    <a:lumMod val="65000"/>
-                    <a:lumOff val="35000"/>
-                  </a:schemeClr>
-                </a:solidFill>
-                <a:latin typeface="Arial" panose="020B0604020202020204" pitchFamily="34" charset="0"/>
-                <a:ea typeface="微软雅黑" panose="020B0503020204020204" pitchFamily="34" charset="-122"/>
-                <a:cs typeface="Clear Sans" panose="020B0503030202020304" pitchFamily="34" charset="0"/>
-                <a:sym typeface="Arial" panose="020B0604020202020204" pitchFamily="34" charset="0"/>
-              </a:endParaRPr>
             </a:p>
           </p:txBody>
         </p:sp>
@@ -16851,18 +16355,6 @@
                 </a:rPr>
                 <a:t>the Jaccard distance between product titles and search terms</a:t>
               </a:r>
-              <a:endParaRPr lang="en-US" sz="1600">
-                <a:solidFill>
-                  <a:schemeClr val="tx1">
-                    <a:lumMod val="50000"/>
-                    <a:lumOff val="50000"/>
-                  </a:schemeClr>
-                </a:solidFill>
-                <a:latin typeface="Arial" panose="020B0604020202020204" pitchFamily="34" charset="0"/>
-                <a:ea typeface="微软雅黑" panose="020B0503020204020204" pitchFamily="34" charset="-122"/>
-                <a:cs typeface="Clear Sans Light" panose="020B0303030202020304" pitchFamily="34" charset="0"/>
-                <a:sym typeface="Arial" panose="020B0604020202020204" pitchFamily="34" charset="0"/>
-              </a:endParaRPr>
             </a:p>
             <a:p>
               <a:pPr marL="171450" indent="-171450">
@@ -16884,18 +16376,6 @@
                 </a:rPr>
                 <a:t>the Jaccard distance between product descriptions and search terms</a:t>
               </a:r>
-              <a:endParaRPr lang="en-US" sz="1600">
-                <a:solidFill>
-                  <a:schemeClr val="tx1">
-                    <a:lumMod val="50000"/>
-                    <a:lumOff val="50000"/>
-                  </a:schemeClr>
-                </a:solidFill>
-                <a:latin typeface="Arial" panose="020B0604020202020204" pitchFamily="34" charset="0"/>
-                <a:ea typeface="微软雅黑" panose="020B0503020204020204" pitchFamily="34" charset="-122"/>
-                <a:cs typeface="Clear Sans Light" panose="020B0303030202020304" pitchFamily="34" charset="0"/>
-                <a:sym typeface="Arial" panose="020B0604020202020204" pitchFamily="34" charset="0"/>
-              </a:endParaRPr>
             </a:p>
             <a:p>
               <a:pPr marL="171450" indent="-171450">
@@ -16917,18 +16397,6 @@
                 </a:rPr>
                 <a:t>the Jaccard distance between product attributes and search terms</a:t>
               </a:r>
-              <a:endParaRPr lang="en-US" sz="1600">
-                <a:solidFill>
-                  <a:schemeClr val="tx1">
-                    <a:lumMod val="50000"/>
-                    <a:lumOff val="50000"/>
-                  </a:schemeClr>
-                </a:solidFill>
-                <a:latin typeface="Arial" panose="020B0604020202020204" pitchFamily="34" charset="0"/>
-                <a:ea typeface="微软雅黑" panose="020B0503020204020204" pitchFamily="34" charset="-122"/>
-                <a:cs typeface="Clear Sans Light" panose="020B0303030202020304" pitchFamily="34" charset="0"/>
-                <a:sym typeface="Arial" panose="020B0604020202020204" pitchFamily="34" charset="0"/>
-              </a:endParaRPr>
             </a:p>
           </p:txBody>
         </p:sp>
@@ -17010,14 +16478,6 @@
               </a:rPr>
               <a:t>A total of 34 features</a:t>
             </a:r>
-            <a:endParaRPr lang="en-US" sz="1600" dirty="0">
-              <a:solidFill>
-                <a:schemeClr val="bg1"/>
-              </a:solidFill>
-              <a:latin typeface="Arial" panose="020B0604020202020204" pitchFamily="34" charset="0"/>
-              <a:ea typeface="微软雅黑" panose="020B0503020204020204" pitchFamily="34" charset="-122"/>
-              <a:sym typeface="Arial" panose="020B0604020202020204" pitchFamily="34" charset="0"/>
-            </a:endParaRPr>
           </a:p>
         </p:txBody>
       </p:sp>
@@ -17094,6 +16554,7 @@
             <a:bodyPr wrap="square" rtlCol="0">
               <a:spAutoFit/>
             </a:bodyPr>
+            <a:lstStyle/>
             <a:p>
               <a:pPr algn="l" fontAlgn="base">
                 <a:spcBef>
@@ -17118,18 +16579,6 @@
                 </a:rPr>
                 <a:t>Levenshtein Distance</a:t>
               </a:r>
-              <a:endParaRPr lang="en-US" sz="1600" b="1" dirty="0">
-                <a:solidFill>
-                  <a:schemeClr val="tx1">
-                    <a:lumMod val="65000"/>
-                    <a:lumOff val="35000"/>
-                  </a:schemeClr>
-                </a:solidFill>
-                <a:latin typeface="Arial" panose="020B0604020202020204" pitchFamily="34" charset="0"/>
-                <a:ea typeface="微软雅黑" panose="020B0503020204020204" pitchFamily="34" charset="-122"/>
-                <a:cs typeface="Clear Sans" panose="020B0503030202020304" pitchFamily="34" charset="0"/>
-                <a:sym typeface="Arial" panose="020B0604020202020204" pitchFamily="34" charset="0"/>
-              </a:endParaRPr>
             </a:p>
           </p:txBody>
         </p:sp>
@@ -17152,6 +16601,7 @@
             <a:bodyPr wrap="square">
               <a:spAutoFit/>
             </a:bodyPr>
+            <a:lstStyle/>
             <a:p>
               <a:pPr marL="171450" indent="-171450">
                 <a:buFont typeface="Arial" panose="020B0604020202020204" pitchFamily="34" charset="0"/>
@@ -17172,18 +16622,6 @@
                 </a:rPr>
                 <a:t>the Levenshtein distance between product titles and search terms</a:t>
               </a:r>
-              <a:endParaRPr lang="en-US" sz="1600">
-                <a:solidFill>
-                  <a:schemeClr val="tx1">
-                    <a:lumMod val="50000"/>
-                    <a:lumOff val="50000"/>
-                  </a:schemeClr>
-                </a:solidFill>
-                <a:latin typeface="Arial" panose="020B0604020202020204" pitchFamily="34" charset="0"/>
-                <a:ea typeface="微软雅黑" panose="020B0503020204020204" pitchFamily="34" charset="-122"/>
-                <a:cs typeface="Clear Sans Light" panose="020B0303030202020304" pitchFamily="34" charset="0"/>
-                <a:sym typeface="Arial" panose="020B0604020202020204" pitchFamily="34" charset="0"/>
-              </a:endParaRPr>
             </a:p>
             <a:p>
               <a:pPr marL="171450" indent="-171450">
@@ -17205,18 +16643,6 @@
                 </a:rPr>
                 <a:t>the Levenshtein distance between product descriptions and search terms</a:t>
               </a:r>
-              <a:endParaRPr lang="en-US" sz="1600">
-                <a:solidFill>
-                  <a:schemeClr val="tx1">
-                    <a:lumMod val="50000"/>
-                    <a:lumOff val="50000"/>
-                  </a:schemeClr>
-                </a:solidFill>
-                <a:latin typeface="Arial" panose="020B0604020202020204" pitchFamily="34" charset="0"/>
-                <a:ea typeface="微软雅黑" panose="020B0503020204020204" pitchFamily="34" charset="-122"/>
-                <a:cs typeface="Clear Sans Light" panose="020B0303030202020304" pitchFamily="34" charset="0"/>
-                <a:sym typeface="Arial" panose="020B0604020202020204" pitchFamily="34" charset="0"/>
-              </a:endParaRPr>
             </a:p>
             <a:p>
               <a:pPr marL="171450" indent="-171450">
@@ -17238,18 +16664,6 @@
                 </a:rPr>
                 <a:t>the Levenshtein distance between product attributes and search terms</a:t>
               </a:r>
-              <a:endParaRPr lang="en-US" sz="1600">
-                <a:solidFill>
-                  <a:schemeClr val="tx1">
-                    <a:lumMod val="50000"/>
-                    <a:lumOff val="50000"/>
-                  </a:schemeClr>
-                </a:solidFill>
-                <a:latin typeface="Arial" panose="020B0604020202020204" pitchFamily="34" charset="0"/>
-                <a:ea typeface="微软雅黑" panose="020B0503020204020204" pitchFamily="34" charset="-122"/>
-                <a:cs typeface="Clear Sans Light" panose="020B0303030202020304" pitchFamily="34" charset="0"/>
-                <a:sym typeface="Arial" panose="020B0604020202020204" pitchFamily="34" charset="0"/>
-              </a:endParaRPr>
             </a:p>
           </p:txBody>
         </p:sp>
@@ -17288,6 +16702,7 @@
             <a:bodyPr wrap="square" rtlCol="0">
               <a:spAutoFit/>
             </a:bodyPr>
+            <a:lstStyle/>
             <a:p>
               <a:pPr algn="l" fontAlgn="base">
                 <a:spcBef>
@@ -17312,18 +16727,6 @@
                 </a:rPr>
                 <a:t>Word2Vec, Doc2Vec, FastText</a:t>
               </a:r>
-              <a:endParaRPr lang="en-US" sz="1600" b="1" dirty="0">
-                <a:solidFill>
-                  <a:schemeClr val="tx1">
-                    <a:lumMod val="65000"/>
-                    <a:lumOff val="35000"/>
-                  </a:schemeClr>
-                </a:solidFill>
-                <a:latin typeface="Arial" panose="020B0604020202020204" pitchFamily="34" charset="0"/>
-                <a:ea typeface="微软雅黑" panose="020B0503020204020204" pitchFamily="34" charset="-122"/>
-                <a:cs typeface="Clear Sans" panose="020B0503030202020304" pitchFamily="34" charset="0"/>
-                <a:sym typeface="Arial" panose="020B0604020202020204" pitchFamily="34" charset="0"/>
-              </a:endParaRPr>
             </a:p>
           </p:txBody>
         </p:sp>
@@ -17346,6 +16749,7 @@
             <a:bodyPr wrap="square">
               <a:spAutoFit/>
             </a:bodyPr>
+            <a:lstStyle/>
             <a:p>
               <a:pPr marL="171450" indent="-171450">
                 <a:buFont typeface="Arial" panose="020B0604020202020204" pitchFamily="34" charset="0"/>
@@ -17366,18 +16770,6 @@
                 </a:rPr>
                 <a:t>the cosine distance between product titles and search terms based on a Word2Vec, Doc2Vec, and FastText model</a:t>
               </a:r>
-              <a:endParaRPr lang="en-US" sz="1600">
-                <a:solidFill>
-                  <a:schemeClr val="tx1">
-                    <a:lumMod val="50000"/>
-                    <a:lumOff val="50000"/>
-                  </a:schemeClr>
-                </a:solidFill>
-                <a:latin typeface="Arial" panose="020B0604020202020204" pitchFamily="34" charset="0"/>
-                <a:ea typeface="微软雅黑" panose="020B0503020204020204" pitchFamily="34" charset="-122"/>
-                <a:cs typeface="Clear Sans Light" panose="020B0303030202020304" pitchFamily="34" charset="0"/>
-                <a:sym typeface="Arial" panose="020B0604020202020204" pitchFamily="34" charset="0"/>
-              </a:endParaRPr>
             </a:p>
             <a:p>
               <a:pPr marL="171450" indent="-171450">
@@ -17397,35 +16789,8 @@
                   <a:cs typeface="Clear Sans Light" panose="020B0303030202020304" pitchFamily="34" charset="0"/>
                   <a:sym typeface="Arial" panose="020B0604020202020204" pitchFamily="34" charset="0"/>
                 </a:rPr>
-                <a:t>the cosine distance between product descriptions and search terms based on a </a:t>
+                <a:t>the cosine distance between product descriptions and search terms based on a Word2Vec, Doc2Vec, and FastText model</a:t>
               </a:r>
-              <a:r>
-                <a:rPr lang="en-US" sz="1600">
-                  <a:solidFill>
-                    <a:schemeClr val="tx1">
-                      <a:lumMod val="50000"/>
-                      <a:lumOff val="50000"/>
-                    </a:schemeClr>
-                  </a:solidFill>
-                  <a:latin typeface="Arial" panose="020B0604020202020204" pitchFamily="34" charset="0"/>
-                  <a:ea typeface="微软雅黑" panose="020B0503020204020204" pitchFamily="34" charset="-122"/>
-                  <a:cs typeface="Clear Sans Light" panose="020B0303030202020304" pitchFamily="34" charset="0"/>
-                  <a:sym typeface="Arial" panose="020B0604020202020204" pitchFamily="34" charset="0"/>
-                </a:rPr>
-                <a:t>Word2Vec, Doc2Vec, and FastText model</a:t>
-              </a:r>
-              <a:endParaRPr lang="en-US" sz="1600">
-                <a:solidFill>
-                  <a:schemeClr val="tx1">
-                    <a:lumMod val="50000"/>
-                    <a:lumOff val="50000"/>
-                  </a:schemeClr>
-                </a:solidFill>
-                <a:latin typeface="Arial" panose="020B0604020202020204" pitchFamily="34" charset="0"/>
-                <a:ea typeface="微软雅黑" panose="020B0503020204020204" pitchFamily="34" charset="-122"/>
-                <a:cs typeface="Clear Sans Light" panose="020B0303030202020304" pitchFamily="34" charset="0"/>
-                <a:sym typeface="Arial" panose="020B0604020202020204" pitchFamily="34" charset="0"/>
-              </a:endParaRPr>
             </a:p>
             <a:p>
               <a:pPr marL="171450" indent="-171450">
@@ -17445,35 +16810,8 @@
                   <a:cs typeface="Clear Sans Light" panose="020B0303030202020304" pitchFamily="34" charset="0"/>
                   <a:sym typeface="Arial" panose="020B0604020202020204" pitchFamily="34" charset="0"/>
                 </a:rPr>
-                <a:t>the cosine distance between product attributes and search terms based on a </a:t>
+                <a:t>the cosine distance between product attributes and search terms based on a Word2Vec, Doc2Vec, and FastText model</a:t>
               </a:r>
-              <a:r>
-                <a:rPr lang="en-US" sz="1600">
-                  <a:solidFill>
-                    <a:schemeClr val="tx1">
-                      <a:lumMod val="50000"/>
-                      <a:lumOff val="50000"/>
-                    </a:schemeClr>
-                  </a:solidFill>
-                  <a:latin typeface="Arial" panose="020B0604020202020204" pitchFamily="34" charset="0"/>
-                  <a:ea typeface="微软雅黑" panose="020B0503020204020204" pitchFamily="34" charset="-122"/>
-                  <a:cs typeface="Clear Sans Light" panose="020B0303030202020304" pitchFamily="34" charset="0"/>
-                  <a:sym typeface="Arial" panose="020B0604020202020204" pitchFamily="34" charset="0"/>
-                </a:rPr>
-                <a:t>Word2Vec, Doc2Vec, and FastText model</a:t>
-              </a:r>
-              <a:endParaRPr lang="en-US" sz="1600">
-                <a:solidFill>
-                  <a:schemeClr val="tx1">
-                    <a:lumMod val="50000"/>
-                    <a:lumOff val="50000"/>
-                  </a:schemeClr>
-                </a:solidFill>
-                <a:latin typeface="Arial" panose="020B0604020202020204" pitchFamily="34" charset="0"/>
-                <a:ea typeface="微软雅黑" panose="020B0503020204020204" pitchFamily="34" charset="-122"/>
-                <a:cs typeface="Clear Sans Light" panose="020B0303030202020304" pitchFamily="34" charset="0"/>
-                <a:sym typeface="Arial" panose="020B0604020202020204" pitchFamily="34" charset="0"/>
-              </a:endParaRPr>
             </a:p>
           </p:txBody>
         </p:sp>
@@ -17847,7 +17185,7 @@
 </file>
 
 <file path=ppt/tags/tag1.xml><?xml version="1.0" encoding="utf-8"?>
-<p:tagLst xmlns:p="http://schemas.openxmlformats.org/presentationml/2006/main">
+<p:tagLst xmlns:a="http://schemas.openxmlformats.org/drawingml/2006/main" xmlns:r="http://schemas.openxmlformats.org/officeDocument/2006/relationships" xmlns:p="http://schemas.openxmlformats.org/presentationml/2006/main">
   <p:tag name="KSO_WM_SLIDE_MODEL_TYPE" val="cover"/>
 </p:tagLst>
 </file>
@@ -18103,9 +17441,11 @@
       </a:bgFillStyleLst>
     </a:fmtScheme>
   </a:themeElements>
+  <a:objectDefaults/>
+  <a:extraClrSchemeLst/>
   <a:extLst>
     <a:ext uri="{05A4C25C-085E-4340-85A3-A5531E510DB2}">
-      <thm15:themeFamily xmlns:thm15="http://schemas.microsoft.com/office/thememl/2012/main" name="Office Theme" id="{62F939B6-93AF-4DB8-9C6B-D6C7DFDC589F}" vid="{4A3C46E8-61CC-4603-A589-7422A47A8E4A}"/>
+      <thm15:themeFamily xmlns:thm15="http://schemas.microsoft.com/office/thememl/2012/main" xmlns="" name="Office Theme" id="{62F939B6-93AF-4DB8-9C6B-D6C7DFDC589F}" vid="{4A3C46E8-61CC-4603-A589-7422A47A8E4A}"/>
     </a:ext>
   </a:extLst>
 </a:theme>
@@ -18362,9 +17702,11 @@
       </a:bgFillStyleLst>
     </a:fmtScheme>
   </a:themeElements>
+  <a:objectDefaults/>
+  <a:extraClrSchemeLst/>
   <a:extLst>
     <a:ext uri="{05A4C25C-085E-4340-85A3-A5531E510DB2}">
-      <thm15:themeFamily xmlns:thm15="http://schemas.microsoft.com/office/thememl/2012/main" name="Office Theme" id="{62F939B6-93AF-4DB8-9C6B-D6C7DFDC589F}" vid="{4A3C46E8-61CC-4603-A589-7422A47A8E4A}"/>
+      <thm15:themeFamily xmlns:thm15="http://schemas.microsoft.com/office/thememl/2012/main" xmlns="" name="Office Theme" id="{62F939B6-93AF-4DB8-9C6B-D6C7DFDC589F}" vid="{4A3C46E8-61CC-4603-A589-7422A47A8E4A}"/>
     </a:ext>
   </a:extLst>
 </a:theme>
@@ -18621,9 +17963,11 @@
       </a:bgFillStyleLst>
     </a:fmtScheme>
   </a:themeElements>
+  <a:objectDefaults/>
+  <a:extraClrSchemeLst/>
   <a:extLst>
     <a:ext uri="{05A4C25C-085E-4340-85A3-A5531E510DB2}">
-      <thm15:themeFamily xmlns:thm15="http://schemas.microsoft.com/office/thememl/2012/main" name="Office Theme" id="{62F939B6-93AF-4DB8-9C6B-D6C7DFDC589F}" vid="{4A3C46E8-61CC-4603-A589-7422A47A8E4A}"/>
+      <thm15:themeFamily xmlns:thm15="http://schemas.microsoft.com/office/thememl/2012/main" xmlns="" name="Office Theme" id="{62F939B6-93AF-4DB8-9C6B-D6C7DFDC589F}" vid="{4A3C46E8-61CC-4603-A589-7422A47A8E4A}"/>
     </a:ext>
   </a:extLst>
 </a:theme>

--- a/Capstone Project 2/Capstone Project 2.pptx
+++ b/Capstone Project 2/Capstone Project 2.pptx
@@ -17,9 +17,9 @@
     <p:sldId id="416" r:id="rId5"/>
     <p:sldId id="417" r:id="rId6"/>
     <p:sldId id="418" r:id="rId7"/>
-    <p:sldId id="419" r:id="rId8"/>
-    <p:sldId id="380" r:id="rId9"/>
-    <p:sldId id="420" r:id="rId10"/>
+    <p:sldId id="380" r:id="rId8"/>
+    <p:sldId id="420" r:id="rId9"/>
+    <p:sldId id="424" r:id="rId10"/>
     <p:sldId id="421" r:id="rId11"/>
     <p:sldId id="422" r:id="rId12"/>
     <p:sldId id="423" r:id="rId13"/>
@@ -208,7 +208,7 @@
             <a:fld id="{0F9B84EA-7D68-4D60-9CB1-D50884785D1C}" type="datetimeFigureOut">
               <a:rPr lang="zh-CN" altLang="en-US" smtClean="0"/>
               <a:pPr/>
-              <a:t>2019-10-21</a:t>
+              <a:t>2019-10-22</a:t>
             </a:fld>
             <a:endParaRPr lang="zh-CN" altLang="en-US"/>
           </a:p>
@@ -370,7 +370,7 @@
             <a:fld id="{D2A48B96-639E-45A3-A0BA-2464DFDB1FAA}" type="datetimeFigureOut">
               <a:rPr lang="zh-CN" altLang="en-US" smtClean="0"/>
               <a:pPr/>
-              <a:t>2019-10-21</a:t>
+              <a:t>2019-10-22</a:t>
             </a:fld>
             <a:endParaRPr lang="zh-CN" altLang="en-US"/>
           </a:p>
@@ -890,7 +890,7 @@
             <a:fld id="{3D7C03AA-D59E-4F38-9F50-6993286DD190}" type="datetimeFigureOut">
               <a:rPr lang="en-US" smtClean="0"/>
               <a:pPr/>
-              <a:t>10/21/2019</a:t>
+              <a:t>10/22/2019</a:t>
             </a:fld>
             <a:endParaRPr lang="en-US"/>
           </a:p>
@@ -1055,7 +1055,7 @@
             <a:fld id="{3D7C03AA-D59E-4F38-9F50-6993286DD190}" type="datetimeFigureOut">
               <a:rPr lang="en-US" smtClean="0"/>
               <a:pPr/>
-              <a:t>10/21/2019</a:t>
+              <a:t>10/22/2019</a:t>
             </a:fld>
             <a:endParaRPr lang="en-US"/>
           </a:p>
@@ -1230,7 +1230,7 @@
             <a:fld id="{3D7C03AA-D59E-4F38-9F50-6993286DD190}" type="datetimeFigureOut">
               <a:rPr lang="en-US" smtClean="0"/>
               <a:pPr/>
-              <a:t>10/21/2019</a:t>
+              <a:t>10/22/2019</a:t>
             </a:fld>
             <a:endParaRPr lang="en-US"/>
           </a:p>
@@ -1395,7 +1395,7 @@
             <a:fld id="{3D7C03AA-D59E-4F38-9F50-6993286DD190}" type="datetimeFigureOut">
               <a:rPr lang="en-US" smtClean="0"/>
               <a:pPr/>
-              <a:t>10/21/2019</a:t>
+              <a:t>10/22/2019</a:t>
             </a:fld>
             <a:endParaRPr lang="en-US"/>
           </a:p>
@@ -1637,7 +1637,7 @@
             <a:fld id="{3D7C03AA-D59E-4F38-9F50-6993286DD190}" type="datetimeFigureOut">
               <a:rPr lang="en-US" smtClean="0"/>
               <a:pPr/>
-              <a:t>10/21/2019</a:t>
+              <a:t>10/22/2019</a:t>
             </a:fld>
             <a:endParaRPr lang="en-US"/>
           </a:p>
@@ -1863,7 +1863,7 @@
             <a:fld id="{3D7C03AA-D59E-4F38-9F50-6993286DD190}" type="datetimeFigureOut">
               <a:rPr lang="en-US" smtClean="0"/>
               <a:pPr/>
-              <a:t>10/21/2019</a:t>
+              <a:t>10/22/2019</a:t>
             </a:fld>
             <a:endParaRPr lang="en-US"/>
           </a:p>
@@ -2224,7 +2224,7 @@
             <a:fld id="{3D7C03AA-D59E-4F38-9F50-6993286DD190}" type="datetimeFigureOut">
               <a:rPr lang="en-US" smtClean="0"/>
               <a:pPr/>
-              <a:t>10/21/2019</a:t>
+              <a:t>10/22/2019</a:t>
             </a:fld>
             <a:endParaRPr lang="en-US"/>
           </a:p>
@@ -2338,7 +2338,7 @@
             <a:fld id="{3D7C03AA-D59E-4F38-9F50-6993286DD190}" type="datetimeFigureOut">
               <a:rPr lang="en-US" smtClean="0"/>
               <a:pPr/>
-              <a:t>10/21/2019</a:t>
+              <a:t>10/22/2019</a:t>
             </a:fld>
             <a:endParaRPr lang="en-US"/>
           </a:p>
@@ -2430,7 +2430,7 @@
             <a:fld id="{3D7C03AA-D59E-4F38-9F50-6993286DD190}" type="datetimeFigureOut">
               <a:rPr lang="en-US" smtClean="0"/>
               <a:pPr/>
-              <a:t>10/21/2019</a:t>
+              <a:t>10/22/2019</a:t>
             </a:fld>
             <a:endParaRPr lang="en-US"/>
           </a:p>
@@ -2702,7 +2702,7 @@
             <a:fld id="{3D7C03AA-D59E-4F38-9F50-6993286DD190}" type="datetimeFigureOut">
               <a:rPr lang="en-US" smtClean="0"/>
               <a:pPr/>
-              <a:t>10/21/2019</a:t>
+              <a:t>10/22/2019</a:t>
             </a:fld>
             <a:endParaRPr lang="en-US"/>
           </a:p>
@@ -2951,7 +2951,7 @@
             <a:fld id="{3D7C03AA-D59E-4F38-9F50-6993286DD190}" type="datetimeFigureOut">
               <a:rPr lang="en-US" smtClean="0"/>
               <a:pPr/>
-              <a:t>10/21/2019</a:t>
+              <a:t>10/22/2019</a:t>
             </a:fld>
             <a:endParaRPr lang="en-US"/>
           </a:p>
@@ -3159,7 +3159,7 @@
             <a:fld id="{3D7C03AA-D59E-4F38-9F50-6993286DD190}" type="datetimeFigureOut">
               <a:rPr lang="en-US" smtClean="0"/>
               <a:pPr/>
-              <a:t>10/21/2019</a:t>
+              <a:t>10/22/2019</a:t>
             </a:fld>
             <a:endParaRPr lang="en-US"/>
           </a:p>
@@ -3711,7 +3711,7 @@
     <a:masterClrMapping/>
   </p:clrMapOvr>
   <mc:AlternateContent xmlns:mc="http://schemas.openxmlformats.org/markup-compatibility/2006">
-    <mc:Choice xmlns:p14="http://schemas.microsoft.com/office/powerpoint/2010/main" xmlns="" Requires="p14">
+    <mc:Choice xmlns="" xmlns:p14="http://schemas.microsoft.com/office/powerpoint/2010/main" Requires="p14">
       <p:transition spd="slow" p14:dur="1500" advTm="0">
         <p:split orient="vert"/>
       </p:transition>
@@ -5821,7 +5821,7 @@
         <p:spPr>
           <a:xfrm>
             <a:off x="575310" y="2888615"/>
-            <a:ext cx="4219575" cy="1322070"/>
+            <a:ext cx="4219575" cy="1881990"/>
           </a:xfrm>
           <a:prstGeom prst="rect">
             <a:avLst/>
@@ -5834,11 +5834,14 @@
           <a:lstStyle/>
           <a:p>
             <a:pPr marL="171450" indent="-171450">
+              <a:lnSpc>
+                <a:spcPct val="150000"/>
+              </a:lnSpc>
               <a:buFont typeface="Arial" panose="020B0604020202020204" pitchFamily="34" charset="0"/>
               <a:buChar char="•"/>
             </a:pPr>
             <a:r>
-              <a:rPr lang="en-US" sz="2000">
+              <a:rPr lang="en-US" sz="2000" dirty="0" err="1">
                 <a:solidFill>
                   <a:schemeClr val="tx1">
                     <a:lumMod val="50000"/>
@@ -5850,10 +5853,25 @@
                 <a:cs typeface="Clear Sans Light" panose="020B0303030202020304" pitchFamily="34" charset="0"/>
                 <a:sym typeface="Arial" panose="020B0604020202020204" pitchFamily="34" charset="0"/>
               </a:rPr>
-              <a:t>LightGBM performed the best with RMSE </a:t>
-            </a:r>
-            <a:r>
-              <a:rPr lang="en-US" sz="2000" b="1">
+              <a:t>LightGBM</a:t>
+            </a:r>
+            <a:r>
+              <a:rPr lang="en-US" sz="2000" dirty="0">
+                <a:solidFill>
+                  <a:schemeClr val="tx1">
+                    <a:lumMod val="50000"/>
+                    <a:lumOff val="50000"/>
+                  </a:schemeClr>
+                </a:solidFill>
+                <a:latin typeface="Arial" panose="020B0604020202020204" pitchFamily="34" charset="0"/>
+                <a:ea typeface="微软雅黑" panose="020B0503020204020204" pitchFamily="34" charset="-122"/>
+                <a:cs typeface="Clear Sans Light" panose="020B0303030202020304" pitchFamily="34" charset="0"/>
+                <a:sym typeface="Arial" panose="020B0604020202020204" pitchFamily="34" charset="0"/>
+              </a:rPr>
+              <a:t> performed the best with RMSE </a:t>
+            </a:r>
+            <a:r>
+              <a:rPr lang="en-US" sz="2000" b="1" dirty="0">
                 <a:solidFill>
                   <a:schemeClr val="tx1">
                     <a:lumMod val="50000"/>
@@ -5867,7 +5885,7 @@
               </a:rPr>
               <a:t>0.4530</a:t>
             </a:r>
-            <a:endParaRPr lang="en-US" sz="2000">
+            <a:endParaRPr lang="en-US" sz="2000" dirty="0">
               <a:solidFill>
                 <a:schemeClr val="tx1">
                   <a:lumMod val="50000"/>
@@ -5882,11 +5900,14 @@
           </a:p>
           <a:p>
             <a:pPr marL="171450" indent="-171450">
+              <a:lnSpc>
+                <a:spcPct val="150000"/>
+              </a:lnSpc>
               <a:buFont typeface="Arial" panose="020B0604020202020204" pitchFamily="34" charset="0"/>
               <a:buChar char="•"/>
             </a:pPr>
             <a:r>
-              <a:rPr lang="en-US" sz="2000">
+              <a:rPr lang="en-US" sz="2000" dirty="0">
                 <a:solidFill>
                   <a:schemeClr val="tx1">
                     <a:lumMod val="50000"/>
@@ -5898,10 +5919,40 @@
                 <a:cs typeface="Clear Sans Light" panose="020B0303030202020304" pitchFamily="34" charset="0"/>
                 <a:sym typeface="Arial" panose="020B0604020202020204" pitchFamily="34" charset="0"/>
               </a:rPr>
-              <a:t>Bagging performed the sceond best with RMSE</a:t>
-            </a:r>
-            <a:r>
-              <a:rPr lang="en-US" sz="2000" b="1">
+              <a:t>Bagging performed the </a:t>
+            </a:r>
+            <a:r>
+              <a:rPr lang="en-US" sz="2000" dirty="0" smtClean="0">
+                <a:solidFill>
+                  <a:schemeClr val="tx1">
+                    <a:lumMod val="50000"/>
+                    <a:lumOff val="50000"/>
+                  </a:schemeClr>
+                </a:solidFill>
+                <a:latin typeface="Arial" panose="020B0604020202020204" pitchFamily="34" charset="0"/>
+                <a:ea typeface="微软雅黑" panose="020B0503020204020204" pitchFamily="34" charset="-122"/>
+                <a:cs typeface="Clear Sans Light" panose="020B0303030202020304" pitchFamily="34" charset="0"/>
+                <a:sym typeface="Arial" panose="020B0604020202020204" pitchFamily="34" charset="0"/>
+              </a:rPr>
+              <a:t>second </a:t>
+            </a:r>
+            <a:r>
+              <a:rPr lang="en-US" sz="2000" dirty="0">
+                <a:solidFill>
+                  <a:schemeClr val="tx1">
+                    <a:lumMod val="50000"/>
+                    <a:lumOff val="50000"/>
+                  </a:schemeClr>
+                </a:solidFill>
+                <a:latin typeface="Arial" panose="020B0604020202020204" pitchFamily="34" charset="0"/>
+                <a:ea typeface="微软雅黑" panose="020B0503020204020204" pitchFamily="34" charset="-122"/>
+                <a:cs typeface="Clear Sans Light" panose="020B0303030202020304" pitchFamily="34" charset="0"/>
+                <a:sym typeface="Arial" panose="020B0604020202020204" pitchFamily="34" charset="0"/>
+              </a:rPr>
+              <a:t>best with RMSE</a:t>
+            </a:r>
+            <a:r>
+              <a:rPr lang="en-US" sz="2000" b="1" dirty="0">
                 <a:solidFill>
                   <a:schemeClr val="tx1">
                     <a:lumMod val="50000"/>
@@ -5924,7 +5975,7 @@
     <a:masterClrMapping/>
   </p:clrMapOvr>
   <mc:AlternateContent xmlns:mc="http://schemas.openxmlformats.org/markup-compatibility/2006">
-    <mc:Choice xmlns:p14="http://schemas.microsoft.com/office/powerpoint/2010/main" xmlns="" Requires="p14">
+    <mc:Choice xmlns="" xmlns:p14="http://schemas.microsoft.com/office/powerpoint/2010/main" Requires="p14">
       <p:transition spd="slow" p14:dur="3400" advTm="0">
         <p14:reveal/>
       </p:transition>
@@ -6282,7 +6333,7 @@
         <p:spPr>
           <a:xfrm>
             <a:off x="471805" y="3093720"/>
-            <a:ext cx="4153535" cy="1938020"/>
+            <a:ext cx="4153535" cy="2805320"/>
           </a:xfrm>
           <a:prstGeom prst="rect">
             <a:avLst/>
@@ -6295,11 +6346,14 @@
           <a:lstStyle/>
           <a:p>
             <a:pPr marL="171450" indent="-171450">
+              <a:lnSpc>
+                <a:spcPct val="150000"/>
+              </a:lnSpc>
               <a:buFont typeface="Arial" panose="020B0604020202020204" pitchFamily="34" charset="0"/>
               <a:buChar char="•"/>
             </a:pPr>
             <a:r>
-              <a:rPr lang="en-US" sz="2000">
+              <a:rPr lang="en-US" sz="2000" dirty="0">
                 <a:solidFill>
                   <a:schemeClr val="tx1">
                     <a:lumMod val="50000"/>
@@ -6311,10 +6365,70 @@
                 <a:cs typeface="Clear Sans Light" panose="020B0303030202020304" pitchFamily="34" charset="0"/>
                 <a:sym typeface="Arial" panose="020B0604020202020204" pitchFamily="34" charset="0"/>
               </a:rPr>
-              <a:t>After hyperparmeter tuning, LightGBM performed the best with RMSE </a:t>
-            </a:r>
-            <a:r>
-              <a:rPr lang="en-US" sz="2000" b="1">
+              <a:t>After </a:t>
+            </a:r>
+            <a:r>
+              <a:rPr lang="en-US" sz="2000" dirty="0" err="1">
+                <a:solidFill>
+                  <a:schemeClr val="tx1">
+                    <a:lumMod val="50000"/>
+                    <a:lumOff val="50000"/>
+                  </a:schemeClr>
+                </a:solidFill>
+                <a:latin typeface="Arial" panose="020B0604020202020204" pitchFamily="34" charset="0"/>
+                <a:ea typeface="微软雅黑" panose="020B0503020204020204" pitchFamily="34" charset="-122"/>
+                <a:cs typeface="Clear Sans Light" panose="020B0303030202020304" pitchFamily="34" charset="0"/>
+                <a:sym typeface="Arial" panose="020B0604020202020204" pitchFamily="34" charset="0"/>
+              </a:rPr>
+              <a:t>hyperparmeter</a:t>
+            </a:r>
+            <a:r>
+              <a:rPr lang="en-US" sz="2000" dirty="0">
+                <a:solidFill>
+                  <a:schemeClr val="tx1">
+                    <a:lumMod val="50000"/>
+                    <a:lumOff val="50000"/>
+                  </a:schemeClr>
+                </a:solidFill>
+                <a:latin typeface="Arial" panose="020B0604020202020204" pitchFamily="34" charset="0"/>
+                <a:ea typeface="微软雅黑" panose="020B0503020204020204" pitchFamily="34" charset="-122"/>
+                <a:cs typeface="Clear Sans Light" panose="020B0303030202020304" pitchFamily="34" charset="0"/>
+                <a:sym typeface="Arial" panose="020B0604020202020204" pitchFamily="34" charset="0"/>
+              </a:rPr>
+              <a:t> tuning, </a:t>
+            </a:r>
+            <a:r>
+              <a:rPr lang="en-US" sz="2000" dirty="0" err="1">
+                <a:solidFill>
+                  <a:schemeClr val="tx1">
+                    <a:lumMod val="50000"/>
+                    <a:lumOff val="50000"/>
+                  </a:schemeClr>
+                </a:solidFill>
+                <a:latin typeface="Arial" panose="020B0604020202020204" pitchFamily="34" charset="0"/>
+                <a:ea typeface="微软雅黑" panose="020B0503020204020204" pitchFamily="34" charset="-122"/>
+                <a:cs typeface="Clear Sans Light" panose="020B0303030202020304" pitchFamily="34" charset="0"/>
+                <a:sym typeface="Arial" panose="020B0604020202020204" pitchFamily="34" charset="0"/>
+              </a:rPr>
+              <a:t>LightGBM</a:t>
+            </a:r>
+            <a:r>
+              <a:rPr lang="en-US" sz="2000" dirty="0">
+                <a:solidFill>
+                  <a:schemeClr val="tx1">
+                    <a:lumMod val="50000"/>
+                    <a:lumOff val="50000"/>
+                  </a:schemeClr>
+                </a:solidFill>
+                <a:latin typeface="Arial" panose="020B0604020202020204" pitchFamily="34" charset="0"/>
+                <a:ea typeface="微软雅黑" panose="020B0503020204020204" pitchFamily="34" charset="-122"/>
+                <a:cs typeface="Clear Sans Light" panose="020B0303030202020304" pitchFamily="34" charset="0"/>
+                <a:sym typeface="Arial" panose="020B0604020202020204" pitchFamily="34" charset="0"/>
+              </a:rPr>
+              <a:t> performed the best with RMSE </a:t>
+            </a:r>
+            <a:r>
+              <a:rPr lang="en-US" sz="2000" b="1" dirty="0">
                 <a:solidFill>
                   <a:schemeClr val="tx1">
                     <a:lumMod val="50000"/>
@@ -6331,11 +6445,14 @@
           </a:p>
           <a:p>
             <a:pPr marL="171450" indent="-171450">
+              <a:lnSpc>
+                <a:spcPct val="150000"/>
+              </a:lnSpc>
               <a:buFont typeface="Arial" panose="020B0604020202020204" pitchFamily="34" charset="0"/>
               <a:buChar char="•"/>
             </a:pPr>
             <a:r>
-              <a:rPr lang="en-US" sz="2000">
+              <a:rPr lang="en-US" sz="2000" dirty="0">
                 <a:solidFill>
                   <a:schemeClr val="tx1">
                     <a:lumMod val="50000"/>
@@ -6347,10 +6464,40 @@
                 <a:cs typeface="Clear Sans Light" panose="020B0303030202020304" pitchFamily="34" charset="0"/>
                 <a:sym typeface="Arial" panose="020B0604020202020204" pitchFamily="34" charset="0"/>
               </a:rPr>
-              <a:t>After hyperparmeter tuning, random forest performed the best with RMSE </a:t>
-            </a:r>
-            <a:r>
-              <a:rPr lang="en-US" sz="2000" b="1">
+              <a:t>After </a:t>
+            </a:r>
+            <a:r>
+              <a:rPr lang="en-US" sz="2000" dirty="0" err="1">
+                <a:solidFill>
+                  <a:schemeClr val="tx1">
+                    <a:lumMod val="50000"/>
+                    <a:lumOff val="50000"/>
+                  </a:schemeClr>
+                </a:solidFill>
+                <a:latin typeface="Arial" panose="020B0604020202020204" pitchFamily="34" charset="0"/>
+                <a:ea typeface="微软雅黑" panose="020B0503020204020204" pitchFamily="34" charset="-122"/>
+                <a:cs typeface="Clear Sans Light" panose="020B0303030202020304" pitchFamily="34" charset="0"/>
+                <a:sym typeface="Arial" panose="020B0604020202020204" pitchFamily="34" charset="0"/>
+              </a:rPr>
+              <a:t>hyperparmeter</a:t>
+            </a:r>
+            <a:r>
+              <a:rPr lang="en-US" sz="2000" dirty="0">
+                <a:solidFill>
+                  <a:schemeClr val="tx1">
+                    <a:lumMod val="50000"/>
+                    <a:lumOff val="50000"/>
+                  </a:schemeClr>
+                </a:solidFill>
+                <a:latin typeface="Arial" panose="020B0604020202020204" pitchFamily="34" charset="0"/>
+                <a:ea typeface="微软雅黑" panose="020B0503020204020204" pitchFamily="34" charset="-122"/>
+                <a:cs typeface="Clear Sans Light" panose="020B0303030202020304" pitchFamily="34" charset="0"/>
+                <a:sym typeface="Arial" panose="020B0604020202020204" pitchFamily="34" charset="0"/>
+              </a:rPr>
+              <a:t> tuning, random forest performed the best with RMSE </a:t>
+            </a:r>
+            <a:r>
+              <a:rPr lang="en-US" sz="2000" b="1" dirty="0">
                 <a:solidFill>
                   <a:schemeClr val="tx1">
                     <a:lumMod val="50000"/>
@@ -8349,7 +8496,7 @@
     <a:masterClrMapping/>
   </p:clrMapOvr>
   <mc:AlternateContent xmlns:mc="http://schemas.openxmlformats.org/markup-compatibility/2006">
-    <mc:Choice xmlns:p14="http://schemas.microsoft.com/office/powerpoint/2010/main" xmlns="" Requires="p14">
+    <mc:Choice xmlns="" xmlns:p14="http://schemas.microsoft.com/office/powerpoint/2010/main" Requires="p14">
       <p:transition spd="slow" p14:dur="3400" advTm="0">
         <p14:reveal/>
       </p:transition>
@@ -8706,8 +8853,8 @@
         </p:nvSpPr>
         <p:spPr>
           <a:xfrm>
-            <a:off x="607707" y="2280919"/>
-            <a:ext cx="5656785" cy="1631216"/>
+            <a:off x="1067747" y="2280919"/>
+            <a:ext cx="10109515" cy="1938992"/>
           </a:xfrm>
           <a:prstGeom prst="rect">
             <a:avLst/>
@@ -8720,6 +8867,9 @@
           <a:lstStyle/>
           <a:p>
             <a:pPr marL="171450" indent="-171450">
+              <a:lnSpc>
+                <a:spcPct val="150000"/>
+              </a:lnSpc>
               <a:buFont typeface="Arial" panose="020B0604020202020204" pitchFamily="34" charset="0"/>
               <a:buChar char="•"/>
             </a:pPr>
@@ -8846,6 +8996,9 @@
           </a:p>
           <a:p>
             <a:pPr marL="171450" indent="-171450">
+              <a:lnSpc>
+                <a:spcPct val="150000"/>
+              </a:lnSpc>
               <a:buFont typeface="Arial" panose="020B0604020202020204" pitchFamily="34" charset="0"/>
               <a:buChar char="•"/>
             </a:pPr>
@@ -8954,6 +9107,9 @@
           </a:p>
           <a:p>
             <a:pPr marL="171450" indent="-171450">
+              <a:lnSpc>
+                <a:spcPct val="150000"/>
+              </a:lnSpc>
               <a:buFont typeface="Arial" panose="020B0604020202020204" pitchFamily="34" charset="0"/>
               <a:buChar char="•"/>
             </a:pPr>
@@ -9034,30 +9190,6 @@
       </p:sp>
       <p:pic>
         <p:nvPicPr>
-          <p:cNvPr id="3" name="Picture 2"/>
-          <p:cNvPicPr>
-            <a:picLocks noChangeAspect="1"/>
-          </p:cNvPicPr>
-          <p:nvPr/>
-        </p:nvPicPr>
-        <p:blipFill>
-          <a:blip r:embed="rId3" cstate="print"/>
-          <a:stretch>
-            <a:fillRect/>
-          </a:stretch>
-        </p:blipFill>
-        <p:spPr>
-          <a:xfrm>
-            <a:off x="7369412" y="2108271"/>
-            <a:ext cx="3276600" cy="4048125"/>
-          </a:xfrm>
-          <a:prstGeom prst="rect">
-            <a:avLst/>
-          </a:prstGeom>
-        </p:spPr>
-      </p:pic>
-      <p:pic>
-        <p:nvPicPr>
           <p:cNvPr id="1027" name="Picture 3"/>
           <p:cNvPicPr>
             <a:picLocks noChangeAspect="1" noChangeArrowheads="1"/>
@@ -9065,7 +9197,7 @@
           <p:nvPr/>
         </p:nvPicPr>
         <p:blipFill>
-          <a:blip r:embed="rId4" cstate="print"/>
+          <a:blip r:embed="rId3" cstate="print"/>
           <a:srcRect/>
           <a:stretch>
             <a:fillRect/>
@@ -9073,8 +9205,8 @@
         </p:blipFill>
         <p:spPr bwMode="auto">
           <a:xfrm>
-            <a:off x="470925" y="4390938"/>
-            <a:ext cx="6605735" cy="766052"/>
+            <a:off x="2441714" y="4748746"/>
+            <a:ext cx="7662122" cy="766052"/>
           </a:xfrm>
           <a:prstGeom prst="rect">
             <a:avLst/>
@@ -9094,7 +9226,7 @@
     <a:masterClrMapping/>
   </p:clrMapOvr>
   <mc:AlternateContent xmlns:mc="http://schemas.openxmlformats.org/markup-compatibility/2006">
-    <mc:Choice xmlns:p14="http://schemas.microsoft.com/office/powerpoint/2010/main" xmlns="" Requires="p14">
+    <mc:Choice xmlns="" xmlns:p14="http://schemas.microsoft.com/office/powerpoint/2010/main" Requires="p14">
       <p:transition spd="slow" p14:dur="3400" advTm="0">
         <p14:reveal/>
       </p:transition>
@@ -9416,7 +9548,7 @@
     <a:masterClrMapping/>
   </p:clrMapOvr>
   <mc:AlternateContent xmlns:mc="http://schemas.openxmlformats.org/markup-compatibility/2006">
-    <mc:Choice xmlns:p14="http://schemas.microsoft.com/office/powerpoint/2010/main" xmlns="" Requires="p14">
+    <mc:Choice xmlns="" xmlns:p14="http://schemas.microsoft.com/office/powerpoint/2010/main" Requires="p14">
       <p:transition spd="slow" p14:dur="1500" advTm="0">
         <p:split orient="vert"/>
       </p:transition>
@@ -10945,7 +11077,7 @@
     <a:masterClrMapping/>
   </p:clrMapOvr>
   <mc:AlternateContent xmlns:mc="http://schemas.openxmlformats.org/markup-compatibility/2006">
-    <mc:Choice xmlns:p14="http://schemas.microsoft.com/office/powerpoint/2010/main" xmlns="" Requires="p14">
+    <mc:Choice xmlns="" xmlns:p14="http://schemas.microsoft.com/office/powerpoint/2010/main" Requires="p14">
       <p:transition spd="med" p14:dur="700" advTm="0">
         <p:fade/>
       </p:transition>
@@ -12453,7 +12585,7 @@
     <a:masterClrMapping/>
   </p:clrMapOvr>
   <mc:AlternateContent xmlns:mc="http://schemas.openxmlformats.org/markup-compatibility/2006">
-    <mc:Choice xmlns:p14="http://schemas.microsoft.com/office/powerpoint/2010/main" xmlns="" Requires="p14">
+    <mc:Choice xmlns="" xmlns:p14="http://schemas.microsoft.com/office/powerpoint/2010/main" Requires="p14">
       <p:transition spd="slow" p14:dur="3400" advTm="0">
         <p14:reveal/>
       </p:transition>
@@ -12863,8 +12995,8 @@
         </p:nvSpPr>
         <p:spPr>
           <a:xfrm>
-            <a:off x="1524599" y="2982986"/>
-            <a:ext cx="9144000" cy="1938020"/>
+            <a:off x="791941" y="2965947"/>
+            <a:ext cx="5194253" cy="3323987"/>
           </a:xfrm>
           <a:prstGeom prst="rect">
             <a:avLst/>
@@ -12885,7 +13017,7 @@
               <a:buChar char="•"/>
             </a:pPr>
             <a:r>
-              <a:rPr lang="en-US" sz="2000">
+              <a:rPr lang="en-US" sz="2000" dirty="0">
                 <a:solidFill>
                   <a:schemeClr val="tx1">
                     <a:lumMod val="50000"/>
@@ -12909,7 +13041,7 @@
               <a:buChar char="•"/>
             </a:pPr>
             <a:r>
-              <a:rPr lang="en-US" sz="2000">
+              <a:rPr lang="en-US" sz="2000" dirty="0">
                 <a:solidFill>
                   <a:schemeClr val="tx1">
                     <a:lumMod val="50000"/>
@@ -12933,7 +13065,7 @@
               <a:buChar char="•"/>
             </a:pPr>
             <a:r>
-              <a:rPr lang="en-US" sz="2000">
+              <a:rPr lang="en-US" sz="2000" dirty="0">
                 <a:solidFill>
                   <a:schemeClr val="tx1">
                     <a:lumMod val="50000"/>
@@ -12950,13 +13082,43 @@
           </a:p>
         </p:txBody>
       </p:sp>
+      <p:pic>
+        <p:nvPicPr>
+          <p:cNvPr id="6" name="Picture 5"/>
+          <p:cNvPicPr/>
+          <p:nvPr/>
+        </p:nvPicPr>
+        <p:blipFill>
+          <a:blip r:embed="rId2" cstate="print"/>
+          <a:srcRect/>
+          <a:stretch>
+            <a:fillRect/>
+          </a:stretch>
+        </p:blipFill>
+        <p:spPr>
+          <a:xfrm>
+            <a:off x="6480314" y="3123726"/>
+            <a:ext cx="4991080" cy="2890966"/>
+          </a:xfrm>
+          <a:prstGeom prst="rect">
+            <a:avLst/>
+          </a:prstGeom>
+          <a:noFill/>
+          <a:ln w="9525">
+            <a:noFill/>
+            <a:miter lim="800000"/>
+            <a:headEnd/>
+            <a:tailEnd/>
+          </a:ln>
+        </p:spPr>
+      </p:pic>
     </p:spTree>
   </p:cSld>
   <p:clrMapOvr>
     <a:masterClrMapping/>
   </p:clrMapOvr>
   <mc:AlternateContent xmlns:mc="http://schemas.openxmlformats.org/markup-compatibility/2006">
-    <mc:Choice xmlns:p14="http://schemas.microsoft.com/office/powerpoint/2010/main" xmlns="" Requires="p14">
+    <mc:Choice xmlns="" xmlns:p14="http://schemas.microsoft.com/office/powerpoint/2010/main" Requires="p14">
       <p:transition spd="slow" p14:dur="3400" advTm="0">
         <p14:reveal/>
       </p:transition>
@@ -13388,7 +13550,7 @@
               <a:buChar char="•"/>
             </a:pPr>
             <a:r>
-              <a:rPr lang="en-US" sz="2000">
+              <a:rPr lang="en-US" sz="2000" dirty="0">
                 <a:solidFill>
                   <a:schemeClr val="tx1">
                     <a:lumMod val="50000"/>
@@ -13412,7 +13574,7 @@
               <a:buChar char="•"/>
             </a:pPr>
             <a:r>
-              <a:rPr lang="en-US" sz="2000">
+              <a:rPr lang="en-US" sz="2000" dirty="0">
                 <a:solidFill>
                   <a:schemeClr val="tx1">
                     <a:lumMod val="50000"/>
@@ -13436,7 +13598,7 @@
               <a:buChar char="•"/>
             </a:pPr>
             <a:r>
-              <a:rPr lang="en-US" sz="2000">
+              <a:rPr lang="en-US" sz="2000" dirty="0">
                 <a:solidFill>
                   <a:schemeClr val="tx1">
                     <a:lumMod val="50000"/>
@@ -13448,19 +13610,10 @@
                 <a:cs typeface="Clear Sans Light" panose="020B0303030202020304" pitchFamily="34" charset="0"/>
                 <a:sym typeface="Arial" panose="020B0604020202020204" pitchFamily="34" charset="0"/>
               </a:rPr>
-              <a:t>General Processing: Splitting words, lowercase, removing special characters, removing text between parentheses/brackets, replacing word numbers to numerical expression, and standardize the unit's representations</a:t>
-            </a:r>
-          </a:p>
-          <a:p>
-            <a:pPr marL="285750" indent="-285750" algn="l">
-              <a:lnSpc>
-                <a:spcPct val="150000"/>
-              </a:lnSpc>
-              <a:buFont typeface="Arial" panose="020B0604020202020204" pitchFamily="34" charset="0"/>
-              <a:buChar char="•"/>
-            </a:pPr>
-            <a:r>
-              <a:rPr lang="en-US" sz="2000">
+              <a:t>General Processing: </a:t>
+            </a:r>
+            <a:r>
+              <a:rPr lang="en-US" altLang="zh-CN" sz="2000" dirty="0" smtClean="0">
                 <a:solidFill>
                   <a:schemeClr val="tx1">
                     <a:lumMod val="50000"/>
@@ -13472,7 +13625,106 @@
                 <a:cs typeface="Clear Sans Light" panose="020B0303030202020304" pitchFamily="34" charset="0"/>
                 <a:sym typeface="Arial" panose="020B0604020202020204" pitchFamily="34" charset="0"/>
               </a:rPr>
-              <a:t>Removing Tags:  Removing HTML tags</a:t>
+              <a:t>s</a:t>
+            </a:r>
+            <a:r>
+              <a:rPr lang="en-US" sz="2000" dirty="0" smtClean="0">
+                <a:solidFill>
+                  <a:schemeClr val="tx1">
+                    <a:lumMod val="50000"/>
+                    <a:lumOff val="50000"/>
+                  </a:schemeClr>
+                </a:solidFill>
+                <a:latin typeface="Arial" panose="020B0604020202020204" pitchFamily="34" charset="0"/>
+                <a:ea typeface="微软雅黑" panose="020B0503020204020204" pitchFamily="34" charset="-122"/>
+                <a:cs typeface="Clear Sans Light" panose="020B0303030202020304" pitchFamily="34" charset="0"/>
+                <a:sym typeface="Arial" panose="020B0604020202020204" pitchFamily="34" charset="0"/>
+              </a:rPr>
+              <a:t>plitting </a:t>
+            </a:r>
+            <a:r>
+              <a:rPr lang="en-US" sz="2000" dirty="0">
+                <a:solidFill>
+                  <a:schemeClr val="tx1">
+                    <a:lumMod val="50000"/>
+                    <a:lumOff val="50000"/>
+                  </a:schemeClr>
+                </a:solidFill>
+                <a:latin typeface="Arial" panose="020B0604020202020204" pitchFamily="34" charset="0"/>
+                <a:ea typeface="微软雅黑" panose="020B0503020204020204" pitchFamily="34" charset="-122"/>
+                <a:cs typeface="Clear Sans Light" panose="020B0303030202020304" pitchFamily="34" charset="0"/>
+                <a:sym typeface="Arial" panose="020B0604020202020204" pitchFamily="34" charset="0"/>
+              </a:rPr>
+              <a:t>words, lowercase, removing special characters, removing text between parentheses/brackets, replacing word numbers to numerical expression, and standardize the unit's representations</a:t>
+            </a:r>
+          </a:p>
+          <a:p>
+            <a:pPr marL="285750" indent="-285750" algn="l">
+              <a:lnSpc>
+                <a:spcPct val="150000"/>
+              </a:lnSpc>
+              <a:buFont typeface="Arial" panose="020B0604020202020204" pitchFamily="34" charset="0"/>
+              <a:buChar char="•"/>
+            </a:pPr>
+            <a:r>
+              <a:rPr lang="en-US" sz="2000" dirty="0">
+                <a:solidFill>
+                  <a:schemeClr val="tx1">
+                    <a:lumMod val="50000"/>
+                    <a:lumOff val="50000"/>
+                  </a:schemeClr>
+                </a:solidFill>
+                <a:latin typeface="Arial" panose="020B0604020202020204" pitchFamily="34" charset="0"/>
+                <a:ea typeface="微软雅黑" panose="020B0503020204020204" pitchFamily="34" charset="-122"/>
+                <a:cs typeface="Clear Sans Light" panose="020B0303030202020304" pitchFamily="34" charset="0"/>
+                <a:sym typeface="Arial" panose="020B0604020202020204" pitchFamily="34" charset="0"/>
+              </a:rPr>
+              <a:t>Removing Tags:  </a:t>
+            </a:r>
+            <a:r>
+              <a:rPr lang="en-US" altLang="zh-CN" sz="2000" dirty="0" smtClean="0">
+                <a:solidFill>
+                  <a:schemeClr val="tx1">
+                    <a:lumMod val="50000"/>
+                    <a:lumOff val="50000"/>
+                  </a:schemeClr>
+                </a:solidFill>
+                <a:latin typeface="Arial" panose="020B0604020202020204" pitchFamily="34" charset="0"/>
+                <a:ea typeface="微软雅黑" panose="020B0503020204020204" pitchFamily="34" charset="-122"/>
+                <a:cs typeface="Clear Sans Light" panose="020B0303030202020304" pitchFamily="34" charset="0"/>
+                <a:sym typeface="Arial" panose="020B0604020202020204" pitchFamily="34" charset="0"/>
+              </a:rPr>
+              <a:t>r</a:t>
+            </a:r>
+            <a:r>
+              <a:rPr lang="en-US" sz="2000" dirty="0" smtClean="0">
+                <a:solidFill>
+                  <a:schemeClr val="tx1">
+                    <a:lumMod val="50000"/>
+                    <a:lumOff val="50000"/>
+                  </a:schemeClr>
+                </a:solidFill>
+                <a:latin typeface="Arial" panose="020B0604020202020204" pitchFamily="34" charset="0"/>
+                <a:ea typeface="微软雅黑" panose="020B0503020204020204" pitchFamily="34" charset="-122"/>
+                <a:cs typeface="Clear Sans Light" panose="020B0303030202020304" pitchFamily="34" charset="0"/>
+                <a:sym typeface="Arial" panose="020B0604020202020204" pitchFamily="34" charset="0"/>
+              </a:rPr>
+              <a:t>emoving </a:t>
+            </a:r>
+            <a:r>
+              <a:rPr lang="en-US" sz="2000" dirty="0">
+                <a:solidFill>
+                  <a:schemeClr val="tx1">
+                    <a:lumMod val="50000"/>
+                    <a:lumOff val="50000"/>
+                  </a:schemeClr>
+                </a:solidFill>
+                <a:latin typeface="Arial" panose="020B0604020202020204" pitchFamily="34" charset="0"/>
+                <a:ea typeface="微软雅黑" panose="020B0503020204020204" pitchFamily="34" charset="-122"/>
+                <a:cs typeface="Clear Sans Light" panose="020B0303030202020304" pitchFamily="34" charset="0"/>
+                <a:sym typeface="Arial" panose="020B0604020202020204" pitchFamily="34" charset="0"/>
+              </a:rPr>
+              <a:t>HTML tags</a:t>
             </a:r>
           </a:p>
         </p:txBody>
@@ -13483,7 +13735,7 @@
     <a:masterClrMapping/>
   </p:clrMapOvr>
   <mc:AlternateContent xmlns:mc="http://schemas.openxmlformats.org/markup-compatibility/2006">
-    <mc:Choice xmlns:p14="http://schemas.microsoft.com/office/powerpoint/2010/main" xmlns="" Requires="p14">
+    <mc:Choice xmlns="" xmlns:p14="http://schemas.microsoft.com/office/powerpoint/2010/main" Requires="p14">
       <p:transition spd="slow" p14:dur="3400" advTm="0">
         <p14:reveal/>
       </p:transition>
@@ -13915,7 +14167,7 @@
               <a:buChar char="•"/>
             </a:pPr>
             <a:r>
-              <a:rPr lang="en-US" sz="2000">
+              <a:rPr lang="en-US" sz="2000" dirty="0">
                 <a:solidFill>
                   <a:schemeClr val="tx1">
                     <a:lumMod val="50000"/>
@@ -13927,19 +14179,10 @@
                 <a:cs typeface="Clear Sans Light" panose="020B0303030202020304" pitchFamily="34" charset="0"/>
                 <a:sym typeface="Arial" panose="020B0604020202020204" pitchFamily="34" charset="0"/>
               </a:rPr>
-              <a:t>Removing Accented Characters: Converted and standardized into ASCII characters.</a:t>
-            </a:r>
-          </a:p>
-          <a:p>
-            <a:pPr marL="285750" indent="-285750" algn="l">
-              <a:lnSpc>
-                <a:spcPct val="150000"/>
-              </a:lnSpc>
-              <a:buFont typeface="Arial" panose="020B0604020202020204" pitchFamily="34" charset="0"/>
-              <a:buChar char="•"/>
-            </a:pPr>
-            <a:r>
-              <a:rPr lang="en-US" sz="2000">
+              <a:t>Removing Accented Characters: </a:t>
+            </a:r>
+            <a:r>
+              <a:rPr lang="en-US" sz="2000" dirty="0" smtClean="0">
                 <a:solidFill>
                   <a:schemeClr val="tx1">
                     <a:lumMod val="50000"/>
@@ -13951,19 +14194,10 @@
                 <a:cs typeface="Clear Sans Light" panose="020B0303030202020304" pitchFamily="34" charset="0"/>
                 <a:sym typeface="Arial" panose="020B0604020202020204" pitchFamily="34" charset="0"/>
               </a:rPr>
-              <a:t>Tokenization:  Tokenizing or splitting a string, text into a list of tokens.</a:t>
-            </a:r>
-          </a:p>
-          <a:p>
-            <a:pPr marL="285750" indent="-285750" algn="l">
-              <a:lnSpc>
-                <a:spcPct val="150000"/>
-              </a:lnSpc>
-              <a:buFont typeface="Arial" panose="020B0604020202020204" pitchFamily="34" charset="0"/>
-              <a:buChar char="•"/>
-            </a:pPr>
-            <a:r>
-              <a:rPr lang="en-US" sz="2000">
+              <a:t>converted </a:t>
+            </a:r>
+            <a:r>
+              <a:rPr lang="en-US" sz="2000" dirty="0">
                 <a:solidFill>
                   <a:schemeClr val="tx1">
                     <a:lumMod val="50000"/>
@@ -13975,7 +14209,7 @@
                 <a:cs typeface="Clear Sans Light" panose="020B0303030202020304" pitchFamily="34" charset="0"/>
                 <a:sym typeface="Arial" panose="020B0604020202020204" pitchFamily="34" charset="0"/>
               </a:rPr>
-              <a:t>Stemming: Converted to base form of words as root stem</a:t>
+              <a:t>and standardized into ASCII characters.</a:t>
             </a:r>
           </a:p>
           <a:p>
@@ -13987,7 +14221,7 @@
               <a:buChar char="•"/>
             </a:pPr>
             <a:r>
-              <a:rPr lang="en-US" sz="2000">
+              <a:rPr lang="en-US" sz="2000" dirty="0">
                 <a:solidFill>
                   <a:schemeClr val="tx1">
                     <a:lumMod val="50000"/>
@@ -13999,19 +14233,10 @@
                 <a:cs typeface="Clear Sans Light" panose="020B0303030202020304" pitchFamily="34" charset="0"/>
                 <a:sym typeface="Arial" panose="020B0604020202020204" pitchFamily="34" charset="0"/>
               </a:rPr>
-              <a:t>Lemmatization: Converted to base form of words as root word</a:t>
-            </a:r>
-          </a:p>
-          <a:p>
-            <a:pPr marL="285750" indent="-285750" algn="l">
-              <a:lnSpc>
-                <a:spcPct val="150000"/>
-              </a:lnSpc>
-              <a:buFont typeface="Arial" panose="020B0604020202020204" pitchFamily="34" charset="0"/>
-              <a:buChar char="•"/>
-            </a:pPr>
-            <a:r>
-              <a:rPr lang="en-US" sz="2000">
+              <a:t>Tokenization:  </a:t>
+            </a:r>
+            <a:r>
+              <a:rPr lang="en-US" sz="2000" dirty="0" smtClean="0">
                 <a:solidFill>
                   <a:schemeClr val="tx1">
                     <a:lumMod val="50000"/>
@@ -14023,7 +14248,199 @@
                 <a:cs typeface="Clear Sans Light" panose="020B0303030202020304" pitchFamily="34" charset="0"/>
                 <a:sym typeface="Arial" panose="020B0604020202020204" pitchFamily="34" charset="0"/>
               </a:rPr>
-              <a:t>Removing Stop Word: Words like a, an, the, and so on are considered to be stop words</a:t>
+              <a:t>t</a:t>
+            </a:r>
+            <a:r>
+              <a:rPr lang="en-US" sz="2000" dirty="0" smtClean="0">
+                <a:solidFill>
+                  <a:schemeClr val="tx1">
+                    <a:lumMod val="50000"/>
+                    <a:lumOff val="50000"/>
+                  </a:schemeClr>
+                </a:solidFill>
+                <a:latin typeface="Arial" panose="020B0604020202020204" pitchFamily="34" charset="0"/>
+                <a:ea typeface="微软雅黑" panose="020B0503020204020204" pitchFamily="34" charset="-122"/>
+                <a:cs typeface="Clear Sans Light" panose="020B0303030202020304" pitchFamily="34" charset="0"/>
+                <a:sym typeface="Arial" panose="020B0604020202020204" pitchFamily="34" charset="0"/>
+              </a:rPr>
+              <a:t>okenizing </a:t>
+            </a:r>
+            <a:r>
+              <a:rPr lang="en-US" sz="2000" dirty="0">
+                <a:solidFill>
+                  <a:schemeClr val="tx1">
+                    <a:lumMod val="50000"/>
+                    <a:lumOff val="50000"/>
+                  </a:schemeClr>
+                </a:solidFill>
+                <a:latin typeface="Arial" panose="020B0604020202020204" pitchFamily="34" charset="0"/>
+                <a:ea typeface="微软雅黑" panose="020B0503020204020204" pitchFamily="34" charset="-122"/>
+                <a:cs typeface="Clear Sans Light" panose="020B0303030202020304" pitchFamily="34" charset="0"/>
+                <a:sym typeface="Arial" panose="020B0604020202020204" pitchFamily="34" charset="0"/>
+              </a:rPr>
+              <a:t>or splitting a string, text into a list of tokens.</a:t>
+            </a:r>
+          </a:p>
+          <a:p>
+            <a:pPr marL="285750" indent="-285750" algn="l">
+              <a:lnSpc>
+                <a:spcPct val="150000"/>
+              </a:lnSpc>
+              <a:buFont typeface="Arial" panose="020B0604020202020204" pitchFamily="34" charset="0"/>
+              <a:buChar char="•"/>
+            </a:pPr>
+            <a:r>
+              <a:rPr lang="en-US" sz="2000" dirty="0">
+                <a:solidFill>
+                  <a:schemeClr val="tx1">
+                    <a:lumMod val="50000"/>
+                    <a:lumOff val="50000"/>
+                  </a:schemeClr>
+                </a:solidFill>
+                <a:latin typeface="Arial" panose="020B0604020202020204" pitchFamily="34" charset="0"/>
+                <a:ea typeface="微软雅黑" panose="020B0503020204020204" pitchFamily="34" charset="-122"/>
+                <a:cs typeface="Clear Sans Light" panose="020B0303030202020304" pitchFamily="34" charset="0"/>
+                <a:sym typeface="Arial" panose="020B0604020202020204" pitchFamily="34" charset="0"/>
+              </a:rPr>
+              <a:t>Stemming: </a:t>
+            </a:r>
+            <a:r>
+              <a:rPr lang="en-US" sz="2000" dirty="0" smtClean="0">
+                <a:solidFill>
+                  <a:schemeClr val="tx1">
+                    <a:lumMod val="50000"/>
+                    <a:lumOff val="50000"/>
+                  </a:schemeClr>
+                </a:solidFill>
+                <a:latin typeface="Arial" panose="020B0604020202020204" pitchFamily="34" charset="0"/>
+                <a:ea typeface="微软雅黑" panose="020B0503020204020204" pitchFamily="34" charset="-122"/>
+                <a:cs typeface="Clear Sans Light" panose="020B0303030202020304" pitchFamily="34" charset="0"/>
+                <a:sym typeface="Arial" panose="020B0604020202020204" pitchFamily="34" charset="0"/>
+              </a:rPr>
+              <a:t>converted </a:t>
+            </a:r>
+            <a:r>
+              <a:rPr lang="en-US" sz="2000" dirty="0">
+                <a:solidFill>
+                  <a:schemeClr val="tx1">
+                    <a:lumMod val="50000"/>
+                    <a:lumOff val="50000"/>
+                  </a:schemeClr>
+                </a:solidFill>
+                <a:latin typeface="Arial" panose="020B0604020202020204" pitchFamily="34" charset="0"/>
+                <a:ea typeface="微软雅黑" panose="020B0503020204020204" pitchFamily="34" charset="-122"/>
+                <a:cs typeface="Clear Sans Light" panose="020B0303030202020304" pitchFamily="34" charset="0"/>
+                <a:sym typeface="Arial" panose="020B0604020202020204" pitchFamily="34" charset="0"/>
+              </a:rPr>
+              <a:t>to base form of words as root stem</a:t>
+            </a:r>
+          </a:p>
+          <a:p>
+            <a:pPr marL="285750" indent="-285750" algn="l">
+              <a:lnSpc>
+                <a:spcPct val="150000"/>
+              </a:lnSpc>
+              <a:buFont typeface="Arial" panose="020B0604020202020204" pitchFamily="34" charset="0"/>
+              <a:buChar char="•"/>
+            </a:pPr>
+            <a:r>
+              <a:rPr lang="en-US" sz="2000" dirty="0">
+                <a:solidFill>
+                  <a:schemeClr val="tx1">
+                    <a:lumMod val="50000"/>
+                    <a:lumOff val="50000"/>
+                  </a:schemeClr>
+                </a:solidFill>
+                <a:latin typeface="Arial" panose="020B0604020202020204" pitchFamily="34" charset="0"/>
+                <a:ea typeface="微软雅黑" panose="020B0503020204020204" pitchFamily="34" charset="-122"/>
+                <a:cs typeface="Clear Sans Light" panose="020B0303030202020304" pitchFamily="34" charset="0"/>
+                <a:sym typeface="Arial" panose="020B0604020202020204" pitchFamily="34" charset="0"/>
+              </a:rPr>
+              <a:t>Lemmatization: </a:t>
+            </a:r>
+            <a:r>
+              <a:rPr lang="en-US" sz="2000" dirty="0" smtClean="0">
+                <a:solidFill>
+                  <a:schemeClr val="tx1">
+                    <a:lumMod val="50000"/>
+                    <a:lumOff val="50000"/>
+                  </a:schemeClr>
+                </a:solidFill>
+                <a:latin typeface="Arial" panose="020B0604020202020204" pitchFamily="34" charset="0"/>
+                <a:ea typeface="微软雅黑" panose="020B0503020204020204" pitchFamily="34" charset="-122"/>
+                <a:cs typeface="Clear Sans Light" panose="020B0303030202020304" pitchFamily="34" charset="0"/>
+                <a:sym typeface="Arial" panose="020B0604020202020204" pitchFamily="34" charset="0"/>
+              </a:rPr>
+              <a:t>converted </a:t>
+            </a:r>
+            <a:r>
+              <a:rPr lang="en-US" sz="2000" dirty="0">
+                <a:solidFill>
+                  <a:schemeClr val="tx1">
+                    <a:lumMod val="50000"/>
+                    <a:lumOff val="50000"/>
+                  </a:schemeClr>
+                </a:solidFill>
+                <a:latin typeface="Arial" panose="020B0604020202020204" pitchFamily="34" charset="0"/>
+                <a:ea typeface="微软雅黑" panose="020B0503020204020204" pitchFamily="34" charset="-122"/>
+                <a:cs typeface="Clear Sans Light" panose="020B0303030202020304" pitchFamily="34" charset="0"/>
+                <a:sym typeface="Arial" panose="020B0604020202020204" pitchFamily="34" charset="0"/>
+              </a:rPr>
+              <a:t>to base form of words as root word</a:t>
+            </a:r>
+          </a:p>
+          <a:p>
+            <a:pPr marL="285750" indent="-285750" algn="l">
+              <a:lnSpc>
+                <a:spcPct val="150000"/>
+              </a:lnSpc>
+              <a:buFont typeface="Arial" panose="020B0604020202020204" pitchFamily="34" charset="0"/>
+              <a:buChar char="•"/>
+            </a:pPr>
+            <a:r>
+              <a:rPr lang="en-US" sz="2000" dirty="0">
+                <a:solidFill>
+                  <a:schemeClr val="tx1">
+                    <a:lumMod val="50000"/>
+                    <a:lumOff val="50000"/>
+                  </a:schemeClr>
+                </a:solidFill>
+                <a:latin typeface="Arial" panose="020B0604020202020204" pitchFamily="34" charset="0"/>
+                <a:ea typeface="微软雅黑" panose="020B0503020204020204" pitchFamily="34" charset="-122"/>
+                <a:cs typeface="Clear Sans Light" panose="020B0303030202020304" pitchFamily="34" charset="0"/>
+                <a:sym typeface="Arial" panose="020B0604020202020204" pitchFamily="34" charset="0"/>
+              </a:rPr>
+              <a:t>Removing Stop Word: </a:t>
+            </a:r>
+            <a:r>
+              <a:rPr lang="en-US" sz="2000" dirty="0" smtClean="0">
+                <a:solidFill>
+                  <a:schemeClr val="tx1">
+                    <a:lumMod val="50000"/>
+                    <a:lumOff val="50000"/>
+                  </a:schemeClr>
+                </a:solidFill>
+                <a:latin typeface="Arial" panose="020B0604020202020204" pitchFamily="34" charset="0"/>
+                <a:ea typeface="微软雅黑" panose="020B0503020204020204" pitchFamily="34" charset="-122"/>
+                <a:cs typeface="Clear Sans Light" panose="020B0303030202020304" pitchFamily="34" charset="0"/>
+                <a:sym typeface="Arial" panose="020B0604020202020204" pitchFamily="34" charset="0"/>
+              </a:rPr>
+              <a:t>words </a:t>
+            </a:r>
+            <a:r>
+              <a:rPr lang="en-US" sz="2000" dirty="0">
+                <a:solidFill>
+                  <a:schemeClr val="tx1">
+                    <a:lumMod val="50000"/>
+                    <a:lumOff val="50000"/>
+                  </a:schemeClr>
+                </a:solidFill>
+                <a:latin typeface="Arial" panose="020B0604020202020204" pitchFamily="34" charset="0"/>
+                <a:ea typeface="微软雅黑" panose="020B0503020204020204" pitchFamily="34" charset="-122"/>
+                <a:cs typeface="Clear Sans Light" panose="020B0303030202020304" pitchFamily="34" charset="0"/>
+                <a:sym typeface="Arial" panose="020B0604020202020204" pitchFamily="34" charset="0"/>
+              </a:rPr>
+              <a:t>like a, an, the, and so on are considered to be stop words</a:t>
             </a:r>
           </a:p>
         </p:txBody>
@@ -14034,7 +14451,7 @@
     <a:masterClrMapping/>
   </p:clrMapOvr>
   <mc:AlternateContent xmlns:mc="http://schemas.openxmlformats.org/markup-compatibility/2006">
-    <mc:Choice xmlns:p14="http://schemas.microsoft.com/office/powerpoint/2010/main" xmlns="" Requires="p14">
+    <mc:Choice xmlns="" xmlns:p14="http://schemas.microsoft.com/office/powerpoint/2010/main" Requires="p14">
       <p:transition spd="slow" p14:dur="3400" advTm="0">
         <p14:reveal/>
       </p:transition>
@@ -14292,14 +14709,14 @@
       </p:grpSpPr>
       <p:sp>
         <p:nvSpPr>
-          <p:cNvPr id="37" name="Rectangle 36"/>
+          <p:cNvPr id="2" name="Rectangle 1"/>
           <p:cNvSpPr/>
           <p:nvPr/>
         </p:nvSpPr>
         <p:spPr>
           <a:xfrm>
-            <a:off x="1" y="0"/>
-            <a:ext cx="12192000" cy="2584057"/>
+            <a:off x="0" y="4356100"/>
+            <a:ext cx="12192000" cy="2060575"/>
           </a:xfrm>
           <a:prstGeom prst="rect">
             <a:avLst/>
@@ -14332,7 +14749,7 @@
           <a:lstStyle/>
           <a:p>
             <a:pPr algn="ctr"/>
-            <a:endParaRPr lang="en-US">
+            <a:endParaRPr lang="id-ID">
               <a:latin typeface="Arial" panose="020B0604020202020204" pitchFamily="34" charset="0"/>
               <a:ea typeface="微软雅黑" panose="020B0503020204020204" pitchFamily="34" charset="-122"/>
               <a:sym typeface="Arial" panose="020B0604020202020204" pitchFamily="34" charset="0"/>
@@ -14342,14 +14759,14 @@
       </p:sp>
       <p:sp>
         <p:nvSpPr>
-          <p:cNvPr id="38" name="Rectangle 37"/>
+          <p:cNvPr id="100" name="Rectangle 99"/>
           <p:cNvSpPr/>
           <p:nvPr/>
         </p:nvSpPr>
         <p:spPr>
           <a:xfrm>
-            <a:off x="3324553" y="449206"/>
-            <a:ext cx="5542915" cy="768350"/>
+            <a:off x="4840297" y="4964056"/>
+            <a:ext cx="2511425" cy="768350"/>
           </a:xfrm>
           <a:prstGeom prst="rect">
             <a:avLst/>
@@ -14371,211 +14788,465 @@
                 <a:ea typeface="微软雅黑" panose="020B0503020204020204" pitchFamily="34" charset="-122"/>
                 <a:sym typeface="Arial" panose="020B0604020202020204" pitchFamily="34" charset="0"/>
               </a:rPr>
-              <a:t>Text Pre-Processing</a:t>
-            </a:r>
-            <a:endParaRPr lang="ar-SA" sz="4400" b="1" dirty="0">
-              <a:solidFill>
-                <a:schemeClr val="bg1"/>
-              </a:solidFill>
-              <a:latin typeface="Arial" panose="020B0604020202020204" pitchFamily="34" charset="0"/>
-              <a:ea typeface="微软雅黑" panose="020B0503020204020204" pitchFamily="34" charset="-122"/>
-              <a:sym typeface="Arial" panose="020B0604020202020204" pitchFamily="34" charset="0"/>
-            </a:endParaRPr>
+              <a:t>Features</a:t>
+            </a:r>
           </a:p>
         </p:txBody>
       </p:sp>
       <p:sp>
         <p:nvSpPr>
-          <p:cNvPr id="40" name="Rectangle 39"/>
+          <p:cNvPr id="101" name="Rectangle 100"/>
           <p:cNvSpPr/>
           <p:nvPr/>
         </p:nvSpPr>
         <p:spPr>
           <a:xfrm>
-            <a:off x="0" y="6402803"/>
-            <a:ext cx="12192000" cy="471343"/>
+            <a:off x="1981200" y="5636433"/>
+            <a:ext cx="8229600" cy="337185"/>
           </a:xfrm>
           <a:prstGeom prst="rect">
             <a:avLst/>
           </a:prstGeom>
-          <a:solidFill>
-            <a:schemeClr val="bg1">
-              <a:lumMod val="85000"/>
-            </a:schemeClr>
-          </a:solidFill>
-          <a:ln>
-            <a:noFill/>
-          </a:ln>
         </p:spPr>
-        <p:style>
-          <a:lnRef idx="2">
-            <a:schemeClr val="accent1">
-              <a:shade val="50000"/>
-            </a:schemeClr>
-          </a:lnRef>
-          <a:fillRef idx="1">
-            <a:schemeClr val="accent1"/>
-          </a:fillRef>
-          <a:effectRef idx="0">
-            <a:schemeClr val="accent1"/>
-          </a:effectRef>
-          <a:fontRef idx="minor">
-            <a:schemeClr val="lt1"/>
-          </a:fontRef>
-        </p:style>
         <p:txBody>
-          <a:bodyPr rtlCol="0" anchor="ctr"/>
+          <a:bodyPr wrap="square">
+            <a:spAutoFit/>
+          </a:bodyPr>
           <a:lstStyle/>
           <a:p>
             <a:pPr algn="ctr"/>
-            <a:endParaRPr lang="en-US" sz="2400">
-              <a:latin typeface="Arial" panose="020B0604020202020204" pitchFamily="34" charset="0"/>
-              <a:ea typeface="微软雅黑" panose="020B0503020204020204" pitchFamily="34" charset="-122"/>
-              <a:sym typeface="Arial" panose="020B0604020202020204" pitchFamily="34" charset="0"/>
-            </a:endParaRPr>
+            <a:r>
+              <a:rPr lang="en-US" sz="1600" dirty="0">
+                <a:solidFill>
+                  <a:schemeClr val="bg1"/>
+                </a:solidFill>
+                <a:latin typeface="Arial" panose="020B0604020202020204" pitchFamily="34" charset="0"/>
+                <a:ea typeface="微软雅黑" panose="020B0503020204020204" pitchFamily="34" charset="-122"/>
+                <a:sym typeface="Arial" panose="020B0604020202020204" pitchFamily="34" charset="0"/>
+              </a:rPr>
+              <a:t>A total of 34 features</a:t>
+            </a:r>
           </a:p>
         </p:txBody>
       </p:sp>
       <p:sp>
         <p:nvSpPr>
-          <p:cNvPr id="44" name="TextBox 43"/>
-          <p:cNvSpPr txBox="1"/>
+          <p:cNvPr id="28" name="Rectangle 27"/>
+          <p:cNvSpPr/>
           <p:nvPr/>
         </p:nvSpPr>
         <p:spPr>
           <a:xfrm>
-            <a:off x="1523964" y="2831856"/>
-            <a:ext cx="9144000" cy="3322955"/>
+            <a:off x="2457334" y="332046"/>
+            <a:ext cx="7368208" cy="3728649"/>
           </a:xfrm>
           <a:prstGeom prst="rect">
             <a:avLst/>
           </a:prstGeom>
-          <a:noFill/>
         </p:spPr>
         <p:txBody>
-          <a:bodyPr wrap="square" rtlCol="0">
+          <a:bodyPr wrap="square">
             <a:spAutoFit/>
           </a:bodyPr>
           <a:lstStyle/>
           <a:p>
-            <a:pPr marL="285750" indent="-285750" algn="l">
+            <a:pPr>
               <a:lnSpc>
                 <a:spcPct val="150000"/>
               </a:lnSpc>
-              <a:buFont typeface="Arial" panose="020B0604020202020204" pitchFamily="34" charset="0"/>
+              <a:buFont typeface="Arial" pitchFamily="34" charset="0"/>
               <a:buChar char="•"/>
             </a:pPr>
             <a:r>
-              <a:rPr lang="en-US" sz="2000">
+              <a:rPr lang="en-US" sz="2000" dirty="0" smtClean="0">
                 <a:solidFill>
-                  <a:schemeClr val="tx1">
+                  <a:schemeClr val="bg2">
                     <a:lumMod val="50000"/>
-                    <a:lumOff val="50000"/>
                   </a:schemeClr>
                 </a:solidFill>
-                <a:latin typeface="Arial" panose="020B0604020202020204" pitchFamily="34" charset="0"/>
-                <a:ea typeface="微软雅黑" panose="020B0503020204020204" pitchFamily="34" charset="-122"/>
-                <a:cs typeface="Clear Sans Light" panose="020B0303030202020304" pitchFamily="34" charset="0"/>
-                <a:sym typeface="Arial" panose="020B0604020202020204" pitchFamily="34" charset="0"/>
+                <a:latin typeface="Arial" pitchFamily="34" charset="0"/>
+                <a:cs typeface="Arial" pitchFamily="34" charset="0"/>
               </a:rPr>
-              <a:t>Removing Accented Characters: Converted and standardized into ASCII characters.</a:t>
-            </a:r>
-          </a:p>
-          <a:p>
-            <a:pPr marL="285750" indent="-285750" algn="l">
+              <a:t> Total </a:t>
+            </a:r>
+            <a:r>
+              <a:rPr lang="en-US" sz="2000" dirty="0" smtClean="0">
+                <a:solidFill>
+                  <a:schemeClr val="bg2">
+                    <a:lumMod val="50000"/>
+                  </a:schemeClr>
+                </a:solidFill>
+                <a:latin typeface="Arial" pitchFamily="34" charset="0"/>
+                <a:cs typeface="Arial" pitchFamily="34" charset="0"/>
+              </a:rPr>
+              <a:t>of 34 </a:t>
+            </a:r>
+            <a:r>
+              <a:rPr lang="en-US" sz="2000" dirty="0" smtClean="0">
+                <a:solidFill>
+                  <a:schemeClr val="bg2">
+                    <a:lumMod val="50000"/>
+                  </a:schemeClr>
+                </a:solidFill>
+                <a:latin typeface="Arial" pitchFamily="34" charset="0"/>
+                <a:cs typeface="Arial" pitchFamily="34" charset="0"/>
+              </a:rPr>
+              <a:t>features</a:t>
+            </a:r>
+          </a:p>
+          <a:p>
+            <a:pPr>
               <a:lnSpc>
                 <a:spcPct val="150000"/>
               </a:lnSpc>
-              <a:buFont typeface="Arial" panose="020B0604020202020204" pitchFamily="34" charset="0"/>
+              <a:buFont typeface="Arial" pitchFamily="34" charset="0"/>
               <a:buChar char="•"/>
             </a:pPr>
             <a:r>
-              <a:rPr lang="en-US" sz="2000">
+              <a:rPr lang="en-US" sz="2000" dirty="0" smtClean="0">
                 <a:solidFill>
-                  <a:schemeClr val="tx1">
+                  <a:schemeClr val="bg2">
                     <a:lumMod val="50000"/>
-                    <a:lumOff val="50000"/>
                   </a:schemeClr>
                 </a:solidFill>
-                <a:latin typeface="Arial" panose="020B0604020202020204" pitchFamily="34" charset="0"/>
-                <a:ea typeface="微软雅黑" panose="020B0503020204020204" pitchFamily="34" charset="-122"/>
-                <a:cs typeface="Clear Sans Light" panose="020B0303030202020304" pitchFamily="34" charset="0"/>
-                <a:sym typeface="Arial" panose="020B0604020202020204" pitchFamily="34" charset="0"/>
+                <a:latin typeface="Arial" pitchFamily="34" charset="0"/>
+                <a:cs typeface="Arial" pitchFamily="34" charset="0"/>
               </a:rPr>
-              <a:t>Tokenization:  Tokenizing or splitting a string, text into a list of tokens.</a:t>
-            </a:r>
-          </a:p>
-          <a:p>
-            <a:pPr marL="285750" indent="-285750" algn="l">
+              <a:t> Length </a:t>
+            </a:r>
+            <a:r>
+              <a:rPr lang="en-US" sz="2000" dirty="0" smtClean="0">
+                <a:solidFill>
+                  <a:schemeClr val="bg2">
+                    <a:lumMod val="50000"/>
+                  </a:schemeClr>
+                </a:solidFill>
+                <a:latin typeface="Arial" pitchFamily="34" charset="0"/>
+                <a:cs typeface="Arial" pitchFamily="34" charset="0"/>
+              </a:rPr>
+              <a:t>of </a:t>
+            </a:r>
+            <a:r>
+              <a:rPr lang="en-US" sz="2000" dirty="0" smtClean="0">
+                <a:solidFill>
+                  <a:schemeClr val="bg2">
+                    <a:lumMod val="50000"/>
+                  </a:schemeClr>
+                </a:solidFill>
+                <a:latin typeface="Arial" pitchFamily="34" charset="0"/>
+                <a:cs typeface="Arial" pitchFamily="34" charset="0"/>
+              </a:rPr>
+              <a:t>words</a:t>
+            </a:r>
+          </a:p>
+          <a:p>
+            <a:pPr>
               <a:lnSpc>
                 <a:spcPct val="150000"/>
               </a:lnSpc>
-              <a:buFont typeface="Arial" panose="020B0604020202020204" pitchFamily="34" charset="0"/>
+              <a:buFont typeface="Arial" pitchFamily="34" charset="0"/>
               <a:buChar char="•"/>
             </a:pPr>
             <a:r>
-              <a:rPr lang="en-US" sz="2000">
+              <a:rPr lang="en-US" sz="2000" dirty="0" smtClean="0">
                 <a:solidFill>
-                  <a:schemeClr val="tx1">
+                  <a:schemeClr val="bg2">
                     <a:lumMod val="50000"/>
-                    <a:lumOff val="50000"/>
                   </a:schemeClr>
                 </a:solidFill>
-                <a:latin typeface="Arial" panose="020B0604020202020204" pitchFamily="34" charset="0"/>
-                <a:ea typeface="微软雅黑" panose="020B0503020204020204" pitchFamily="34" charset="-122"/>
-                <a:cs typeface="Clear Sans Light" panose="020B0303030202020304" pitchFamily="34" charset="0"/>
-                <a:sym typeface="Arial" panose="020B0604020202020204" pitchFamily="34" charset="0"/>
+                <a:latin typeface="Arial" pitchFamily="34" charset="0"/>
+                <a:cs typeface="Arial" pitchFamily="34" charset="0"/>
               </a:rPr>
-              <a:t>Stemming: Converted to base form of words as root stem</a:t>
-            </a:r>
-          </a:p>
-          <a:p>
-            <a:pPr marL="285750" indent="-285750" algn="l">
+              <a:t> W</a:t>
+            </a:r>
+            <a:r>
+              <a:rPr lang="en-US" sz="2000" dirty="0" smtClean="0">
+                <a:solidFill>
+                  <a:schemeClr val="bg2">
+                    <a:lumMod val="50000"/>
+                  </a:schemeClr>
+                </a:solidFill>
+                <a:latin typeface="Arial" pitchFamily="34" charset="0"/>
+                <a:cs typeface="Arial" pitchFamily="34" charset="0"/>
+              </a:rPr>
+              <a:t>ord </a:t>
+            </a:r>
+            <a:r>
+              <a:rPr lang="en-US" sz="2000" dirty="0" smtClean="0">
+                <a:solidFill>
+                  <a:schemeClr val="bg2">
+                    <a:lumMod val="50000"/>
+                  </a:schemeClr>
+                </a:solidFill>
+                <a:latin typeface="Arial" pitchFamily="34" charset="0"/>
+                <a:cs typeface="Arial" pitchFamily="34" charset="0"/>
+              </a:rPr>
+              <a:t>matching counts, </a:t>
+            </a:r>
+            <a:endParaRPr lang="en-US" sz="2000" dirty="0" smtClean="0">
+              <a:solidFill>
+                <a:schemeClr val="bg2">
+                  <a:lumMod val="50000"/>
+                </a:schemeClr>
+              </a:solidFill>
+              <a:latin typeface="Arial" pitchFamily="34" charset="0"/>
+              <a:cs typeface="Arial" pitchFamily="34" charset="0"/>
+            </a:endParaRPr>
+          </a:p>
+          <a:p>
+            <a:pPr>
               <a:lnSpc>
                 <a:spcPct val="150000"/>
               </a:lnSpc>
-              <a:buFont typeface="Arial" panose="020B0604020202020204" pitchFamily="34" charset="0"/>
+              <a:buFont typeface="Arial" pitchFamily="34" charset="0"/>
               <a:buChar char="•"/>
             </a:pPr>
             <a:r>
-              <a:rPr lang="en-US" sz="2000">
+              <a:rPr lang="en-US" sz="2000" dirty="0" smtClean="0">
                 <a:solidFill>
-                  <a:schemeClr val="tx1">
+                  <a:schemeClr val="bg2">
                     <a:lumMod val="50000"/>
-                    <a:lumOff val="50000"/>
                   </a:schemeClr>
                 </a:solidFill>
-                <a:latin typeface="Arial" panose="020B0604020202020204" pitchFamily="34" charset="0"/>
-                <a:ea typeface="微软雅黑" panose="020B0503020204020204" pitchFamily="34" charset="-122"/>
-                <a:cs typeface="Clear Sans Light" panose="020B0303030202020304" pitchFamily="34" charset="0"/>
-                <a:sym typeface="Arial" panose="020B0604020202020204" pitchFamily="34" charset="0"/>
+                <a:latin typeface="Arial" pitchFamily="34" charset="0"/>
+                <a:cs typeface="Arial" pitchFamily="34" charset="0"/>
               </a:rPr>
-              <a:t>Lemmatization: Converted to base form of words as root word</a:t>
-            </a:r>
-          </a:p>
-          <a:p>
-            <a:pPr marL="285750" indent="-285750" algn="l">
+              <a:t> W</a:t>
+            </a:r>
+            <a:r>
+              <a:rPr lang="en-US" sz="2000" dirty="0" smtClean="0">
+                <a:solidFill>
+                  <a:schemeClr val="bg2">
+                    <a:lumMod val="50000"/>
+                  </a:schemeClr>
+                </a:solidFill>
+                <a:latin typeface="Arial" pitchFamily="34" charset="0"/>
+                <a:cs typeface="Arial" pitchFamily="34" charset="0"/>
+              </a:rPr>
+              <a:t>ords ratio</a:t>
+            </a:r>
+          </a:p>
+          <a:p>
+            <a:pPr>
               <a:lnSpc>
                 <a:spcPct val="150000"/>
               </a:lnSpc>
-              <a:buFont typeface="Arial" panose="020B0604020202020204" pitchFamily="34" charset="0"/>
+              <a:buFont typeface="Arial" pitchFamily="34" charset="0"/>
               <a:buChar char="•"/>
             </a:pPr>
             <a:r>
-              <a:rPr lang="en-US" sz="2000">
+              <a:rPr lang="en-US" sz="2000" dirty="0" smtClean="0">
                 <a:solidFill>
-                  <a:schemeClr val="tx1">
+                  <a:schemeClr val="bg2">
                     <a:lumMod val="50000"/>
-                    <a:lumOff val="50000"/>
                   </a:schemeClr>
                 </a:solidFill>
-                <a:latin typeface="Arial" panose="020B0604020202020204" pitchFamily="34" charset="0"/>
-                <a:ea typeface="微软雅黑" panose="020B0503020204020204" pitchFamily="34" charset="-122"/>
-                <a:cs typeface="Clear Sans Light" panose="020B0303030202020304" pitchFamily="34" charset="0"/>
-                <a:sym typeface="Arial" panose="020B0604020202020204" pitchFamily="34" charset="0"/>
+                <a:latin typeface="Arial" pitchFamily="34" charset="0"/>
+                <a:cs typeface="Arial" pitchFamily="34" charset="0"/>
               </a:rPr>
-              <a:t>Removing Stop Word: Words like a, an, the, and so on are considered to be stop words</a:t>
-            </a:r>
+              <a:t> </a:t>
+            </a:r>
+            <a:r>
+              <a:rPr lang="en-US" sz="2000" dirty="0" smtClean="0">
+                <a:solidFill>
+                  <a:schemeClr val="bg2">
+                    <a:lumMod val="50000"/>
+                  </a:schemeClr>
+                </a:solidFill>
+                <a:latin typeface="Arial" pitchFamily="34" charset="0"/>
+                <a:cs typeface="Arial" pitchFamily="34" charset="0"/>
+              </a:rPr>
+              <a:t>TF-IDF, </a:t>
+            </a:r>
+          </a:p>
+          <a:p>
+            <a:pPr>
+              <a:lnSpc>
+                <a:spcPct val="150000"/>
+              </a:lnSpc>
+              <a:buFont typeface="Arial" pitchFamily="34" charset="0"/>
+              <a:buChar char="•"/>
+            </a:pPr>
+            <a:r>
+              <a:rPr lang="en-US" sz="2000" dirty="0" smtClean="0">
+                <a:solidFill>
+                  <a:schemeClr val="bg2">
+                    <a:lumMod val="50000"/>
+                  </a:schemeClr>
+                </a:solidFill>
+                <a:latin typeface="Arial" pitchFamily="34" charset="0"/>
+                <a:cs typeface="Arial" pitchFamily="34" charset="0"/>
+              </a:rPr>
+              <a:t> </a:t>
+            </a:r>
+            <a:r>
+              <a:rPr lang="en-US" sz="2000" dirty="0" smtClean="0">
+                <a:solidFill>
+                  <a:schemeClr val="bg2">
+                    <a:lumMod val="50000"/>
+                  </a:schemeClr>
+                </a:solidFill>
+                <a:latin typeface="Arial" pitchFamily="34" charset="0"/>
+                <a:cs typeface="Arial" pitchFamily="34" charset="0"/>
+              </a:rPr>
+              <a:t>Cosine </a:t>
+            </a:r>
+            <a:r>
+              <a:rPr lang="en-US" sz="2000" dirty="0" smtClean="0">
+                <a:solidFill>
+                  <a:schemeClr val="bg2">
+                    <a:lumMod val="50000"/>
+                  </a:schemeClr>
+                </a:solidFill>
+                <a:latin typeface="Arial" pitchFamily="34" charset="0"/>
+                <a:cs typeface="Arial" pitchFamily="34" charset="0"/>
+              </a:rPr>
+              <a:t>distance </a:t>
+            </a:r>
+            <a:r>
+              <a:rPr lang="en-US" sz="2000" dirty="0" smtClean="0">
+                <a:solidFill>
+                  <a:schemeClr val="bg2">
+                    <a:lumMod val="50000"/>
+                  </a:schemeClr>
+                </a:solidFill>
+                <a:latin typeface="Arial" pitchFamily="34" charset="0"/>
+                <a:cs typeface="Arial" pitchFamily="34" charset="0"/>
+              </a:rPr>
+              <a:t>of Word2Vec, Doc2Vec, and </a:t>
+            </a:r>
+            <a:r>
+              <a:rPr lang="en-US" sz="2000" dirty="0" err="1" smtClean="0">
+                <a:solidFill>
+                  <a:schemeClr val="bg2">
+                    <a:lumMod val="50000"/>
+                  </a:schemeClr>
+                </a:solidFill>
+                <a:latin typeface="Arial" pitchFamily="34" charset="0"/>
+                <a:cs typeface="Arial" pitchFamily="34" charset="0"/>
+              </a:rPr>
+              <a:t>FastText</a:t>
+            </a:r>
+            <a:endParaRPr lang="en-US" sz="2000" dirty="0" smtClean="0">
+              <a:solidFill>
+                <a:schemeClr val="bg2">
+                  <a:lumMod val="50000"/>
+                </a:schemeClr>
+              </a:solidFill>
+              <a:latin typeface="Arial" pitchFamily="34" charset="0"/>
+              <a:cs typeface="Arial" pitchFamily="34" charset="0"/>
+            </a:endParaRPr>
+          </a:p>
+          <a:p>
+            <a:pPr>
+              <a:lnSpc>
+                <a:spcPct val="150000"/>
+              </a:lnSpc>
+              <a:buFont typeface="Arial" pitchFamily="34" charset="0"/>
+              <a:buChar char="•"/>
+            </a:pPr>
+            <a:r>
+              <a:rPr lang="en-US" sz="2000" dirty="0" smtClean="0">
+                <a:solidFill>
+                  <a:schemeClr val="bg2">
+                    <a:lumMod val="50000"/>
+                  </a:schemeClr>
+                </a:solidFill>
+                <a:latin typeface="Arial" pitchFamily="34" charset="0"/>
+                <a:cs typeface="Arial" pitchFamily="34" charset="0"/>
+              </a:rPr>
+              <a:t> </a:t>
+            </a:r>
+            <a:r>
+              <a:rPr lang="en-US" sz="2000" dirty="0" err="1" smtClean="0">
+                <a:solidFill>
+                  <a:schemeClr val="bg2">
+                    <a:lumMod val="50000"/>
+                  </a:schemeClr>
+                </a:solidFill>
+                <a:latin typeface="Arial" pitchFamily="34" charset="0"/>
+                <a:cs typeface="Arial" pitchFamily="34" charset="0"/>
+              </a:rPr>
+              <a:t>Jaccard</a:t>
+            </a:r>
+            <a:r>
+              <a:rPr lang="en-US" sz="2000" dirty="0" smtClean="0">
+                <a:solidFill>
+                  <a:schemeClr val="bg2">
+                    <a:lumMod val="50000"/>
+                  </a:schemeClr>
+                </a:solidFill>
+                <a:latin typeface="Arial" pitchFamily="34" charset="0"/>
+                <a:cs typeface="Arial" pitchFamily="34" charset="0"/>
+              </a:rPr>
+              <a:t> distance</a:t>
+            </a:r>
+          </a:p>
+          <a:p>
+            <a:pPr>
+              <a:lnSpc>
+                <a:spcPct val="150000"/>
+              </a:lnSpc>
+              <a:buFont typeface="Arial" pitchFamily="34" charset="0"/>
+              <a:buChar char="•"/>
+            </a:pPr>
+            <a:r>
+              <a:rPr lang="en-US" sz="2000" dirty="0" smtClean="0">
+                <a:solidFill>
+                  <a:schemeClr val="bg2">
+                    <a:lumMod val="50000"/>
+                  </a:schemeClr>
+                </a:solidFill>
+                <a:latin typeface="Arial" pitchFamily="34" charset="0"/>
+                <a:cs typeface="Arial" pitchFamily="34" charset="0"/>
+              </a:rPr>
+              <a:t> </a:t>
+            </a:r>
+            <a:r>
+              <a:rPr lang="en-US" sz="2000" dirty="0" err="1" smtClean="0">
+                <a:solidFill>
+                  <a:schemeClr val="bg2">
+                    <a:lumMod val="50000"/>
+                  </a:schemeClr>
+                </a:solidFill>
+                <a:latin typeface="Arial" pitchFamily="34" charset="0"/>
+                <a:cs typeface="Arial" pitchFamily="34" charset="0"/>
+              </a:rPr>
+              <a:t>Levenshtein</a:t>
+            </a:r>
+            <a:r>
+              <a:rPr lang="en-US" sz="2000" dirty="0" smtClean="0">
+                <a:solidFill>
+                  <a:schemeClr val="bg2">
+                    <a:lumMod val="50000"/>
+                  </a:schemeClr>
+                </a:solidFill>
+                <a:latin typeface="Arial" pitchFamily="34" charset="0"/>
+                <a:cs typeface="Arial" pitchFamily="34" charset="0"/>
+              </a:rPr>
+              <a:t> </a:t>
+            </a:r>
+            <a:r>
+              <a:rPr lang="en-US" sz="2000" dirty="0" smtClean="0">
+                <a:solidFill>
+                  <a:schemeClr val="bg2">
+                    <a:lumMod val="50000"/>
+                  </a:schemeClr>
+                </a:solidFill>
+                <a:latin typeface="Arial" pitchFamily="34" charset="0"/>
+                <a:cs typeface="Arial" pitchFamily="34" charset="0"/>
+              </a:rPr>
+              <a:t>distance</a:t>
+            </a:r>
+            <a:endParaRPr lang="en-US" sz="2000" dirty="0">
+              <a:solidFill>
+                <a:schemeClr val="bg2">
+                  <a:lumMod val="50000"/>
+                </a:schemeClr>
+              </a:solidFill>
+              <a:latin typeface="Arial" pitchFamily="34" charset="0"/>
+              <a:cs typeface="Arial" pitchFamily="34" charset="0"/>
+            </a:endParaRPr>
           </a:p>
         </p:txBody>
       </p:sp>
@@ -14584,18 +15255,9 @@
   <p:clrMapOvr>
     <a:masterClrMapping/>
   </p:clrMapOvr>
-  <mc:AlternateContent xmlns:mc="http://schemas.openxmlformats.org/markup-compatibility/2006">
-    <mc:Choice xmlns:p14="http://schemas.microsoft.com/office/powerpoint/2010/main" xmlns="" Requires="p14">
-      <p:transition spd="slow" p14:dur="3400" advTm="0">
-        <p14:reveal/>
-      </p:transition>
-    </mc:Choice>
-    <mc:Fallback>
-      <p:transition spd="slow" advTm="0">
-        <p:fade/>
-      </p:transition>
-    </mc:Fallback>
-  </mc:AlternateContent>
+  <p:transition spd="med" advTm="0">
+    <p:pull/>
+  </p:transition>
   <p:timing>
     <p:tnLst>
       <p:par>
@@ -14620,7 +15282,7 @@
                             </p:stCondLst>
                             <p:childTnLst>
                               <p:par>
-                                <p:cTn id="5" presetID="53" presetClass="entr" presetSubtype="16" fill="hold" grpId="0" nodeType="afterEffect">
+                                <p:cTn id="5" presetID="42" presetClass="entr" presetSubtype="0" fill="hold" grpId="0" nodeType="afterEffect">
                                   <p:stCondLst>
                                     <p:cond delay="0"/>
                                   </p:stCondLst>
@@ -14633,7 +15295,7 @@
                                           </p:stCondLst>
                                         </p:cTn>
                                         <p:tgtEl>
-                                          <p:spTgt spid="37"/>
+                                          <p:spTgt spid="2"/>
                                         </p:tgtEl>
                                         <p:attrNameLst>
                                           <p:attrName>style.visibility</p:attrName>
@@ -14643,60 +15305,60 @@
                                         <p:strVal val="visible"/>
                                       </p:to>
                                     </p:set>
+                                    <p:animEffect transition="in" filter="fade">
+                                      <p:cBhvr>
+                                        <p:cTn id="7" dur="1000"/>
+                                        <p:tgtEl>
+                                          <p:spTgt spid="2"/>
+                                        </p:tgtEl>
+                                      </p:cBhvr>
+                                    </p:animEffect>
                                     <p:anim calcmode="lin" valueType="num">
                                       <p:cBhvr>
-                                        <p:cTn id="7" dur="500" fill="hold"/>
+                                        <p:cTn id="8" dur="1000" fill="hold"/>
                                         <p:tgtEl>
-                                          <p:spTgt spid="37"/>
+                                          <p:spTgt spid="2"/>
                                         </p:tgtEl>
                                         <p:attrNameLst>
-                                          <p:attrName>ppt_w</p:attrName>
+                                          <p:attrName>ppt_x</p:attrName>
                                         </p:attrNameLst>
                                       </p:cBhvr>
                                       <p:tavLst>
                                         <p:tav tm="0">
                                           <p:val>
-                                            <p:fltVal val="0"/>
+                                            <p:strVal val="#ppt_x"/>
                                           </p:val>
                                         </p:tav>
                                         <p:tav tm="100000">
                                           <p:val>
-                                            <p:strVal val="#ppt_w"/>
+                                            <p:strVal val="#ppt_x"/>
                                           </p:val>
                                         </p:tav>
                                       </p:tavLst>
                                     </p:anim>
                                     <p:anim calcmode="lin" valueType="num">
                                       <p:cBhvr>
-                                        <p:cTn id="8" dur="500" fill="hold"/>
+                                        <p:cTn id="9" dur="1000" fill="hold"/>
                                         <p:tgtEl>
-                                          <p:spTgt spid="37"/>
+                                          <p:spTgt spid="2"/>
                                         </p:tgtEl>
                                         <p:attrNameLst>
-                                          <p:attrName>ppt_h</p:attrName>
+                                          <p:attrName>ppt_y</p:attrName>
                                         </p:attrNameLst>
                                       </p:cBhvr>
                                       <p:tavLst>
                                         <p:tav tm="0">
                                           <p:val>
-                                            <p:fltVal val="0"/>
+                                            <p:strVal val="#ppt_y+.1"/>
                                           </p:val>
                                         </p:tav>
                                         <p:tav tm="100000">
                                           <p:val>
-                                            <p:strVal val="#ppt_h"/>
+                                            <p:strVal val="#ppt_y"/>
                                           </p:val>
                                         </p:tav>
                                       </p:tavLst>
                                     </p:anim>
-                                    <p:animEffect transition="in" filter="fade">
-                                      <p:cBhvr>
-                                        <p:cTn id="9" dur="500"/>
-                                        <p:tgtEl>
-                                          <p:spTgt spid="37"/>
-                                        </p:tgtEl>
-                                      </p:cBhvr>
-                                    </p:animEffect>
                                   </p:childTnLst>
                                 </p:cTn>
                               </p:par>
@@ -14706,7 +15368,7 @@
                         <p:par>
                           <p:cTn id="10" fill="hold">
                             <p:stCondLst>
-                              <p:cond delay="500"/>
+                              <p:cond delay="1000"/>
                             </p:stCondLst>
                             <p:childTnLst>
                               <p:par>
@@ -14723,7 +15385,7 @@
                                           </p:stCondLst>
                                         </p:cTn>
                                         <p:tgtEl>
-                                          <p:spTgt spid="38"/>
+                                          <p:spTgt spid="100"/>
                                         </p:tgtEl>
                                         <p:attrNameLst>
                                           <p:attrName>style.visibility</p:attrName>
@@ -14737,7 +15399,7 @@
                                       <p:cBhvr>
                                         <p:cTn id="13" dur="500"/>
                                         <p:tgtEl>
-                                          <p:spTgt spid="38"/>
+                                          <p:spTgt spid="100"/>
                                         </p:tgtEl>
                                       </p:cBhvr>
                                     </p:animEffect>
@@ -14750,11 +15412,11 @@
                         <p:par>
                           <p:cTn id="14" fill="hold">
                             <p:stCondLst>
-                              <p:cond delay="1000"/>
+                              <p:cond delay="1500"/>
                             </p:stCondLst>
                             <p:childTnLst>
                               <p:par>
-                                <p:cTn id="15" presetID="10" presetClass="entr" presetSubtype="0" fill="hold" grpId="0" nodeType="afterEffect">
+                                <p:cTn id="15" presetID="16" presetClass="entr" presetSubtype="37" fill="hold" grpId="0" nodeType="afterEffect">
                                   <p:stCondLst>
                                     <p:cond delay="0"/>
                                   </p:stCondLst>
@@ -14767,7 +15429,7 @@
                                           </p:stCondLst>
                                         </p:cTn>
                                         <p:tgtEl>
-                                          <p:spTgt spid="44"/>
+                                          <p:spTgt spid="101"/>
                                         </p:tgtEl>
                                         <p:attrNameLst>
                                           <p:attrName>style.visibility</p:attrName>
@@ -14777,11 +15439,11 @@
                                         <p:strVal val="visible"/>
                                       </p:to>
                                     </p:set>
-                                    <p:animEffect transition="in" filter="fade">
+                                    <p:animEffect transition="in" filter="barn(outVertical)">
                                       <p:cBhvr>
                                         <p:cTn id="17" dur="500"/>
                                         <p:tgtEl>
-                                          <p:spTgt spid="44"/>
+                                          <p:spTgt spid="101"/>
                                         </p:tgtEl>
                                       </p:cBhvr>
                                     </p:animEffect>
@@ -14816,9 +15478,9 @@
       </p:par>
     </p:tnLst>
     <p:bldLst>
-      <p:bldP spid="37" grpId="0" bldLvl="0" animBg="1"/>
-      <p:bldP spid="38" grpId="0"/>
-      <p:bldP spid="44" grpId="0"/>
+      <p:bldP spid="2" grpId="0" bldLvl="0" animBg="1"/>
+      <p:bldP spid="100" grpId="0"/>
+      <p:bldP spid="101" grpId="0"/>
     </p:bldLst>
   </p:timing>
 </p:sld>
@@ -14849,8 +15511,8 @@
         </p:nvSpPr>
         <p:spPr>
           <a:xfrm>
-            <a:off x="635" y="4356100"/>
-            <a:ext cx="12192000" cy="2060575"/>
+            <a:off x="0" y="4237355"/>
+            <a:ext cx="12192000" cy="2163445"/>
           </a:xfrm>
           <a:prstGeom prst="rect">
             <a:avLst/>
@@ -14891,775 +15553,6 @@
           </a:p>
         </p:txBody>
       </p:sp>
-      <p:grpSp>
-        <p:nvGrpSpPr>
-          <p:cNvPr id="10" name="Group 9"/>
-          <p:cNvGrpSpPr/>
-          <p:nvPr/>
-        </p:nvGrpSpPr>
-        <p:grpSpPr>
-          <a:xfrm>
-            <a:off x="610870" y="1901190"/>
-            <a:ext cx="4911090" cy="2261178"/>
-            <a:chOff x="8689521" y="2353696"/>
-            <a:chExt cx="2372434" cy="3479467"/>
-          </a:xfrm>
-        </p:grpSpPr>
-        <p:sp>
-          <p:nvSpPr>
-            <p:cNvPr id="11" name="TextBox 10"/>
-            <p:cNvSpPr txBox="1"/>
-            <p:nvPr/>
-          </p:nvSpPr>
-          <p:spPr>
-            <a:xfrm>
-              <a:off x="8689522" y="2353696"/>
-              <a:ext cx="790601" cy="518855"/>
-            </a:xfrm>
-            <a:prstGeom prst="rect">
-              <a:avLst/>
-            </a:prstGeom>
-            <a:noFill/>
-          </p:spPr>
-          <p:txBody>
-            <a:bodyPr wrap="square" rtlCol="0">
-              <a:spAutoFit/>
-            </a:bodyPr>
-            <a:lstStyle/>
-            <a:p>
-              <a:pPr fontAlgn="base">
-                <a:spcBef>
-                  <a:spcPct val="0"/>
-                </a:spcBef>
-                <a:spcAft>
-                  <a:spcPct val="0"/>
-                </a:spcAft>
-              </a:pPr>
-              <a:r>
-                <a:rPr lang="en-US" sz="1600" b="1" dirty="0">
-                  <a:solidFill>
-                    <a:schemeClr val="tx1">
-                      <a:lumMod val="65000"/>
-                      <a:lumOff val="35000"/>
-                    </a:schemeClr>
-                  </a:solidFill>
-                  <a:latin typeface="Arial" panose="020B0604020202020204" pitchFamily="34" charset="0"/>
-                  <a:ea typeface="微软雅黑" panose="020B0503020204020204" pitchFamily="34" charset="-122"/>
-                  <a:cs typeface="Clear Sans" panose="020B0503030202020304" pitchFamily="34" charset="0"/>
-                  <a:sym typeface="Arial" panose="020B0604020202020204" pitchFamily="34" charset="0"/>
-                </a:rPr>
-                <a:t>Word Ratio</a:t>
-              </a:r>
-            </a:p>
-          </p:txBody>
-        </p:sp>
-        <p:sp>
-          <p:nvSpPr>
-            <p:cNvPr id="12" name="Rectangle 11"/>
-            <p:cNvSpPr/>
-            <p:nvPr/>
-          </p:nvSpPr>
-          <p:spPr>
-            <a:xfrm>
-              <a:off x="8689521" y="2661404"/>
-              <a:ext cx="2372434" cy="3171759"/>
-            </a:xfrm>
-            <a:prstGeom prst="rect">
-              <a:avLst/>
-            </a:prstGeom>
-          </p:spPr>
-          <p:txBody>
-            <a:bodyPr wrap="square">
-              <a:spAutoFit/>
-            </a:bodyPr>
-            <a:lstStyle/>
-            <a:p>
-              <a:pPr marL="171450" indent="-171450">
-                <a:buFont typeface="Arial" panose="020B0604020202020204" pitchFamily="34" charset="0"/>
-                <a:buChar char="•"/>
-              </a:pPr>
-              <a:r>
-                <a:rPr lang="en-US" sz="1600">
-                  <a:solidFill>
-                    <a:schemeClr val="tx1">
-                      <a:lumMod val="50000"/>
-                      <a:lumOff val="50000"/>
-                    </a:schemeClr>
-                  </a:solidFill>
-                  <a:latin typeface="Arial" panose="020B0604020202020204" pitchFamily="34" charset="0"/>
-                  <a:ea typeface="微软雅黑" panose="020B0503020204020204" pitchFamily="34" charset="-122"/>
-                  <a:cs typeface="Clear Sans Light" panose="020B0303030202020304" pitchFamily="34" charset="0"/>
-                  <a:sym typeface="Arial" panose="020B0604020202020204" pitchFamily="34" charset="0"/>
-                </a:rPr>
-                <a:t>the ratio of the number of matching words in the brands and search terms</a:t>
-              </a:r>
-            </a:p>
-            <a:p>
-              <a:pPr marL="171450" indent="-171450">
-                <a:buFont typeface="Arial" panose="020B0604020202020204" pitchFamily="34" charset="0"/>
-                <a:buChar char="•"/>
-              </a:pPr>
-              <a:r>
-                <a:rPr lang="en-US" sz="1600">
-                  <a:solidFill>
-                    <a:schemeClr val="tx1">
-                      <a:lumMod val="50000"/>
-                      <a:lumOff val="50000"/>
-                    </a:schemeClr>
-                  </a:solidFill>
-                  <a:latin typeface="Arial" panose="020B0604020202020204" pitchFamily="34" charset="0"/>
-                  <a:ea typeface="微软雅黑" panose="020B0503020204020204" pitchFamily="34" charset="-122"/>
-                  <a:cs typeface="Clear Sans Light" panose="020B0303030202020304" pitchFamily="34" charset="0"/>
-                  <a:sym typeface="Arial" panose="020B0604020202020204" pitchFamily="34" charset="0"/>
-                </a:rPr>
-                <a:t>the ratio of the number of matching words in the product titles and search terms</a:t>
-              </a:r>
-            </a:p>
-            <a:p>
-              <a:pPr marL="171450" indent="-171450">
-                <a:buFont typeface="Arial" panose="020B0604020202020204" pitchFamily="34" charset="0"/>
-                <a:buChar char="•"/>
-              </a:pPr>
-              <a:r>
-                <a:rPr lang="en-US" sz="1600">
-                  <a:solidFill>
-                    <a:schemeClr val="tx1">
-                      <a:lumMod val="50000"/>
-                      <a:lumOff val="50000"/>
-                    </a:schemeClr>
-                  </a:solidFill>
-                  <a:latin typeface="Arial" panose="020B0604020202020204" pitchFamily="34" charset="0"/>
-                  <a:ea typeface="微软雅黑" panose="020B0503020204020204" pitchFamily="34" charset="-122"/>
-                  <a:cs typeface="Clear Sans Light" panose="020B0303030202020304" pitchFamily="34" charset="0"/>
-                  <a:sym typeface="Arial" panose="020B0604020202020204" pitchFamily="34" charset="0"/>
-                </a:rPr>
-                <a:t>the ratio of the number of matching words in the product descriptions and search terms</a:t>
-              </a:r>
-            </a:p>
-            <a:p>
-              <a:pPr marL="171450" indent="-171450">
-                <a:buFont typeface="Arial" panose="020B0604020202020204" pitchFamily="34" charset="0"/>
-                <a:buChar char="•"/>
-              </a:pPr>
-              <a:r>
-                <a:rPr lang="en-US" sz="1600">
-                  <a:solidFill>
-                    <a:schemeClr val="tx1">
-                      <a:lumMod val="50000"/>
-                      <a:lumOff val="50000"/>
-                    </a:schemeClr>
-                  </a:solidFill>
-                  <a:latin typeface="Arial" panose="020B0604020202020204" pitchFamily="34" charset="0"/>
-                  <a:ea typeface="微软雅黑" panose="020B0503020204020204" pitchFamily="34" charset="-122"/>
-                  <a:cs typeface="Clear Sans Light" panose="020B0303030202020304" pitchFamily="34" charset="0"/>
-                  <a:sym typeface="Arial" panose="020B0604020202020204" pitchFamily="34" charset="0"/>
-                </a:rPr>
-                <a:t>the ratio of the number of matching words in the product attributes and search terms</a:t>
-              </a:r>
-            </a:p>
-          </p:txBody>
-        </p:sp>
-      </p:grpSp>
-      <p:grpSp>
-        <p:nvGrpSpPr>
-          <p:cNvPr id="19" name="Group 18"/>
-          <p:cNvGrpSpPr/>
-          <p:nvPr/>
-        </p:nvGrpSpPr>
-        <p:grpSpPr>
-          <a:xfrm>
-            <a:off x="526415" y="175895"/>
-            <a:ext cx="4757420" cy="1551522"/>
-            <a:chOff x="8661875" y="2412324"/>
-            <a:chExt cx="2545067" cy="1705722"/>
-          </a:xfrm>
-        </p:grpSpPr>
-        <p:sp>
-          <p:nvSpPr>
-            <p:cNvPr id="20" name="TextBox 19"/>
-            <p:cNvSpPr txBox="1"/>
-            <p:nvPr/>
-          </p:nvSpPr>
-          <p:spPr>
-            <a:xfrm>
-              <a:off x="8661875" y="2412324"/>
-              <a:ext cx="2486025" cy="370697"/>
-            </a:xfrm>
-            <a:prstGeom prst="rect">
-              <a:avLst/>
-            </a:prstGeom>
-            <a:noFill/>
-          </p:spPr>
-          <p:txBody>
-            <a:bodyPr wrap="square" rtlCol="0">
-              <a:spAutoFit/>
-            </a:bodyPr>
-            <a:lstStyle/>
-            <a:p>
-              <a:pPr algn="l" fontAlgn="base">
-                <a:spcBef>
-                  <a:spcPct val="0"/>
-                </a:spcBef>
-                <a:spcAft>
-                  <a:spcPct val="0"/>
-                </a:spcAft>
-              </a:pPr>
-              <a:r>
-                <a:rPr lang="en-US" sz="1600" b="1" dirty="0">
-                  <a:solidFill>
-                    <a:schemeClr val="tx1">
-                      <a:lumMod val="65000"/>
-                      <a:lumOff val="35000"/>
-                    </a:schemeClr>
-                  </a:solidFill>
-                  <a:latin typeface="Arial" panose="020B0604020202020204" pitchFamily="34" charset="0"/>
-                  <a:ea typeface="微软雅黑" panose="020B0503020204020204" pitchFamily="34" charset="-122"/>
-                  <a:cs typeface="Clear Sans" panose="020B0503030202020304" pitchFamily="34" charset="0"/>
-                  <a:sym typeface="Arial" panose="020B0604020202020204" pitchFamily="34" charset="0"/>
-                </a:rPr>
-                <a:t>Tf-idf Common Feature </a:t>
-              </a:r>
-            </a:p>
-          </p:txBody>
-        </p:sp>
-        <p:sp>
-          <p:nvSpPr>
-            <p:cNvPr id="21" name="Rectangle 20"/>
-            <p:cNvSpPr/>
-            <p:nvPr/>
-          </p:nvSpPr>
-          <p:spPr>
-            <a:xfrm>
-              <a:off x="8834508" y="2664580"/>
-              <a:ext cx="2372434" cy="1453466"/>
-            </a:xfrm>
-            <a:prstGeom prst="rect">
-              <a:avLst/>
-            </a:prstGeom>
-          </p:spPr>
-          <p:txBody>
-            <a:bodyPr wrap="square">
-              <a:spAutoFit/>
-            </a:bodyPr>
-            <a:lstStyle/>
-            <a:p>
-              <a:pPr marL="171450" indent="-171450" algn="l">
-                <a:buFont typeface="Arial" panose="020B0604020202020204" pitchFamily="34" charset="0"/>
-                <a:buChar char="•"/>
-              </a:pPr>
-              <a:r>
-                <a:rPr lang="en-US" sz="1600">
-                  <a:solidFill>
-                    <a:schemeClr val="tx1">
-                      <a:lumMod val="50000"/>
-                      <a:lumOff val="50000"/>
-                    </a:schemeClr>
-                  </a:solidFill>
-                  <a:latin typeface="Arial" panose="020B0604020202020204" pitchFamily="34" charset="0"/>
-                  <a:ea typeface="微软雅黑" panose="020B0503020204020204" pitchFamily="34" charset="-122"/>
-                  <a:cs typeface="Clear Sans Light" panose="020B0303030202020304" pitchFamily="34" charset="0"/>
-                  <a:sym typeface="Arial" panose="020B0604020202020204" pitchFamily="34" charset="0"/>
-                </a:rPr>
-                <a:t>customers search terms</a:t>
-              </a:r>
-            </a:p>
-            <a:p>
-              <a:pPr marL="171450" indent="-171450" algn="l">
-                <a:buFont typeface="Arial" panose="020B0604020202020204" pitchFamily="34" charset="0"/>
-                <a:buChar char="•"/>
-              </a:pPr>
-              <a:r>
-                <a:rPr lang="en-US" sz="1600">
-                  <a:solidFill>
-                    <a:schemeClr val="tx1">
-                      <a:lumMod val="50000"/>
-                      <a:lumOff val="50000"/>
-                    </a:schemeClr>
-                  </a:solidFill>
-                  <a:latin typeface="Arial" panose="020B0604020202020204" pitchFamily="34" charset="0"/>
-                  <a:ea typeface="微软雅黑" panose="020B0503020204020204" pitchFamily="34" charset="-122"/>
-                  <a:cs typeface="Clear Sans Light" panose="020B0303030202020304" pitchFamily="34" charset="0"/>
-                  <a:sym typeface="Arial" panose="020B0604020202020204" pitchFamily="34" charset="0"/>
-                </a:rPr>
-                <a:t> title of the products</a:t>
-              </a:r>
-            </a:p>
-            <a:p>
-              <a:pPr marL="171450" indent="-171450" algn="l">
-                <a:buFont typeface="Arial" panose="020B0604020202020204" pitchFamily="34" charset="0"/>
-                <a:buChar char="•"/>
-              </a:pPr>
-              <a:r>
-                <a:rPr lang="en-US" sz="1600">
-                  <a:solidFill>
-                    <a:schemeClr val="tx1">
-                      <a:lumMod val="50000"/>
-                      <a:lumOff val="50000"/>
-                    </a:schemeClr>
-                  </a:solidFill>
-                  <a:latin typeface="Arial" panose="020B0604020202020204" pitchFamily="34" charset="0"/>
-                  <a:ea typeface="微软雅黑" panose="020B0503020204020204" pitchFamily="34" charset="-122"/>
-                  <a:cs typeface="Clear Sans Light" panose="020B0303030202020304" pitchFamily="34" charset="0"/>
-                  <a:sym typeface="Arial" panose="020B0604020202020204" pitchFamily="34" charset="0"/>
-                </a:rPr>
-                <a:t>a combination of  brands, descriptions, and attributes of products</a:t>
-              </a:r>
-            </a:p>
-            <a:p>
-              <a:pPr marL="171450" indent="-171450" algn="l">
-                <a:buFont typeface="Arial" panose="020B0604020202020204" pitchFamily="34" charset="0"/>
-                <a:buChar char="•"/>
-              </a:pPr>
-              <a:r>
-                <a:rPr lang="en-US" sz="1600">
-                  <a:solidFill>
-                    <a:schemeClr val="tx1">
-                      <a:lumMod val="50000"/>
-                      <a:lumOff val="50000"/>
-                    </a:schemeClr>
-                  </a:solidFill>
-                  <a:latin typeface="Arial" panose="020B0604020202020204" pitchFamily="34" charset="0"/>
-                  <a:ea typeface="微软雅黑" panose="020B0503020204020204" pitchFamily="34" charset="-122"/>
-                  <a:cs typeface="Clear Sans Light" panose="020B0303030202020304" pitchFamily="34" charset="0"/>
-                  <a:sym typeface="Arial" panose="020B0604020202020204" pitchFamily="34" charset="0"/>
-                </a:rPr>
-                <a:t>products ID</a:t>
-              </a:r>
-              <a:r>
-                <a:rPr lang="en-US" sz="1600" dirty="0">
-                  <a:solidFill>
-                    <a:schemeClr val="tx1">
-                      <a:lumMod val="50000"/>
-                      <a:lumOff val="50000"/>
-                    </a:schemeClr>
-                  </a:solidFill>
-                  <a:latin typeface="Arial" panose="020B0604020202020204" pitchFamily="34" charset="0"/>
-                  <a:ea typeface="微软雅黑" panose="020B0503020204020204" pitchFamily="34" charset="-122"/>
-                  <a:cs typeface="Clear Sans Light" panose="020B0303030202020304" pitchFamily="34" charset="0"/>
-                  <a:sym typeface="Arial" panose="020B0604020202020204" pitchFamily="34" charset="0"/>
-                </a:rPr>
-                <a:t>.</a:t>
-              </a:r>
-            </a:p>
-          </p:txBody>
-        </p:sp>
-      </p:grpSp>
-      <p:grpSp>
-        <p:nvGrpSpPr>
-          <p:cNvPr id="22" name="Group 21"/>
-          <p:cNvGrpSpPr/>
-          <p:nvPr/>
-        </p:nvGrpSpPr>
-        <p:grpSpPr>
-          <a:xfrm>
-            <a:off x="5482590" y="100330"/>
-            <a:ext cx="3411220" cy="1186665"/>
-            <a:chOff x="8775246" y="2412324"/>
-            <a:chExt cx="2372434" cy="828588"/>
-          </a:xfrm>
-        </p:grpSpPr>
-        <p:sp>
-          <p:nvSpPr>
-            <p:cNvPr id="23" name="TextBox 22"/>
-            <p:cNvSpPr txBox="1"/>
-            <p:nvPr/>
-          </p:nvSpPr>
-          <p:spPr>
-            <a:xfrm>
-              <a:off x="8775246" y="2412324"/>
-              <a:ext cx="2372360" cy="235439"/>
-            </a:xfrm>
-            <a:prstGeom prst="rect">
-              <a:avLst/>
-            </a:prstGeom>
-            <a:noFill/>
-          </p:spPr>
-          <p:txBody>
-            <a:bodyPr wrap="square" rtlCol="0">
-              <a:spAutoFit/>
-            </a:bodyPr>
-            <a:lstStyle/>
-            <a:p>
-              <a:pPr algn="l" fontAlgn="base">
-                <a:spcBef>
-                  <a:spcPct val="0"/>
-                </a:spcBef>
-                <a:spcAft>
-                  <a:spcPct val="0"/>
-                </a:spcAft>
-              </a:pPr>
-              <a:r>
-                <a:rPr lang="en-US" sz="1600" b="1" dirty="0">
-                  <a:solidFill>
-                    <a:schemeClr val="tx1">
-                      <a:lumMod val="65000"/>
-                      <a:lumOff val="35000"/>
-                    </a:schemeClr>
-                  </a:solidFill>
-                  <a:latin typeface="Arial" panose="020B0604020202020204" pitchFamily="34" charset="0"/>
-                  <a:ea typeface="微软雅黑" panose="020B0503020204020204" pitchFamily="34" charset="-122"/>
-                  <a:cs typeface="Clear Sans" panose="020B0503030202020304" pitchFamily="34" charset="0"/>
-                  <a:sym typeface="Arial" panose="020B0604020202020204" pitchFamily="34" charset="0"/>
-                </a:rPr>
-                <a:t>Length of Words</a:t>
-              </a:r>
-            </a:p>
-          </p:txBody>
-        </p:sp>
-        <p:sp>
-          <p:nvSpPr>
-            <p:cNvPr id="24" name="Rectangle 23"/>
-            <p:cNvSpPr/>
-            <p:nvPr/>
-          </p:nvSpPr>
-          <p:spPr>
-            <a:xfrm>
-              <a:off x="8775246" y="2661404"/>
-              <a:ext cx="2372434" cy="579508"/>
-            </a:xfrm>
-            <a:prstGeom prst="rect">
-              <a:avLst/>
-            </a:prstGeom>
-          </p:spPr>
-          <p:txBody>
-            <a:bodyPr wrap="square">
-              <a:spAutoFit/>
-            </a:bodyPr>
-            <a:lstStyle/>
-            <a:p>
-              <a:pPr marL="171450" indent="-171450" algn="l">
-                <a:buFont typeface="Arial" panose="020B0604020202020204" pitchFamily="34" charset="0"/>
-                <a:buChar char="•"/>
-              </a:pPr>
-              <a:r>
-                <a:rPr lang="en-US" sz="1600">
-                  <a:solidFill>
-                    <a:schemeClr val="tx1">
-                      <a:lumMod val="50000"/>
-                      <a:lumOff val="50000"/>
-                    </a:schemeClr>
-                  </a:solidFill>
-                  <a:latin typeface="Arial" panose="020B0604020202020204" pitchFamily="34" charset="0"/>
-                  <a:ea typeface="微软雅黑" panose="020B0503020204020204" pitchFamily="34" charset="-122"/>
-                  <a:cs typeface="Clear Sans Light" panose="020B0303030202020304" pitchFamily="34" charset="0"/>
-                  <a:sym typeface="Arial" panose="020B0604020202020204" pitchFamily="34" charset="0"/>
-                </a:rPr>
-                <a:t>length of the search terms</a:t>
-              </a:r>
-            </a:p>
-            <a:p>
-              <a:pPr marL="171450" indent="-171450" algn="l">
-                <a:buFont typeface="Arial" panose="020B0604020202020204" pitchFamily="34" charset="0"/>
-                <a:buChar char="•"/>
-              </a:pPr>
-              <a:r>
-                <a:rPr lang="en-US" sz="1600">
-                  <a:solidFill>
-                    <a:schemeClr val="tx1">
-                      <a:lumMod val="50000"/>
-                      <a:lumOff val="50000"/>
-                    </a:schemeClr>
-                  </a:solidFill>
-                  <a:latin typeface="Arial" panose="020B0604020202020204" pitchFamily="34" charset="0"/>
-                  <a:ea typeface="微软雅黑" panose="020B0503020204020204" pitchFamily="34" charset="-122"/>
-                  <a:cs typeface="Clear Sans Light" panose="020B0303030202020304" pitchFamily="34" charset="0"/>
-                  <a:sym typeface="Arial" panose="020B0604020202020204" pitchFamily="34" charset="0"/>
-                </a:rPr>
-                <a:t>length of the brands</a:t>
-              </a:r>
-            </a:p>
-            <a:p>
-              <a:pPr marL="171450" indent="-171450" algn="l">
-                <a:buFont typeface="Arial" panose="020B0604020202020204" pitchFamily="34" charset="0"/>
-                <a:buChar char="•"/>
-              </a:pPr>
-              <a:r>
-                <a:rPr lang="en-US" sz="1600">
-                  <a:solidFill>
-                    <a:schemeClr val="tx1">
-                      <a:lumMod val="50000"/>
-                      <a:lumOff val="50000"/>
-                    </a:schemeClr>
-                  </a:solidFill>
-                  <a:latin typeface="Arial" panose="020B0604020202020204" pitchFamily="34" charset="0"/>
-                  <a:ea typeface="微软雅黑" panose="020B0503020204020204" pitchFamily="34" charset="-122"/>
-                  <a:cs typeface="Clear Sans Light" panose="020B0303030202020304" pitchFamily="34" charset="0"/>
-                  <a:sym typeface="Arial" panose="020B0604020202020204" pitchFamily="34" charset="0"/>
-                </a:rPr>
-                <a:t>length of the attributes</a:t>
-              </a:r>
-            </a:p>
-          </p:txBody>
-        </p:sp>
-      </p:grpSp>
-      <p:grpSp>
-        <p:nvGrpSpPr>
-          <p:cNvPr id="25" name="Group 24"/>
-          <p:cNvGrpSpPr/>
-          <p:nvPr/>
-        </p:nvGrpSpPr>
-        <p:grpSpPr>
-          <a:xfrm>
-            <a:off x="5482590" y="1373505"/>
-            <a:ext cx="6419850" cy="2788874"/>
-            <a:chOff x="8642317" y="2323687"/>
-            <a:chExt cx="2459990" cy="5034002"/>
-          </a:xfrm>
-        </p:grpSpPr>
-        <p:sp>
-          <p:nvSpPr>
-            <p:cNvPr id="26" name="TextBox 25"/>
-            <p:cNvSpPr txBox="1"/>
-            <p:nvPr/>
-          </p:nvSpPr>
-          <p:spPr>
-            <a:xfrm>
-              <a:off x="8642317" y="2323687"/>
-              <a:ext cx="2459990" cy="608629"/>
-            </a:xfrm>
-            <a:prstGeom prst="rect">
-              <a:avLst/>
-            </a:prstGeom>
-            <a:noFill/>
-          </p:spPr>
-          <p:txBody>
-            <a:bodyPr wrap="square" rtlCol="0">
-              <a:spAutoFit/>
-            </a:bodyPr>
-            <a:lstStyle/>
-            <a:p>
-              <a:pPr algn="l" fontAlgn="base">
-                <a:spcBef>
-                  <a:spcPct val="0"/>
-                </a:spcBef>
-                <a:spcAft>
-                  <a:spcPct val="0"/>
-                </a:spcAft>
-              </a:pPr>
-              <a:r>
-                <a:rPr lang="en-US" sz="1600" b="1" dirty="0">
-                  <a:solidFill>
-                    <a:schemeClr val="tx1">
-                      <a:lumMod val="65000"/>
-                      <a:lumOff val="35000"/>
-                    </a:schemeClr>
-                  </a:solidFill>
-                  <a:latin typeface="Arial" panose="020B0604020202020204" pitchFamily="34" charset="0"/>
-                  <a:ea typeface="微软雅黑" panose="020B0503020204020204" pitchFamily="34" charset="-122"/>
-                  <a:cs typeface="Clear Sans" panose="020B0503030202020304" pitchFamily="34" charset="0"/>
-                  <a:sym typeface="Arial" panose="020B0604020202020204" pitchFamily="34" charset="0"/>
-                </a:rPr>
-                <a:t>Search Terms Matching </a:t>
-              </a:r>
-            </a:p>
-          </p:txBody>
-        </p:sp>
-        <p:sp>
-          <p:nvSpPr>
-            <p:cNvPr id="27" name="Rectangle 26"/>
-            <p:cNvSpPr/>
-            <p:nvPr/>
-          </p:nvSpPr>
-          <p:spPr>
-            <a:xfrm>
-              <a:off x="8714028" y="2748843"/>
-              <a:ext cx="2372434" cy="4608846"/>
-            </a:xfrm>
-            <a:prstGeom prst="rect">
-              <a:avLst/>
-            </a:prstGeom>
-          </p:spPr>
-          <p:txBody>
-            <a:bodyPr wrap="square">
-              <a:spAutoFit/>
-            </a:bodyPr>
-            <a:lstStyle/>
-            <a:p>
-              <a:pPr marL="171450" indent="-171450" algn="l">
-                <a:buFont typeface="Arial" panose="020B0604020202020204" pitchFamily="34" charset="0"/>
-                <a:buChar char="•"/>
-              </a:pPr>
-              <a:r>
-                <a:rPr lang="en-US" sz="1600">
-                  <a:solidFill>
-                    <a:schemeClr val="tx1">
-                      <a:lumMod val="50000"/>
-                      <a:lumOff val="50000"/>
-                    </a:schemeClr>
-                  </a:solidFill>
-                  <a:latin typeface="Arial" panose="020B0604020202020204" pitchFamily="34" charset="0"/>
-                  <a:ea typeface="微软雅黑" panose="020B0503020204020204" pitchFamily="34" charset="-122"/>
-                  <a:cs typeface="Clear Sans Light" panose="020B0303030202020304" pitchFamily="34" charset="0"/>
-                  <a:sym typeface="Arial" panose="020B0604020202020204" pitchFamily="34" charset="0"/>
-                </a:rPr>
-                <a:t>number of words that search terms match the product titles</a:t>
-              </a:r>
-            </a:p>
-            <a:p>
-              <a:pPr marL="171450" indent="-171450" algn="l">
-                <a:buFont typeface="Arial" panose="020B0604020202020204" pitchFamily="34" charset="0"/>
-                <a:buChar char="•"/>
-              </a:pPr>
-              <a:r>
-                <a:rPr lang="en-US" sz="1600">
-                  <a:solidFill>
-                    <a:schemeClr val="tx1">
-                      <a:lumMod val="50000"/>
-                      <a:lumOff val="50000"/>
-                    </a:schemeClr>
-                  </a:solidFill>
-                  <a:latin typeface="Arial" panose="020B0604020202020204" pitchFamily="34" charset="0"/>
-                  <a:ea typeface="微软雅黑" panose="020B0503020204020204" pitchFamily="34" charset="-122"/>
-                  <a:cs typeface="Clear Sans Light" panose="020B0303030202020304" pitchFamily="34" charset="0"/>
-                  <a:sym typeface="Arial" panose="020B0604020202020204" pitchFamily="34" charset="0"/>
-                </a:rPr>
-                <a:t>number of words that search terms match the product descriptions </a:t>
-              </a:r>
-            </a:p>
-            <a:p>
-              <a:pPr marL="171450" indent="-171450" algn="l">
-                <a:buFont typeface="Arial" panose="020B0604020202020204" pitchFamily="34" charset="0"/>
-                <a:buChar char="•"/>
-              </a:pPr>
-              <a:r>
-                <a:rPr lang="en-US" sz="1600">
-                  <a:solidFill>
-                    <a:schemeClr val="tx1">
-                      <a:lumMod val="50000"/>
-                      <a:lumOff val="50000"/>
-                    </a:schemeClr>
-                  </a:solidFill>
-                  <a:latin typeface="Arial" panose="020B0604020202020204" pitchFamily="34" charset="0"/>
-                  <a:ea typeface="微软雅黑" panose="020B0503020204020204" pitchFamily="34" charset="-122"/>
-                  <a:cs typeface="Clear Sans Light" panose="020B0303030202020304" pitchFamily="34" charset="0"/>
-                  <a:sym typeface="Arial" panose="020B0604020202020204" pitchFamily="34" charset="0"/>
-                </a:rPr>
-                <a:t>number of words that search terms that match the product attributes</a:t>
-              </a:r>
-            </a:p>
-            <a:p>
-              <a:pPr marL="171450" indent="-171450" algn="l">
-                <a:buFont typeface="Arial" panose="020B0604020202020204" pitchFamily="34" charset="0"/>
-                <a:buChar char="•"/>
-              </a:pPr>
-              <a:r>
-                <a:rPr lang="en-US" sz="1600">
-                  <a:solidFill>
-                    <a:schemeClr val="tx1">
-                      <a:lumMod val="50000"/>
-                      <a:lumOff val="50000"/>
-                    </a:schemeClr>
-                  </a:solidFill>
-                  <a:latin typeface="Arial" panose="020B0604020202020204" pitchFamily="34" charset="0"/>
-                  <a:ea typeface="微软雅黑" panose="020B0503020204020204" pitchFamily="34" charset="-122"/>
-                  <a:cs typeface="Clear Sans Light" panose="020B0303030202020304" pitchFamily="34" charset="0"/>
-                  <a:sym typeface="Arial" panose="020B0604020202020204" pitchFamily="34" charset="0"/>
-                </a:rPr>
-                <a:t>number of words that search terms that match the brands</a:t>
-              </a:r>
-            </a:p>
-            <a:p>
-              <a:pPr marL="171450" indent="-171450" algn="l">
-                <a:buFont typeface="Arial" panose="020B0604020202020204" pitchFamily="34" charset="0"/>
-                <a:buChar char="•"/>
-              </a:pPr>
-              <a:r>
-                <a:rPr lang="en-US" sz="1600">
-                  <a:solidFill>
-                    <a:schemeClr val="tx1">
-                      <a:lumMod val="50000"/>
-                      <a:lumOff val="50000"/>
-                    </a:schemeClr>
-                  </a:solidFill>
-                  <a:latin typeface="Arial" panose="020B0604020202020204" pitchFamily="34" charset="0"/>
-                  <a:ea typeface="微软雅黑" panose="020B0503020204020204" pitchFamily="34" charset="-122"/>
-                  <a:cs typeface="Clear Sans Light" panose="020B0303030202020304" pitchFamily="34" charset="0"/>
-                  <a:sym typeface="Arial" panose="020B0604020202020204" pitchFamily="34" charset="0"/>
-                </a:rPr>
-                <a:t>the first word of the search terms match product titles</a:t>
-              </a:r>
-            </a:p>
-            <a:p>
-              <a:pPr marL="171450" indent="-171450" algn="l">
-                <a:buFont typeface="Arial" panose="020B0604020202020204" pitchFamily="34" charset="0"/>
-                <a:buChar char="•"/>
-              </a:pPr>
-              <a:r>
-                <a:rPr lang="en-US" sz="1600">
-                  <a:solidFill>
-                    <a:schemeClr val="tx1">
-                      <a:lumMod val="50000"/>
-                      <a:lumOff val="50000"/>
-                    </a:schemeClr>
-                  </a:solidFill>
-                  <a:latin typeface="Arial" panose="020B0604020202020204" pitchFamily="34" charset="0"/>
-                  <a:ea typeface="微软雅黑" panose="020B0503020204020204" pitchFamily="34" charset="-122"/>
-                  <a:cs typeface="Clear Sans Light" panose="020B0303030202020304" pitchFamily="34" charset="0"/>
-                  <a:sym typeface="Arial" panose="020B0604020202020204" pitchFamily="34" charset="0"/>
-                </a:rPr>
-                <a:t>the first word of the search terms match the product descriptions</a:t>
-              </a:r>
-            </a:p>
-            <a:p>
-              <a:pPr marL="171450" indent="-171450" algn="l">
-                <a:buFont typeface="Arial" panose="020B0604020202020204" pitchFamily="34" charset="0"/>
-                <a:buChar char="•"/>
-              </a:pPr>
-              <a:r>
-                <a:rPr lang="en-US" sz="1600">
-                  <a:solidFill>
-                    <a:schemeClr val="tx1">
-                      <a:lumMod val="50000"/>
-                      <a:lumOff val="50000"/>
-                    </a:schemeClr>
-                  </a:solidFill>
-                  <a:latin typeface="Arial" panose="020B0604020202020204" pitchFamily="34" charset="0"/>
-                  <a:ea typeface="微软雅黑" panose="020B0503020204020204" pitchFamily="34" charset="-122"/>
-                  <a:cs typeface="Clear Sans Light" panose="020B0303030202020304" pitchFamily="34" charset="0"/>
-                  <a:sym typeface="Arial" panose="020B0604020202020204" pitchFamily="34" charset="0"/>
-                </a:rPr>
-                <a:t>the last word of the search terms match the product titles</a:t>
-              </a:r>
-            </a:p>
-            <a:p>
-              <a:pPr marL="171450" indent="-171450" algn="l">
-                <a:buFont typeface="Arial" panose="020B0604020202020204" pitchFamily="34" charset="0"/>
-                <a:buChar char="•"/>
-              </a:pPr>
-              <a:r>
-                <a:rPr lang="en-US" sz="1600">
-                  <a:solidFill>
-                    <a:schemeClr val="tx1">
-                      <a:lumMod val="50000"/>
-                      <a:lumOff val="50000"/>
-                    </a:schemeClr>
-                  </a:solidFill>
-                  <a:latin typeface="Arial" panose="020B0604020202020204" pitchFamily="34" charset="0"/>
-                  <a:ea typeface="微软雅黑" panose="020B0503020204020204" pitchFamily="34" charset="-122"/>
-                  <a:cs typeface="Clear Sans Light" panose="020B0303030202020304" pitchFamily="34" charset="0"/>
-                  <a:sym typeface="Arial" panose="020B0604020202020204" pitchFamily="34" charset="0"/>
-                </a:rPr>
-                <a:t>the last word of the search terms match the product descriptions</a:t>
-              </a:r>
-              <a:r>
-                <a:rPr lang="en-US" sz="1600" dirty="0">
-                  <a:solidFill>
-                    <a:schemeClr val="tx1">
-                      <a:lumMod val="50000"/>
-                      <a:lumOff val="50000"/>
-                    </a:schemeClr>
-                  </a:solidFill>
-                  <a:latin typeface="Arial" panose="020B0604020202020204" pitchFamily="34" charset="0"/>
-                  <a:ea typeface="微软雅黑" panose="020B0503020204020204" pitchFamily="34" charset="-122"/>
-                  <a:cs typeface="Clear Sans Light" panose="020B0303030202020304" pitchFamily="34" charset="0"/>
-                  <a:sym typeface="Arial" panose="020B0604020202020204" pitchFamily="34" charset="0"/>
-                </a:rPr>
-                <a:t>.</a:t>
-              </a:r>
-            </a:p>
-          </p:txBody>
-        </p:sp>
-      </p:grpSp>
       <p:sp>
         <p:nvSpPr>
           <p:cNvPr id="100" name="Rectangle 99"/>
@@ -15668,22 +15561,22 @@
         </p:nvSpPr>
         <p:spPr>
           <a:xfrm>
-            <a:off x="4840297" y="4964056"/>
-            <a:ext cx="2511425" cy="768350"/>
+            <a:off x="2195560" y="4810709"/>
+            <a:ext cx="7930994" cy="769441"/>
           </a:xfrm>
           <a:prstGeom prst="rect">
             <a:avLst/>
           </a:prstGeom>
         </p:spPr>
         <p:txBody>
-          <a:bodyPr wrap="none">
+          <a:bodyPr wrap="square">
             <a:spAutoFit/>
           </a:bodyPr>
           <a:lstStyle/>
           <a:p>
             <a:pPr algn="ctr"/>
             <a:r>
-              <a:rPr lang="en-US" sz="4400" b="1" dirty="0">
+              <a:rPr lang="en-US" sz="4400" b="1" dirty="0" smtClean="0">
                 <a:solidFill>
                   <a:schemeClr val="bg1"/>
                 </a:solidFill>
@@ -15691,8 +15584,16 @@
                 <a:ea typeface="微软雅黑" panose="020B0503020204020204" pitchFamily="34" charset="-122"/>
                 <a:sym typeface="Arial" panose="020B0604020202020204" pitchFamily="34" charset="0"/>
               </a:rPr>
-              <a:t>Features</a:t>
-            </a:r>
+              <a:t>Features for Random Forest</a:t>
+            </a:r>
+            <a:endParaRPr lang="ar-SA" sz="4400" b="1" dirty="0">
+              <a:solidFill>
+                <a:schemeClr val="bg1"/>
+              </a:solidFill>
+              <a:latin typeface="Arial" panose="020B0604020202020204" pitchFamily="34" charset="0"/>
+              <a:ea typeface="微软雅黑" panose="020B0503020204020204" pitchFamily="34" charset="-122"/>
+              <a:sym typeface="Arial" panose="020B0604020202020204" pitchFamily="34" charset="0"/>
+            </a:endParaRPr>
           </a:p>
         </p:txBody>
       </p:sp>
@@ -15759,18 +15660,382 @@
               </a:spcBef>
               <a:defRPr/>
             </a:pPr>
-            <a:r>
-              <a:rPr lang="en-US" sz="1600" b="1" dirty="0">
+            <a:endParaRPr lang="en-US" sz="1600" b="1" dirty="0">
+              <a:solidFill>
+                <a:schemeClr val="tx2"/>
+              </a:solidFill>
+              <a:latin typeface="Arial" panose="020B0604020202020204" pitchFamily="34" charset="0"/>
+              <a:ea typeface="微软雅黑" panose="020B0503020204020204" pitchFamily="34" charset="-122"/>
+              <a:cs typeface="+mj-cs"/>
+              <a:sym typeface="Arial" panose="020B0604020202020204" pitchFamily="34" charset="0"/>
+            </a:endParaRPr>
+          </a:p>
+        </p:txBody>
+      </p:sp>
+      <p:pic>
+        <p:nvPicPr>
+          <p:cNvPr id="2050" name="Picture 2"/>
+          <p:cNvPicPr>
+            <a:picLocks noChangeAspect="1" noChangeArrowheads="1"/>
+          </p:cNvPicPr>
+          <p:nvPr/>
+        </p:nvPicPr>
+        <p:blipFill>
+          <a:blip r:embed="rId2" cstate="print"/>
+          <a:srcRect/>
+          <a:stretch>
+            <a:fillRect/>
+          </a:stretch>
+        </p:blipFill>
+        <p:spPr bwMode="auto">
+          <a:xfrm>
+            <a:off x="7619438" y="1372399"/>
+            <a:ext cx="4143375" cy="1114425"/>
+          </a:xfrm>
+          <a:prstGeom prst="rect">
+            <a:avLst/>
+          </a:prstGeom>
+          <a:noFill/>
+          <a:ln w="9525">
+            <a:noFill/>
+            <a:miter lim="800000"/>
+            <a:headEnd/>
+            <a:tailEnd/>
+          </a:ln>
+        </p:spPr>
+      </p:pic>
+      <p:sp>
+        <p:nvSpPr>
+          <p:cNvPr id="17" name="TextBox 16"/>
+          <p:cNvSpPr txBox="1"/>
+          <p:nvPr/>
+        </p:nvSpPr>
+        <p:spPr>
+          <a:xfrm>
+            <a:off x="460039" y="210142"/>
+            <a:ext cx="6968751" cy="3365024"/>
+          </a:xfrm>
+          <a:prstGeom prst="rect">
+            <a:avLst/>
+          </a:prstGeom>
+          <a:noFill/>
+        </p:spPr>
+        <p:txBody>
+          <a:bodyPr wrap="square" rtlCol="0">
+            <a:spAutoFit/>
+          </a:bodyPr>
+          <a:lstStyle/>
+          <a:p>
+            <a:pPr marL="285750" indent="-285750" algn="l">
+              <a:lnSpc>
+                <a:spcPct val="150000"/>
+              </a:lnSpc>
+              <a:buFont typeface="Arial" panose="020B0604020202020204" pitchFamily="34" charset="0"/>
+              <a:buChar char="•"/>
+            </a:pPr>
+            <a:r>
+              <a:rPr lang="en-US" dirty="0" smtClean="0">
                 <a:solidFill>
-                  <a:schemeClr val="tx2"/>
+                  <a:schemeClr val="tx1">
+                    <a:lumMod val="50000"/>
+                    <a:lumOff val="50000"/>
+                  </a:schemeClr>
                 </a:solidFill>
                 <a:latin typeface="Arial" panose="020B0604020202020204" pitchFamily="34" charset="0"/>
                 <a:ea typeface="微软雅黑" panose="020B0503020204020204" pitchFamily="34" charset="-122"/>
-                <a:cs typeface="+mj-cs"/>
+                <a:cs typeface="Clear Sans Light" panose="020B0303030202020304" pitchFamily="34" charset="0"/>
                 <a:sym typeface="Arial" panose="020B0604020202020204" pitchFamily="34" charset="0"/>
               </a:rPr>
-              <a:t>LOGO</a:t>
-            </a:r>
+              <a:t>Top 4 important feature for random forest model</a:t>
+            </a:r>
+          </a:p>
+          <a:p>
+            <a:pPr marL="285750" indent="-285750" algn="l">
+              <a:lnSpc>
+                <a:spcPct val="150000"/>
+              </a:lnSpc>
+              <a:buFont typeface="Arial" panose="020B0604020202020204" pitchFamily="34" charset="0"/>
+              <a:buChar char="•"/>
+            </a:pPr>
+            <a:r>
+              <a:rPr lang="en-US" dirty="0" err="1" smtClean="0">
+                <a:solidFill>
+                  <a:schemeClr val="tx1">
+                    <a:lumMod val="50000"/>
+                    <a:lumOff val="50000"/>
+                  </a:schemeClr>
+                </a:solidFill>
+                <a:latin typeface="Arial" panose="020B0604020202020204" pitchFamily="34" charset="0"/>
+                <a:ea typeface="微软雅黑" panose="020B0503020204020204" pitchFamily="34" charset="-122"/>
+                <a:cs typeface="Clear Sans Light" panose="020B0303030202020304" pitchFamily="34" charset="0"/>
+                <a:sym typeface="Arial" panose="020B0604020202020204" pitchFamily="34" charset="0"/>
+              </a:rPr>
+              <a:t>ration_title</a:t>
+            </a:r>
+            <a:r>
+              <a:rPr lang="en-US" dirty="0" smtClean="0">
+                <a:solidFill>
+                  <a:schemeClr val="tx1">
+                    <a:lumMod val="50000"/>
+                    <a:lumOff val="50000"/>
+                  </a:schemeClr>
+                </a:solidFill>
+                <a:latin typeface="Arial" panose="020B0604020202020204" pitchFamily="34" charset="0"/>
+                <a:ea typeface="微软雅黑" panose="020B0503020204020204" pitchFamily="34" charset="-122"/>
+                <a:cs typeface="Clear Sans Light" panose="020B0303030202020304" pitchFamily="34" charset="0"/>
+                <a:sym typeface="Arial" panose="020B0604020202020204" pitchFamily="34" charset="0"/>
+              </a:rPr>
+              <a:t>: </a:t>
+            </a:r>
+            <a:r>
+              <a:rPr lang="en-US" dirty="0" smtClean="0">
+                <a:solidFill>
+                  <a:schemeClr val="tx1">
+                    <a:lumMod val="50000"/>
+                    <a:lumOff val="50000"/>
+                  </a:schemeClr>
+                </a:solidFill>
+                <a:latin typeface="Arial" panose="020B0604020202020204" pitchFamily="34" charset="0"/>
+                <a:ea typeface="微软雅黑" panose="020B0503020204020204" pitchFamily="34" charset="-122"/>
+                <a:cs typeface="Clear Sans Light" panose="020B0303030202020304" pitchFamily="34" charset="0"/>
+                <a:sym typeface="Arial" panose="020B0604020202020204" pitchFamily="34" charset="0"/>
+              </a:rPr>
+              <a:t>t</a:t>
+            </a:r>
+            <a:r>
+              <a:rPr lang="en-US" dirty="0" smtClean="0">
+                <a:solidFill>
+                  <a:schemeClr val="tx1">
+                    <a:lumMod val="50000"/>
+                    <a:lumOff val="50000"/>
+                  </a:schemeClr>
+                </a:solidFill>
+                <a:latin typeface="Arial" panose="020B0604020202020204" pitchFamily="34" charset="0"/>
+                <a:ea typeface="微软雅黑" panose="020B0503020204020204" pitchFamily="34" charset="-122"/>
+                <a:cs typeface="Clear Sans Light" panose="020B0303030202020304" pitchFamily="34" charset="0"/>
+                <a:sym typeface="Arial" panose="020B0604020202020204" pitchFamily="34" charset="0"/>
+              </a:rPr>
+              <a:t>he ratio of the number of the number of matching words in the product titles and search terms</a:t>
+            </a:r>
+          </a:p>
+          <a:p>
+            <a:pPr marL="285750" indent="-285750" algn="l">
+              <a:lnSpc>
+                <a:spcPct val="150000"/>
+              </a:lnSpc>
+              <a:buFont typeface="Arial" panose="020B0604020202020204" pitchFamily="34" charset="0"/>
+              <a:buChar char="•"/>
+            </a:pPr>
+            <a:r>
+              <a:rPr lang="en-US" altLang="zh-CN" dirty="0" err="1" smtClean="0">
+                <a:solidFill>
+                  <a:schemeClr val="tx1">
+                    <a:lumMod val="50000"/>
+                    <a:lumOff val="50000"/>
+                  </a:schemeClr>
+                </a:solidFill>
+                <a:latin typeface="Arial" panose="020B0604020202020204" pitchFamily="34" charset="0"/>
+                <a:ea typeface="微软雅黑" panose="020B0503020204020204" pitchFamily="34" charset="-122"/>
+                <a:cs typeface="Clear Sans Light" panose="020B0303030202020304" pitchFamily="34" charset="0"/>
+                <a:sym typeface="Arial" panose="020B0604020202020204" pitchFamily="34" charset="0"/>
+              </a:rPr>
+              <a:t>ft_sim_in_desc</a:t>
+            </a:r>
+            <a:r>
+              <a:rPr lang="en-US" altLang="zh-CN" dirty="0" smtClean="0">
+                <a:solidFill>
+                  <a:schemeClr val="tx1">
+                    <a:lumMod val="50000"/>
+                    <a:lumOff val="50000"/>
+                  </a:schemeClr>
+                </a:solidFill>
+                <a:latin typeface="Arial" panose="020B0604020202020204" pitchFamily="34" charset="0"/>
+                <a:ea typeface="微软雅黑" panose="020B0503020204020204" pitchFamily="34" charset="-122"/>
+                <a:cs typeface="Clear Sans Light" panose="020B0303030202020304" pitchFamily="34" charset="0"/>
+                <a:sym typeface="Arial" panose="020B0604020202020204" pitchFamily="34" charset="0"/>
+              </a:rPr>
+              <a:t>: the </a:t>
+            </a:r>
+            <a:r>
+              <a:rPr lang="en-US" altLang="zh-CN" dirty="0" err="1" smtClean="0">
+                <a:solidFill>
+                  <a:schemeClr val="tx1">
+                    <a:lumMod val="50000"/>
+                    <a:lumOff val="50000"/>
+                  </a:schemeClr>
+                </a:solidFill>
+                <a:latin typeface="Arial" panose="020B0604020202020204" pitchFamily="34" charset="0"/>
+                <a:ea typeface="微软雅黑" panose="020B0503020204020204" pitchFamily="34" charset="-122"/>
+                <a:cs typeface="Clear Sans Light" panose="020B0303030202020304" pitchFamily="34" charset="0"/>
+                <a:sym typeface="Arial" panose="020B0604020202020204" pitchFamily="34" charset="0"/>
+              </a:rPr>
+              <a:t>consine</a:t>
+            </a:r>
+            <a:r>
+              <a:rPr lang="en-US" altLang="zh-CN" dirty="0" smtClean="0">
+                <a:solidFill>
+                  <a:schemeClr val="tx1">
+                    <a:lumMod val="50000"/>
+                    <a:lumOff val="50000"/>
+                  </a:schemeClr>
+                </a:solidFill>
+                <a:latin typeface="Arial" panose="020B0604020202020204" pitchFamily="34" charset="0"/>
+                <a:ea typeface="微软雅黑" panose="020B0503020204020204" pitchFamily="34" charset="-122"/>
+                <a:cs typeface="Clear Sans Light" panose="020B0303030202020304" pitchFamily="34" charset="0"/>
+                <a:sym typeface="Arial" panose="020B0604020202020204" pitchFamily="34" charset="0"/>
+              </a:rPr>
+              <a:t> distance between product descriptions and search terms based on a </a:t>
+            </a:r>
+            <a:r>
+              <a:rPr lang="en-US" altLang="zh-CN" dirty="0" err="1" smtClean="0">
+                <a:solidFill>
+                  <a:schemeClr val="tx1">
+                    <a:lumMod val="50000"/>
+                    <a:lumOff val="50000"/>
+                  </a:schemeClr>
+                </a:solidFill>
+                <a:latin typeface="Arial" panose="020B0604020202020204" pitchFamily="34" charset="0"/>
+                <a:ea typeface="微软雅黑" panose="020B0503020204020204" pitchFamily="34" charset="-122"/>
+                <a:cs typeface="Clear Sans Light" panose="020B0303030202020304" pitchFamily="34" charset="0"/>
+                <a:sym typeface="Arial" panose="020B0604020202020204" pitchFamily="34" charset="0"/>
+              </a:rPr>
+              <a:t>FastText</a:t>
+            </a:r>
+            <a:r>
+              <a:rPr lang="en-US" altLang="zh-CN" dirty="0" smtClean="0">
+                <a:solidFill>
+                  <a:schemeClr val="tx1">
+                    <a:lumMod val="50000"/>
+                    <a:lumOff val="50000"/>
+                  </a:schemeClr>
+                </a:solidFill>
+                <a:latin typeface="Arial" panose="020B0604020202020204" pitchFamily="34" charset="0"/>
+                <a:ea typeface="微软雅黑" panose="020B0503020204020204" pitchFamily="34" charset="-122"/>
+                <a:cs typeface="Clear Sans Light" panose="020B0303030202020304" pitchFamily="34" charset="0"/>
+                <a:sym typeface="Arial" panose="020B0604020202020204" pitchFamily="34" charset="0"/>
+              </a:rPr>
+              <a:t> model</a:t>
+            </a:r>
+          </a:p>
+          <a:p>
+            <a:pPr marL="285750" indent="-285750" algn="l">
+              <a:lnSpc>
+                <a:spcPct val="150000"/>
+              </a:lnSpc>
+              <a:buFont typeface="Arial" panose="020B0604020202020204" pitchFamily="34" charset="0"/>
+              <a:buChar char="•"/>
+            </a:pPr>
+            <a:r>
+              <a:rPr lang="en-US" dirty="0" err="1" smtClean="0">
+                <a:solidFill>
+                  <a:schemeClr val="tx1">
+                    <a:lumMod val="50000"/>
+                    <a:lumOff val="50000"/>
+                  </a:schemeClr>
+                </a:solidFill>
+                <a:latin typeface="Arial" panose="020B0604020202020204" pitchFamily="34" charset="0"/>
+                <a:ea typeface="微软雅黑" panose="020B0503020204020204" pitchFamily="34" charset="-122"/>
+                <a:cs typeface="Clear Sans Light" panose="020B0303030202020304" pitchFamily="34" charset="0"/>
+                <a:sym typeface="Arial" panose="020B0604020202020204" pitchFamily="34" charset="0"/>
+              </a:rPr>
+              <a:t>product_uid</a:t>
+            </a:r>
+            <a:r>
+              <a:rPr lang="en-US" dirty="0" smtClean="0">
+                <a:solidFill>
+                  <a:schemeClr val="tx1">
+                    <a:lumMod val="50000"/>
+                    <a:lumOff val="50000"/>
+                  </a:schemeClr>
+                </a:solidFill>
+                <a:latin typeface="Arial" panose="020B0604020202020204" pitchFamily="34" charset="0"/>
+                <a:ea typeface="微软雅黑" panose="020B0503020204020204" pitchFamily="34" charset="-122"/>
+                <a:cs typeface="Clear Sans Light" panose="020B0303030202020304" pitchFamily="34" charset="0"/>
+                <a:sym typeface="Arial" panose="020B0604020202020204" pitchFamily="34" charset="0"/>
+              </a:rPr>
+              <a:t>: product ID</a:t>
+            </a:r>
+          </a:p>
+          <a:p>
+            <a:pPr marL="285750" indent="-285750" algn="l">
+              <a:lnSpc>
+                <a:spcPct val="150000"/>
+              </a:lnSpc>
+              <a:buFont typeface="Arial" panose="020B0604020202020204" pitchFamily="34" charset="0"/>
+              <a:buChar char="•"/>
+            </a:pPr>
+            <a:r>
+              <a:rPr lang="en-US" dirty="0" err="1" smtClean="0">
+                <a:solidFill>
+                  <a:schemeClr val="tx1">
+                    <a:lumMod val="50000"/>
+                    <a:lumOff val="50000"/>
+                  </a:schemeClr>
+                </a:solidFill>
+                <a:latin typeface="Arial" panose="020B0604020202020204" pitchFamily="34" charset="0"/>
+                <a:ea typeface="微软雅黑" panose="020B0503020204020204" pitchFamily="34" charset="-122"/>
+                <a:cs typeface="Clear Sans Light" panose="020B0303030202020304" pitchFamily="34" charset="0"/>
+                <a:sym typeface="Arial" panose="020B0604020202020204" pitchFamily="34" charset="0"/>
+              </a:rPr>
+              <a:t>leven_in_title</a:t>
+            </a:r>
+            <a:r>
+              <a:rPr lang="en-US" dirty="0" smtClean="0">
+                <a:solidFill>
+                  <a:schemeClr val="tx1">
+                    <a:lumMod val="50000"/>
+                    <a:lumOff val="50000"/>
+                  </a:schemeClr>
+                </a:solidFill>
+                <a:latin typeface="Arial" panose="020B0604020202020204" pitchFamily="34" charset="0"/>
+                <a:ea typeface="微软雅黑" panose="020B0503020204020204" pitchFamily="34" charset="-122"/>
+                <a:cs typeface="Clear Sans Light" panose="020B0303030202020304" pitchFamily="34" charset="0"/>
+                <a:sym typeface="Arial" panose="020B0604020202020204" pitchFamily="34" charset="0"/>
+              </a:rPr>
+              <a:t>: the </a:t>
+            </a:r>
+            <a:r>
+              <a:rPr lang="en-US" dirty="0" err="1" smtClean="0">
+                <a:solidFill>
+                  <a:schemeClr val="tx1">
+                    <a:lumMod val="50000"/>
+                    <a:lumOff val="50000"/>
+                  </a:schemeClr>
+                </a:solidFill>
+                <a:latin typeface="Arial" panose="020B0604020202020204" pitchFamily="34" charset="0"/>
+                <a:ea typeface="微软雅黑" panose="020B0503020204020204" pitchFamily="34" charset="-122"/>
+                <a:cs typeface="Clear Sans Light" panose="020B0303030202020304" pitchFamily="34" charset="0"/>
+                <a:sym typeface="Arial" panose="020B0604020202020204" pitchFamily="34" charset="0"/>
+              </a:rPr>
+              <a:t>Levenshtein</a:t>
+            </a:r>
+            <a:r>
+              <a:rPr lang="en-US" dirty="0" smtClean="0">
+                <a:solidFill>
+                  <a:schemeClr val="tx1">
+                    <a:lumMod val="50000"/>
+                    <a:lumOff val="50000"/>
+                  </a:schemeClr>
+                </a:solidFill>
+                <a:latin typeface="Arial" panose="020B0604020202020204" pitchFamily="34" charset="0"/>
+                <a:ea typeface="微软雅黑" panose="020B0503020204020204" pitchFamily="34" charset="-122"/>
+                <a:cs typeface="Clear Sans Light" panose="020B0303030202020304" pitchFamily="34" charset="0"/>
+                <a:sym typeface="Arial" panose="020B0604020202020204" pitchFamily="34" charset="0"/>
+              </a:rPr>
+              <a:t> distance between product titles and search terms</a:t>
+            </a:r>
+            <a:endParaRPr lang="en-US" dirty="0">
+              <a:solidFill>
+                <a:schemeClr val="tx1">
+                  <a:lumMod val="50000"/>
+                  <a:lumOff val="50000"/>
+                </a:schemeClr>
+              </a:solidFill>
+              <a:latin typeface="Arial" panose="020B0604020202020204" pitchFamily="34" charset="0"/>
+              <a:ea typeface="微软雅黑" panose="020B0503020204020204" pitchFamily="34" charset="-122"/>
+              <a:cs typeface="Clear Sans Light" panose="020B0303030202020304" pitchFamily="34" charset="0"/>
+              <a:sym typeface="Arial" panose="020B0604020202020204" pitchFamily="34" charset="0"/>
+            </a:endParaRPr>
           </a:p>
         </p:txBody>
       </p:sp>
@@ -15984,7 +16249,7 @@
                             </p:stCondLst>
                             <p:childTnLst>
                               <p:par>
-                                <p:cTn id="19" presetID="22" presetClass="entr" presetSubtype="2" fill="hold" nodeType="afterEffect">
+                                <p:cTn id="19" presetID="10" presetClass="entr" presetSubtype="0" fill="hold" grpId="0" nodeType="afterEffect">
                                   <p:stCondLst>
                                     <p:cond delay="0"/>
                                   </p:stCondLst>
@@ -15997,7 +16262,7 @@
                                           </p:stCondLst>
                                         </p:cTn>
                                         <p:tgtEl>
-                                          <p:spTgt spid="19"/>
+                                          <p:spTgt spid="17"/>
                                         </p:tgtEl>
                                         <p:attrNameLst>
                                           <p:attrName>style.visibility</p:attrName>
@@ -16007,143 +16272,11 @@
                                         <p:strVal val="visible"/>
                                       </p:to>
                                     </p:set>
-                                    <p:animEffect transition="in" filter="wipe(right)">
+                                    <p:animEffect transition="in" filter="fade">
                                       <p:cBhvr>
                                         <p:cTn id="21" dur="500"/>
                                         <p:tgtEl>
-                                          <p:spTgt spid="19"/>
-                                        </p:tgtEl>
-                                      </p:cBhvr>
-                                    </p:animEffect>
-                                  </p:childTnLst>
-                                </p:cTn>
-                              </p:par>
-                            </p:childTnLst>
-                          </p:cTn>
-                        </p:par>
-                        <p:par>
-                          <p:cTn id="22" fill="hold">
-                            <p:stCondLst>
-                              <p:cond delay="2500"/>
-                            </p:stCondLst>
-                            <p:childTnLst>
-                              <p:par>
-                                <p:cTn id="23" presetID="22" presetClass="entr" presetSubtype="8" fill="hold" nodeType="afterEffect">
-                                  <p:stCondLst>
-                                    <p:cond delay="0"/>
-                                  </p:stCondLst>
-                                  <p:childTnLst>
-                                    <p:set>
-                                      <p:cBhvr>
-                                        <p:cTn id="24" dur="1" fill="hold">
-                                          <p:stCondLst>
-                                            <p:cond delay="0"/>
-                                          </p:stCondLst>
-                                        </p:cTn>
-                                        <p:tgtEl>
-                                          <p:spTgt spid="10"/>
-                                        </p:tgtEl>
-                                        <p:attrNameLst>
-                                          <p:attrName>style.visibility</p:attrName>
-                                        </p:attrNameLst>
-                                      </p:cBhvr>
-                                      <p:to>
-                                        <p:strVal val="visible"/>
-                                      </p:to>
-                                    </p:set>
-                                    <p:animEffect transition="in" filter="wipe(left)">
-                                      <p:cBhvr>
-                                        <p:cTn id="25" dur="500"/>
-                                        <p:tgtEl>
-                                          <p:spTgt spid="10"/>
-                                        </p:tgtEl>
-                                      </p:cBhvr>
-                                    </p:animEffect>
-                                  </p:childTnLst>
-                                </p:cTn>
-                              </p:par>
-                            </p:childTnLst>
-                          </p:cTn>
-                        </p:par>
-                        <p:par>
-                          <p:cTn id="26" fill="hold">
-                            <p:stCondLst>
-                              <p:cond delay="3000"/>
-                            </p:stCondLst>
-                            <p:childTnLst>
-                              <p:par>
-                                <p:cTn id="27" presetID="22" presetClass="entr" presetSubtype="2" fill="hold" nodeType="afterEffect">
-                                  <p:stCondLst>
-                                    <p:cond delay="0"/>
-                                  </p:stCondLst>
-                                  <p:childTnLst>
-                                    <p:set>
-                                      <p:cBhvr>
-                                        <p:cTn id="28" dur="1" fill="hold">
-                                          <p:stCondLst>
-                                            <p:cond delay="0"/>
-                                          </p:stCondLst>
-                                        </p:cTn>
-                                        <p:tgtEl>
-                                          <p:spTgt spid="22"/>
-                                        </p:tgtEl>
-                                        <p:attrNameLst>
-                                          <p:attrName>style.visibility</p:attrName>
-                                        </p:attrNameLst>
-                                      </p:cBhvr>
-                                      <p:to>
-                                        <p:strVal val="visible"/>
-                                      </p:to>
-                                    </p:set>
-                                    <p:animEffect transition="in" filter="wipe(right)">
-                                      <p:cBhvr>
-                                        <p:cTn id="29" dur="500"/>
-                                        <p:tgtEl>
-                                          <p:spTgt spid="22"/>
-                                        </p:tgtEl>
-                                      </p:cBhvr>
-                                    </p:animEffect>
-                                  </p:childTnLst>
-                                </p:cTn>
-                              </p:par>
-                            </p:childTnLst>
-                          </p:cTn>
-                        </p:par>
-                        <p:par>
-                          <p:cTn id="30" fill="hold">
-                            <p:stCondLst>
-                              <p:cond delay="3500"/>
-                            </p:stCondLst>
-                            <p:childTnLst>
-                              <p:par>
-                                <p:cTn id="31" presetID="22" presetClass="entr" presetSubtype="2" fill="hold" nodeType="afterEffect">
-                                  <p:stCondLst>
-                                    <p:cond delay="0"/>
-                                  </p:stCondLst>
-                                  <p:childTnLst>
-                                    <p:set>
-                                      <p:cBhvr>
-                                        <p:cTn id="32" dur="1" fill="hold">
-                                          <p:stCondLst>
-                                            <p:cond delay="0"/>
-                                          </p:stCondLst>
-                                        </p:cTn>
-                                        <p:tgtEl>
-                                          <p:spTgt spid="25"/>
-                                        </p:tgtEl>
-                                        <p:attrNameLst>
-                                          <p:attrName>style.visibility</p:attrName>
-                                        </p:attrNameLst>
-                                      </p:cBhvr>
-                                      <p:to>
-                                        <p:strVal val="visible"/>
-                                      </p:to>
-                                    </p:set>
-                                    <p:animEffect transition="in" filter="wipe(right)">
-                                      <p:cBhvr>
-                                        <p:cTn id="33" dur="500"/>
-                                        <p:tgtEl>
-                                          <p:spTgt spid="25"/>
+                                          <p:spTgt spid="17"/>
                                         </p:tgtEl>
                                       </p:cBhvr>
                                     </p:animEffect>
@@ -16181,6 +16314,7 @@
       <p:bldP spid="2" grpId="0" bldLvl="0" animBg="1"/>
       <p:bldP spid="100" grpId="0"/>
       <p:bldP spid="101" grpId="0"/>
+      <p:bldP spid="17" grpId="0"/>
     </p:bldLst>
   </p:timing>
 </p:sld>
@@ -16253,154 +16387,6 @@
           </a:p>
         </p:txBody>
       </p:sp>
-      <p:grpSp>
-        <p:nvGrpSpPr>
-          <p:cNvPr id="13" name="Group 12"/>
-          <p:cNvGrpSpPr/>
-          <p:nvPr/>
-        </p:nvGrpSpPr>
-        <p:grpSpPr>
-          <a:xfrm>
-            <a:off x="1842135" y="318770"/>
-            <a:ext cx="4153535" cy="1817497"/>
-            <a:chOff x="8689521" y="2412324"/>
-            <a:chExt cx="2372434" cy="1817734"/>
-          </a:xfrm>
-        </p:grpSpPr>
-        <p:sp>
-          <p:nvSpPr>
-            <p:cNvPr id="14" name="TextBox 13"/>
-            <p:cNvSpPr txBox="1"/>
-            <p:nvPr/>
-          </p:nvSpPr>
-          <p:spPr>
-            <a:xfrm>
-              <a:off x="8689522" y="2412324"/>
-              <a:ext cx="1854835" cy="337229"/>
-            </a:xfrm>
-            <a:prstGeom prst="rect">
-              <a:avLst/>
-            </a:prstGeom>
-            <a:noFill/>
-          </p:spPr>
-          <p:txBody>
-            <a:bodyPr wrap="square" rtlCol="0">
-              <a:spAutoFit/>
-            </a:bodyPr>
-            <a:lstStyle/>
-            <a:p>
-              <a:pPr algn="l" fontAlgn="base">
-                <a:spcBef>
-                  <a:spcPct val="0"/>
-                </a:spcBef>
-                <a:spcAft>
-                  <a:spcPct val="0"/>
-                </a:spcAft>
-              </a:pPr>
-              <a:r>
-                <a:rPr lang="en-US" sz="1600" b="1" dirty="0">
-                  <a:solidFill>
-                    <a:schemeClr val="tx1">
-                      <a:lumMod val="65000"/>
-                      <a:lumOff val="35000"/>
-                    </a:schemeClr>
-                  </a:solidFill>
-                  <a:latin typeface="Arial" panose="020B0604020202020204" pitchFamily="34" charset="0"/>
-                  <a:ea typeface="微软雅黑" panose="020B0503020204020204" pitchFamily="34" charset="-122"/>
-                  <a:cs typeface="Clear Sans" panose="020B0503030202020304" pitchFamily="34" charset="0"/>
-                  <a:sym typeface="Arial" panose="020B0604020202020204" pitchFamily="34" charset="0"/>
-                </a:rPr>
-                <a:t>Jaccard Distance</a:t>
-              </a:r>
-            </a:p>
-          </p:txBody>
-        </p:sp>
-        <p:sp>
-          <p:nvSpPr>
-            <p:cNvPr id="15" name="Rectangle 14"/>
-            <p:cNvSpPr/>
-            <p:nvPr/>
-          </p:nvSpPr>
-          <p:spPr>
-            <a:xfrm>
-              <a:off x="8689521" y="2661404"/>
-              <a:ext cx="2372434" cy="1568654"/>
-            </a:xfrm>
-            <a:prstGeom prst="rect">
-              <a:avLst/>
-            </a:prstGeom>
-          </p:spPr>
-          <p:txBody>
-            <a:bodyPr wrap="square">
-              <a:spAutoFit/>
-            </a:bodyPr>
-            <a:lstStyle/>
-            <a:p>
-              <a:pPr marL="171450" indent="-171450">
-                <a:buFont typeface="Arial" panose="020B0604020202020204" pitchFamily="34" charset="0"/>
-                <a:buChar char="•"/>
-              </a:pPr>
-              <a:r>
-                <a:rPr lang="en-US" sz="1600">
-                  <a:solidFill>
-                    <a:schemeClr val="tx1">
-                      <a:lumMod val="50000"/>
-                      <a:lumOff val="50000"/>
-                    </a:schemeClr>
-                  </a:solidFill>
-                  <a:latin typeface="Arial" panose="020B0604020202020204" pitchFamily="34" charset="0"/>
-                  <a:ea typeface="微软雅黑" panose="020B0503020204020204" pitchFamily="34" charset="-122"/>
-                  <a:cs typeface="Clear Sans Light" panose="020B0303030202020304" pitchFamily="34" charset="0"/>
-                  <a:sym typeface="Arial" panose="020B0604020202020204" pitchFamily="34" charset="0"/>
-                </a:rPr>
-                <a:t>the Jaccard distance between product titles and search terms</a:t>
-              </a:r>
-            </a:p>
-            <a:p>
-              <a:pPr marL="171450" indent="-171450">
-                <a:buFont typeface="Arial" panose="020B0604020202020204" pitchFamily="34" charset="0"/>
-                <a:buChar char="•"/>
-              </a:pPr>
-              <a:r>
-                <a:rPr lang="en-US" sz="1600">
-                  <a:solidFill>
-                    <a:schemeClr val="tx1">
-                      <a:lumMod val="50000"/>
-                      <a:lumOff val="50000"/>
-                    </a:schemeClr>
-                  </a:solidFill>
-                  <a:latin typeface="Arial" panose="020B0604020202020204" pitchFamily="34" charset="0"/>
-                  <a:ea typeface="微软雅黑" panose="020B0503020204020204" pitchFamily="34" charset="-122"/>
-                  <a:cs typeface="Clear Sans Light" panose="020B0303030202020304" pitchFamily="34" charset="0"/>
-                  <a:sym typeface="Arial" panose="020B0604020202020204" pitchFamily="34" charset="0"/>
-                </a:rPr>
-                <a:t>the Jaccard distance between product descriptions and search terms</a:t>
-              </a:r>
-            </a:p>
-            <a:p>
-              <a:pPr marL="171450" indent="-171450">
-                <a:buFont typeface="Arial" panose="020B0604020202020204" pitchFamily="34" charset="0"/>
-                <a:buChar char="•"/>
-              </a:pPr>
-              <a:r>
-                <a:rPr lang="en-US" sz="1600">
-                  <a:solidFill>
-                    <a:schemeClr val="tx1">
-                      <a:lumMod val="50000"/>
-                      <a:lumOff val="50000"/>
-                    </a:schemeClr>
-                  </a:solidFill>
-                  <a:latin typeface="Arial" panose="020B0604020202020204" pitchFamily="34" charset="0"/>
-                  <a:ea typeface="微软雅黑" panose="020B0503020204020204" pitchFamily="34" charset="-122"/>
-                  <a:cs typeface="Clear Sans Light" panose="020B0303030202020304" pitchFamily="34" charset="0"/>
-                  <a:sym typeface="Arial" panose="020B0604020202020204" pitchFamily="34" charset="0"/>
-                </a:rPr>
-                <a:t>the Jaccard distance between product attributes and search terms</a:t>
-              </a:r>
-            </a:p>
-          </p:txBody>
-        </p:sp>
-      </p:grpSp>
       <p:sp>
         <p:nvSpPr>
           <p:cNvPr id="100" name="Rectangle 99"/>
@@ -16409,8 +16395,8 @@
         </p:nvSpPr>
         <p:spPr>
           <a:xfrm>
-            <a:off x="3751745" y="4964056"/>
-            <a:ext cx="4688528" cy="768350"/>
+            <a:off x="2195560" y="4810709"/>
+            <a:ext cx="7930994" cy="769441"/>
           </a:xfrm>
           <a:prstGeom prst="rect">
             <a:avLst/>
@@ -16424,7 +16410,7 @@
           <a:p>
             <a:pPr algn="ctr"/>
             <a:r>
-              <a:rPr lang="en-US" sz="4400" b="1" dirty="0">
+              <a:rPr lang="en-US" sz="4400" b="1" dirty="0" smtClean="0">
                 <a:solidFill>
                   <a:schemeClr val="bg1"/>
                 </a:solidFill>
@@ -16432,7 +16418,18 @@
                 <a:ea typeface="微软雅黑" panose="020B0503020204020204" pitchFamily="34" charset="-122"/>
                 <a:sym typeface="Arial" panose="020B0604020202020204" pitchFamily="34" charset="0"/>
               </a:rPr>
-              <a:t>Features</a:t>
+              <a:t>Features for </a:t>
+            </a:r>
+            <a:r>
+              <a:rPr lang="en-US" sz="4400" b="1" dirty="0" err="1" smtClean="0">
+                <a:solidFill>
+                  <a:schemeClr val="bg1"/>
+                </a:solidFill>
+                <a:latin typeface="Arial" panose="020B0604020202020204" pitchFamily="34" charset="0"/>
+                <a:ea typeface="微软雅黑" panose="020B0503020204020204" pitchFamily="34" charset="-122"/>
+                <a:sym typeface="Arial" panose="020B0604020202020204" pitchFamily="34" charset="0"/>
+              </a:rPr>
+              <a:t>LightGBM</a:t>
             </a:r>
             <a:endParaRPr lang="ar-SA" sz="4400" b="1" dirty="0">
               <a:solidFill>
@@ -16520,302 +16517,292 @@
           </a:p>
         </p:txBody>
       </p:sp>
-      <p:grpSp>
-        <p:nvGrpSpPr>
-          <p:cNvPr id="160" name="Group 159"/>
-          <p:cNvGrpSpPr/>
+      <p:sp>
+        <p:nvSpPr>
+          <p:cNvPr id="17" name="TextBox 16"/>
+          <p:cNvSpPr txBox="1"/>
           <p:nvPr/>
-        </p:nvGrpSpPr>
-        <p:grpSpPr>
+        </p:nvSpPr>
+        <p:spPr>
           <a:xfrm>
-            <a:off x="1842135" y="2202180"/>
-            <a:ext cx="4153535" cy="1817497"/>
-            <a:chOff x="8689521" y="2412324"/>
-            <a:chExt cx="2372434" cy="1817734"/>
+            <a:off x="369167" y="1306286"/>
+            <a:ext cx="6735891" cy="1754326"/>
           </a:xfrm>
-        </p:grpSpPr>
-        <p:sp>
-          <p:nvSpPr>
-            <p:cNvPr id="161" name="TextBox 13"/>
-            <p:cNvSpPr txBox="1"/>
-            <p:nvPr/>
-          </p:nvSpPr>
-          <p:spPr>
-            <a:xfrm>
-              <a:off x="8689522" y="2412324"/>
-              <a:ext cx="1854835" cy="337229"/>
-            </a:xfrm>
-            <a:prstGeom prst="rect">
-              <a:avLst/>
-            </a:prstGeom>
+          <a:prstGeom prst="rect">
+            <a:avLst/>
+          </a:prstGeom>
+          <a:noFill/>
+        </p:spPr>
+        <p:txBody>
+          <a:bodyPr wrap="square" rtlCol="0">
+            <a:spAutoFit/>
+          </a:bodyPr>
+          <a:lstStyle/>
+          <a:p>
+            <a:pPr marL="285750" indent="-285750" algn="l">
+              <a:lnSpc>
+                <a:spcPct val="150000"/>
+              </a:lnSpc>
+              <a:buFont typeface="Arial" panose="020B0604020202020204" pitchFamily="34" charset="0"/>
+              <a:buChar char="•"/>
+            </a:pPr>
+            <a:r>
+              <a:rPr lang="en-US" dirty="0" smtClean="0">
+                <a:solidFill>
+                  <a:schemeClr val="tx1">
+                    <a:lumMod val="50000"/>
+                    <a:lumOff val="50000"/>
+                  </a:schemeClr>
+                </a:solidFill>
+                <a:latin typeface="Arial" panose="020B0604020202020204" pitchFamily="34" charset="0"/>
+                <a:ea typeface="微软雅黑" panose="020B0503020204020204" pitchFamily="34" charset="-122"/>
+                <a:cs typeface="Clear Sans Light" panose="020B0303030202020304" pitchFamily="34" charset="0"/>
+                <a:sym typeface="Arial" panose="020B0604020202020204" pitchFamily="34" charset="0"/>
+              </a:rPr>
+              <a:t>Top 4 important features for </a:t>
+            </a:r>
+            <a:r>
+              <a:rPr lang="en-US" dirty="0" err="1" smtClean="0">
+                <a:solidFill>
+                  <a:schemeClr val="tx1">
+                    <a:lumMod val="50000"/>
+                    <a:lumOff val="50000"/>
+                  </a:schemeClr>
+                </a:solidFill>
+                <a:latin typeface="Arial" panose="020B0604020202020204" pitchFamily="34" charset="0"/>
+                <a:ea typeface="微软雅黑" panose="020B0503020204020204" pitchFamily="34" charset="-122"/>
+                <a:cs typeface="Clear Sans Light" panose="020B0303030202020304" pitchFamily="34" charset="0"/>
+                <a:sym typeface="Arial" panose="020B0604020202020204" pitchFamily="34" charset="0"/>
+              </a:rPr>
+              <a:t>LightGBM</a:t>
+            </a:r>
+            <a:r>
+              <a:rPr lang="en-US" dirty="0" smtClean="0">
+                <a:solidFill>
+                  <a:schemeClr val="tx1">
+                    <a:lumMod val="50000"/>
+                    <a:lumOff val="50000"/>
+                  </a:schemeClr>
+                </a:solidFill>
+                <a:latin typeface="Arial" panose="020B0604020202020204" pitchFamily="34" charset="0"/>
+                <a:ea typeface="微软雅黑" panose="020B0503020204020204" pitchFamily="34" charset="-122"/>
+                <a:cs typeface="Clear Sans Light" panose="020B0303030202020304" pitchFamily="34" charset="0"/>
+                <a:sym typeface="Arial" panose="020B0604020202020204" pitchFamily="34" charset="0"/>
+              </a:rPr>
+              <a:t> model</a:t>
+            </a:r>
+          </a:p>
+          <a:p>
+            <a:pPr marL="285750" indent="-285750" algn="l">
+              <a:lnSpc>
+                <a:spcPct val="150000"/>
+              </a:lnSpc>
+              <a:buFont typeface="Arial" panose="020B0604020202020204" pitchFamily="34" charset="0"/>
+              <a:buChar char="•"/>
+            </a:pPr>
+            <a:r>
+              <a:rPr lang="en-US" dirty="0" err="1" smtClean="0">
+                <a:solidFill>
+                  <a:schemeClr val="tx1">
+                    <a:lumMod val="50000"/>
+                    <a:lumOff val="50000"/>
+                  </a:schemeClr>
+                </a:solidFill>
+                <a:latin typeface="Arial" panose="020B0604020202020204" pitchFamily="34" charset="0"/>
+                <a:ea typeface="微软雅黑" panose="020B0503020204020204" pitchFamily="34" charset="-122"/>
+                <a:cs typeface="Clear Sans Light" panose="020B0303030202020304" pitchFamily="34" charset="0"/>
+                <a:sym typeface="Arial" panose="020B0604020202020204" pitchFamily="34" charset="0"/>
+              </a:rPr>
+              <a:t>leven_in</a:t>
+            </a:r>
+            <a:r>
+              <a:rPr lang="en-US" dirty="0" err="1" smtClean="0">
+                <a:solidFill>
+                  <a:schemeClr val="tx1">
+                    <a:lumMod val="50000"/>
+                    <a:lumOff val="50000"/>
+                  </a:schemeClr>
+                </a:solidFill>
+                <a:latin typeface="Arial" panose="020B0604020202020204" pitchFamily="34" charset="0"/>
+                <a:ea typeface="微软雅黑" panose="020B0503020204020204" pitchFamily="34" charset="-122"/>
+                <a:cs typeface="Clear Sans Light" panose="020B0303030202020304" pitchFamily="34" charset="0"/>
+                <a:sym typeface="Arial" panose="020B0604020202020204" pitchFamily="34" charset="0"/>
+              </a:rPr>
+              <a:t>_titile</a:t>
+            </a:r>
+            <a:r>
+              <a:rPr lang="en-US" dirty="0" smtClean="0">
+                <a:solidFill>
+                  <a:schemeClr val="tx1">
+                    <a:lumMod val="50000"/>
+                    <a:lumOff val="50000"/>
+                  </a:schemeClr>
+                </a:solidFill>
+                <a:latin typeface="Arial" panose="020B0604020202020204" pitchFamily="34" charset="0"/>
+                <a:ea typeface="微软雅黑" panose="020B0503020204020204" pitchFamily="34" charset="-122"/>
+                <a:cs typeface="Clear Sans Light" panose="020B0303030202020304" pitchFamily="34" charset="0"/>
+                <a:sym typeface="Arial" panose="020B0604020202020204" pitchFamily="34" charset="0"/>
+              </a:rPr>
+              <a:t>, </a:t>
+            </a:r>
+            <a:r>
+              <a:rPr lang="en-US" dirty="0" err="1" smtClean="0">
+                <a:solidFill>
+                  <a:schemeClr val="tx1">
+                    <a:lumMod val="50000"/>
+                    <a:lumOff val="50000"/>
+                  </a:schemeClr>
+                </a:solidFill>
+                <a:latin typeface="Arial" panose="020B0604020202020204" pitchFamily="34" charset="0"/>
+                <a:ea typeface="微软雅黑" panose="020B0503020204020204" pitchFamily="34" charset="-122"/>
+                <a:cs typeface="Clear Sans Light" panose="020B0303030202020304" pitchFamily="34" charset="0"/>
+                <a:sym typeface="Arial" panose="020B0604020202020204" pitchFamily="34" charset="0"/>
+              </a:rPr>
+              <a:t>ft_sim_in_desc</a:t>
+            </a:r>
+            <a:r>
+              <a:rPr lang="en-US" dirty="0" smtClean="0">
+                <a:solidFill>
+                  <a:schemeClr val="tx1">
+                    <a:lumMod val="50000"/>
+                    <a:lumOff val="50000"/>
+                  </a:schemeClr>
+                </a:solidFill>
+                <a:latin typeface="Arial" panose="020B0604020202020204" pitchFamily="34" charset="0"/>
+                <a:ea typeface="微软雅黑" panose="020B0503020204020204" pitchFamily="34" charset="-122"/>
+                <a:cs typeface="Clear Sans Light" panose="020B0303030202020304" pitchFamily="34" charset="0"/>
+                <a:sym typeface="Arial" panose="020B0604020202020204" pitchFamily="34" charset="0"/>
+              </a:rPr>
+              <a:t>, and </a:t>
+            </a:r>
+            <a:r>
+              <a:rPr lang="en-US" dirty="0" err="1" smtClean="0">
+                <a:solidFill>
+                  <a:schemeClr val="tx1">
+                    <a:lumMod val="50000"/>
+                    <a:lumOff val="50000"/>
+                  </a:schemeClr>
+                </a:solidFill>
+                <a:latin typeface="Arial" panose="020B0604020202020204" pitchFamily="34" charset="0"/>
+                <a:ea typeface="微软雅黑" panose="020B0503020204020204" pitchFamily="34" charset="-122"/>
+                <a:cs typeface="Clear Sans Light" panose="020B0303030202020304" pitchFamily="34" charset="0"/>
+                <a:sym typeface="Arial" panose="020B0604020202020204" pitchFamily="34" charset="0"/>
+              </a:rPr>
+              <a:t>product_uid</a:t>
+            </a:r>
+            <a:r>
+              <a:rPr lang="en-US" dirty="0" smtClean="0">
+                <a:solidFill>
+                  <a:schemeClr val="tx1">
+                    <a:lumMod val="50000"/>
+                    <a:lumOff val="50000"/>
+                  </a:schemeClr>
+                </a:solidFill>
+                <a:latin typeface="Arial" panose="020B0604020202020204" pitchFamily="34" charset="0"/>
+                <a:ea typeface="微软雅黑" panose="020B0503020204020204" pitchFamily="34" charset="-122"/>
+                <a:cs typeface="Clear Sans Light" panose="020B0303030202020304" pitchFamily="34" charset="0"/>
+                <a:sym typeface="Arial" panose="020B0604020202020204" pitchFamily="34" charset="0"/>
+              </a:rPr>
+              <a:t> are both important in random forest and </a:t>
+            </a:r>
+            <a:r>
+              <a:rPr lang="en-US" dirty="0" err="1" smtClean="0">
+                <a:solidFill>
+                  <a:schemeClr val="tx1">
+                    <a:lumMod val="50000"/>
+                    <a:lumOff val="50000"/>
+                  </a:schemeClr>
+                </a:solidFill>
+                <a:latin typeface="Arial" panose="020B0604020202020204" pitchFamily="34" charset="0"/>
+                <a:ea typeface="微软雅黑" panose="020B0503020204020204" pitchFamily="34" charset="-122"/>
+                <a:cs typeface="Clear Sans Light" panose="020B0303030202020304" pitchFamily="34" charset="0"/>
+                <a:sym typeface="Arial" panose="020B0604020202020204" pitchFamily="34" charset="0"/>
+              </a:rPr>
+              <a:t>lightGBM</a:t>
+            </a:r>
+            <a:r>
+              <a:rPr lang="en-US" dirty="0" smtClean="0">
+                <a:solidFill>
+                  <a:schemeClr val="tx1">
+                    <a:lumMod val="50000"/>
+                    <a:lumOff val="50000"/>
+                  </a:schemeClr>
+                </a:solidFill>
+                <a:latin typeface="Arial" panose="020B0604020202020204" pitchFamily="34" charset="0"/>
+                <a:ea typeface="微软雅黑" panose="020B0503020204020204" pitchFamily="34" charset="-122"/>
+                <a:cs typeface="Clear Sans Light" panose="020B0303030202020304" pitchFamily="34" charset="0"/>
+                <a:sym typeface="Arial" panose="020B0604020202020204" pitchFamily="34" charset="0"/>
+              </a:rPr>
+              <a:t> model</a:t>
+            </a:r>
+            <a:endParaRPr lang="en-US" dirty="0" smtClean="0">
+              <a:solidFill>
+                <a:schemeClr val="tx1">
+                  <a:lumMod val="50000"/>
+                  <a:lumOff val="50000"/>
+                </a:schemeClr>
+              </a:solidFill>
+              <a:latin typeface="Arial" panose="020B0604020202020204" pitchFamily="34" charset="0"/>
+              <a:ea typeface="微软雅黑" panose="020B0503020204020204" pitchFamily="34" charset="-122"/>
+              <a:cs typeface="Clear Sans Light" panose="020B0303030202020304" pitchFamily="34" charset="0"/>
+              <a:sym typeface="Arial" panose="020B0604020202020204" pitchFamily="34" charset="0"/>
+            </a:endParaRPr>
+          </a:p>
+          <a:p>
+            <a:pPr marL="285750" indent="-285750" algn="l">
+              <a:lnSpc>
+                <a:spcPct val="150000"/>
+              </a:lnSpc>
+              <a:buFont typeface="Arial" panose="020B0604020202020204" pitchFamily="34" charset="0"/>
+              <a:buChar char="•"/>
+            </a:pPr>
+            <a:endParaRPr lang="en-US" dirty="0" smtClean="0">
+              <a:solidFill>
+                <a:schemeClr val="tx1">
+                  <a:lumMod val="50000"/>
+                  <a:lumOff val="50000"/>
+                </a:schemeClr>
+              </a:solidFill>
+              <a:latin typeface="Arial" panose="020B0604020202020204" pitchFamily="34" charset="0"/>
+              <a:ea typeface="微软雅黑" panose="020B0503020204020204" pitchFamily="34" charset="-122"/>
+              <a:cs typeface="Clear Sans Light" panose="020B0303030202020304" pitchFamily="34" charset="0"/>
+              <a:sym typeface="Arial" panose="020B0604020202020204" pitchFamily="34" charset="0"/>
+            </a:endParaRPr>
+          </a:p>
+        </p:txBody>
+      </p:sp>
+      <p:pic>
+        <p:nvPicPr>
+          <p:cNvPr id="3075" name="Picture 3"/>
+          <p:cNvPicPr>
+            <a:picLocks noChangeAspect="1" noChangeArrowheads="1"/>
+          </p:cNvPicPr>
+          <p:nvPr/>
+        </p:nvPicPr>
+        <p:blipFill>
+          <a:blip r:embed="rId2" cstate="print"/>
+          <a:srcRect/>
+          <a:stretch>
+            <a:fillRect/>
+          </a:stretch>
+        </p:blipFill>
+        <p:spPr bwMode="auto">
+          <a:xfrm>
+            <a:off x="6740417" y="1380829"/>
+            <a:ext cx="4333875" cy="1143000"/>
+          </a:xfrm>
+          <a:prstGeom prst="rect">
+            <a:avLst/>
+          </a:prstGeom>
+          <a:noFill/>
+          <a:ln w="9525">
             <a:noFill/>
-          </p:spPr>
-          <p:txBody>
-            <a:bodyPr wrap="square" rtlCol="0">
-              <a:spAutoFit/>
-            </a:bodyPr>
-            <a:lstStyle/>
-            <a:p>
-              <a:pPr algn="l" fontAlgn="base">
-                <a:spcBef>
-                  <a:spcPct val="0"/>
-                </a:spcBef>
-                <a:spcAft>
-                  <a:spcPct val="0"/>
-                </a:spcAft>
-              </a:pPr>
-              <a:r>
-                <a:rPr lang="en-US" sz="1600" b="1" dirty="0">
-                  <a:solidFill>
-                    <a:schemeClr val="tx1">
-                      <a:lumMod val="65000"/>
-                      <a:lumOff val="35000"/>
-                    </a:schemeClr>
-                  </a:solidFill>
-                  <a:latin typeface="Arial" panose="020B0604020202020204" pitchFamily="34" charset="0"/>
-                  <a:ea typeface="微软雅黑" panose="020B0503020204020204" pitchFamily="34" charset="-122"/>
-                  <a:cs typeface="Clear Sans" panose="020B0503030202020304" pitchFamily="34" charset="0"/>
-                  <a:sym typeface="Arial" panose="020B0604020202020204" pitchFamily="34" charset="0"/>
-                </a:rPr>
-                <a:t>Levenshtein Distance</a:t>
-              </a:r>
-            </a:p>
-          </p:txBody>
-        </p:sp>
-        <p:sp>
-          <p:nvSpPr>
-            <p:cNvPr id="162" name="Rectangle 161"/>
-            <p:cNvSpPr/>
-            <p:nvPr/>
-          </p:nvSpPr>
-          <p:spPr>
-            <a:xfrm>
-              <a:off x="8689521" y="2661404"/>
-              <a:ext cx="2372434" cy="1568654"/>
-            </a:xfrm>
-            <a:prstGeom prst="rect">
-              <a:avLst/>
-            </a:prstGeom>
-          </p:spPr>
-          <p:txBody>
-            <a:bodyPr wrap="square">
-              <a:spAutoFit/>
-            </a:bodyPr>
-            <a:lstStyle/>
-            <a:p>
-              <a:pPr marL="171450" indent="-171450">
-                <a:buFont typeface="Arial" panose="020B0604020202020204" pitchFamily="34" charset="0"/>
-                <a:buChar char="•"/>
-              </a:pPr>
-              <a:r>
-                <a:rPr lang="en-US" sz="1600">
-                  <a:solidFill>
-                    <a:schemeClr val="tx1">
-                      <a:lumMod val="50000"/>
-                      <a:lumOff val="50000"/>
-                    </a:schemeClr>
-                  </a:solidFill>
-                  <a:latin typeface="Arial" panose="020B0604020202020204" pitchFamily="34" charset="0"/>
-                  <a:ea typeface="微软雅黑" panose="020B0503020204020204" pitchFamily="34" charset="-122"/>
-                  <a:cs typeface="Clear Sans Light" panose="020B0303030202020304" pitchFamily="34" charset="0"/>
-                  <a:sym typeface="Arial" panose="020B0604020202020204" pitchFamily="34" charset="0"/>
-                </a:rPr>
-                <a:t>the Levenshtein distance between product titles and search terms</a:t>
-              </a:r>
-            </a:p>
-            <a:p>
-              <a:pPr marL="171450" indent="-171450">
-                <a:buFont typeface="Arial" panose="020B0604020202020204" pitchFamily="34" charset="0"/>
-                <a:buChar char="•"/>
-              </a:pPr>
-              <a:r>
-                <a:rPr lang="en-US" sz="1600">
-                  <a:solidFill>
-                    <a:schemeClr val="tx1">
-                      <a:lumMod val="50000"/>
-                      <a:lumOff val="50000"/>
-                    </a:schemeClr>
-                  </a:solidFill>
-                  <a:latin typeface="Arial" panose="020B0604020202020204" pitchFamily="34" charset="0"/>
-                  <a:ea typeface="微软雅黑" panose="020B0503020204020204" pitchFamily="34" charset="-122"/>
-                  <a:cs typeface="Clear Sans Light" panose="020B0303030202020304" pitchFamily="34" charset="0"/>
-                  <a:sym typeface="Arial" panose="020B0604020202020204" pitchFamily="34" charset="0"/>
-                </a:rPr>
-                <a:t>the Levenshtein distance between product descriptions and search terms</a:t>
-              </a:r>
-            </a:p>
-            <a:p>
-              <a:pPr marL="171450" indent="-171450">
-                <a:buFont typeface="Arial" panose="020B0604020202020204" pitchFamily="34" charset="0"/>
-                <a:buChar char="•"/>
-              </a:pPr>
-              <a:r>
-                <a:rPr lang="en-US" sz="1600">
-                  <a:solidFill>
-                    <a:schemeClr val="tx1">
-                      <a:lumMod val="50000"/>
-                      <a:lumOff val="50000"/>
-                    </a:schemeClr>
-                  </a:solidFill>
-                  <a:latin typeface="Arial" panose="020B0604020202020204" pitchFamily="34" charset="0"/>
-                  <a:ea typeface="微软雅黑" panose="020B0503020204020204" pitchFamily="34" charset="-122"/>
-                  <a:cs typeface="Clear Sans Light" panose="020B0303030202020304" pitchFamily="34" charset="0"/>
-                  <a:sym typeface="Arial" panose="020B0604020202020204" pitchFamily="34" charset="0"/>
-                </a:rPr>
-                <a:t>the Levenshtein distance between product attributes and search terms</a:t>
-              </a:r>
-            </a:p>
-          </p:txBody>
-        </p:sp>
-      </p:grpSp>
-      <p:grpSp>
-        <p:nvGrpSpPr>
-          <p:cNvPr id="163" name="Group 162"/>
-          <p:cNvGrpSpPr/>
-          <p:nvPr/>
-        </p:nvGrpSpPr>
-        <p:grpSpPr>
-          <a:xfrm>
-            <a:off x="6196965" y="227330"/>
-            <a:ext cx="4957445" cy="2644451"/>
-            <a:chOff x="8689521" y="2412324"/>
-            <a:chExt cx="2372939" cy="1191620"/>
-          </a:xfrm>
-        </p:grpSpPr>
-        <p:sp>
-          <p:nvSpPr>
-            <p:cNvPr id="164" name="TextBox 13"/>
-            <p:cNvSpPr txBox="1"/>
-            <p:nvPr/>
-          </p:nvSpPr>
-          <p:spPr>
-            <a:xfrm>
-              <a:off x="8689521" y="2412324"/>
-              <a:ext cx="2372939" cy="151939"/>
-            </a:xfrm>
-            <a:prstGeom prst="rect">
-              <a:avLst/>
-            </a:prstGeom>
-            <a:noFill/>
-          </p:spPr>
-          <p:txBody>
-            <a:bodyPr wrap="square" rtlCol="0">
-              <a:spAutoFit/>
-            </a:bodyPr>
-            <a:lstStyle/>
-            <a:p>
-              <a:pPr algn="l" fontAlgn="base">
-                <a:spcBef>
-                  <a:spcPct val="0"/>
-                </a:spcBef>
-                <a:spcAft>
-                  <a:spcPct val="0"/>
-                </a:spcAft>
-              </a:pPr>
-              <a:r>
-                <a:rPr lang="en-US" sz="1600" b="1" dirty="0">
-                  <a:solidFill>
-                    <a:schemeClr val="tx1">
-                      <a:lumMod val="65000"/>
-                      <a:lumOff val="35000"/>
-                    </a:schemeClr>
-                  </a:solidFill>
-                  <a:latin typeface="Arial" panose="020B0604020202020204" pitchFamily="34" charset="0"/>
-                  <a:ea typeface="微软雅黑" panose="020B0503020204020204" pitchFamily="34" charset="-122"/>
-                  <a:cs typeface="Clear Sans" panose="020B0503030202020304" pitchFamily="34" charset="0"/>
-                  <a:sym typeface="Arial" panose="020B0604020202020204" pitchFamily="34" charset="0"/>
-                </a:rPr>
-                <a:t>Word2Vec, Doc2Vec, FastText</a:t>
-              </a:r>
-            </a:p>
-          </p:txBody>
-        </p:sp>
-        <p:sp>
-          <p:nvSpPr>
-            <p:cNvPr id="165" name="Rectangle 164"/>
-            <p:cNvSpPr/>
-            <p:nvPr/>
-          </p:nvSpPr>
-          <p:spPr>
-            <a:xfrm>
-              <a:off x="8689521" y="2564403"/>
-              <a:ext cx="2372434" cy="1039541"/>
-            </a:xfrm>
-            <a:prstGeom prst="rect">
-              <a:avLst/>
-            </a:prstGeom>
-          </p:spPr>
-          <p:txBody>
-            <a:bodyPr wrap="square">
-              <a:spAutoFit/>
-            </a:bodyPr>
-            <a:lstStyle/>
-            <a:p>
-              <a:pPr marL="171450" indent="-171450">
-                <a:buFont typeface="Arial" panose="020B0604020202020204" pitchFamily="34" charset="0"/>
-                <a:buChar char="•"/>
-              </a:pPr>
-              <a:r>
-                <a:rPr lang="en-US" sz="1600">
-                  <a:solidFill>
-                    <a:schemeClr val="tx1">
-                      <a:lumMod val="50000"/>
-                      <a:lumOff val="50000"/>
-                    </a:schemeClr>
-                  </a:solidFill>
-                  <a:latin typeface="Arial" panose="020B0604020202020204" pitchFamily="34" charset="0"/>
-                  <a:ea typeface="微软雅黑" panose="020B0503020204020204" pitchFamily="34" charset="-122"/>
-                  <a:cs typeface="Clear Sans Light" panose="020B0303030202020304" pitchFamily="34" charset="0"/>
-                  <a:sym typeface="Arial" panose="020B0604020202020204" pitchFamily="34" charset="0"/>
-                </a:rPr>
-                <a:t>the cosine distance between product titles and search terms based on a Word2Vec, Doc2Vec, and FastText model</a:t>
-              </a:r>
-            </a:p>
-            <a:p>
-              <a:pPr marL="171450" indent="-171450">
-                <a:buFont typeface="Arial" panose="020B0604020202020204" pitchFamily="34" charset="0"/>
-                <a:buChar char="•"/>
-              </a:pPr>
-              <a:r>
-                <a:rPr lang="en-US" sz="1600">
-                  <a:solidFill>
-                    <a:schemeClr val="tx1">
-                      <a:lumMod val="50000"/>
-                      <a:lumOff val="50000"/>
-                    </a:schemeClr>
-                  </a:solidFill>
-                  <a:latin typeface="Arial" panose="020B0604020202020204" pitchFamily="34" charset="0"/>
-                  <a:ea typeface="微软雅黑" panose="020B0503020204020204" pitchFamily="34" charset="-122"/>
-                  <a:cs typeface="Clear Sans Light" panose="020B0303030202020304" pitchFamily="34" charset="0"/>
-                  <a:sym typeface="Arial" panose="020B0604020202020204" pitchFamily="34" charset="0"/>
-                </a:rPr>
-                <a:t>the cosine distance between product descriptions and search terms based on a Word2Vec, Doc2Vec, and FastText model</a:t>
-              </a:r>
-            </a:p>
-            <a:p>
-              <a:pPr marL="171450" indent="-171450">
-                <a:buFont typeface="Arial" panose="020B0604020202020204" pitchFamily="34" charset="0"/>
-                <a:buChar char="•"/>
-              </a:pPr>
-              <a:r>
-                <a:rPr lang="en-US" sz="1600">
-                  <a:solidFill>
-                    <a:schemeClr val="tx1">
-                      <a:lumMod val="50000"/>
-                      <a:lumOff val="50000"/>
-                    </a:schemeClr>
-                  </a:solidFill>
-                  <a:latin typeface="Arial" panose="020B0604020202020204" pitchFamily="34" charset="0"/>
-                  <a:ea typeface="微软雅黑" panose="020B0503020204020204" pitchFamily="34" charset="-122"/>
-                  <a:cs typeface="Clear Sans Light" panose="020B0303030202020304" pitchFamily="34" charset="0"/>
-                  <a:sym typeface="Arial" panose="020B0604020202020204" pitchFamily="34" charset="0"/>
-                </a:rPr>
-                <a:t>the cosine distance between product attributes and search terms based on a Word2Vec, Doc2Vec, and FastText model</a:t>
-              </a:r>
-            </a:p>
-          </p:txBody>
-        </p:sp>
-      </p:grpSp>
+            <a:miter lim="800000"/>
+            <a:headEnd/>
+            <a:tailEnd/>
+          </a:ln>
+        </p:spPr>
+      </p:pic>
     </p:spTree>
   </p:cSld>
   <p:clrMapOvr>
@@ -17026,7 +17013,7 @@
                             </p:stCondLst>
                             <p:childTnLst>
                               <p:par>
-                                <p:cTn id="19" presetID="22" presetClass="entr" presetSubtype="8" fill="hold" nodeType="afterEffect">
+                                <p:cTn id="19" presetID="10" presetClass="entr" presetSubtype="0" fill="hold" grpId="0" nodeType="afterEffect">
                                   <p:stCondLst>
                                     <p:cond delay="0"/>
                                   </p:stCondLst>
@@ -17039,7 +17026,7 @@
                                           </p:stCondLst>
                                         </p:cTn>
                                         <p:tgtEl>
-                                          <p:spTgt spid="13"/>
+                                          <p:spTgt spid="17"/>
                                         </p:tgtEl>
                                         <p:attrNameLst>
                                           <p:attrName>style.visibility</p:attrName>
@@ -17049,99 +17036,11 @@
                                         <p:strVal val="visible"/>
                                       </p:to>
                                     </p:set>
-                                    <p:animEffect transition="in" filter="wipe(left)">
+                                    <p:animEffect transition="in" filter="fade">
                                       <p:cBhvr>
                                         <p:cTn id="21" dur="500"/>
                                         <p:tgtEl>
-                                          <p:spTgt spid="13"/>
-                                        </p:tgtEl>
-                                      </p:cBhvr>
-                                    </p:animEffect>
-                                  </p:childTnLst>
-                                </p:cTn>
-                              </p:par>
-                            </p:childTnLst>
-                          </p:cTn>
-                        </p:par>
-                        <p:par>
-                          <p:cTn id="22" fill="hold">
-                            <p:stCondLst>
-                              <p:cond delay="2500"/>
-                            </p:stCondLst>
-                            <p:childTnLst>
-                              <p:par>
-                                <p:cTn id="23" presetID="22" presetClass="entr" presetSubtype="8" fill="hold" nodeType="afterEffect">
-                                  <p:stCondLst>
-                                    <p:cond delay="0"/>
-                                  </p:stCondLst>
-                                  <p:childTnLst>
-                                    <p:set>
-                                      <p:cBhvr>
-                                        <p:cTn id="24" dur="1" fill="hold">
-                                          <p:stCondLst>
-                                            <p:cond delay="0"/>
-                                          </p:stCondLst>
-                                        </p:cTn>
-                                        <p:tgtEl>
-                                          <p:spTgt spid="160"/>
-                                        </p:tgtEl>
-                                        <p:attrNameLst>
-                                          <p:attrName>style.visibility</p:attrName>
-                                        </p:attrNameLst>
-                                      </p:cBhvr>
-                                      <p:to>
-                                        <p:strVal val="visible"/>
-                                      </p:to>
-                                    </p:set>
-                                    <p:animEffect transition="in" filter="wipe(left)">
-                                      <p:cBhvr>
-                                        <p:cTn id="25" dur="500"/>
-                                        <p:tgtEl>
-                                          <p:spTgt spid="160"/>
-                                        </p:tgtEl>
-                                      </p:cBhvr>
-                                    </p:animEffect>
-                                  </p:childTnLst>
-                                </p:cTn>
-                              </p:par>
-                            </p:childTnLst>
-                          </p:cTn>
-                        </p:par>
-                        <p:par>
-                          <p:cTn id="26" fill="hold">
-                            <p:stCondLst>
-                              <p:cond delay="3000"/>
-                            </p:stCondLst>
-                            <p:childTnLst>
-                              <p:par>
-                                <p:cTn id="27" presetID="22" presetClass="entr" presetSubtype="8" fill="hold" nodeType="afterEffect">
-                                  <p:stCondLst>
-                                    <p:cond delay="0"/>
-                                  </p:stCondLst>
-                                  <p:childTnLst>
-                                    <p:set>
-                                      <p:cBhvr>
-                                        <p:cTn id="28" dur="1" fill="hold">
-                                          <p:stCondLst>
-                                            <p:cond delay="0"/>
-                                          </p:stCondLst>
-                                        </p:cTn>
-                                        <p:tgtEl>
-                                          <p:spTgt spid="163"/>
-                                        </p:tgtEl>
-                                        <p:attrNameLst>
-                                          <p:attrName>style.visibility</p:attrName>
-                                        </p:attrNameLst>
-                                      </p:cBhvr>
-                                      <p:to>
-                                        <p:strVal val="visible"/>
-                                      </p:to>
-                                    </p:set>
-                                    <p:animEffect transition="in" filter="wipe(left)">
-                                      <p:cBhvr>
-                                        <p:cTn id="29" dur="500"/>
-                                        <p:tgtEl>
-                                          <p:spTgt spid="163"/>
+                                          <p:spTgt spid="17"/>
                                         </p:tgtEl>
                                       </p:cBhvr>
                                     </p:animEffect>
@@ -17179,6 +17078,7 @@
       <p:bldP spid="2" grpId="0" bldLvl="0" animBg="1"/>
       <p:bldP spid="100" grpId="0"/>
       <p:bldP spid="101" grpId="0"/>
+      <p:bldP spid="17" grpId="0"/>
     </p:bldLst>
   </p:timing>
 </p:sld>
@@ -17445,7 +17345,7 @@
   <a:extraClrSchemeLst/>
   <a:extLst>
     <a:ext uri="{05A4C25C-085E-4340-85A3-A5531E510DB2}">
-      <thm15:themeFamily xmlns:thm15="http://schemas.microsoft.com/office/thememl/2012/main" xmlns="" name="Office Theme" id="{62F939B6-93AF-4DB8-9C6B-D6C7DFDC589F}" vid="{4A3C46E8-61CC-4603-A589-7422A47A8E4A}"/>
+      <thm15:themeFamily xmlns="" xmlns:thm15="http://schemas.microsoft.com/office/thememl/2012/main" name="Office Theme" id="{62F939B6-93AF-4DB8-9C6B-D6C7DFDC589F}" vid="{4A3C46E8-61CC-4603-A589-7422A47A8E4A}"/>
     </a:ext>
   </a:extLst>
 </a:theme>
@@ -17706,7 +17606,7 @@
   <a:extraClrSchemeLst/>
   <a:extLst>
     <a:ext uri="{05A4C25C-085E-4340-85A3-A5531E510DB2}">
-      <thm15:themeFamily xmlns:thm15="http://schemas.microsoft.com/office/thememl/2012/main" xmlns="" name="Office Theme" id="{62F939B6-93AF-4DB8-9C6B-D6C7DFDC589F}" vid="{4A3C46E8-61CC-4603-A589-7422A47A8E4A}"/>
+      <thm15:themeFamily xmlns="" xmlns:thm15="http://schemas.microsoft.com/office/thememl/2012/main" name="Office Theme" id="{62F939B6-93AF-4DB8-9C6B-D6C7DFDC589F}" vid="{4A3C46E8-61CC-4603-A589-7422A47A8E4A}"/>
     </a:ext>
   </a:extLst>
 </a:theme>
@@ -17967,7 +17867,7 @@
   <a:extraClrSchemeLst/>
   <a:extLst>
     <a:ext uri="{05A4C25C-085E-4340-85A3-A5531E510DB2}">
-      <thm15:themeFamily xmlns:thm15="http://schemas.microsoft.com/office/thememl/2012/main" xmlns="" name="Office Theme" id="{62F939B6-93AF-4DB8-9C6B-D6C7DFDC589F}" vid="{4A3C46E8-61CC-4603-A589-7422A47A8E4A}"/>
+      <thm15:themeFamily xmlns="" xmlns:thm15="http://schemas.microsoft.com/office/thememl/2012/main" name="Office Theme" id="{62F939B6-93AF-4DB8-9C6B-D6C7DFDC589F}" vid="{4A3C46E8-61CC-4603-A589-7422A47A8E4A}"/>
     </a:ext>
   </a:extLst>
 </a:theme>

--- a/Capstone Project 2/Capstone Project 2.pptx
+++ b/Capstone Project 2/Capstone Project 2.pptx
@@ -208,7 +208,7 @@
             <a:fld id="{0F9B84EA-7D68-4D60-9CB1-D50884785D1C}" type="datetimeFigureOut">
               <a:rPr lang="zh-CN" altLang="en-US" smtClean="0"/>
               <a:pPr/>
-              <a:t>2019-10-22</a:t>
+              <a:t>2019-10-28</a:t>
             </a:fld>
             <a:endParaRPr lang="zh-CN" altLang="en-US"/>
           </a:p>
@@ -370,7 +370,7 @@
             <a:fld id="{D2A48B96-639E-45A3-A0BA-2464DFDB1FAA}" type="datetimeFigureOut">
               <a:rPr lang="zh-CN" altLang="en-US" smtClean="0"/>
               <a:pPr/>
-              <a:t>2019-10-22</a:t>
+              <a:t>2019-10-28</a:t>
             </a:fld>
             <a:endParaRPr lang="zh-CN" altLang="en-US"/>
           </a:p>
@@ -890,7 +890,7 @@
             <a:fld id="{3D7C03AA-D59E-4F38-9F50-6993286DD190}" type="datetimeFigureOut">
               <a:rPr lang="en-US" smtClean="0"/>
               <a:pPr/>
-              <a:t>10/22/2019</a:t>
+              <a:t>10/28/2019</a:t>
             </a:fld>
             <a:endParaRPr lang="en-US"/>
           </a:p>
@@ -1055,7 +1055,7 @@
             <a:fld id="{3D7C03AA-D59E-4F38-9F50-6993286DD190}" type="datetimeFigureOut">
               <a:rPr lang="en-US" smtClean="0"/>
               <a:pPr/>
-              <a:t>10/22/2019</a:t>
+              <a:t>10/28/2019</a:t>
             </a:fld>
             <a:endParaRPr lang="en-US"/>
           </a:p>
@@ -1230,7 +1230,7 @@
             <a:fld id="{3D7C03AA-D59E-4F38-9F50-6993286DD190}" type="datetimeFigureOut">
               <a:rPr lang="en-US" smtClean="0"/>
               <a:pPr/>
-              <a:t>10/22/2019</a:t>
+              <a:t>10/28/2019</a:t>
             </a:fld>
             <a:endParaRPr lang="en-US"/>
           </a:p>
@@ -1395,7 +1395,7 @@
             <a:fld id="{3D7C03AA-D59E-4F38-9F50-6993286DD190}" type="datetimeFigureOut">
               <a:rPr lang="en-US" smtClean="0"/>
               <a:pPr/>
-              <a:t>10/22/2019</a:t>
+              <a:t>10/28/2019</a:t>
             </a:fld>
             <a:endParaRPr lang="en-US"/>
           </a:p>
@@ -1637,7 +1637,7 @@
             <a:fld id="{3D7C03AA-D59E-4F38-9F50-6993286DD190}" type="datetimeFigureOut">
               <a:rPr lang="en-US" smtClean="0"/>
               <a:pPr/>
-              <a:t>10/22/2019</a:t>
+              <a:t>10/28/2019</a:t>
             </a:fld>
             <a:endParaRPr lang="en-US"/>
           </a:p>
@@ -1863,7 +1863,7 @@
             <a:fld id="{3D7C03AA-D59E-4F38-9F50-6993286DD190}" type="datetimeFigureOut">
               <a:rPr lang="en-US" smtClean="0"/>
               <a:pPr/>
-              <a:t>10/22/2019</a:t>
+              <a:t>10/28/2019</a:t>
             </a:fld>
             <a:endParaRPr lang="en-US"/>
           </a:p>
@@ -2224,7 +2224,7 @@
             <a:fld id="{3D7C03AA-D59E-4F38-9F50-6993286DD190}" type="datetimeFigureOut">
               <a:rPr lang="en-US" smtClean="0"/>
               <a:pPr/>
-              <a:t>10/22/2019</a:t>
+              <a:t>10/28/2019</a:t>
             </a:fld>
             <a:endParaRPr lang="en-US"/>
           </a:p>
@@ -2338,7 +2338,7 @@
             <a:fld id="{3D7C03AA-D59E-4F38-9F50-6993286DD190}" type="datetimeFigureOut">
               <a:rPr lang="en-US" smtClean="0"/>
               <a:pPr/>
-              <a:t>10/22/2019</a:t>
+              <a:t>10/28/2019</a:t>
             </a:fld>
             <a:endParaRPr lang="en-US"/>
           </a:p>
@@ -2430,7 +2430,7 @@
             <a:fld id="{3D7C03AA-D59E-4F38-9F50-6993286DD190}" type="datetimeFigureOut">
               <a:rPr lang="en-US" smtClean="0"/>
               <a:pPr/>
-              <a:t>10/22/2019</a:t>
+              <a:t>10/28/2019</a:t>
             </a:fld>
             <a:endParaRPr lang="en-US"/>
           </a:p>
@@ -2702,7 +2702,7 @@
             <a:fld id="{3D7C03AA-D59E-4F38-9F50-6993286DD190}" type="datetimeFigureOut">
               <a:rPr lang="en-US" smtClean="0"/>
               <a:pPr/>
-              <a:t>10/22/2019</a:t>
+              <a:t>10/28/2019</a:t>
             </a:fld>
             <a:endParaRPr lang="en-US"/>
           </a:p>
@@ -2951,7 +2951,7 @@
             <a:fld id="{3D7C03AA-D59E-4F38-9F50-6993286DD190}" type="datetimeFigureOut">
               <a:rPr lang="en-US" smtClean="0"/>
               <a:pPr/>
-              <a:t>10/22/2019</a:t>
+              <a:t>10/28/2019</a:t>
             </a:fld>
             <a:endParaRPr lang="en-US"/>
           </a:p>
@@ -3159,7 +3159,7 @@
             <a:fld id="{3D7C03AA-D59E-4F38-9F50-6993286DD190}" type="datetimeFigureOut">
               <a:rPr lang="en-US" smtClean="0"/>
               <a:pPr/>
-              <a:t>10/22/2019</a:t>
+              <a:t>10/28/2019</a:t>
             </a:fld>
             <a:endParaRPr lang="en-US"/>
           </a:p>
@@ -3711,7 +3711,7 @@
     <a:masterClrMapping/>
   </p:clrMapOvr>
   <mc:AlternateContent xmlns:mc="http://schemas.openxmlformats.org/markup-compatibility/2006">
-    <mc:Choice xmlns="" xmlns:p14="http://schemas.microsoft.com/office/powerpoint/2010/main" Requires="p14">
+    <mc:Choice xmlns:p14="http://schemas.microsoft.com/office/powerpoint/2010/main" xmlns="" Requires="p14">
       <p:transition spd="slow" p14:dur="1500" advTm="0">
         <p:split orient="vert"/>
       </p:transition>
@@ -5975,7 +5975,7 @@
     <a:masterClrMapping/>
   </p:clrMapOvr>
   <mc:AlternateContent xmlns:mc="http://schemas.openxmlformats.org/markup-compatibility/2006">
-    <mc:Choice xmlns="" xmlns:p14="http://schemas.microsoft.com/office/powerpoint/2010/main" Requires="p14">
+    <mc:Choice xmlns:p14="http://schemas.microsoft.com/office/powerpoint/2010/main" xmlns="" Requires="p14">
       <p:transition spd="slow" p14:dur="3400" advTm="0">
         <p14:reveal/>
       </p:transition>
@@ -8496,7 +8496,7 @@
     <a:masterClrMapping/>
   </p:clrMapOvr>
   <mc:AlternateContent xmlns:mc="http://schemas.openxmlformats.org/markup-compatibility/2006">
-    <mc:Choice xmlns="" xmlns:p14="http://schemas.microsoft.com/office/powerpoint/2010/main" Requires="p14">
+    <mc:Choice xmlns:p14="http://schemas.microsoft.com/office/powerpoint/2010/main" xmlns="" Requires="p14">
       <p:transition spd="slow" p14:dur="3400" advTm="0">
         <p14:reveal/>
       </p:transition>
@@ -9226,7 +9226,7 @@
     <a:masterClrMapping/>
   </p:clrMapOvr>
   <mc:AlternateContent xmlns:mc="http://schemas.openxmlformats.org/markup-compatibility/2006">
-    <mc:Choice xmlns="" xmlns:p14="http://schemas.microsoft.com/office/powerpoint/2010/main" Requires="p14">
+    <mc:Choice xmlns:p14="http://schemas.microsoft.com/office/powerpoint/2010/main" xmlns="" Requires="p14">
       <p:transition spd="slow" p14:dur="3400" advTm="0">
         <p14:reveal/>
       </p:transition>
@@ -9548,7 +9548,7 @@
     <a:masterClrMapping/>
   </p:clrMapOvr>
   <mc:AlternateContent xmlns:mc="http://schemas.openxmlformats.org/markup-compatibility/2006">
-    <mc:Choice xmlns="" xmlns:p14="http://schemas.microsoft.com/office/powerpoint/2010/main" Requires="p14">
+    <mc:Choice xmlns:p14="http://schemas.microsoft.com/office/powerpoint/2010/main" xmlns="" Requires="p14">
       <p:transition spd="slow" p14:dur="1500" advTm="0">
         <p:split orient="vert"/>
       </p:transition>
@@ -11077,7 +11077,7 @@
     <a:masterClrMapping/>
   </p:clrMapOvr>
   <mc:AlternateContent xmlns:mc="http://schemas.openxmlformats.org/markup-compatibility/2006">
-    <mc:Choice xmlns="" xmlns:p14="http://schemas.microsoft.com/office/powerpoint/2010/main" Requires="p14">
+    <mc:Choice xmlns:p14="http://schemas.microsoft.com/office/powerpoint/2010/main" xmlns="" Requires="p14">
       <p:transition spd="med" p14:dur="700" advTm="0">
         <p:fade/>
       </p:transition>
@@ -12585,7 +12585,7 @@
     <a:masterClrMapping/>
   </p:clrMapOvr>
   <mc:AlternateContent xmlns:mc="http://schemas.openxmlformats.org/markup-compatibility/2006">
-    <mc:Choice xmlns="" xmlns:p14="http://schemas.microsoft.com/office/powerpoint/2010/main" Requires="p14">
+    <mc:Choice xmlns:p14="http://schemas.microsoft.com/office/powerpoint/2010/main" xmlns="" Requires="p14">
       <p:transition spd="slow" p14:dur="3400" advTm="0">
         <p14:reveal/>
       </p:transition>
@@ -13118,7 +13118,7 @@
     <a:masterClrMapping/>
   </p:clrMapOvr>
   <mc:AlternateContent xmlns:mc="http://schemas.openxmlformats.org/markup-compatibility/2006">
-    <mc:Choice xmlns="" xmlns:p14="http://schemas.microsoft.com/office/powerpoint/2010/main" Requires="p14">
+    <mc:Choice xmlns:p14="http://schemas.microsoft.com/office/powerpoint/2010/main" xmlns="" Requires="p14">
       <p:transition spd="slow" p14:dur="3400" advTm="0">
         <p14:reveal/>
       </p:transition>
@@ -13735,7 +13735,7 @@
     <a:masterClrMapping/>
   </p:clrMapOvr>
   <mc:AlternateContent xmlns:mc="http://schemas.openxmlformats.org/markup-compatibility/2006">
-    <mc:Choice xmlns="" xmlns:p14="http://schemas.microsoft.com/office/powerpoint/2010/main" Requires="p14">
+    <mc:Choice xmlns:p14="http://schemas.microsoft.com/office/powerpoint/2010/main" xmlns="" Requires="p14">
       <p:transition spd="slow" p14:dur="3400" advTm="0">
         <p14:reveal/>
       </p:transition>
@@ -14248,22 +14248,7 @@
                 <a:cs typeface="Clear Sans Light" panose="020B0303030202020304" pitchFamily="34" charset="0"/>
                 <a:sym typeface="Arial" panose="020B0604020202020204" pitchFamily="34" charset="0"/>
               </a:rPr>
-              <a:t>t</a:t>
-            </a:r>
-            <a:r>
-              <a:rPr lang="en-US" sz="2000" dirty="0" smtClean="0">
-                <a:solidFill>
-                  <a:schemeClr val="tx1">
-                    <a:lumMod val="50000"/>
-                    <a:lumOff val="50000"/>
-                  </a:schemeClr>
-                </a:solidFill>
-                <a:latin typeface="Arial" panose="020B0604020202020204" pitchFamily="34" charset="0"/>
-                <a:ea typeface="微软雅黑" panose="020B0503020204020204" pitchFamily="34" charset="-122"/>
-                <a:cs typeface="Clear Sans Light" panose="020B0303030202020304" pitchFamily="34" charset="0"/>
-                <a:sym typeface="Arial" panose="020B0604020202020204" pitchFamily="34" charset="0"/>
-              </a:rPr>
-              <a:t>okenizing </a:t>
+              <a:t>tokenizing </a:t>
             </a:r>
             <a:r>
               <a:rPr lang="en-US" sz="2000" dirty="0">
@@ -14451,7 +14436,7 @@
     <a:masterClrMapping/>
   </p:clrMapOvr>
   <mc:AlternateContent xmlns:mc="http://schemas.openxmlformats.org/markup-compatibility/2006">
-    <mc:Choice xmlns="" xmlns:p14="http://schemas.microsoft.com/office/powerpoint/2010/main" Requires="p14">
+    <mc:Choice xmlns:p14="http://schemas.microsoft.com/office/powerpoint/2010/main" xmlns="" Requires="p14">
       <p:transition spd="slow" p14:dur="3400" advTm="0">
         <p14:reveal/>
       </p:transition>
@@ -14867,8 +14852,17 @@
                 <a:latin typeface="Arial" pitchFamily="34" charset="0"/>
                 <a:cs typeface="Arial" pitchFamily="34" charset="0"/>
               </a:rPr>
-              <a:t> Total </a:t>
-            </a:r>
+              <a:t> Total of 34 features</a:t>
+            </a:r>
+          </a:p>
+          <a:p>
+            <a:pPr>
+              <a:lnSpc>
+                <a:spcPct val="150000"/>
+              </a:lnSpc>
+              <a:buFont typeface="Arial" pitchFamily="34" charset="0"/>
+              <a:buChar char="•"/>
+            </a:pPr>
             <a:r>
               <a:rPr lang="en-US" sz="2000" dirty="0" smtClean="0">
                 <a:solidFill>
@@ -14879,8 +14873,17 @@
                 <a:latin typeface="Arial" pitchFamily="34" charset="0"/>
                 <a:cs typeface="Arial" pitchFamily="34" charset="0"/>
               </a:rPr>
-              <a:t>of 34 </a:t>
-            </a:r>
+              <a:t> Length of words</a:t>
+            </a:r>
+          </a:p>
+          <a:p>
+            <a:pPr>
+              <a:lnSpc>
+                <a:spcPct val="150000"/>
+              </a:lnSpc>
+              <a:buFont typeface="Arial" pitchFamily="34" charset="0"/>
+              <a:buChar char="•"/>
+            </a:pPr>
             <a:r>
               <a:rPr lang="en-US" sz="2000" dirty="0" smtClean="0">
                 <a:solidFill>
@@ -14891,7 +14894,7 @@
                 <a:latin typeface="Arial" pitchFamily="34" charset="0"/>
                 <a:cs typeface="Arial" pitchFamily="34" charset="0"/>
               </a:rPr>
-              <a:t>features</a:t>
+              <a:t> Word matching counts, </a:t>
             </a:r>
           </a:p>
           <a:p>
@@ -14912,8 +14915,17 @@
                 <a:latin typeface="Arial" pitchFamily="34" charset="0"/>
                 <a:cs typeface="Arial" pitchFamily="34" charset="0"/>
               </a:rPr>
-              <a:t> Length </a:t>
-            </a:r>
+              <a:t> Words ratio</a:t>
+            </a:r>
+          </a:p>
+          <a:p>
+            <a:pPr>
+              <a:lnSpc>
+                <a:spcPct val="150000"/>
+              </a:lnSpc>
+              <a:buFont typeface="Arial" pitchFamily="34" charset="0"/>
+              <a:buChar char="•"/>
+            </a:pPr>
             <a:r>
               <a:rPr lang="en-US" sz="2000" dirty="0" smtClean="0">
                 <a:solidFill>
@@ -14924,8 +14936,17 @@
                 <a:latin typeface="Arial" pitchFamily="34" charset="0"/>
                 <a:cs typeface="Arial" pitchFamily="34" charset="0"/>
               </a:rPr>
-              <a:t>of </a:t>
-            </a:r>
+              <a:t> TF-IDF, </a:t>
+            </a:r>
+          </a:p>
+          <a:p>
+            <a:pPr>
+              <a:lnSpc>
+                <a:spcPct val="150000"/>
+              </a:lnSpc>
+              <a:buFont typeface="Arial" pitchFamily="34" charset="0"/>
+              <a:buChar char="•"/>
+            </a:pPr>
             <a:r>
               <a:rPr lang="en-US" sz="2000" dirty="0" smtClean="0">
                 <a:solidFill>
@@ -14936,19 +14957,10 @@
                 <a:latin typeface="Arial" pitchFamily="34" charset="0"/>
                 <a:cs typeface="Arial" pitchFamily="34" charset="0"/>
               </a:rPr>
-              <a:t>words</a:t>
-            </a:r>
-          </a:p>
-          <a:p>
-            <a:pPr>
-              <a:lnSpc>
-                <a:spcPct val="150000"/>
-              </a:lnSpc>
-              <a:buFont typeface="Arial" pitchFamily="34" charset="0"/>
-              <a:buChar char="•"/>
-            </a:pPr>
-            <a:r>
-              <a:rPr lang="en-US" sz="2000" dirty="0" smtClean="0">
+              <a:t> Cosine distance of Word2Vec, Doc2Vec, and </a:t>
+            </a:r>
+            <a:r>
+              <a:rPr lang="en-US" sz="2000" dirty="0" err="1" smtClean="0">
                 <a:solidFill>
                   <a:schemeClr val="bg2">
                     <a:lumMod val="50000"/>
@@ -14957,31 +14969,7 @@
                 <a:latin typeface="Arial" pitchFamily="34" charset="0"/>
                 <a:cs typeface="Arial" pitchFamily="34" charset="0"/>
               </a:rPr>
-              <a:t> W</a:t>
-            </a:r>
-            <a:r>
-              <a:rPr lang="en-US" sz="2000" dirty="0" smtClean="0">
-                <a:solidFill>
-                  <a:schemeClr val="bg2">
-                    <a:lumMod val="50000"/>
-                  </a:schemeClr>
-                </a:solidFill>
-                <a:latin typeface="Arial" pitchFamily="34" charset="0"/>
-                <a:cs typeface="Arial" pitchFamily="34" charset="0"/>
-              </a:rPr>
-              <a:t>ord </a:t>
-            </a:r>
-            <a:r>
-              <a:rPr lang="en-US" sz="2000" dirty="0" smtClean="0">
-                <a:solidFill>
-                  <a:schemeClr val="bg2">
-                    <a:lumMod val="50000"/>
-                  </a:schemeClr>
-                </a:solidFill>
-                <a:latin typeface="Arial" pitchFamily="34" charset="0"/>
-                <a:cs typeface="Arial" pitchFamily="34" charset="0"/>
-              </a:rPr>
-              <a:t>matching counts, </a:t>
+              <a:t>FastText</a:t>
             </a:r>
             <a:endParaRPr lang="en-US" sz="2000" dirty="0" smtClean="0">
               <a:solidFill>
@@ -14992,39 +14980,6 @@
               <a:latin typeface="Arial" pitchFamily="34" charset="0"/>
               <a:cs typeface="Arial" pitchFamily="34" charset="0"/>
             </a:endParaRPr>
-          </a:p>
-          <a:p>
-            <a:pPr>
-              <a:lnSpc>
-                <a:spcPct val="150000"/>
-              </a:lnSpc>
-              <a:buFont typeface="Arial" pitchFamily="34" charset="0"/>
-              <a:buChar char="•"/>
-            </a:pPr>
-            <a:r>
-              <a:rPr lang="en-US" sz="2000" dirty="0" smtClean="0">
-                <a:solidFill>
-                  <a:schemeClr val="bg2">
-                    <a:lumMod val="50000"/>
-                  </a:schemeClr>
-                </a:solidFill>
-                <a:latin typeface="Arial" pitchFamily="34" charset="0"/>
-                <a:cs typeface="Arial" pitchFamily="34" charset="0"/>
-              </a:rPr>
-              <a:t> W</a:t>
-            </a:r>
-            <a:r>
-              <a:rPr lang="en-US" sz="2000" dirty="0" smtClean="0">
-                <a:solidFill>
-                  <a:schemeClr val="bg2">
-                    <a:lumMod val="50000"/>
-                  </a:schemeClr>
-                </a:solidFill>
-                <a:latin typeface="Arial" pitchFamily="34" charset="0"/>
-                <a:cs typeface="Arial" pitchFamily="34" charset="0"/>
-              </a:rPr>
-              <a:t>ords ratio</a:t>
-            </a:r>
           </a:p>
           <a:p>
             <a:pPr>
@@ -15047,6 +15002,18 @@
               <a:t> </a:t>
             </a:r>
             <a:r>
+              <a:rPr lang="en-US" sz="2000" dirty="0" err="1" smtClean="0">
+                <a:solidFill>
+                  <a:schemeClr val="bg2">
+                    <a:lumMod val="50000"/>
+                  </a:schemeClr>
+                </a:solidFill>
+                <a:latin typeface="Arial" pitchFamily="34" charset="0"/>
+                <a:cs typeface="Arial" pitchFamily="34" charset="0"/>
+              </a:rPr>
+              <a:t>Jaccard</a:t>
+            </a:r>
+            <a:r>
               <a:rPr lang="en-US" sz="2000" dirty="0" smtClean="0">
                 <a:solidFill>
                   <a:schemeClr val="bg2">
@@ -15056,7 +15023,7 @@
                 <a:latin typeface="Arial" pitchFamily="34" charset="0"/>
                 <a:cs typeface="Arial" pitchFamily="34" charset="0"/>
               </a:rPr>
-              <a:t>TF-IDF, </a:t>
+              <a:t> distance</a:t>
             </a:r>
           </a:p>
           <a:p>
@@ -15080,42 +15047,6 @@
               <a:t> </a:t>
             </a:r>
             <a:r>
-              <a:rPr lang="en-US" sz="2000" dirty="0" smtClean="0">
-                <a:solidFill>
-                  <a:schemeClr val="bg2">
-                    <a:lumMod val="50000"/>
-                  </a:schemeClr>
-                </a:solidFill>
-                <a:latin typeface="Arial" pitchFamily="34" charset="0"/>
-                <a:cs typeface="Arial" pitchFamily="34" charset="0"/>
-              </a:rPr>
-              <a:t>Cosine </a:t>
-            </a:r>
-            <a:r>
-              <a:rPr lang="en-US" sz="2000" dirty="0" smtClean="0">
-                <a:solidFill>
-                  <a:schemeClr val="bg2">
-                    <a:lumMod val="50000"/>
-                  </a:schemeClr>
-                </a:solidFill>
-                <a:latin typeface="Arial" pitchFamily="34" charset="0"/>
-                <a:cs typeface="Arial" pitchFamily="34" charset="0"/>
-              </a:rPr>
-              <a:t>distance </a:t>
-            </a:r>
-            <a:r>
-              <a:rPr lang="en-US" sz="2000" dirty="0" smtClean="0">
-                <a:solidFill>
-                  <a:schemeClr val="bg2">
-                    <a:lumMod val="50000"/>
-                  </a:schemeClr>
-                </a:solidFill>
-                <a:latin typeface="Arial" pitchFamily="34" charset="0"/>
-                <a:cs typeface="Arial" pitchFamily="34" charset="0"/>
-              </a:rPr>
-              <a:t>of Word2Vec, Doc2Vec, and </a:t>
-            </a:r>
-            <a:r>
               <a:rPr lang="en-US" sz="2000" dirty="0" err="1" smtClean="0">
                 <a:solidFill>
                   <a:schemeClr val="bg2">
@@ -15125,49 +15056,7 @@
                 <a:latin typeface="Arial" pitchFamily="34" charset="0"/>
                 <a:cs typeface="Arial" pitchFamily="34" charset="0"/>
               </a:rPr>
-              <a:t>FastText</a:t>
-            </a:r>
-            <a:endParaRPr lang="en-US" sz="2000" dirty="0" smtClean="0">
-              <a:solidFill>
-                <a:schemeClr val="bg2">
-                  <a:lumMod val="50000"/>
-                </a:schemeClr>
-              </a:solidFill>
-              <a:latin typeface="Arial" pitchFamily="34" charset="0"/>
-              <a:cs typeface="Arial" pitchFamily="34" charset="0"/>
-            </a:endParaRPr>
-          </a:p>
-          <a:p>
-            <a:pPr>
-              <a:lnSpc>
-                <a:spcPct val="150000"/>
-              </a:lnSpc>
-              <a:buFont typeface="Arial" pitchFamily="34" charset="0"/>
-              <a:buChar char="•"/>
-            </a:pPr>
-            <a:r>
-              <a:rPr lang="en-US" sz="2000" dirty="0" smtClean="0">
-                <a:solidFill>
-                  <a:schemeClr val="bg2">
-                    <a:lumMod val="50000"/>
-                  </a:schemeClr>
-                </a:solidFill>
-                <a:latin typeface="Arial" pitchFamily="34" charset="0"/>
-                <a:cs typeface="Arial" pitchFamily="34" charset="0"/>
-              </a:rPr>
-              <a:t> </a:t>
-            </a:r>
-            <a:r>
-              <a:rPr lang="en-US" sz="2000" dirty="0" err="1" smtClean="0">
-                <a:solidFill>
-                  <a:schemeClr val="bg2">
-                    <a:lumMod val="50000"/>
-                  </a:schemeClr>
-                </a:solidFill>
-                <a:latin typeface="Arial" pitchFamily="34" charset="0"/>
-                <a:cs typeface="Arial" pitchFamily="34" charset="0"/>
-              </a:rPr>
-              <a:t>Jaccard</a:t>
+              <a:t>Levenshtein</a:t>
             </a:r>
             <a:r>
               <a:rPr lang="en-US" sz="2000" dirty="0" smtClean="0">
@@ -15180,63 +15069,6 @@
                 <a:cs typeface="Arial" pitchFamily="34" charset="0"/>
               </a:rPr>
               <a:t> distance</a:t>
-            </a:r>
-          </a:p>
-          <a:p>
-            <a:pPr>
-              <a:lnSpc>
-                <a:spcPct val="150000"/>
-              </a:lnSpc>
-              <a:buFont typeface="Arial" pitchFamily="34" charset="0"/>
-              <a:buChar char="•"/>
-            </a:pPr>
-            <a:r>
-              <a:rPr lang="en-US" sz="2000" dirty="0" smtClean="0">
-                <a:solidFill>
-                  <a:schemeClr val="bg2">
-                    <a:lumMod val="50000"/>
-                  </a:schemeClr>
-                </a:solidFill>
-                <a:latin typeface="Arial" pitchFamily="34" charset="0"/>
-                <a:cs typeface="Arial" pitchFamily="34" charset="0"/>
-              </a:rPr>
-              <a:t> </a:t>
-            </a:r>
-            <a:r>
-              <a:rPr lang="en-US" sz="2000" dirty="0" err="1" smtClean="0">
-                <a:solidFill>
-                  <a:schemeClr val="bg2">
-                    <a:lumMod val="50000"/>
-                  </a:schemeClr>
-                </a:solidFill>
-                <a:latin typeface="Arial" pitchFamily="34" charset="0"/>
-                <a:cs typeface="Arial" pitchFamily="34" charset="0"/>
-              </a:rPr>
-              <a:t>Levenshtein</a:t>
-            </a:r>
-            <a:r>
-              <a:rPr lang="en-US" sz="2000" dirty="0" smtClean="0">
-                <a:solidFill>
-                  <a:schemeClr val="bg2">
-                    <a:lumMod val="50000"/>
-                  </a:schemeClr>
-                </a:solidFill>
-                <a:latin typeface="Arial" pitchFamily="34" charset="0"/>
-                <a:cs typeface="Arial" pitchFamily="34" charset="0"/>
-              </a:rPr>
-              <a:t> </a:t>
-            </a:r>
-            <a:r>
-              <a:rPr lang="en-US" sz="2000" dirty="0" smtClean="0">
-                <a:solidFill>
-                  <a:schemeClr val="bg2">
-                    <a:lumMod val="50000"/>
-                  </a:schemeClr>
-                </a:solidFill>
-                <a:latin typeface="Arial" pitchFamily="34" charset="0"/>
-                <a:cs typeface="Arial" pitchFamily="34" charset="0"/>
-              </a:rPr>
-              <a:t>distance</a:t>
             </a:r>
             <a:endParaRPr lang="en-US" sz="2000" dirty="0">
               <a:solidFill>
@@ -15785,37 +15617,7 @@
                 <a:cs typeface="Clear Sans Light" panose="020B0303030202020304" pitchFamily="34" charset="0"/>
                 <a:sym typeface="Arial" panose="020B0604020202020204" pitchFamily="34" charset="0"/>
               </a:rPr>
-              <a:t>: </a:t>
-            </a:r>
-            <a:r>
-              <a:rPr lang="en-US" dirty="0" smtClean="0">
-                <a:solidFill>
-                  <a:schemeClr val="tx1">
-                    <a:lumMod val="50000"/>
-                    <a:lumOff val="50000"/>
-                  </a:schemeClr>
-                </a:solidFill>
-                <a:latin typeface="Arial" panose="020B0604020202020204" pitchFamily="34" charset="0"/>
-                <a:ea typeface="微软雅黑" panose="020B0503020204020204" pitchFamily="34" charset="-122"/>
-                <a:cs typeface="Clear Sans Light" panose="020B0303030202020304" pitchFamily="34" charset="0"/>
-                <a:sym typeface="Arial" panose="020B0604020202020204" pitchFamily="34" charset="0"/>
-              </a:rPr>
-              <a:t>t</a:t>
-            </a:r>
-            <a:r>
-              <a:rPr lang="en-US" dirty="0" smtClean="0">
-                <a:solidFill>
-                  <a:schemeClr val="tx1">
-                    <a:lumMod val="50000"/>
-                    <a:lumOff val="50000"/>
-                  </a:schemeClr>
-                </a:solidFill>
-                <a:latin typeface="Arial" panose="020B0604020202020204" pitchFamily="34" charset="0"/>
-                <a:ea typeface="微软雅黑" panose="020B0503020204020204" pitchFamily="34" charset="-122"/>
-                <a:cs typeface="Clear Sans Light" panose="020B0303030202020304" pitchFamily="34" charset="0"/>
-                <a:sym typeface="Arial" panose="020B0604020202020204" pitchFamily="34" charset="0"/>
-              </a:rPr>
-              <a:t>he ratio of the number of the number of matching words in the product titles and search terms</a:t>
+              <a:t>: the ratio of the number of the number of matching words in the product titles and search terms</a:t>
             </a:r>
           </a:p>
           <a:p>
@@ -16613,22 +16415,7 @@
                 <a:cs typeface="Clear Sans Light" panose="020B0303030202020304" pitchFamily="34" charset="0"/>
                 <a:sym typeface="Arial" panose="020B0604020202020204" pitchFamily="34" charset="0"/>
               </a:rPr>
-              <a:t>leven_in</a:t>
-            </a:r>
-            <a:r>
-              <a:rPr lang="en-US" dirty="0" err="1" smtClean="0">
-                <a:solidFill>
-                  <a:schemeClr val="tx1">
-                    <a:lumMod val="50000"/>
-                    <a:lumOff val="50000"/>
-                  </a:schemeClr>
-                </a:solidFill>
-                <a:latin typeface="Arial" panose="020B0604020202020204" pitchFamily="34" charset="0"/>
-                <a:ea typeface="微软雅黑" panose="020B0503020204020204" pitchFamily="34" charset="-122"/>
-                <a:cs typeface="Clear Sans Light" panose="020B0303030202020304" pitchFamily="34" charset="0"/>
-                <a:sym typeface="Arial" panose="020B0604020202020204" pitchFamily="34" charset="0"/>
-              </a:rPr>
-              <a:t>_titile</a:t>
+              <a:t>leven_in_titile</a:t>
             </a:r>
             <a:r>
               <a:rPr lang="en-US" dirty="0" smtClean="0">
@@ -16735,18 +16522,6 @@
               </a:rPr>
               <a:t> model</a:t>
             </a:r>
-            <a:endParaRPr lang="en-US" dirty="0" smtClean="0">
-              <a:solidFill>
-                <a:schemeClr val="tx1">
-                  <a:lumMod val="50000"/>
-                  <a:lumOff val="50000"/>
-                </a:schemeClr>
-              </a:solidFill>
-              <a:latin typeface="Arial" panose="020B0604020202020204" pitchFamily="34" charset="0"/>
-              <a:ea typeface="微软雅黑" panose="020B0503020204020204" pitchFamily="34" charset="-122"/>
-              <a:cs typeface="Clear Sans Light" panose="020B0303030202020304" pitchFamily="34" charset="0"/>
-              <a:sym typeface="Arial" panose="020B0604020202020204" pitchFamily="34" charset="0"/>
-            </a:endParaRPr>
           </a:p>
           <a:p>
             <a:pPr marL="285750" indent="-285750" algn="l">
@@ -17345,7 +17120,7 @@
   <a:extraClrSchemeLst/>
   <a:extLst>
     <a:ext uri="{05A4C25C-085E-4340-85A3-A5531E510DB2}">
-      <thm15:themeFamily xmlns="" xmlns:thm15="http://schemas.microsoft.com/office/thememl/2012/main" name="Office Theme" id="{62F939B6-93AF-4DB8-9C6B-D6C7DFDC589F}" vid="{4A3C46E8-61CC-4603-A589-7422A47A8E4A}"/>
+      <thm15:themeFamily xmlns:thm15="http://schemas.microsoft.com/office/thememl/2012/main" xmlns="" name="Office Theme" id="{62F939B6-93AF-4DB8-9C6B-D6C7DFDC589F}" vid="{4A3C46E8-61CC-4603-A589-7422A47A8E4A}"/>
     </a:ext>
   </a:extLst>
 </a:theme>
@@ -17606,7 +17381,7 @@
   <a:extraClrSchemeLst/>
   <a:extLst>
     <a:ext uri="{05A4C25C-085E-4340-85A3-A5531E510DB2}">
-      <thm15:themeFamily xmlns="" xmlns:thm15="http://schemas.microsoft.com/office/thememl/2012/main" name="Office Theme" id="{62F939B6-93AF-4DB8-9C6B-D6C7DFDC589F}" vid="{4A3C46E8-61CC-4603-A589-7422A47A8E4A}"/>
+      <thm15:themeFamily xmlns:thm15="http://schemas.microsoft.com/office/thememl/2012/main" xmlns="" name="Office Theme" id="{62F939B6-93AF-4DB8-9C6B-D6C7DFDC589F}" vid="{4A3C46E8-61CC-4603-A589-7422A47A8E4A}"/>
     </a:ext>
   </a:extLst>
 </a:theme>
@@ -17867,7 +17642,7 @@
   <a:extraClrSchemeLst/>
   <a:extLst>
     <a:ext uri="{05A4C25C-085E-4340-85A3-A5531E510DB2}">
-      <thm15:themeFamily xmlns="" xmlns:thm15="http://schemas.microsoft.com/office/thememl/2012/main" name="Office Theme" id="{62F939B6-93AF-4DB8-9C6B-D6C7DFDC589F}" vid="{4A3C46E8-61CC-4603-A589-7422A47A8E4A}"/>
+      <thm15:themeFamily xmlns:thm15="http://schemas.microsoft.com/office/thememl/2012/main" xmlns="" name="Office Theme" id="{62F939B6-93AF-4DB8-9C6B-D6C7DFDC589F}" vid="{4A3C46E8-61CC-4603-A589-7422A47A8E4A}"/>
     </a:ext>
   </a:extLst>
 </a:theme>
